--- a/reports/Final Report.pptx
+++ b/reports/Final Report.pptx
@@ -5,10 +5,10 @@
     <p:sldMasterId id="2147483648" r:id="rId1"/>
   </p:sldMasterIdLst>
   <p:notesMasterIdLst>
-    <p:notesMasterId r:id="rId22"/>
+    <p:notesMasterId r:id="rId28"/>
   </p:notesMasterIdLst>
   <p:handoutMasterIdLst>
-    <p:handoutMasterId r:id="rId23"/>
+    <p:handoutMasterId r:id="rId29"/>
   </p:handoutMasterIdLst>
   <p:sldIdLst>
     <p:sldId id="256" r:id="rId2"/>
@@ -26,11 +26,17 @@
     <p:sldId id="277" r:id="rId14"/>
     <p:sldId id="274" r:id="rId15"/>
     <p:sldId id="273" r:id="rId16"/>
-    <p:sldId id="275" r:id="rId17"/>
-    <p:sldId id="272" r:id="rId18"/>
-    <p:sldId id="271" r:id="rId19"/>
-    <p:sldId id="279" r:id="rId20"/>
-    <p:sldId id="278" r:id="rId21"/>
+    <p:sldId id="281" r:id="rId17"/>
+    <p:sldId id="280" r:id="rId18"/>
+    <p:sldId id="285" r:id="rId19"/>
+    <p:sldId id="282" r:id="rId20"/>
+    <p:sldId id="283" r:id="rId21"/>
+    <p:sldId id="284" r:id="rId22"/>
+    <p:sldId id="275" r:id="rId23"/>
+    <p:sldId id="272" r:id="rId24"/>
+    <p:sldId id="271" r:id="rId25"/>
+    <p:sldId id="279" r:id="rId26"/>
+    <p:sldId id="278" r:id="rId27"/>
   </p:sldIdLst>
   <p:sldSz cx="9144000" cy="5143500" type="screen16x9"/>
   <p:notesSz cx="6858000" cy="9144000"/>
@@ -2464,21 +2470,7 @@
               <a:latin typeface="Arial" panose="020B0604020202020204" pitchFamily="34" charset="0"/>
               <a:cs typeface="Arial" panose="020B0604020202020204" pitchFamily="34" charset="0"/>
             </a:rPr>
-            <a:t>How can I use the </a:t>
-          </a:r>
-          <a:r>
-            <a:rPr lang="en-US" dirty="0" smtClean="0">
-              <a:latin typeface="Arial" panose="020B0604020202020204" pitchFamily="34" charset="0"/>
-              <a:cs typeface="Arial" panose="020B0604020202020204" pitchFamily="34" charset="0"/>
-            </a:rPr>
-            <a:t>labels / categories</a:t>
-          </a:r>
-          <a:r>
-            <a:rPr lang="en-US" dirty="0" smtClean="0">
-              <a:latin typeface="Arial" panose="020B0604020202020204" pitchFamily="34" charset="0"/>
-              <a:cs typeface="Arial" panose="020B0604020202020204" pitchFamily="34" charset="0"/>
-            </a:rPr>
-            <a:t>?</a:t>
+            <a:t>How can I use the labels / categories?</a:t>
           </a:r>
           <a:endParaRPr lang="en-US" dirty="0">
             <a:latin typeface="Arial" panose="020B0604020202020204" pitchFamily="34" charset="0"/>
@@ -2919,14 +2911,7 @@
               <a:latin typeface="Arial" panose="020B0604020202020204" pitchFamily="34" charset="0"/>
               <a:cs typeface="Arial" panose="020B0604020202020204" pitchFamily="34" charset="0"/>
             </a:rPr>
-            <a:t>Remove </a:t>
-          </a:r>
-          <a:r>
-            <a:rPr lang="en-US" dirty="0" smtClean="0">
-              <a:latin typeface="Arial" panose="020B0604020202020204" pitchFamily="34" charset="0"/>
-              <a:cs typeface="Arial" panose="020B0604020202020204" pitchFamily="34" charset="0"/>
-            </a:rPr>
-            <a:t>punctuation</a:t>
+            <a:t>Remove punctuation</a:t>
           </a:r>
           <a:endParaRPr lang="en-US" dirty="0">
             <a:latin typeface="Arial" panose="020B0604020202020204" pitchFamily="34" charset="0"/>
@@ -3122,14 +3107,7 @@
               <a:latin typeface="Arial" panose="020B0604020202020204" pitchFamily="34" charset="0"/>
               <a:cs typeface="Arial" panose="020B0604020202020204" pitchFamily="34" charset="0"/>
             </a:rPr>
-            <a:t>One row per </a:t>
-          </a:r>
-          <a:r>
-            <a:rPr lang="en-US" dirty="0" smtClean="0">
-              <a:latin typeface="Arial" panose="020B0604020202020204" pitchFamily="34" charset="0"/>
-              <a:cs typeface="Arial" panose="020B0604020202020204" pitchFamily="34" charset="0"/>
-            </a:rPr>
-            <a:t>“category + </a:t>
+            <a:t>One row per “category + </a:t>
           </a:r>
           <a:r>
             <a:rPr lang="en-US" dirty="0" err="1" smtClean="0">
@@ -3895,6 +3873,13 @@
         </dgm:presLayoutVars>
       </dgm:prSet>
       <dgm:spPr/>
+      <dgm:t>
+        <a:bodyPr/>
+        <a:lstStyle/>
+        <a:p>
+          <a:endParaRPr lang="en-US"/>
+        </a:p>
+      </dgm:t>
     </dgm:pt>
     <dgm:pt modelId="{EA6866F9-387D-462B-85BA-98FE561CD337}" type="pres">
       <dgm:prSet presAssocID="{22E8F6BB-144B-4941-B077-E7CDE6FF6464}" presName="node" presStyleLbl="node1" presStyleIdx="0" presStyleCnt="10">
@@ -3914,10 +3899,24 @@
     <dgm:pt modelId="{782F5C4C-9AE0-4B79-9F52-974C56098470}" type="pres">
       <dgm:prSet presAssocID="{BDC81F41-24C0-4458-B822-7358138E85FF}" presName="sibTrans" presStyleLbl="sibTrans1D1" presStyleIdx="0" presStyleCnt="9"/>
       <dgm:spPr/>
+      <dgm:t>
+        <a:bodyPr/>
+        <a:lstStyle/>
+        <a:p>
+          <a:endParaRPr lang="en-US"/>
+        </a:p>
+      </dgm:t>
     </dgm:pt>
     <dgm:pt modelId="{57E63D12-DDDF-4E25-B179-EBFD29101B7A}" type="pres">
       <dgm:prSet presAssocID="{BDC81F41-24C0-4458-B822-7358138E85FF}" presName="connectorText" presStyleLbl="sibTrans1D1" presStyleIdx="0" presStyleCnt="9"/>
       <dgm:spPr/>
+      <dgm:t>
+        <a:bodyPr/>
+        <a:lstStyle/>
+        <a:p>
+          <a:endParaRPr lang="en-US"/>
+        </a:p>
+      </dgm:t>
     </dgm:pt>
     <dgm:pt modelId="{C14555EE-8DC0-411D-B3B6-C507820ECABD}" type="pres">
       <dgm:prSet presAssocID="{15ADAD29-4A9D-46C0-8E85-AC4E3F714AAD}" presName="node" presStyleLbl="node1" presStyleIdx="1" presStyleCnt="10">
@@ -3937,10 +3936,24 @@
     <dgm:pt modelId="{64014CA6-3204-4083-B2D7-E6CD2518B698}" type="pres">
       <dgm:prSet presAssocID="{50D335BA-DFBD-4036-A60F-F70DD581F1E2}" presName="sibTrans" presStyleLbl="sibTrans1D1" presStyleIdx="1" presStyleCnt="9"/>
       <dgm:spPr/>
+      <dgm:t>
+        <a:bodyPr/>
+        <a:lstStyle/>
+        <a:p>
+          <a:endParaRPr lang="en-US"/>
+        </a:p>
+      </dgm:t>
     </dgm:pt>
     <dgm:pt modelId="{1A66AF83-9D73-4884-9486-AC67DD7673B9}" type="pres">
       <dgm:prSet presAssocID="{50D335BA-DFBD-4036-A60F-F70DD581F1E2}" presName="connectorText" presStyleLbl="sibTrans1D1" presStyleIdx="1" presStyleCnt="9"/>
       <dgm:spPr/>
+      <dgm:t>
+        <a:bodyPr/>
+        <a:lstStyle/>
+        <a:p>
+          <a:endParaRPr lang="en-US"/>
+        </a:p>
+      </dgm:t>
     </dgm:pt>
     <dgm:pt modelId="{A6ECC88B-056E-4605-9DBF-C87D49FDA5DB}" type="pres">
       <dgm:prSet presAssocID="{AF87DD75-50E1-49AA-9FEB-EF284F4F2DB4}" presName="node" presStyleLbl="node1" presStyleIdx="2" presStyleCnt="10">
@@ -3960,10 +3973,24 @@
     <dgm:pt modelId="{82D30C15-16EE-4B1D-8609-5CD318F065BB}" type="pres">
       <dgm:prSet presAssocID="{C407505E-FADC-4100-969A-73EB90A2440B}" presName="sibTrans" presStyleLbl="sibTrans1D1" presStyleIdx="2" presStyleCnt="9"/>
       <dgm:spPr/>
+      <dgm:t>
+        <a:bodyPr/>
+        <a:lstStyle/>
+        <a:p>
+          <a:endParaRPr lang="en-US"/>
+        </a:p>
+      </dgm:t>
     </dgm:pt>
     <dgm:pt modelId="{32E3F97D-47E7-4668-BAAD-83A5A6DF61DE}" type="pres">
       <dgm:prSet presAssocID="{C407505E-FADC-4100-969A-73EB90A2440B}" presName="connectorText" presStyleLbl="sibTrans1D1" presStyleIdx="2" presStyleCnt="9"/>
       <dgm:spPr/>
+      <dgm:t>
+        <a:bodyPr/>
+        <a:lstStyle/>
+        <a:p>
+          <a:endParaRPr lang="en-US"/>
+        </a:p>
+      </dgm:t>
     </dgm:pt>
     <dgm:pt modelId="{0A6FEB60-84FE-4ED2-A2CF-638AACA3EA41}" type="pres">
       <dgm:prSet presAssocID="{2BF03CC7-2B8F-4AED-820D-1A69A717BBBC}" presName="node" presStyleLbl="node1" presStyleIdx="3" presStyleCnt="10">
@@ -3983,10 +4010,24 @@
     <dgm:pt modelId="{1DD9AD99-51F6-41C2-969F-13B3F10D4851}" type="pres">
       <dgm:prSet presAssocID="{0C1BD3D3-EE1C-468A-AAD4-529861F3159F}" presName="sibTrans" presStyleLbl="sibTrans1D1" presStyleIdx="3" presStyleCnt="9"/>
       <dgm:spPr/>
+      <dgm:t>
+        <a:bodyPr/>
+        <a:lstStyle/>
+        <a:p>
+          <a:endParaRPr lang="en-US"/>
+        </a:p>
+      </dgm:t>
     </dgm:pt>
     <dgm:pt modelId="{2A374F8B-6D30-4A6F-980F-1DB4763ACE7E}" type="pres">
       <dgm:prSet presAssocID="{0C1BD3D3-EE1C-468A-AAD4-529861F3159F}" presName="connectorText" presStyleLbl="sibTrans1D1" presStyleIdx="3" presStyleCnt="9"/>
       <dgm:spPr/>
+      <dgm:t>
+        <a:bodyPr/>
+        <a:lstStyle/>
+        <a:p>
+          <a:endParaRPr lang="en-US"/>
+        </a:p>
+      </dgm:t>
     </dgm:pt>
     <dgm:pt modelId="{B9A76340-1C91-459C-BBCC-1FEE7067F3BA}" type="pres">
       <dgm:prSet presAssocID="{CB59E44E-E059-49F2-A5C1-C235AB3CD952}" presName="node" presStyleLbl="node1" presStyleIdx="4" presStyleCnt="10">
@@ -4006,10 +4047,24 @@
     <dgm:pt modelId="{1682577C-D3D4-4865-9571-1B0C06653462}" type="pres">
       <dgm:prSet presAssocID="{38F0A0A8-0E2D-4321-BDB3-75B811A89E5B}" presName="sibTrans" presStyleLbl="sibTrans1D1" presStyleIdx="4" presStyleCnt="9"/>
       <dgm:spPr/>
+      <dgm:t>
+        <a:bodyPr/>
+        <a:lstStyle/>
+        <a:p>
+          <a:endParaRPr lang="en-US"/>
+        </a:p>
+      </dgm:t>
     </dgm:pt>
     <dgm:pt modelId="{0F1D35CC-EC5C-420D-9609-3E85BC8E5C85}" type="pres">
       <dgm:prSet presAssocID="{38F0A0A8-0E2D-4321-BDB3-75B811A89E5B}" presName="connectorText" presStyleLbl="sibTrans1D1" presStyleIdx="4" presStyleCnt="9"/>
       <dgm:spPr/>
+      <dgm:t>
+        <a:bodyPr/>
+        <a:lstStyle/>
+        <a:p>
+          <a:endParaRPr lang="en-US"/>
+        </a:p>
+      </dgm:t>
     </dgm:pt>
     <dgm:pt modelId="{E19B0E56-DF8A-4A7A-A37D-82B6A73E95EB}" type="pres">
       <dgm:prSet presAssocID="{FA3ACDF3-A504-4891-BB36-535B02E95915}" presName="node" presStyleLbl="node1" presStyleIdx="5" presStyleCnt="10">
@@ -4029,10 +4084,24 @@
     <dgm:pt modelId="{28C4E97B-914A-4890-9C0E-BB2035E71740}" type="pres">
       <dgm:prSet presAssocID="{9AF5503A-29F8-468B-AF50-F925F40A970B}" presName="sibTrans" presStyleLbl="sibTrans1D1" presStyleIdx="5" presStyleCnt="9"/>
       <dgm:spPr/>
+      <dgm:t>
+        <a:bodyPr/>
+        <a:lstStyle/>
+        <a:p>
+          <a:endParaRPr lang="en-US"/>
+        </a:p>
+      </dgm:t>
     </dgm:pt>
     <dgm:pt modelId="{7BE350C5-FD9D-4E84-B0BD-34BE5AC73E54}" type="pres">
       <dgm:prSet presAssocID="{9AF5503A-29F8-468B-AF50-F925F40A970B}" presName="connectorText" presStyleLbl="sibTrans1D1" presStyleIdx="5" presStyleCnt="9"/>
       <dgm:spPr/>
+      <dgm:t>
+        <a:bodyPr/>
+        <a:lstStyle/>
+        <a:p>
+          <a:endParaRPr lang="en-US"/>
+        </a:p>
+      </dgm:t>
     </dgm:pt>
     <dgm:pt modelId="{8D781601-ED51-43F6-8D0A-DC6A4C04EF1A}" type="pres">
       <dgm:prSet presAssocID="{BC5F5671-2192-455A-8E0E-CE53C63A7BA3}" presName="node" presStyleLbl="node1" presStyleIdx="6" presStyleCnt="10">
@@ -4052,10 +4121,24 @@
     <dgm:pt modelId="{AB12F43E-E7AA-4D2E-8563-BB81618DCF8A}" type="pres">
       <dgm:prSet presAssocID="{19195064-EA8F-4AAC-A590-E2855789235F}" presName="sibTrans" presStyleLbl="sibTrans1D1" presStyleIdx="6" presStyleCnt="9"/>
       <dgm:spPr/>
+      <dgm:t>
+        <a:bodyPr/>
+        <a:lstStyle/>
+        <a:p>
+          <a:endParaRPr lang="en-US"/>
+        </a:p>
+      </dgm:t>
     </dgm:pt>
     <dgm:pt modelId="{32A73B5D-EC4C-4E47-98B4-F7A9ED6C23A3}" type="pres">
       <dgm:prSet presAssocID="{19195064-EA8F-4AAC-A590-E2855789235F}" presName="connectorText" presStyleLbl="sibTrans1D1" presStyleIdx="6" presStyleCnt="9"/>
       <dgm:spPr/>
+      <dgm:t>
+        <a:bodyPr/>
+        <a:lstStyle/>
+        <a:p>
+          <a:endParaRPr lang="en-US"/>
+        </a:p>
+      </dgm:t>
     </dgm:pt>
     <dgm:pt modelId="{9BA2CACA-8F1C-4D91-96FD-5AC100B40153}" type="pres">
       <dgm:prSet presAssocID="{0E86C63A-678D-486A-B580-E95A9F08D5AF}" presName="node" presStyleLbl="node1" presStyleIdx="7" presStyleCnt="10">
@@ -4075,10 +4158,24 @@
     <dgm:pt modelId="{11FB2A99-52BD-4972-8E09-B048B1F7157B}" type="pres">
       <dgm:prSet presAssocID="{57C2BB07-121D-4A7F-9B9F-6574129C000D}" presName="sibTrans" presStyleLbl="sibTrans1D1" presStyleIdx="7" presStyleCnt="9"/>
       <dgm:spPr/>
+      <dgm:t>
+        <a:bodyPr/>
+        <a:lstStyle/>
+        <a:p>
+          <a:endParaRPr lang="en-US"/>
+        </a:p>
+      </dgm:t>
     </dgm:pt>
     <dgm:pt modelId="{7E6AC98B-FD13-43A6-A72D-1C9F92103B25}" type="pres">
       <dgm:prSet presAssocID="{57C2BB07-121D-4A7F-9B9F-6574129C000D}" presName="connectorText" presStyleLbl="sibTrans1D1" presStyleIdx="7" presStyleCnt="9"/>
       <dgm:spPr/>
+      <dgm:t>
+        <a:bodyPr/>
+        <a:lstStyle/>
+        <a:p>
+          <a:endParaRPr lang="en-US"/>
+        </a:p>
+      </dgm:t>
     </dgm:pt>
     <dgm:pt modelId="{445B02D4-615A-4275-B4C7-710EAF459CB8}" type="pres">
       <dgm:prSet presAssocID="{C2268993-C9E4-446C-B190-A1998096A3B5}" presName="node" presStyleLbl="node1" presStyleIdx="8" presStyleCnt="10">
@@ -4098,10 +4195,24 @@
     <dgm:pt modelId="{FB565834-D231-46D9-AD72-EFBD12344696}" type="pres">
       <dgm:prSet presAssocID="{1654001E-9123-422D-96DC-E6CA01617507}" presName="sibTrans" presStyleLbl="sibTrans1D1" presStyleIdx="8" presStyleCnt="9"/>
       <dgm:spPr/>
+      <dgm:t>
+        <a:bodyPr/>
+        <a:lstStyle/>
+        <a:p>
+          <a:endParaRPr lang="en-US"/>
+        </a:p>
+      </dgm:t>
     </dgm:pt>
     <dgm:pt modelId="{FDCA5A5E-2FD9-434E-B909-CA1D33B4F300}" type="pres">
       <dgm:prSet presAssocID="{1654001E-9123-422D-96DC-E6CA01617507}" presName="connectorText" presStyleLbl="sibTrans1D1" presStyleIdx="8" presStyleCnt="9"/>
       <dgm:spPr/>
+      <dgm:t>
+        <a:bodyPr/>
+        <a:lstStyle/>
+        <a:p>
+          <a:endParaRPr lang="en-US"/>
+        </a:p>
+      </dgm:t>
     </dgm:pt>
     <dgm:pt modelId="{7E276317-2EBF-4427-9003-783CC0204F8E}" type="pres">
       <dgm:prSet presAssocID="{CC58B4A9-42E0-429A-83F1-EBE7EC76FAC7}" presName="node" presStyleLbl="node1" presStyleIdx="9" presStyleCnt="10">
@@ -4137,9 +4248,9 @@
     <dgm:cxn modelId="{509CB0DB-904A-45C5-B0A6-010301C8EE62}" type="presOf" srcId="{15ADAD29-4A9D-46C0-8E85-AC4E3F714AAD}" destId="{C14555EE-8DC0-411D-B3B6-C507820ECABD}" srcOrd="0" destOrd="0" presId="urn:microsoft.com/office/officeart/2005/8/layout/bProcess3"/>
     <dgm:cxn modelId="{286D1389-E65E-4B37-A22F-4CE99CF3F343}" type="presOf" srcId="{CFAD1D25-C813-475B-BCCA-CC22FC59F774}" destId="{9BA2CACA-8F1C-4D91-96FD-5AC100B40153}" srcOrd="0" destOrd="1" presId="urn:microsoft.com/office/officeart/2005/8/layout/bProcess3"/>
     <dgm:cxn modelId="{03F5D4D1-4ACB-4135-B2FB-7E8DD0735C74}" type="presOf" srcId="{BDC81F41-24C0-4458-B822-7358138E85FF}" destId="{57E63D12-DDDF-4E25-B179-EBFD29101B7A}" srcOrd="1" destOrd="0" presId="urn:microsoft.com/office/officeart/2005/8/layout/bProcess3"/>
-    <dgm:cxn modelId="{BFFE71FA-3260-4B61-9CB3-D25DD49EF0E4}" type="presOf" srcId="{FEC46EFB-2305-407F-8312-326965F34EE3}" destId="{F20B3468-BDF8-4C2C-8E8C-BAF99D8D38B7}" srcOrd="0" destOrd="0" presId="urn:microsoft.com/office/officeart/2005/8/layout/bProcess3"/>
     <dgm:cxn modelId="{645B5D2A-FD33-4138-8974-26004EC5A1B3}" type="presOf" srcId="{65C29F0C-8725-4E4E-820C-EF6FE82F9930}" destId="{A6ECC88B-056E-4605-9DBF-C87D49FDA5DB}" srcOrd="0" destOrd="5" presId="urn:microsoft.com/office/officeart/2005/8/layout/bProcess3"/>
     <dgm:cxn modelId="{DA16654F-B9BB-4C2C-A432-2DFECF93BCFB}" type="presOf" srcId="{D88CF3A4-8741-4CFD-A8C5-A9BB49A9EBFC}" destId="{A6ECC88B-056E-4605-9DBF-C87D49FDA5DB}" srcOrd="0" destOrd="3" presId="urn:microsoft.com/office/officeart/2005/8/layout/bProcess3"/>
+    <dgm:cxn modelId="{BFFE71FA-3260-4B61-9CB3-D25DD49EF0E4}" type="presOf" srcId="{FEC46EFB-2305-407F-8312-326965F34EE3}" destId="{F20B3468-BDF8-4C2C-8E8C-BAF99D8D38B7}" srcOrd="0" destOrd="0" presId="urn:microsoft.com/office/officeart/2005/8/layout/bProcess3"/>
     <dgm:cxn modelId="{FB94DF14-E2B9-4B85-A0AD-5357C34C7585}" srcId="{22E8F6BB-144B-4941-B077-E7CDE6FF6464}" destId="{2557F4C5-95C3-4F01-A6C7-ED37A1E3D20B}" srcOrd="0" destOrd="0" parTransId="{A68E647F-A2E0-487A-B9D6-F4F12C576F6D}" sibTransId="{CACC502F-36C5-4BD5-B325-E8002EEA9960}"/>
     <dgm:cxn modelId="{B5DF9D3D-4539-4356-9B11-0B2E7F35149D}" type="presOf" srcId="{407FF24D-0F60-42F0-809E-88F66D1F9C8E}" destId="{C14555EE-8DC0-411D-B3B6-C507820ECABD}" srcOrd="0" destOrd="2" presId="urn:microsoft.com/office/officeart/2005/8/layout/bProcess3"/>
     <dgm:cxn modelId="{4DEDE44B-F028-4D4E-80E5-BF2F15145CC9}" type="presOf" srcId="{50D335BA-DFBD-4036-A60F-F70DD581F1E2}" destId="{64014CA6-3204-4083-B2D7-E6CD2518B698}" srcOrd="0" destOrd="0" presId="urn:microsoft.com/office/officeart/2005/8/layout/bProcess3"/>
@@ -4152,9 +4263,9 @@
     <dgm:cxn modelId="{70B6D506-2B70-4D09-B08A-FBE9799FE4DE}" type="presOf" srcId="{19195064-EA8F-4AAC-A590-E2855789235F}" destId="{AB12F43E-E7AA-4D2E-8563-BB81618DCF8A}" srcOrd="0" destOrd="0" presId="urn:microsoft.com/office/officeart/2005/8/layout/bProcess3"/>
     <dgm:cxn modelId="{78AC0C7F-3B00-4A85-BF16-421127D42DA8}" type="presOf" srcId="{1654001E-9123-422D-96DC-E6CA01617507}" destId="{FB565834-D231-46D9-AD72-EFBD12344696}" srcOrd="0" destOrd="0" presId="urn:microsoft.com/office/officeart/2005/8/layout/bProcess3"/>
     <dgm:cxn modelId="{11CB0EC4-6E74-400A-B598-AD484B70D9CE}" type="presOf" srcId="{38F0A0A8-0E2D-4321-BDB3-75B811A89E5B}" destId="{1682577C-D3D4-4865-9571-1B0C06653462}" srcOrd="0" destOrd="0" presId="urn:microsoft.com/office/officeart/2005/8/layout/bProcess3"/>
-    <dgm:cxn modelId="{133CB2D0-C54A-4B50-886C-10B55EAB54E3}" type="presOf" srcId="{B1AC5B5A-7205-448B-B619-085080A0DA84}" destId="{B9A76340-1C91-459C-BBCC-1FEE7067F3BA}" srcOrd="0" destOrd="1" presId="urn:microsoft.com/office/officeart/2005/8/layout/bProcess3"/>
     <dgm:cxn modelId="{78DE58CC-6D1D-43C4-8FF6-276B04E4F180}" srcId="{15ADAD29-4A9D-46C0-8E85-AC4E3F714AAD}" destId="{00EB50F8-382E-4E4F-89EE-F1764F4F2C50}" srcOrd="0" destOrd="0" parTransId="{1FAC1940-7501-470B-951E-A13DC4341C1F}" sibTransId="{879D9D27-8EFE-49CF-81B3-9D099186DCC9}"/>
     <dgm:cxn modelId="{335D67F0-1236-4F0E-B52E-A26337314D80}" type="presOf" srcId="{2BF03CC7-2B8F-4AED-820D-1A69A717BBBC}" destId="{0A6FEB60-84FE-4ED2-A2CF-638AACA3EA41}" srcOrd="0" destOrd="0" presId="urn:microsoft.com/office/officeart/2005/8/layout/bProcess3"/>
+    <dgm:cxn modelId="{133CB2D0-C54A-4B50-886C-10B55EAB54E3}" type="presOf" srcId="{B1AC5B5A-7205-448B-B619-085080A0DA84}" destId="{B9A76340-1C91-459C-BBCC-1FEE7067F3BA}" srcOrd="0" destOrd="1" presId="urn:microsoft.com/office/officeart/2005/8/layout/bProcess3"/>
     <dgm:cxn modelId="{61CFAB7E-4B56-4B27-A870-E2D67C51E071}" type="presOf" srcId="{2557F4C5-95C3-4F01-A6C7-ED37A1E3D20B}" destId="{EA6866F9-387D-462B-85BA-98FE561CD337}" srcOrd="0" destOrd="1" presId="urn:microsoft.com/office/officeart/2005/8/layout/bProcess3"/>
     <dgm:cxn modelId="{40B22E09-228E-4B74-80C6-8DC13529F78F}" type="presOf" srcId="{C2268993-C9E4-446C-B190-A1998096A3B5}" destId="{445B02D4-615A-4275-B4C7-710EAF459CB8}" srcOrd="0" destOrd="0" presId="urn:microsoft.com/office/officeart/2005/8/layout/bProcess3"/>
     <dgm:cxn modelId="{5BC73C4C-3816-454A-8938-3E279905C35B}" srcId="{AF87DD75-50E1-49AA-9FEB-EF284F4F2DB4}" destId="{65C29F0C-8725-4E4E-820C-EF6FE82F9930}" srcOrd="4" destOrd="0" parTransId="{1A95AF17-D01F-4323-9A7A-ED53E58916ED}" sibTransId="{C2719032-C74C-4C28-B82C-37399A68FC3B}"/>
@@ -4179,12 +4290,12 @@
     <dgm:cxn modelId="{1964C8DF-B79F-4845-A36E-C44BA3F8CA22}" type="presOf" srcId="{22E8F6BB-144B-4941-B077-E7CDE6FF6464}" destId="{EA6866F9-387D-462B-85BA-98FE561CD337}" srcOrd="0" destOrd="0" presId="urn:microsoft.com/office/officeart/2005/8/layout/bProcess3"/>
     <dgm:cxn modelId="{D589C00F-85AC-4EDB-A17B-A831C9BC7C94}" srcId="{FEC46EFB-2305-407F-8312-326965F34EE3}" destId="{BC5F5671-2192-455A-8E0E-CE53C63A7BA3}" srcOrd="6" destOrd="0" parTransId="{16DA179D-4E19-4C25-8480-C0117003E17E}" sibTransId="{19195064-EA8F-4AAC-A590-E2855789235F}"/>
     <dgm:cxn modelId="{37A4E865-470B-40D4-8B62-56FB51A9E3FF}" srcId="{0E86C63A-678D-486A-B580-E95A9F08D5AF}" destId="{CFAD1D25-C813-475B-BCCA-CC22FC59F774}" srcOrd="0" destOrd="0" parTransId="{B0F5ABFB-ED4B-46E9-8170-39BDE4A1611A}" sibTransId="{7E2330B0-9B69-41E4-A435-AAD8442FD623}"/>
+    <dgm:cxn modelId="{B6609ED5-BE5C-494B-9021-6F60B8C3C21B}" type="presOf" srcId="{A9E50E66-AB27-4BEE-9FB6-02E65A13104B}" destId="{0A6FEB60-84FE-4ED2-A2CF-638AACA3EA41}" srcOrd="0" destOrd="3" presId="urn:microsoft.com/office/officeart/2005/8/layout/bProcess3"/>
     <dgm:cxn modelId="{52195B02-6FA5-4681-A951-C91B8BBFFE0C}" type="presOf" srcId="{CB59E44E-E059-49F2-A5C1-C235AB3CD952}" destId="{B9A76340-1C91-459C-BBCC-1FEE7067F3BA}" srcOrd="0" destOrd="0" presId="urn:microsoft.com/office/officeart/2005/8/layout/bProcess3"/>
-    <dgm:cxn modelId="{B6609ED5-BE5C-494B-9021-6F60B8C3C21B}" type="presOf" srcId="{A9E50E66-AB27-4BEE-9FB6-02E65A13104B}" destId="{0A6FEB60-84FE-4ED2-A2CF-638AACA3EA41}" srcOrd="0" destOrd="3" presId="urn:microsoft.com/office/officeart/2005/8/layout/bProcess3"/>
     <dgm:cxn modelId="{97073BEB-2927-4580-BE9F-D03DA7961687}" type="presOf" srcId="{00EB50F8-382E-4E4F-89EE-F1764F4F2C50}" destId="{C14555EE-8DC0-411D-B3B6-C507820ECABD}" srcOrd="0" destOrd="1" presId="urn:microsoft.com/office/officeart/2005/8/layout/bProcess3"/>
+    <dgm:cxn modelId="{57B63EB1-98FB-48A2-B7A8-E01224940F8A}" srcId="{AF87DD75-50E1-49AA-9FEB-EF284F4F2DB4}" destId="{B805E0F8-EF06-46B7-878C-D0D117B88F92}" srcOrd="1" destOrd="0" parTransId="{6D3BE054-BC58-4CA7-9DFD-9B9F1BF4BB97}" sibTransId="{BD051880-53E7-4650-8D81-94AC4C024B6C}"/>
     <dgm:cxn modelId="{B3ACD8C0-F3DA-4833-8515-46CA7EDECC21}" srcId="{2BF03CC7-2B8F-4AED-820D-1A69A717BBBC}" destId="{EB505E7E-388A-498A-9216-63E06B5A528F}" srcOrd="1" destOrd="0" parTransId="{FBDF409D-9B67-4316-8433-1F071A669AF3}" sibTransId="{84338BCE-20AF-4DEF-A89D-E19428FF503D}"/>
     <dgm:cxn modelId="{5B5CBAEE-61CA-4503-8623-CA305BFD6BD3}" srcId="{FEC46EFB-2305-407F-8312-326965F34EE3}" destId="{FA3ACDF3-A504-4891-BB36-535B02E95915}" srcOrd="5" destOrd="0" parTransId="{2D332C40-5777-4F51-BD35-DBA584B2F1DA}" sibTransId="{9AF5503A-29F8-468B-AF50-F925F40A970B}"/>
-    <dgm:cxn modelId="{57B63EB1-98FB-48A2-B7A8-E01224940F8A}" srcId="{AF87DD75-50E1-49AA-9FEB-EF284F4F2DB4}" destId="{B805E0F8-EF06-46B7-878C-D0D117B88F92}" srcOrd="1" destOrd="0" parTransId="{6D3BE054-BC58-4CA7-9DFD-9B9F1BF4BB97}" sibTransId="{BD051880-53E7-4650-8D81-94AC4C024B6C}"/>
     <dgm:cxn modelId="{70D6A666-40F8-473A-9143-179B956ECD90}" srcId="{FEC46EFB-2305-407F-8312-326965F34EE3}" destId="{15ADAD29-4A9D-46C0-8E85-AC4E3F714AAD}" srcOrd="1" destOrd="0" parTransId="{E7AB8182-C49E-4AB2-9746-A391CD5EB427}" sibTransId="{50D335BA-DFBD-4036-A60F-F70DD581F1E2}"/>
     <dgm:cxn modelId="{0FEBA3D5-6278-4A78-8F6B-C3D4968EEB1B}" type="presOf" srcId="{BC5F5671-2192-455A-8E0E-CE53C63A7BA3}" destId="{8D781601-ED51-43F6-8D0A-DC6A4C04EF1A}" srcOrd="0" destOrd="0" presId="urn:microsoft.com/office/officeart/2005/8/layout/bProcess3"/>
     <dgm:cxn modelId="{5883F111-704F-414A-8C88-2FA2C0A8E7E2}" type="presOf" srcId="{C407505E-FADC-4100-969A-73EB90A2440B}" destId="{82D30C15-16EE-4B1D-8609-5CD318F065BB}" srcOrd="0" destOrd="0" presId="urn:microsoft.com/office/officeart/2005/8/layout/bProcess3"/>
@@ -4255,7 +4366,7 @@
               <a:latin typeface="Arial" panose="020B0604020202020204" pitchFamily="34" charset="0"/>
               <a:cs typeface="Arial" panose="020B0604020202020204" pitchFamily="34" charset="0"/>
             </a:rPr>
-            <a:t>Case to lower</a:t>
+            <a:t>Remove non-unique categories</a:t>
           </a:r>
           <a:endParaRPr lang="en-US" dirty="0">
             <a:latin typeface="Arial" panose="020B0604020202020204" pitchFamily="34" charset="0"/>
@@ -4341,14 +4452,7 @@
               <a:latin typeface="Arial" panose="020B0604020202020204" pitchFamily="34" charset="0"/>
               <a:cs typeface="Arial" panose="020B0604020202020204" pitchFamily="34" charset="0"/>
             </a:rPr>
-            <a:t>Remove </a:t>
-          </a:r>
-          <a:r>
-            <a:rPr lang="en-US" dirty="0" smtClean="0">
-              <a:latin typeface="Arial" panose="020B0604020202020204" pitchFamily="34" charset="0"/>
-              <a:cs typeface="Arial" panose="020B0604020202020204" pitchFamily="34" charset="0"/>
-            </a:rPr>
-            <a:t>punctuation</a:t>
+            <a:t>Remove punctuation</a:t>
           </a:r>
           <a:endParaRPr lang="en-US" dirty="0">
             <a:latin typeface="Arial" panose="020B0604020202020204" pitchFamily="34" charset="0"/>
@@ -4598,6 +4702,56 @@
         </a:p>
       </dgm:t>
     </dgm:pt>
+    <dgm:pt modelId="{4258B29C-1A4D-496B-8A26-87F5C56DED91}">
+      <dgm:prSet phldrT="[Text]"/>
+      <dgm:spPr/>
+      <dgm:t>
+        <a:bodyPr/>
+        <a:lstStyle/>
+        <a:p>
+          <a:r>
+            <a:rPr lang="en-US" smtClean="0">
+              <a:latin typeface="Arial" panose="020B0604020202020204" pitchFamily="34" charset="0"/>
+              <a:cs typeface="Arial" panose="020B0604020202020204" pitchFamily="34" charset="0"/>
+            </a:rPr>
+            <a:t>Case </a:t>
+          </a:r>
+          <a:r>
+            <a:rPr lang="en-US" dirty="0" smtClean="0">
+              <a:latin typeface="Arial" panose="020B0604020202020204" pitchFamily="34" charset="0"/>
+              <a:cs typeface="Arial" panose="020B0604020202020204" pitchFamily="34" charset="0"/>
+            </a:rPr>
+            <a:t>to lower</a:t>
+          </a:r>
+          <a:endParaRPr lang="en-US" dirty="0">
+            <a:latin typeface="Arial" panose="020B0604020202020204" pitchFamily="34" charset="0"/>
+            <a:cs typeface="Arial" panose="020B0604020202020204" pitchFamily="34" charset="0"/>
+          </a:endParaRPr>
+        </a:p>
+      </dgm:t>
+    </dgm:pt>
+    <dgm:pt modelId="{DB8C1ED3-904A-48DF-A286-A81A1FAEDC40}" type="parTrans" cxnId="{F6248D1C-2496-468E-938D-B65855BF3297}">
+      <dgm:prSet/>
+      <dgm:spPr/>
+      <dgm:t>
+        <a:bodyPr/>
+        <a:lstStyle/>
+        <a:p>
+          <a:endParaRPr lang="en-US"/>
+        </a:p>
+      </dgm:t>
+    </dgm:pt>
+    <dgm:pt modelId="{A0E614B6-6637-4295-B36B-660C5012E5D5}" type="sibTrans" cxnId="{F6248D1C-2496-468E-938D-B65855BF3297}">
+      <dgm:prSet/>
+      <dgm:spPr/>
+      <dgm:t>
+        <a:bodyPr/>
+        <a:lstStyle/>
+        <a:p>
+          <a:endParaRPr lang="en-US"/>
+        </a:p>
+      </dgm:t>
+    </dgm:pt>
     <dgm:pt modelId="{AE564886-2A70-42F1-ADEF-9DB88F9E0D9B}" type="pres">
       <dgm:prSet presAssocID="{7EE85259-7EC8-437F-AF2C-C5D586D10BA4}" presName="Name0" presStyleCnt="0">
         <dgm:presLayoutVars>
@@ -4609,7 +4763,7 @@
       <dgm:spPr/>
     </dgm:pt>
     <dgm:pt modelId="{DB2E6F94-FED7-4FD3-A9E4-3DBF3825CFB7}" type="pres">
-      <dgm:prSet presAssocID="{ABCB9D90-1924-4A71-A970-D3ABC4A5244E}" presName="parTxOnly" presStyleLbl="node1" presStyleIdx="0" presStyleCnt="8">
+      <dgm:prSet presAssocID="{ABCB9D90-1924-4A71-A970-D3ABC4A5244E}" presName="parTxOnly" presStyleLbl="node1" presStyleIdx="0" presStyleCnt="9">
         <dgm:presLayoutVars>
           <dgm:chMax val="0"/>
           <dgm:chPref val="0"/>
@@ -4617,13 +4771,20 @@
         </dgm:presLayoutVars>
       </dgm:prSet>
       <dgm:spPr/>
+      <dgm:t>
+        <a:bodyPr/>
+        <a:lstStyle/>
+        <a:p>
+          <a:endParaRPr lang="en-US"/>
+        </a:p>
+      </dgm:t>
     </dgm:pt>
     <dgm:pt modelId="{48AF073A-F50E-420D-8AE6-2EC12E2AFD57}" type="pres">
       <dgm:prSet presAssocID="{73B21DD3-12FB-479A-B69A-EA9475C4D616}" presName="parTxOnlySpace" presStyleCnt="0"/>
       <dgm:spPr/>
     </dgm:pt>
-    <dgm:pt modelId="{598F6C0F-CD0F-4C50-8563-6ED67BEC2446}" type="pres">
-      <dgm:prSet presAssocID="{19470F9A-2793-4628-A08B-9CC10F2B40B2}" presName="parTxOnly" presStyleLbl="node1" presStyleIdx="1" presStyleCnt="8">
+    <dgm:pt modelId="{546BEE3D-8B09-48D6-8478-592BF81998A0}" type="pres">
+      <dgm:prSet presAssocID="{4258B29C-1A4D-496B-8A26-87F5C56DED91}" presName="parTxOnly" presStyleLbl="node1" presStyleIdx="1" presStyleCnt="9">
         <dgm:presLayoutVars>
           <dgm:chMax val="0"/>
           <dgm:chPref val="0"/>
@@ -4631,13 +4792,20 @@
         </dgm:presLayoutVars>
       </dgm:prSet>
       <dgm:spPr/>
+      <dgm:t>
+        <a:bodyPr/>
+        <a:lstStyle/>
+        <a:p>
+          <a:endParaRPr lang="en-US"/>
+        </a:p>
+      </dgm:t>
     </dgm:pt>
-    <dgm:pt modelId="{81D993A6-DD2F-442B-8BA4-CC95462490B7}" type="pres">
-      <dgm:prSet presAssocID="{73BB26DE-A98D-468A-A20A-24C3A0B86D3C}" presName="parTxOnlySpace" presStyleCnt="0"/>
+    <dgm:pt modelId="{29D3325B-DFF7-4F50-9698-09060B529E8D}" type="pres">
+      <dgm:prSet presAssocID="{A0E614B6-6637-4295-B36B-660C5012E5D5}" presName="parTxOnlySpace" presStyleCnt="0"/>
       <dgm:spPr/>
     </dgm:pt>
-    <dgm:pt modelId="{A6A0FC20-AC0C-4F21-B55B-58935FDDDA3E}" type="pres">
-      <dgm:prSet presAssocID="{A83723D1-06DA-46A9-BA1E-936CFDCFF1C2}" presName="parTxOnly" presStyleLbl="node1" presStyleIdx="2" presStyleCnt="8">
+    <dgm:pt modelId="{598F6C0F-CD0F-4C50-8563-6ED67BEC2446}" type="pres">
+      <dgm:prSet presAssocID="{19470F9A-2793-4628-A08B-9CC10F2B40B2}" presName="parTxOnly" presStyleLbl="node1" presStyleIdx="2" presStyleCnt="9">
         <dgm:presLayoutVars>
           <dgm:chMax val="0"/>
           <dgm:chPref val="0"/>
@@ -4645,13 +4813,20 @@
         </dgm:presLayoutVars>
       </dgm:prSet>
       <dgm:spPr/>
+      <dgm:t>
+        <a:bodyPr/>
+        <a:lstStyle/>
+        <a:p>
+          <a:endParaRPr lang="en-US"/>
+        </a:p>
+      </dgm:t>
     </dgm:pt>
-    <dgm:pt modelId="{2D8F3DF5-4E0D-402F-9F1F-EE6890BF0D6E}" type="pres">
-      <dgm:prSet presAssocID="{AD7CB882-7A81-4A9B-97C9-2E97FE9506F9}" presName="parTxOnlySpace" presStyleCnt="0"/>
+    <dgm:pt modelId="{81D993A6-DD2F-442B-8BA4-CC95462490B7}" type="pres">
+      <dgm:prSet presAssocID="{73BB26DE-A98D-468A-A20A-24C3A0B86D3C}" presName="parTxOnlySpace" presStyleCnt="0"/>
       <dgm:spPr/>
     </dgm:pt>
-    <dgm:pt modelId="{F02A752F-0F28-4929-8363-BF5E1C89B897}" type="pres">
-      <dgm:prSet presAssocID="{1FF9C864-9B1C-4682-86DE-C69367A08E60}" presName="parTxOnly" presStyleLbl="node1" presStyleIdx="3" presStyleCnt="8">
+    <dgm:pt modelId="{A6A0FC20-AC0C-4F21-B55B-58935FDDDA3E}" type="pres">
+      <dgm:prSet presAssocID="{A83723D1-06DA-46A9-BA1E-936CFDCFF1C2}" presName="parTxOnly" presStyleLbl="node1" presStyleIdx="3" presStyleCnt="9">
         <dgm:presLayoutVars>
           <dgm:chMax val="0"/>
           <dgm:chPref val="0"/>
@@ -4659,13 +4834,20 @@
         </dgm:presLayoutVars>
       </dgm:prSet>
       <dgm:spPr/>
+      <dgm:t>
+        <a:bodyPr/>
+        <a:lstStyle/>
+        <a:p>
+          <a:endParaRPr lang="en-US"/>
+        </a:p>
+      </dgm:t>
     </dgm:pt>
-    <dgm:pt modelId="{E9E438EA-526F-4F6A-B958-3796CD5351A5}" type="pres">
-      <dgm:prSet presAssocID="{0383967A-F566-4A45-8C05-9FCD8CF53C9B}" presName="parTxOnlySpace" presStyleCnt="0"/>
+    <dgm:pt modelId="{2D8F3DF5-4E0D-402F-9F1F-EE6890BF0D6E}" type="pres">
+      <dgm:prSet presAssocID="{AD7CB882-7A81-4A9B-97C9-2E97FE9506F9}" presName="parTxOnlySpace" presStyleCnt="0"/>
       <dgm:spPr/>
     </dgm:pt>
-    <dgm:pt modelId="{E506A8AA-E17E-4DBC-9F1F-A54697D43549}" type="pres">
-      <dgm:prSet presAssocID="{5900F374-C895-49D5-B58C-8F99DB45B859}" presName="parTxOnly" presStyleLbl="node1" presStyleIdx="4" presStyleCnt="8">
+    <dgm:pt modelId="{F02A752F-0F28-4929-8363-BF5E1C89B897}" type="pres">
+      <dgm:prSet presAssocID="{1FF9C864-9B1C-4682-86DE-C69367A08E60}" presName="parTxOnly" presStyleLbl="node1" presStyleIdx="4" presStyleCnt="9">
         <dgm:presLayoutVars>
           <dgm:chMax val="0"/>
           <dgm:chPref val="0"/>
@@ -4673,13 +4855,20 @@
         </dgm:presLayoutVars>
       </dgm:prSet>
       <dgm:spPr/>
+      <dgm:t>
+        <a:bodyPr/>
+        <a:lstStyle/>
+        <a:p>
+          <a:endParaRPr lang="en-US"/>
+        </a:p>
+      </dgm:t>
     </dgm:pt>
-    <dgm:pt modelId="{DF929ACF-2210-459B-9949-58D304FE825F}" type="pres">
-      <dgm:prSet presAssocID="{7B0D75F3-91ED-4BF7-AD62-8409EF1FB417}" presName="parTxOnlySpace" presStyleCnt="0"/>
+    <dgm:pt modelId="{E9E438EA-526F-4F6A-B958-3796CD5351A5}" type="pres">
+      <dgm:prSet presAssocID="{0383967A-F566-4A45-8C05-9FCD8CF53C9B}" presName="parTxOnlySpace" presStyleCnt="0"/>
       <dgm:spPr/>
     </dgm:pt>
-    <dgm:pt modelId="{47D718FA-F838-4107-9CA6-FD20BF09F875}" type="pres">
-      <dgm:prSet presAssocID="{764EE271-68E3-417A-8A6F-0EBABBB570B3}" presName="parTxOnly" presStyleLbl="node1" presStyleIdx="5" presStyleCnt="8">
+    <dgm:pt modelId="{E506A8AA-E17E-4DBC-9F1F-A54697D43549}" type="pres">
+      <dgm:prSet presAssocID="{5900F374-C895-49D5-B58C-8F99DB45B859}" presName="parTxOnly" presStyleLbl="node1" presStyleIdx="5" presStyleCnt="9">
         <dgm:presLayoutVars>
           <dgm:chMax val="0"/>
           <dgm:chPref val="0"/>
@@ -4687,13 +4876,20 @@
         </dgm:presLayoutVars>
       </dgm:prSet>
       <dgm:spPr/>
+      <dgm:t>
+        <a:bodyPr/>
+        <a:lstStyle/>
+        <a:p>
+          <a:endParaRPr lang="en-US"/>
+        </a:p>
+      </dgm:t>
     </dgm:pt>
-    <dgm:pt modelId="{FAD7109C-BB76-4EAC-96CA-F49A8C7D72FE}" type="pres">
-      <dgm:prSet presAssocID="{75C9BAED-1C57-43A6-9785-1F058CEC581E}" presName="parTxOnlySpace" presStyleCnt="0"/>
+    <dgm:pt modelId="{DF929ACF-2210-459B-9949-58D304FE825F}" type="pres">
+      <dgm:prSet presAssocID="{7B0D75F3-91ED-4BF7-AD62-8409EF1FB417}" presName="parTxOnlySpace" presStyleCnt="0"/>
       <dgm:spPr/>
     </dgm:pt>
-    <dgm:pt modelId="{B57B4EA4-EF1F-4FB8-A9A4-248984EB878B}" type="pres">
-      <dgm:prSet presAssocID="{34311F1A-32AD-4E5A-AB37-457524D228EF}" presName="parTxOnly" presStyleLbl="node1" presStyleIdx="6" presStyleCnt="8">
+    <dgm:pt modelId="{47D718FA-F838-4107-9CA6-FD20BF09F875}" type="pres">
+      <dgm:prSet presAssocID="{764EE271-68E3-417A-8A6F-0EBABBB570B3}" presName="parTxOnly" presStyleLbl="node1" presStyleIdx="6" presStyleCnt="9">
         <dgm:presLayoutVars>
           <dgm:chMax val="0"/>
           <dgm:chPref val="0"/>
@@ -4701,13 +4897,20 @@
         </dgm:presLayoutVars>
       </dgm:prSet>
       <dgm:spPr/>
+      <dgm:t>
+        <a:bodyPr/>
+        <a:lstStyle/>
+        <a:p>
+          <a:endParaRPr lang="en-US"/>
+        </a:p>
+      </dgm:t>
     </dgm:pt>
-    <dgm:pt modelId="{0BC6A371-F5F6-4184-BFE7-F8A4B170F7F4}" type="pres">
-      <dgm:prSet presAssocID="{A0BDE53B-6E12-4BE1-AB41-2C406593E4E5}" presName="parTxOnlySpace" presStyleCnt="0"/>
+    <dgm:pt modelId="{FAD7109C-BB76-4EAC-96CA-F49A8C7D72FE}" type="pres">
+      <dgm:prSet presAssocID="{75C9BAED-1C57-43A6-9785-1F058CEC581E}" presName="parTxOnlySpace" presStyleCnt="0"/>
       <dgm:spPr/>
     </dgm:pt>
-    <dgm:pt modelId="{A293501C-68F9-4EF9-85F6-38DBF72A975D}" type="pres">
-      <dgm:prSet presAssocID="{46CCC481-C578-44AA-BE8D-2BF00AAE155C}" presName="parTxOnly" presStyleLbl="node1" presStyleIdx="7" presStyleCnt="8">
+    <dgm:pt modelId="{B57B4EA4-EF1F-4FB8-A9A4-248984EB878B}" type="pres">
+      <dgm:prSet presAssocID="{34311F1A-32AD-4E5A-AB37-457524D228EF}" presName="parTxOnly" presStyleLbl="node1" presStyleIdx="7" presStyleCnt="9">
         <dgm:presLayoutVars>
           <dgm:chMax val="0"/>
           <dgm:chPref val="0"/>
@@ -4715,41 +4918,73 @@
         </dgm:presLayoutVars>
       </dgm:prSet>
       <dgm:spPr/>
+      <dgm:t>
+        <a:bodyPr/>
+        <a:lstStyle/>
+        <a:p>
+          <a:endParaRPr lang="en-US"/>
+        </a:p>
+      </dgm:t>
+    </dgm:pt>
+    <dgm:pt modelId="{0BC6A371-F5F6-4184-BFE7-F8A4B170F7F4}" type="pres">
+      <dgm:prSet presAssocID="{A0BDE53B-6E12-4BE1-AB41-2C406593E4E5}" presName="parTxOnlySpace" presStyleCnt="0"/>
+      <dgm:spPr/>
+    </dgm:pt>
+    <dgm:pt modelId="{A293501C-68F9-4EF9-85F6-38DBF72A975D}" type="pres">
+      <dgm:prSet presAssocID="{46CCC481-C578-44AA-BE8D-2BF00AAE155C}" presName="parTxOnly" presStyleLbl="node1" presStyleIdx="8" presStyleCnt="9">
+        <dgm:presLayoutVars>
+          <dgm:chMax val="0"/>
+          <dgm:chPref val="0"/>
+          <dgm:bulletEnabled val="1"/>
+        </dgm:presLayoutVars>
+      </dgm:prSet>
+      <dgm:spPr/>
+      <dgm:t>
+        <a:bodyPr/>
+        <a:lstStyle/>
+        <a:p>
+          <a:endParaRPr lang="en-US"/>
+        </a:p>
+      </dgm:t>
     </dgm:pt>
   </dgm:ptLst>
   <dgm:cxnLst>
-    <dgm:cxn modelId="{002D72F3-DC45-410F-AA72-61F170F488B3}" srcId="{7EE85259-7EC8-437F-AF2C-C5D586D10BA4}" destId="{5900F374-C895-49D5-B58C-8F99DB45B859}" srcOrd="4" destOrd="0" parTransId="{4E093B4E-8C04-4084-BF5E-8D04A437CF1D}" sibTransId="{7B0D75F3-91ED-4BF7-AD62-8409EF1FB417}"/>
+    <dgm:cxn modelId="{AD58D4FF-AF40-46D7-8330-8B4A600A9E2C}" type="presOf" srcId="{1FF9C864-9B1C-4682-86DE-C69367A08E60}" destId="{F02A752F-0F28-4929-8363-BF5E1C89B897}" srcOrd="0" destOrd="0" presId="urn:microsoft.com/office/officeart/2005/8/layout/chevron1"/>
+    <dgm:cxn modelId="{A789518D-55AF-4E5A-9722-2F240BAA719E}" srcId="{7EE85259-7EC8-437F-AF2C-C5D586D10BA4}" destId="{46CCC481-C578-44AA-BE8D-2BF00AAE155C}" srcOrd="8" destOrd="0" parTransId="{25051B97-711E-484F-B623-DFF83CCBF4E0}" sibTransId="{B07F3885-5587-4264-8516-A62E03DA78A3}"/>
+    <dgm:cxn modelId="{0CC51E6C-4481-43F6-8EE0-3B77773D46B7}" srcId="{7EE85259-7EC8-437F-AF2C-C5D586D10BA4}" destId="{34311F1A-32AD-4E5A-AB37-457524D228EF}" srcOrd="7" destOrd="0" parTransId="{FA288482-9E89-448B-BF44-8E68A583D5E7}" sibTransId="{A0BDE53B-6E12-4BE1-AB41-2C406593E4E5}"/>
+    <dgm:cxn modelId="{079ACF79-70B2-4BFB-B9B6-28B001036A05}" type="presOf" srcId="{4258B29C-1A4D-496B-8A26-87F5C56DED91}" destId="{546BEE3D-8B09-48D6-8478-592BF81998A0}" srcOrd="0" destOrd="0" presId="urn:microsoft.com/office/officeart/2005/8/layout/chevron1"/>
     <dgm:cxn modelId="{C6E282DB-13B6-480F-831B-A4CFDD9CFDF4}" type="presOf" srcId="{764EE271-68E3-417A-8A6F-0EBABBB570B3}" destId="{47D718FA-F838-4107-9CA6-FD20BF09F875}" srcOrd="0" destOrd="0" presId="urn:microsoft.com/office/officeart/2005/8/layout/chevron1"/>
-    <dgm:cxn modelId="{E3E29CB8-F00B-4E37-8FAA-F4D891C2FE5E}" srcId="{7EE85259-7EC8-437F-AF2C-C5D586D10BA4}" destId="{1FF9C864-9B1C-4682-86DE-C69367A08E60}" srcOrd="3" destOrd="0" parTransId="{3355C0A9-8D15-430E-936B-6B31FAF66070}" sibTransId="{0383967A-F566-4A45-8C05-9FCD8CF53C9B}"/>
-    <dgm:cxn modelId="{4FBC9593-9012-4BC3-A964-BEA8BF23A5C0}" srcId="{7EE85259-7EC8-437F-AF2C-C5D586D10BA4}" destId="{764EE271-68E3-417A-8A6F-0EBABBB570B3}" srcOrd="5" destOrd="0" parTransId="{AB62E892-8F4C-4003-90C0-429C69B35292}" sibTransId="{75C9BAED-1C57-43A6-9785-1F058CEC581E}"/>
-    <dgm:cxn modelId="{A789518D-55AF-4E5A-9722-2F240BAA719E}" srcId="{7EE85259-7EC8-437F-AF2C-C5D586D10BA4}" destId="{46CCC481-C578-44AA-BE8D-2BF00AAE155C}" srcOrd="7" destOrd="0" parTransId="{25051B97-711E-484F-B623-DFF83CCBF4E0}" sibTransId="{B07F3885-5587-4264-8516-A62E03DA78A3}"/>
+    <dgm:cxn modelId="{03E3BF6E-181D-4C37-BAAD-D228C886AF11}" type="presOf" srcId="{46CCC481-C578-44AA-BE8D-2BF00AAE155C}" destId="{A293501C-68F9-4EF9-85F6-38DBF72A975D}" srcOrd="0" destOrd="0" presId="urn:microsoft.com/office/officeart/2005/8/layout/chevron1"/>
+    <dgm:cxn modelId="{4FBC9593-9012-4BC3-A964-BEA8BF23A5C0}" srcId="{7EE85259-7EC8-437F-AF2C-C5D586D10BA4}" destId="{764EE271-68E3-417A-8A6F-0EBABBB570B3}" srcOrd="6" destOrd="0" parTransId="{AB62E892-8F4C-4003-90C0-429C69B35292}" sibTransId="{75C9BAED-1C57-43A6-9785-1F058CEC581E}"/>
+    <dgm:cxn modelId="{ED408CAA-F277-4305-9846-E3844629EC97}" srcId="{7EE85259-7EC8-437F-AF2C-C5D586D10BA4}" destId="{ABCB9D90-1924-4A71-A970-D3ABC4A5244E}" srcOrd="0" destOrd="0" parTransId="{3E425136-D818-4351-91F5-A4DAF3ADA251}" sibTransId="{73B21DD3-12FB-479A-B69A-EA9475C4D616}"/>
+    <dgm:cxn modelId="{12358E3B-B16A-4FD2-A007-D8DB6234B133}" type="presOf" srcId="{7EE85259-7EC8-437F-AF2C-C5D586D10BA4}" destId="{AE564886-2A70-42F1-ADEF-9DB88F9E0D9B}" srcOrd="0" destOrd="0" presId="urn:microsoft.com/office/officeart/2005/8/layout/chevron1"/>
+    <dgm:cxn modelId="{1DBB864A-65A2-4C6C-8FE7-F3B7FDBF46A7}" srcId="{7EE85259-7EC8-437F-AF2C-C5D586D10BA4}" destId="{A83723D1-06DA-46A9-BA1E-936CFDCFF1C2}" srcOrd="3" destOrd="0" parTransId="{3B16A3BA-3735-43B9-92BD-B18DA5B325CA}" sibTransId="{AD7CB882-7A81-4A9B-97C9-2E97FE9506F9}"/>
+    <dgm:cxn modelId="{002D72F3-DC45-410F-AA72-61F170F488B3}" srcId="{7EE85259-7EC8-437F-AF2C-C5D586D10BA4}" destId="{5900F374-C895-49D5-B58C-8F99DB45B859}" srcOrd="5" destOrd="0" parTransId="{4E093B4E-8C04-4084-BF5E-8D04A437CF1D}" sibTransId="{7B0D75F3-91ED-4BF7-AD62-8409EF1FB417}"/>
+    <dgm:cxn modelId="{ED2FC7C2-BCD5-4D15-B839-00FDBFBB1057}" type="presOf" srcId="{ABCB9D90-1924-4A71-A970-D3ABC4A5244E}" destId="{DB2E6F94-FED7-4FD3-A9E4-3DBF3825CFB7}" srcOrd="0" destOrd="0" presId="urn:microsoft.com/office/officeart/2005/8/layout/chevron1"/>
     <dgm:cxn modelId="{00C6C8C2-A975-4273-AB54-AA48A8C26726}" type="presOf" srcId="{A83723D1-06DA-46A9-BA1E-936CFDCFF1C2}" destId="{A6A0FC20-AC0C-4F21-B55B-58935FDDDA3E}" srcOrd="0" destOrd="0" presId="urn:microsoft.com/office/officeart/2005/8/layout/chevron1"/>
-    <dgm:cxn modelId="{03E3BF6E-181D-4C37-BAAD-D228C886AF11}" type="presOf" srcId="{46CCC481-C578-44AA-BE8D-2BF00AAE155C}" destId="{A293501C-68F9-4EF9-85F6-38DBF72A975D}" srcOrd="0" destOrd="0" presId="urn:microsoft.com/office/officeart/2005/8/layout/chevron1"/>
-    <dgm:cxn modelId="{ED408CAA-F277-4305-9846-E3844629EC97}" srcId="{7EE85259-7EC8-437F-AF2C-C5D586D10BA4}" destId="{ABCB9D90-1924-4A71-A970-D3ABC4A5244E}" srcOrd="0" destOrd="0" parTransId="{3E425136-D818-4351-91F5-A4DAF3ADA251}" sibTransId="{73B21DD3-12FB-479A-B69A-EA9475C4D616}"/>
     <dgm:cxn modelId="{BA0FCBE5-8E3E-45B9-8FE5-C7A038BA22BE}" type="presOf" srcId="{19470F9A-2793-4628-A08B-9CC10F2B40B2}" destId="{598F6C0F-CD0F-4C50-8563-6ED67BEC2446}" srcOrd="0" destOrd="0" presId="urn:microsoft.com/office/officeart/2005/8/layout/chevron1"/>
-    <dgm:cxn modelId="{12358E3B-B16A-4FD2-A007-D8DB6234B133}" type="presOf" srcId="{7EE85259-7EC8-437F-AF2C-C5D586D10BA4}" destId="{AE564886-2A70-42F1-ADEF-9DB88F9E0D9B}" srcOrd="0" destOrd="0" presId="urn:microsoft.com/office/officeart/2005/8/layout/chevron1"/>
+    <dgm:cxn modelId="{F6248D1C-2496-468E-938D-B65855BF3297}" srcId="{7EE85259-7EC8-437F-AF2C-C5D586D10BA4}" destId="{4258B29C-1A4D-496B-8A26-87F5C56DED91}" srcOrd="1" destOrd="0" parTransId="{DB8C1ED3-904A-48DF-A286-A81A1FAEDC40}" sibTransId="{A0E614B6-6637-4295-B36B-660C5012E5D5}"/>
+    <dgm:cxn modelId="{DB028C21-ECF4-446F-AAF0-EC2C9D2B30D5}" type="presOf" srcId="{34311F1A-32AD-4E5A-AB37-457524D228EF}" destId="{B57B4EA4-EF1F-4FB8-A9A4-248984EB878B}" srcOrd="0" destOrd="0" presId="urn:microsoft.com/office/officeart/2005/8/layout/chevron1"/>
+    <dgm:cxn modelId="{E3E29CB8-F00B-4E37-8FAA-F4D891C2FE5E}" srcId="{7EE85259-7EC8-437F-AF2C-C5D586D10BA4}" destId="{1FF9C864-9B1C-4682-86DE-C69367A08E60}" srcOrd="4" destOrd="0" parTransId="{3355C0A9-8D15-430E-936B-6B31FAF66070}" sibTransId="{0383967A-F566-4A45-8C05-9FCD8CF53C9B}"/>
+    <dgm:cxn modelId="{E4987DD3-136E-4964-BD4E-F9515940CF33}" srcId="{7EE85259-7EC8-437F-AF2C-C5D586D10BA4}" destId="{19470F9A-2793-4628-A08B-9CC10F2B40B2}" srcOrd="2" destOrd="0" parTransId="{07EC540C-301E-4094-8360-903F6539676C}" sibTransId="{73BB26DE-A98D-468A-A20A-24C3A0B86D3C}"/>
     <dgm:cxn modelId="{6173C6EE-1391-440F-A1CF-F694DAF313DA}" type="presOf" srcId="{5900F374-C895-49D5-B58C-8F99DB45B859}" destId="{E506A8AA-E17E-4DBC-9F1F-A54697D43549}" srcOrd="0" destOrd="0" presId="urn:microsoft.com/office/officeart/2005/8/layout/chevron1"/>
-    <dgm:cxn modelId="{1DBB864A-65A2-4C6C-8FE7-F3B7FDBF46A7}" srcId="{7EE85259-7EC8-437F-AF2C-C5D586D10BA4}" destId="{A83723D1-06DA-46A9-BA1E-936CFDCFF1C2}" srcOrd="2" destOrd="0" parTransId="{3B16A3BA-3735-43B9-92BD-B18DA5B325CA}" sibTransId="{AD7CB882-7A81-4A9B-97C9-2E97FE9506F9}"/>
-    <dgm:cxn modelId="{DB028C21-ECF4-446F-AAF0-EC2C9D2B30D5}" type="presOf" srcId="{34311F1A-32AD-4E5A-AB37-457524D228EF}" destId="{B57B4EA4-EF1F-4FB8-A9A4-248984EB878B}" srcOrd="0" destOrd="0" presId="urn:microsoft.com/office/officeart/2005/8/layout/chevron1"/>
-    <dgm:cxn modelId="{AD58D4FF-AF40-46D7-8330-8B4A600A9E2C}" type="presOf" srcId="{1FF9C864-9B1C-4682-86DE-C69367A08E60}" destId="{F02A752F-0F28-4929-8363-BF5E1C89B897}" srcOrd="0" destOrd="0" presId="urn:microsoft.com/office/officeart/2005/8/layout/chevron1"/>
-    <dgm:cxn modelId="{ED2FC7C2-BCD5-4D15-B839-00FDBFBB1057}" type="presOf" srcId="{ABCB9D90-1924-4A71-A970-D3ABC4A5244E}" destId="{DB2E6F94-FED7-4FD3-A9E4-3DBF3825CFB7}" srcOrd="0" destOrd="0" presId="urn:microsoft.com/office/officeart/2005/8/layout/chevron1"/>
-    <dgm:cxn modelId="{0CC51E6C-4481-43F6-8EE0-3B77773D46B7}" srcId="{7EE85259-7EC8-437F-AF2C-C5D586D10BA4}" destId="{34311F1A-32AD-4E5A-AB37-457524D228EF}" srcOrd="6" destOrd="0" parTransId="{FA288482-9E89-448B-BF44-8E68A583D5E7}" sibTransId="{A0BDE53B-6E12-4BE1-AB41-2C406593E4E5}"/>
-    <dgm:cxn modelId="{E4987DD3-136E-4964-BD4E-F9515940CF33}" srcId="{7EE85259-7EC8-437F-AF2C-C5D586D10BA4}" destId="{19470F9A-2793-4628-A08B-9CC10F2B40B2}" srcOrd="1" destOrd="0" parTransId="{07EC540C-301E-4094-8360-903F6539676C}" sibTransId="{73BB26DE-A98D-468A-A20A-24C3A0B86D3C}"/>
     <dgm:cxn modelId="{C1A116F0-6233-47DB-A0A3-79AE271CDBD4}" type="presParOf" srcId="{AE564886-2A70-42F1-ADEF-9DB88F9E0D9B}" destId="{DB2E6F94-FED7-4FD3-A9E4-3DBF3825CFB7}" srcOrd="0" destOrd="0" presId="urn:microsoft.com/office/officeart/2005/8/layout/chevron1"/>
     <dgm:cxn modelId="{52299587-484E-4F5B-B5AA-F3F59C96E7C5}" type="presParOf" srcId="{AE564886-2A70-42F1-ADEF-9DB88F9E0D9B}" destId="{48AF073A-F50E-420D-8AE6-2EC12E2AFD57}" srcOrd="1" destOrd="0" presId="urn:microsoft.com/office/officeart/2005/8/layout/chevron1"/>
-    <dgm:cxn modelId="{62D4E318-C06E-4AFC-8183-AFF3F1FECA42}" type="presParOf" srcId="{AE564886-2A70-42F1-ADEF-9DB88F9E0D9B}" destId="{598F6C0F-CD0F-4C50-8563-6ED67BEC2446}" srcOrd="2" destOrd="0" presId="urn:microsoft.com/office/officeart/2005/8/layout/chevron1"/>
-    <dgm:cxn modelId="{746A1103-1DFC-430A-BA08-E50767755D96}" type="presParOf" srcId="{AE564886-2A70-42F1-ADEF-9DB88F9E0D9B}" destId="{81D993A6-DD2F-442B-8BA4-CC95462490B7}" srcOrd="3" destOrd="0" presId="urn:microsoft.com/office/officeart/2005/8/layout/chevron1"/>
-    <dgm:cxn modelId="{553681D4-F7CE-42E7-8159-A2AD14D76F35}" type="presParOf" srcId="{AE564886-2A70-42F1-ADEF-9DB88F9E0D9B}" destId="{A6A0FC20-AC0C-4F21-B55B-58935FDDDA3E}" srcOrd="4" destOrd="0" presId="urn:microsoft.com/office/officeart/2005/8/layout/chevron1"/>
-    <dgm:cxn modelId="{A4452B07-AAA7-4FD6-9629-EE4930A2D4E8}" type="presParOf" srcId="{AE564886-2A70-42F1-ADEF-9DB88F9E0D9B}" destId="{2D8F3DF5-4E0D-402F-9F1F-EE6890BF0D6E}" srcOrd="5" destOrd="0" presId="urn:microsoft.com/office/officeart/2005/8/layout/chevron1"/>
-    <dgm:cxn modelId="{0D136C6C-E54B-4B4D-8A2A-41E116C269B7}" type="presParOf" srcId="{AE564886-2A70-42F1-ADEF-9DB88F9E0D9B}" destId="{F02A752F-0F28-4929-8363-BF5E1C89B897}" srcOrd="6" destOrd="0" presId="urn:microsoft.com/office/officeart/2005/8/layout/chevron1"/>
-    <dgm:cxn modelId="{12D7AA5C-0502-4DD5-A135-6A0B8D7ABC57}" type="presParOf" srcId="{AE564886-2A70-42F1-ADEF-9DB88F9E0D9B}" destId="{E9E438EA-526F-4F6A-B958-3796CD5351A5}" srcOrd="7" destOrd="0" presId="urn:microsoft.com/office/officeart/2005/8/layout/chevron1"/>
-    <dgm:cxn modelId="{3641D0FE-587C-4BFB-AC9A-C365BE49D7E1}" type="presParOf" srcId="{AE564886-2A70-42F1-ADEF-9DB88F9E0D9B}" destId="{E506A8AA-E17E-4DBC-9F1F-A54697D43549}" srcOrd="8" destOrd="0" presId="urn:microsoft.com/office/officeart/2005/8/layout/chevron1"/>
-    <dgm:cxn modelId="{D813F2E5-BC69-4E0D-80A5-EB94B8EFAEC8}" type="presParOf" srcId="{AE564886-2A70-42F1-ADEF-9DB88F9E0D9B}" destId="{DF929ACF-2210-459B-9949-58D304FE825F}" srcOrd="9" destOrd="0" presId="urn:microsoft.com/office/officeart/2005/8/layout/chevron1"/>
-    <dgm:cxn modelId="{BCB9F11F-71AE-459D-942F-E805D4F02447}" type="presParOf" srcId="{AE564886-2A70-42F1-ADEF-9DB88F9E0D9B}" destId="{47D718FA-F838-4107-9CA6-FD20BF09F875}" srcOrd="10" destOrd="0" presId="urn:microsoft.com/office/officeart/2005/8/layout/chevron1"/>
-    <dgm:cxn modelId="{FE9239E8-6DB3-4D3C-8DF2-CBD885561DBB}" type="presParOf" srcId="{AE564886-2A70-42F1-ADEF-9DB88F9E0D9B}" destId="{FAD7109C-BB76-4EAC-96CA-F49A8C7D72FE}" srcOrd="11" destOrd="0" presId="urn:microsoft.com/office/officeart/2005/8/layout/chevron1"/>
-    <dgm:cxn modelId="{45737173-7E39-4EB0-AA6D-62FEF3C5093B}" type="presParOf" srcId="{AE564886-2A70-42F1-ADEF-9DB88F9E0D9B}" destId="{B57B4EA4-EF1F-4FB8-A9A4-248984EB878B}" srcOrd="12" destOrd="0" presId="urn:microsoft.com/office/officeart/2005/8/layout/chevron1"/>
-    <dgm:cxn modelId="{9B586D5C-2108-40A7-A0DB-1ECEBB6EEEF2}" type="presParOf" srcId="{AE564886-2A70-42F1-ADEF-9DB88F9E0D9B}" destId="{0BC6A371-F5F6-4184-BFE7-F8A4B170F7F4}" srcOrd="13" destOrd="0" presId="urn:microsoft.com/office/officeart/2005/8/layout/chevron1"/>
-    <dgm:cxn modelId="{88367C08-48F4-4FE4-89FB-A3C7DDB66B9B}" type="presParOf" srcId="{AE564886-2A70-42F1-ADEF-9DB88F9E0D9B}" destId="{A293501C-68F9-4EF9-85F6-38DBF72A975D}" srcOrd="14" destOrd="0" presId="urn:microsoft.com/office/officeart/2005/8/layout/chevron1"/>
+    <dgm:cxn modelId="{4EAFBF60-7CE6-4A4A-B4F2-1F85B611B4E1}" type="presParOf" srcId="{AE564886-2A70-42F1-ADEF-9DB88F9E0D9B}" destId="{546BEE3D-8B09-48D6-8478-592BF81998A0}" srcOrd="2" destOrd="0" presId="urn:microsoft.com/office/officeart/2005/8/layout/chevron1"/>
+    <dgm:cxn modelId="{2032DF95-A1E9-474E-B6BB-3EB8C27BC705}" type="presParOf" srcId="{AE564886-2A70-42F1-ADEF-9DB88F9E0D9B}" destId="{29D3325B-DFF7-4F50-9698-09060B529E8D}" srcOrd="3" destOrd="0" presId="urn:microsoft.com/office/officeart/2005/8/layout/chevron1"/>
+    <dgm:cxn modelId="{62D4E318-C06E-4AFC-8183-AFF3F1FECA42}" type="presParOf" srcId="{AE564886-2A70-42F1-ADEF-9DB88F9E0D9B}" destId="{598F6C0F-CD0F-4C50-8563-6ED67BEC2446}" srcOrd="4" destOrd="0" presId="urn:microsoft.com/office/officeart/2005/8/layout/chevron1"/>
+    <dgm:cxn modelId="{746A1103-1DFC-430A-BA08-E50767755D96}" type="presParOf" srcId="{AE564886-2A70-42F1-ADEF-9DB88F9E0D9B}" destId="{81D993A6-DD2F-442B-8BA4-CC95462490B7}" srcOrd="5" destOrd="0" presId="urn:microsoft.com/office/officeart/2005/8/layout/chevron1"/>
+    <dgm:cxn modelId="{553681D4-F7CE-42E7-8159-A2AD14D76F35}" type="presParOf" srcId="{AE564886-2A70-42F1-ADEF-9DB88F9E0D9B}" destId="{A6A0FC20-AC0C-4F21-B55B-58935FDDDA3E}" srcOrd="6" destOrd="0" presId="urn:microsoft.com/office/officeart/2005/8/layout/chevron1"/>
+    <dgm:cxn modelId="{A4452B07-AAA7-4FD6-9629-EE4930A2D4E8}" type="presParOf" srcId="{AE564886-2A70-42F1-ADEF-9DB88F9E0D9B}" destId="{2D8F3DF5-4E0D-402F-9F1F-EE6890BF0D6E}" srcOrd="7" destOrd="0" presId="urn:microsoft.com/office/officeart/2005/8/layout/chevron1"/>
+    <dgm:cxn modelId="{0D136C6C-E54B-4B4D-8A2A-41E116C269B7}" type="presParOf" srcId="{AE564886-2A70-42F1-ADEF-9DB88F9E0D9B}" destId="{F02A752F-0F28-4929-8363-BF5E1C89B897}" srcOrd="8" destOrd="0" presId="urn:microsoft.com/office/officeart/2005/8/layout/chevron1"/>
+    <dgm:cxn modelId="{12D7AA5C-0502-4DD5-A135-6A0B8D7ABC57}" type="presParOf" srcId="{AE564886-2A70-42F1-ADEF-9DB88F9E0D9B}" destId="{E9E438EA-526F-4F6A-B958-3796CD5351A5}" srcOrd="9" destOrd="0" presId="urn:microsoft.com/office/officeart/2005/8/layout/chevron1"/>
+    <dgm:cxn modelId="{3641D0FE-587C-4BFB-AC9A-C365BE49D7E1}" type="presParOf" srcId="{AE564886-2A70-42F1-ADEF-9DB88F9E0D9B}" destId="{E506A8AA-E17E-4DBC-9F1F-A54697D43549}" srcOrd="10" destOrd="0" presId="urn:microsoft.com/office/officeart/2005/8/layout/chevron1"/>
+    <dgm:cxn modelId="{D813F2E5-BC69-4E0D-80A5-EB94B8EFAEC8}" type="presParOf" srcId="{AE564886-2A70-42F1-ADEF-9DB88F9E0D9B}" destId="{DF929ACF-2210-459B-9949-58D304FE825F}" srcOrd="11" destOrd="0" presId="urn:microsoft.com/office/officeart/2005/8/layout/chevron1"/>
+    <dgm:cxn modelId="{BCB9F11F-71AE-459D-942F-E805D4F02447}" type="presParOf" srcId="{AE564886-2A70-42F1-ADEF-9DB88F9E0D9B}" destId="{47D718FA-F838-4107-9CA6-FD20BF09F875}" srcOrd="12" destOrd="0" presId="urn:microsoft.com/office/officeart/2005/8/layout/chevron1"/>
+    <dgm:cxn modelId="{FE9239E8-6DB3-4D3C-8DF2-CBD885561DBB}" type="presParOf" srcId="{AE564886-2A70-42F1-ADEF-9DB88F9E0D9B}" destId="{FAD7109C-BB76-4EAC-96CA-F49A8C7D72FE}" srcOrd="13" destOrd="0" presId="urn:microsoft.com/office/officeart/2005/8/layout/chevron1"/>
+    <dgm:cxn modelId="{45737173-7E39-4EB0-AA6D-62FEF3C5093B}" type="presParOf" srcId="{AE564886-2A70-42F1-ADEF-9DB88F9E0D9B}" destId="{B57B4EA4-EF1F-4FB8-A9A4-248984EB878B}" srcOrd="14" destOrd="0" presId="urn:microsoft.com/office/officeart/2005/8/layout/chevron1"/>
+    <dgm:cxn modelId="{9B586D5C-2108-40A7-A0DB-1ECEBB6EEEF2}" type="presParOf" srcId="{AE564886-2A70-42F1-ADEF-9DB88F9E0D9B}" destId="{0BC6A371-F5F6-4184-BFE7-F8A4B170F7F4}" srcOrd="15" destOrd="0" presId="urn:microsoft.com/office/officeart/2005/8/layout/chevron1"/>
+    <dgm:cxn modelId="{88367C08-48F4-4FE4-89FB-A3C7DDB66B9B}" type="presParOf" srcId="{AE564886-2A70-42F1-ADEF-9DB88F9E0D9B}" destId="{A293501C-68F9-4EF9-85F6-38DBF72A975D}" srcOrd="16" destOrd="0" presId="urn:microsoft.com/office/officeart/2005/8/layout/chevron1"/>
   </dgm:cxnLst>
   <dgm:bg/>
   <dgm:whole/>
@@ -4939,6 +5174,13 @@
         </dgm:presLayoutVars>
       </dgm:prSet>
       <dgm:spPr/>
+      <dgm:t>
+        <a:bodyPr/>
+        <a:lstStyle/>
+        <a:p>
+          <a:endParaRPr lang="en-US"/>
+        </a:p>
+      </dgm:t>
     </dgm:pt>
     <dgm:pt modelId="{CAB062EF-4EA9-4826-85E3-C6C285FBAEE2}" type="pres">
       <dgm:prSet presAssocID="{8C611EBA-E500-43A9-9070-74116C227E7A}" presName="hierRoot1" presStyleCnt="0">
@@ -4978,6 +5220,13 @@
     <dgm:pt modelId="{BDAA7F2E-E820-4CBA-BAD5-00075CBDAA34}" type="pres">
       <dgm:prSet presAssocID="{8C611EBA-E500-43A9-9070-74116C227E7A}" presName="topConnNode1" presStyleLbl="node1" presStyleIdx="0" presStyleCnt="0"/>
       <dgm:spPr/>
+      <dgm:t>
+        <a:bodyPr/>
+        <a:lstStyle/>
+        <a:p>
+          <a:endParaRPr lang="en-US"/>
+        </a:p>
+      </dgm:t>
     </dgm:pt>
     <dgm:pt modelId="{68871230-758D-465D-9714-C358EABF368C}" type="pres">
       <dgm:prSet presAssocID="{8C611EBA-E500-43A9-9070-74116C227E7A}" presName="hierChild2" presStyleCnt="0"/>
@@ -4986,6 +5235,13 @@
     <dgm:pt modelId="{C42DFABB-A45C-4F03-9FB5-B025E7B5BFEF}" type="pres">
       <dgm:prSet presAssocID="{3862D9FE-8BD5-463D-835A-8AFD3628EA9E}" presName="Name28" presStyleLbl="parChTrans1D2" presStyleIdx="0" presStyleCnt="3"/>
       <dgm:spPr/>
+      <dgm:t>
+        <a:bodyPr/>
+        <a:lstStyle/>
+        <a:p>
+          <a:endParaRPr lang="en-US"/>
+        </a:p>
+      </dgm:t>
     </dgm:pt>
     <dgm:pt modelId="{E469F7B0-AD55-41C1-94A7-DCE80B9D1091}" type="pres">
       <dgm:prSet presAssocID="{1ED7B882-64E0-44D9-A351-C2F41A75F103}" presName="hierRoot2" presStyleCnt="0">
@@ -5006,6 +5262,13 @@
         </dgm:presLayoutVars>
       </dgm:prSet>
       <dgm:spPr/>
+      <dgm:t>
+        <a:bodyPr/>
+        <a:lstStyle/>
+        <a:p>
+          <a:endParaRPr lang="en-US"/>
+        </a:p>
+      </dgm:t>
     </dgm:pt>
     <dgm:pt modelId="{65DA74F9-3700-4491-ADC8-B7DAD740A67D}" type="pres">
       <dgm:prSet presAssocID="{1ED7B882-64E0-44D9-A351-C2F41A75F103}" presName="topArc2" presStyleLbl="parChTrans1D1" presStyleIdx="2" presStyleCnt="8"/>
@@ -5018,6 +5281,13 @@
     <dgm:pt modelId="{76D274F5-B27F-418E-9CD4-6BB8033CB13B}" type="pres">
       <dgm:prSet presAssocID="{1ED7B882-64E0-44D9-A351-C2F41A75F103}" presName="topConnNode2" presStyleLbl="node2" presStyleIdx="0" presStyleCnt="0"/>
       <dgm:spPr/>
+      <dgm:t>
+        <a:bodyPr/>
+        <a:lstStyle/>
+        <a:p>
+          <a:endParaRPr lang="en-US"/>
+        </a:p>
+      </dgm:t>
     </dgm:pt>
     <dgm:pt modelId="{81DF6ED4-869A-4452-9627-3D472414BEE4}" type="pres">
       <dgm:prSet presAssocID="{1ED7B882-64E0-44D9-A351-C2F41A75F103}" presName="hierChild4" presStyleCnt="0"/>
@@ -5030,6 +5300,13 @@
     <dgm:pt modelId="{C19B2FFE-36BE-4FED-A1BD-AC6EAF138653}" type="pres">
       <dgm:prSet presAssocID="{9C8A986F-971F-45FE-8B90-7478CBBF4197}" presName="Name28" presStyleLbl="parChTrans1D2" presStyleIdx="1" presStyleCnt="3"/>
       <dgm:spPr/>
+      <dgm:t>
+        <a:bodyPr/>
+        <a:lstStyle/>
+        <a:p>
+          <a:endParaRPr lang="en-US"/>
+        </a:p>
+      </dgm:t>
     </dgm:pt>
     <dgm:pt modelId="{75923CBD-4A13-4DBA-A52A-EC91905AAC2B}" type="pres">
       <dgm:prSet presAssocID="{84989B66-5A85-45E1-8C28-804F5B02DD12}" presName="hierRoot2" presStyleCnt="0">
@@ -5050,6 +5327,13 @@
         </dgm:presLayoutVars>
       </dgm:prSet>
       <dgm:spPr/>
+      <dgm:t>
+        <a:bodyPr/>
+        <a:lstStyle/>
+        <a:p>
+          <a:endParaRPr lang="en-US"/>
+        </a:p>
+      </dgm:t>
     </dgm:pt>
     <dgm:pt modelId="{E678086B-8FE0-4224-911E-230987AFD8F5}" type="pres">
       <dgm:prSet presAssocID="{84989B66-5A85-45E1-8C28-804F5B02DD12}" presName="topArc2" presStyleLbl="parChTrans1D1" presStyleIdx="4" presStyleCnt="8"/>
@@ -5062,6 +5346,13 @@
     <dgm:pt modelId="{62E271A6-7CDD-4347-8911-D088F9043AEC}" type="pres">
       <dgm:prSet presAssocID="{84989B66-5A85-45E1-8C28-804F5B02DD12}" presName="topConnNode2" presStyleLbl="node2" presStyleIdx="0" presStyleCnt="0"/>
       <dgm:spPr/>
+      <dgm:t>
+        <a:bodyPr/>
+        <a:lstStyle/>
+        <a:p>
+          <a:endParaRPr lang="en-US"/>
+        </a:p>
+      </dgm:t>
     </dgm:pt>
     <dgm:pt modelId="{F29CF9DA-BFAD-4447-AE68-2B6E2CAAF292}" type="pres">
       <dgm:prSet presAssocID="{84989B66-5A85-45E1-8C28-804F5B02DD12}" presName="hierChild4" presStyleCnt="0"/>
@@ -5074,6 +5365,13 @@
     <dgm:pt modelId="{ACC9163D-7A06-4D51-93A9-0BEAA07D9A69}" type="pres">
       <dgm:prSet presAssocID="{8DA1D047-DFF6-44A7-8D77-AEE431201447}" presName="Name28" presStyleLbl="parChTrans1D2" presStyleIdx="2" presStyleCnt="3"/>
       <dgm:spPr/>
+      <dgm:t>
+        <a:bodyPr/>
+        <a:lstStyle/>
+        <a:p>
+          <a:endParaRPr lang="en-US"/>
+        </a:p>
+      </dgm:t>
     </dgm:pt>
     <dgm:pt modelId="{4D1355BF-91D9-4D5C-A6D4-65848DABC14B}" type="pres">
       <dgm:prSet presAssocID="{7CE24CD3-E7D1-4736-8ADC-AE1A2A599B68}" presName="hierRoot2" presStyleCnt="0">
@@ -5113,6 +5411,13 @@
     <dgm:pt modelId="{A317EE7D-AEDE-47E3-AAEC-769DDA4350FF}" type="pres">
       <dgm:prSet presAssocID="{7CE24CD3-E7D1-4736-8ADC-AE1A2A599B68}" presName="topConnNode2" presStyleLbl="node2" presStyleIdx="0" presStyleCnt="0"/>
       <dgm:spPr/>
+      <dgm:t>
+        <a:bodyPr/>
+        <a:lstStyle/>
+        <a:p>
+          <a:endParaRPr lang="en-US"/>
+        </a:p>
+      </dgm:t>
     </dgm:pt>
     <dgm:pt modelId="{5B1DDB96-DDFC-4C90-996E-406F28F4D501}" type="pres">
       <dgm:prSet presAssocID="{7CE24CD3-E7D1-4736-8ADC-AE1A2A599B68}" presName="hierChild4" presStyleCnt="0"/>
@@ -5128,22 +5433,22 @@
     </dgm:pt>
   </dgm:ptLst>
   <dgm:cxnLst>
+    <dgm:cxn modelId="{A1F34D73-985F-408F-9A5D-39E3F508C361}" type="presOf" srcId="{3862D9FE-8BD5-463D-835A-8AFD3628EA9E}" destId="{C42DFABB-A45C-4F03-9FB5-B025E7B5BFEF}" srcOrd="0" destOrd="0" presId="urn:microsoft.com/office/officeart/2008/layout/HalfCircleOrganizationChart"/>
+    <dgm:cxn modelId="{6A7335B7-8732-42C7-AC12-0D8C5284C909}" srcId="{8C611EBA-E500-43A9-9070-74116C227E7A}" destId="{84989B66-5A85-45E1-8C28-804F5B02DD12}" srcOrd="1" destOrd="0" parTransId="{9C8A986F-971F-45FE-8B90-7478CBBF4197}" sibTransId="{555321A1-6E3E-4AAC-9C09-4EA99E043452}"/>
+    <dgm:cxn modelId="{8FC58185-EADD-4C6A-9E6F-929E1AA5FA89}" type="presOf" srcId="{8DA1D047-DFF6-44A7-8D77-AEE431201447}" destId="{ACC9163D-7A06-4D51-93A9-0BEAA07D9A69}" srcOrd="0" destOrd="0" presId="urn:microsoft.com/office/officeart/2008/layout/HalfCircleOrganizationChart"/>
+    <dgm:cxn modelId="{B3E18F3E-D692-45AA-9747-BB77125A6A03}" srcId="{A9A3858D-FDC4-4805-98E5-95B5D7913BB7}" destId="{8C611EBA-E500-43A9-9070-74116C227E7A}" srcOrd="0" destOrd="0" parTransId="{381A46D2-C199-4A45-AFFA-258FF78164CC}" sibTransId="{B647A326-19D8-47A8-B0B0-518986B67CDA}"/>
+    <dgm:cxn modelId="{76CDA3FC-C529-4E94-83E5-4B0B80FAC118}" type="presOf" srcId="{84989B66-5A85-45E1-8C28-804F5B02DD12}" destId="{E53F7B02-0FDC-4E23-8E4F-81A429D642A6}" srcOrd="0" destOrd="0" presId="urn:microsoft.com/office/officeart/2008/layout/HalfCircleOrganizationChart"/>
+    <dgm:cxn modelId="{C9BAB152-7D90-4971-A659-BE99FFF855FF}" type="presOf" srcId="{7CE24CD3-E7D1-4736-8ADC-AE1A2A599B68}" destId="{A317EE7D-AEDE-47E3-AAEC-769DDA4350FF}" srcOrd="1" destOrd="0" presId="urn:microsoft.com/office/officeart/2008/layout/HalfCircleOrganizationChart"/>
+    <dgm:cxn modelId="{6734BF68-3FEC-4458-91D3-9050B8BB9BE0}" srcId="{8C611EBA-E500-43A9-9070-74116C227E7A}" destId="{7CE24CD3-E7D1-4736-8ADC-AE1A2A599B68}" srcOrd="2" destOrd="0" parTransId="{8DA1D047-DFF6-44A7-8D77-AEE431201447}" sibTransId="{8014325F-9B9F-44CE-B287-7B518869C1B0}"/>
+    <dgm:cxn modelId="{744D2A4B-832D-486D-A4BD-62FC01BB5AE8}" type="presOf" srcId="{1ED7B882-64E0-44D9-A351-C2F41A75F103}" destId="{45CB7F3B-4AC2-40C8-884E-CB99FCC74645}" srcOrd="0" destOrd="0" presId="urn:microsoft.com/office/officeart/2008/layout/HalfCircleOrganizationChart"/>
+    <dgm:cxn modelId="{85258656-BD53-4EEE-84A0-8434946D0415}" type="presOf" srcId="{84989B66-5A85-45E1-8C28-804F5B02DD12}" destId="{62E271A6-7CDD-4347-8911-D088F9043AEC}" srcOrd="1" destOrd="0" presId="urn:microsoft.com/office/officeart/2008/layout/HalfCircleOrganizationChart"/>
     <dgm:cxn modelId="{5C6FB625-69C3-4B79-B839-33DC8E51C7F6}" type="presOf" srcId="{8C611EBA-E500-43A9-9070-74116C227E7A}" destId="{BDAA7F2E-E820-4CBA-BAD5-00075CBDAA34}" srcOrd="1" destOrd="0" presId="urn:microsoft.com/office/officeart/2008/layout/HalfCircleOrganizationChart"/>
-    <dgm:cxn modelId="{85258656-BD53-4EEE-84A0-8434946D0415}" type="presOf" srcId="{84989B66-5A85-45E1-8C28-804F5B02DD12}" destId="{62E271A6-7CDD-4347-8911-D088F9043AEC}" srcOrd="1" destOrd="0" presId="urn:microsoft.com/office/officeart/2008/layout/HalfCircleOrganizationChart"/>
-    <dgm:cxn modelId="{C9BAB152-7D90-4971-A659-BE99FFF855FF}" type="presOf" srcId="{7CE24CD3-E7D1-4736-8ADC-AE1A2A599B68}" destId="{A317EE7D-AEDE-47E3-AAEC-769DDA4350FF}" srcOrd="1" destOrd="0" presId="urn:microsoft.com/office/officeart/2008/layout/HalfCircleOrganizationChart"/>
+    <dgm:cxn modelId="{C1945D66-8F25-4BEF-A859-35D98A647E40}" type="presOf" srcId="{7CE24CD3-E7D1-4736-8ADC-AE1A2A599B68}" destId="{EBFDF6C1-A9EE-479F-A006-48F89C8F0D44}" srcOrd="0" destOrd="0" presId="urn:microsoft.com/office/officeart/2008/layout/HalfCircleOrganizationChart"/>
+    <dgm:cxn modelId="{EEAE5E46-07EB-48ED-95EA-2562C5BFA0CA}" type="presOf" srcId="{1ED7B882-64E0-44D9-A351-C2F41A75F103}" destId="{76D274F5-B27F-418E-9CD4-6BB8033CB13B}" srcOrd="1" destOrd="0" presId="urn:microsoft.com/office/officeart/2008/layout/HalfCircleOrganizationChart"/>
     <dgm:cxn modelId="{7DBD4087-C1A3-4CDD-B3DE-9C622ED0246B}" type="presOf" srcId="{A9A3858D-FDC4-4805-98E5-95B5D7913BB7}" destId="{27084179-961F-4549-B18A-3BCB25A31691}" srcOrd="0" destOrd="0" presId="urn:microsoft.com/office/officeart/2008/layout/HalfCircleOrganizationChart"/>
-    <dgm:cxn modelId="{6A7335B7-8732-42C7-AC12-0D8C5284C909}" srcId="{8C611EBA-E500-43A9-9070-74116C227E7A}" destId="{84989B66-5A85-45E1-8C28-804F5B02DD12}" srcOrd="1" destOrd="0" parTransId="{9C8A986F-971F-45FE-8B90-7478CBBF4197}" sibTransId="{555321A1-6E3E-4AAC-9C09-4EA99E043452}"/>
-    <dgm:cxn modelId="{6734BF68-3FEC-4458-91D3-9050B8BB9BE0}" srcId="{8C611EBA-E500-43A9-9070-74116C227E7A}" destId="{7CE24CD3-E7D1-4736-8ADC-AE1A2A599B68}" srcOrd="2" destOrd="0" parTransId="{8DA1D047-DFF6-44A7-8D77-AEE431201447}" sibTransId="{8014325F-9B9F-44CE-B287-7B518869C1B0}"/>
-    <dgm:cxn modelId="{76CDA3FC-C529-4E94-83E5-4B0B80FAC118}" type="presOf" srcId="{84989B66-5A85-45E1-8C28-804F5B02DD12}" destId="{E53F7B02-0FDC-4E23-8E4F-81A429D642A6}" srcOrd="0" destOrd="0" presId="urn:microsoft.com/office/officeart/2008/layout/HalfCircleOrganizationChart"/>
-    <dgm:cxn modelId="{744D2A4B-832D-486D-A4BD-62FC01BB5AE8}" type="presOf" srcId="{1ED7B882-64E0-44D9-A351-C2F41A75F103}" destId="{45CB7F3B-4AC2-40C8-884E-CB99FCC74645}" srcOrd="0" destOrd="0" presId="urn:microsoft.com/office/officeart/2008/layout/HalfCircleOrganizationChart"/>
-    <dgm:cxn modelId="{055FF873-EEB5-4608-9248-1F711481999F}" type="presOf" srcId="{8C611EBA-E500-43A9-9070-74116C227E7A}" destId="{48AA91DB-CFFA-4BBC-96FA-02C3725F54F3}" srcOrd="0" destOrd="0" presId="urn:microsoft.com/office/officeart/2008/layout/HalfCircleOrganizationChart"/>
     <dgm:cxn modelId="{58925291-DEDC-48AE-9DE0-9285860B1937}" type="presOf" srcId="{9C8A986F-971F-45FE-8B90-7478CBBF4197}" destId="{C19B2FFE-36BE-4FED-A1BD-AC6EAF138653}" srcOrd="0" destOrd="0" presId="urn:microsoft.com/office/officeart/2008/layout/HalfCircleOrganizationChart"/>
     <dgm:cxn modelId="{7C11D4AC-CF82-4B21-B129-59E22E1B83B4}" srcId="{8C611EBA-E500-43A9-9070-74116C227E7A}" destId="{1ED7B882-64E0-44D9-A351-C2F41A75F103}" srcOrd="0" destOrd="0" parTransId="{3862D9FE-8BD5-463D-835A-8AFD3628EA9E}" sibTransId="{D2745554-07B3-469D-8229-A266FDACA880}"/>
-    <dgm:cxn modelId="{B3E18F3E-D692-45AA-9747-BB77125A6A03}" srcId="{A9A3858D-FDC4-4805-98E5-95B5D7913BB7}" destId="{8C611EBA-E500-43A9-9070-74116C227E7A}" srcOrd="0" destOrd="0" parTransId="{381A46D2-C199-4A45-AFFA-258FF78164CC}" sibTransId="{B647A326-19D8-47A8-B0B0-518986B67CDA}"/>
-    <dgm:cxn modelId="{EEAE5E46-07EB-48ED-95EA-2562C5BFA0CA}" type="presOf" srcId="{1ED7B882-64E0-44D9-A351-C2F41A75F103}" destId="{76D274F5-B27F-418E-9CD4-6BB8033CB13B}" srcOrd="1" destOrd="0" presId="urn:microsoft.com/office/officeart/2008/layout/HalfCircleOrganizationChart"/>
-    <dgm:cxn modelId="{C1945D66-8F25-4BEF-A859-35D98A647E40}" type="presOf" srcId="{7CE24CD3-E7D1-4736-8ADC-AE1A2A599B68}" destId="{EBFDF6C1-A9EE-479F-A006-48F89C8F0D44}" srcOrd="0" destOrd="0" presId="urn:microsoft.com/office/officeart/2008/layout/HalfCircleOrganizationChart"/>
-    <dgm:cxn modelId="{8FC58185-EADD-4C6A-9E6F-929E1AA5FA89}" type="presOf" srcId="{8DA1D047-DFF6-44A7-8D77-AEE431201447}" destId="{ACC9163D-7A06-4D51-93A9-0BEAA07D9A69}" srcOrd="0" destOrd="0" presId="urn:microsoft.com/office/officeart/2008/layout/HalfCircleOrganizationChart"/>
-    <dgm:cxn modelId="{A1F34D73-985F-408F-9A5D-39E3F508C361}" type="presOf" srcId="{3862D9FE-8BD5-463D-835A-8AFD3628EA9E}" destId="{C42DFABB-A45C-4F03-9FB5-B025E7B5BFEF}" srcOrd="0" destOrd="0" presId="urn:microsoft.com/office/officeart/2008/layout/HalfCircleOrganizationChart"/>
+    <dgm:cxn modelId="{055FF873-EEB5-4608-9248-1F711481999F}" type="presOf" srcId="{8C611EBA-E500-43A9-9070-74116C227E7A}" destId="{48AA91DB-CFFA-4BBC-96FA-02C3725F54F3}" srcOrd="0" destOrd="0" presId="urn:microsoft.com/office/officeart/2008/layout/HalfCircleOrganizationChart"/>
     <dgm:cxn modelId="{95366E54-CB80-4C23-B0AC-47B137DCA034}" type="presParOf" srcId="{27084179-961F-4549-B18A-3BCB25A31691}" destId="{CAB062EF-4EA9-4826-85E3-C6C285FBAEE2}" srcOrd="0" destOrd="0" presId="urn:microsoft.com/office/officeart/2008/layout/HalfCircleOrganizationChart"/>
     <dgm:cxn modelId="{9412251F-0D1A-4771-A6DA-970FB436D731}" type="presParOf" srcId="{CAB062EF-4EA9-4826-85E3-C6C285FBAEE2}" destId="{F08BED49-EEEB-40C7-84AA-879C0E77F8F3}" srcOrd="0" destOrd="0" presId="urn:microsoft.com/office/officeart/2008/layout/HalfCircleOrganizationChart"/>
     <dgm:cxn modelId="{E5799DD2-0469-4937-B3E8-39C457AF5F2F}" type="presParOf" srcId="{F08BED49-EEEB-40C7-84AA-879C0E77F8F3}" destId="{48AA91DB-CFFA-4BBC-96FA-02C3725F54F3}" srcOrd="0" destOrd="0" presId="urn:microsoft.com/office/officeart/2008/layout/HalfCircleOrganizationChart"/>
@@ -5565,21 +5870,7 @@
               <a:latin typeface="Arial" panose="020B0604020202020204" pitchFamily="34" charset="0"/>
               <a:cs typeface="Arial" panose="020B0604020202020204" pitchFamily="34" charset="0"/>
             </a:rPr>
-            <a:t>How can I use the </a:t>
-          </a:r>
-          <a:r>
-            <a:rPr lang="en-US" sz="1000" kern="1200" dirty="0" smtClean="0">
-              <a:latin typeface="Arial" panose="020B0604020202020204" pitchFamily="34" charset="0"/>
-              <a:cs typeface="Arial" panose="020B0604020202020204" pitchFamily="34" charset="0"/>
-            </a:rPr>
-            <a:t>labels / categories</a:t>
-          </a:r>
-          <a:r>
-            <a:rPr lang="en-US" sz="1000" kern="1200" dirty="0" smtClean="0">
-              <a:latin typeface="Arial" panose="020B0604020202020204" pitchFamily="34" charset="0"/>
-              <a:cs typeface="Arial" panose="020B0604020202020204" pitchFamily="34" charset="0"/>
-            </a:rPr>
-            <a:t>?</a:t>
+            <a:t>How can I use the labels / categories?</a:t>
           </a:r>
           <a:endParaRPr lang="en-US" sz="1000" kern="1200" dirty="0">
             <a:latin typeface="Arial" panose="020B0604020202020204" pitchFamily="34" charset="0"/>
@@ -5894,14 +6185,7 @@
               <a:latin typeface="Arial" panose="020B0604020202020204" pitchFamily="34" charset="0"/>
               <a:cs typeface="Arial" panose="020B0604020202020204" pitchFamily="34" charset="0"/>
             </a:rPr>
-            <a:t>Remove </a:t>
-          </a:r>
-          <a:r>
-            <a:rPr lang="en-US" sz="800" kern="1200" dirty="0" smtClean="0">
-              <a:latin typeface="Arial" panose="020B0604020202020204" pitchFamily="34" charset="0"/>
-              <a:cs typeface="Arial" panose="020B0604020202020204" pitchFamily="34" charset="0"/>
-            </a:rPr>
-            <a:t>punctuation</a:t>
+            <a:t>Remove punctuation</a:t>
           </a:r>
           <a:endParaRPr lang="en-US" sz="800" kern="1200" dirty="0">
             <a:latin typeface="Arial" panose="020B0604020202020204" pitchFamily="34" charset="0"/>
@@ -6387,14 +6671,7 @@
               <a:latin typeface="Arial" panose="020B0604020202020204" pitchFamily="34" charset="0"/>
               <a:cs typeface="Arial" panose="020B0604020202020204" pitchFamily="34" charset="0"/>
             </a:rPr>
-            <a:t>One row per </a:t>
-          </a:r>
-          <a:r>
-            <a:rPr lang="en-US" sz="800" kern="1200" dirty="0" smtClean="0">
-              <a:latin typeface="Arial" panose="020B0604020202020204" pitchFamily="34" charset="0"/>
-              <a:cs typeface="Arial" panose="020B0604020202020204" pitchFamily="34" charset="0"/>
-            </a:rPr>
-            <a:t>“category + </a:t>
+            <a:t>One row per “category + </a:t>
           </a:r>
           <a:r>
             <a:rPr lang="en-US" sz="800" kern="1200" dirty="0" err="1" smtClean="0">
@@ -7335,8 +7612,8 @@
       </dsp:nvSpPr>
       <dsp:spPr>
         <a:xfrm>
-          <a:off x="741" y="356097"/>
-          <a:ext cx="1187899" cy="475159"/>
+          <a:off x="105" y="382142"/>
+          <a:ext cx="1057675" cy="423070"/>
         </a:xfrm>
         <a:prstGeom prst="chevron">
           <a:avLst/>
@@ -7377,12 +7654,12 @@
         </a:fontRef>
       </dsp:style>
       <dsp:txBody>
-        <a:bodyPr spcFirstLastPara="0" vert="horz" wrap="square" lIns="36005" tIns="12002" rIns="12002" bIns="12002" numCol="1" spcCol="1270" anchor="ctr" anchorCtr="0">
+        <a:bodyPr spcFirstLastPara="0" vert="horz" wrap="square" lIns="32004" tIns="10668" rIns="10668" bIns="10668" numCol="1" spcCol="1270" anchor="ctr" anchorCtr="0">
           <a:noAutofit/>
         </a:bodyPr>
         <a:lstStyle/>
         <a:p>
-          <a:pPr lvl="0" algn="ctr" defTabSz="400050">
+          <a:pPr lvl="0" algn="ctr" defTabSz="355600">
             <a:lnSpc>
               <a:spcPct val="90000"/>
             </a:lnSpc>
@@ -7394,32 +7671,32 @@
             </a:spcAft>
           </a:pPr>
           <a:r>
-            <a:rPr lang="en-US" sz="900" kern="1200" dirty="0" smtClean="0">
+            <a:rPr lang="en-US" sz="800" kern="1200" dirty="0" smtClean="0">
               <a:latin typeface="Arial" panose="020B0604020202020204" pitchFamily="34" charset="0"/>
               <a:cs typeface="Arial" panose="020B0604020202020204" pitchFamily="34" charset="0"/>
             </a:rPr>
-            <a:t>Case to lower</a:t>
+            <a:t>Remove non-unique categories</a:t>
           </a:r>
-          <a:endParaRPr lang="en-US" sz="900" kern="1200" dirty="0">
+          <a:endParaRPr lang="en-US" sz="800" kern="1200" dirty="0">
             <a:latin typeface="Arial" panose="020B0604020202020204" pitchFamily="34" charset="0"/>
             <a:cs typeface="Arial" panose="020B0604020202020204" pitchFamily="34" charset="0"/>
           </a:endParaRPr>
         </a:p>
       </dsp:txBody>
       <dsp:txXfrm>
-        <a:off x="238321" y="356097"/>
-        <a:ext cx="712740" cy="475159"/>
+        <a:off x="211640" y="382142"/>
+        <a:ext cx="634605" cy="423070"/>
       </dsp:txXfrm>
     </dsp:sp>
-    <dsp:sp modelId="{598F6C0F-CD0F-4C50-8563-6ED67BEC2446}">
+    <dsp:sp modelId="{546BEE3D-8B09-48D6-8478-592BF81998A0}">
       <dsp:nvSpPr>
         <dsp:cNvPr id="0" name=""/>
         <dsp:cNvSpPr/>
       </dsp:nvSpPr>
       <dsp:spPr>
         <a:xfrm>
-          <a:off x="1069850" y="356097"/>
-          <a:ext cx="1187899" cy="475159"/>
+          <a:off x="952013" y="382142"/>
+          <a:ext cx="1057675" cy="423070"/>
         </a:xfrm>
         <a:prstGeom prst="chevron">
           <a:avLst/>
@@ -7460,12 +7737,12 @@
         </a:fontRef>
       </dsp:style>
       <dsp:txBody>
-        <a:bodyPr spcFirstLastPara="0" vert="horz" wrap="square" lIns="36005" tIns="12002" rIns="12002" bIns="12002" numCol="1" spcCol="1270" anchor="ctr" anchorCtr="0">
+        <a:bodyPr spcFirstLastPara="0" vert="horz" wrap="square" lIns="32004" tIns="10668" rIns="10668" bIns="10668" numCol="1" spcCol="1270" anchor="ctr" anchorCtr="0">
           <a:noAutofit/>
         </a:bodyPr>
         <a:lstStyle/>
         <a:p>
-          <a:pPr lvl="0" algn="ctr" defTabSz="400050">
+          <a:pPr lvl="0" algn="ctr" defTabSz="355600">
             <a:lnSpc>
               <a:spcPct val="90000"/>
             </a:lnSpc>
@@ -7477,32 +7754,39 @@
             </a:spcAft>
           </a:pPr>
           <a:r>
-            <a:rPr lang="en-US" sz="900" kern="1200" dirty="0" smtClean="0">
+            <a:rPr lang="en-US" sz="800" kern="1200" smtClean="0">
               <a:latin typeface="Arial" panose="020B0604020202020204" pitchFamily="34" charset="0"/>
               <a:cs typeface="Arial" panose="020B0604020202020204" pitchFamily="34" charset="0"/>
             </a:rPr>
-            <a:t>Handle period separation</a:t>
+            <a:t>Case </a:t>
           </a:r>
-          <a:endParaRPr lang="en-US" sz="900" kern="1200" dirty="0">
+          <a:r>
+            <a:rPr lang="en-US" sz="800" kern="1200" dirty="0" smtClean="0">
+              <a:latin typeface="Arial" panose="020B0604020202020204" pitchFamily="34" charset="0"/>
+              <a:cs typeface="Arial" panose="020B0604020202020204" pitchFamily="34" charset="0"/>
+            </a:rPr>
+            <a:t>to lower</a:t>
+          </a:r>
+          <a:endParaRPr lang="en-US" sz="800" kern="1200" dirty="0">
             <a:latin typeface="Arial" panose="020B0604020202020204" pitchFamily="34" charset="0"/>
             <a:cs typeface="Arial" panose="020B0604020202020204" pitchFamily="34" charset="0"/>
           </a:endParaRPr>
         </a:p>
       </dsp:txBody>
       <dsp:txXfrm>
-        <a:off x="1307430" y="356097"/>
-        <a:ext cx="712740" cy="475159"/>
+        <a:off x="1163548" y="382142"/>
+        <a:ext cx="634605" cy="423070"/>
       </dsp:txXfrm>
     </dsp:sp>
-    <dsp:sp modelId="{A6A0FC20-AC0C-4F21-B55B-58935FDDDA3E}">
+    <dsp:sp modelId="{598F6C0F-CD0F-4C50-8563-6ED67BEC2446}">
       <dsp:nvSpPr>
         <dsp:cNvPr id="0" name=""/>
         <dsp:cNvSpPr/>
       </dsp:nvSpPr>
       <dsp:spPr>
         <a:xfrm>
-          <a:off x="2138960" y="356097"/>
-          <a:ext cx="1187899" cy="475159"/>
+          <a:off x="1903921" y="382142"/>
+          <a:ext cx="1057675" cy="423070"/>
         </a:xfrm>
         <a:prstGeom prst="chevron">
           <a:avLst/>
@@ -7543,12 +7827,12 @@
         </a:fontRef>
       </dsp:style>
       <dsp:txBody>
-        <a:bodyPr spcFirstLastPara="0" vert="horz" wrap="square" lIns="36005" tIns="12002" rIns="12002" bIns="12002" numCol="1" spcCol="1270" anchor="ctr" anchorCtr="0">
+        <a:bodyPr spcFirstLastPara="0" vert="horz" wrap="square" lIns="32004" tIns="10668" rIns="10668" bIns="10668" numCol="1" spcCol="1270" anchor="ctr" anchorCtr="0">
           <a:noAutofit/>
         </a:bodyPr>
         <a:lstStyle/>
         <a:p>
-          <a:pPr lvl="0" algn="ctr" defTabSz="400050">
+          <a:pPr lvl="0" algn="ctr" defTabSz="355600">
             <a:lnSpc>
               <a:spcPct val="90000"/>
             </a:lnSpc>
@@ -7560,39 +7844,32 @@
             </a:spcAft>
           </a:pPr>
           <a:r>
-            <a:rPr lang="en-US" sz="900" kern="1200" dirty="0" smtClean="0">
+            <a:rPr lang="en-US" sz="800" kern="1200" dirty="0" smtClean="0">
               <a:latin typeface="Arial" panose="020B0604020202020204" pitchFamily="34" charset="0"/>
               <a:cs typeface="Arial" panose="020B0604020202020204" pitchFamily="34" charset="0"/>
             </a:rPr>
-            <a:t>Remove </a:t>
+            <a:t>Handle period separation</a:t>
           </a:r>
-          <a:r>
-            <a:rPr lang="en-US" sz="900" kern="1200" dirty="0" smtClean="0">
-              <a:latin typeface="Arial" panose="020B0604020202020204" pitchFamily="34" charset="0"/>
-              <a:cs typeface="Arial" panose="020B0604020202020204" pitchFamily="34" charset="0"/>
-            </a:rPr>
-            <a:t>punctuation</a:t>
-          </a:r>
-          <a:endParaRPr lang="en-US" sz="900" kern="1200" dirty="0">
+          <a:endParaRPr lang="en-US" sz="800" kern="1200" dirty="0">
             <a:latin typeface="Arial" panose="020B0604020202020204" pitchFamily="34" charset="0"/>
             <a:cs typeface="Arial" panose="020B0604020202020204" pitchFamily="34" charset="0"/>
           </a:endParaRPr>
         </a:p>
       </dsp:txBody>
       <dsp:txXfrm>
-        <a:off x="2376540" y="356097"/>
-        <a:ext cx="712740" cy="475159"/>
+        <a:off x="2115456" y="382142"/>
+        <a:ext cx="634605" cy="423070"/>
       </dsp:txXfrm>
     </dsp:sp>
-    <dsp:sp modelId="{F02A752F-0F28-4929-8363-BF5E1C89B897}">
+    <dsp:sp modelId="{A6A0FC20-AC0C-4F21-B55B-58935FDDDA3E}">
       <dsp:nvSpPr>
         <dsp:cNvPr id="0" name=""/>
         <dsp:cNvSpPr/>
       </dsp:nvSpPr>
       <dsp:spPr>
         <a:xfrm>
-          <a:off x="3208070" y="356097"/>
-          <a:ext cx="1187899" cy="475159"/>
+          <a:off x="2855829" y="382142"/>
+          <a:ext cx="1057675" cy="423070"/>
         </a:xfrm>
         <a:prstGeom prst="chevron">
           <a:avLst/>
@@ -7633,12 +7910,12 @@
         </a:fontRef>
       </dsp:style>
       <dsp:txBody>
-        <a:bodyPr spcFirstLastPara="0" vert="horz" wrap="square" lIns="36005" tIns="12002" rIns="12002" bIns="12002" numCol="1" spcCol="1270" anchor="ctr" anchorCtr="0">
+        <a:bodyPr spcFirstLastPara="0" vert="horz" wrap="square" lIns="32004" tIns="10668" rIns="10668" bIns="10668" numCol="1" spcCol="1270" anchor="ctr" anchorCtr="0">
           <a:noAutofit/>
         </a:bodyPr>
         <a:lstStyle/>
         <a:p>
-          <a:pPr lvl="0" algn="ctr" defTabSz="400050">
+          <a:pPr lvl="0" algn="ctr" defTabSz="355600">
             <a:lnSpc>
               <a:spcPct val="90000"/>
             </a:lnSpc>
@@ -7650,39 +7927,32 @@
             </a:spcAft>
           </a:pPr>
           <a:r>
-            <a:rPr lang="en-US" sz="900" kern="1200" dirty="0" smtClean="0">
+            <a:rPr lang="en-US" sz="800" kern="1200" dirty="0" smtClean="0">
               <a:latin typeface="Arial" panose="020B0604020202020204" pitchFamily="34" charset="0"/>
               <a:cs typeface="Arial" panose="020B0604020202020204" pitchFamily="34" charset="0"/>
             </a:rPr>
-            <a:t>Remove </a:t>
+            <a:t>Remove punctuation</a:t>
           </a:r>
-          <a:r>
-            <a:rPr lang="en-US" sz="900" kern="1200" dirty="0" err="1" smtClean="0">
-              <a:latin typeface="Arial" panose="020B0604020202020204" pitchFamily="34" charset="0"/>
-              <a:cs typeface="Arial" panose="020B0604020202020204" pitchFamily="34" charset="0"/>
-            </a:rPr>
-            <a:t>stopwords</a:t>
-          </a:r>
-          <a:endParaRPr lang="en-US" sz="900" kern="1200" dirty="0">
+          <a:endParaRPr lang="en-US" sz="800" kern="1200" dirty="0">
             <a:latin typeface="Arial" panose="020B0604020202020204" pitchFamily="34" charset="0"/>
             <a:cs typeface="Arial" panose="020B0604020202020204" pitchFamily="34" charset="0"/>
           </a:endParaRPr>
         </a:p>
       </dsp:txBody>
       <dsp:txXfrm>
-        <a:off x="3445650" y="356097"/>
-        <a:ext cx="712740" cy="475159"/>
+        <a:off x="3067364" y="382142"/>
+        <a:ext cx="634605" cy="423070"/>
       </dsp:txXfrm>
     </dsp:sp>
-    <dsp:sp modelId="{E506A8AA-E17E-4DBC-9F1F-A54697D43549}">
+    <dsp:sp modelId="{F02A752F-0F28-4929-8363-BF5E1C89B897}">
       <dsp:nvSpPr>
         <dsp:cNvPr id="0" name=""/>
         <dsp:cNvSpPr/>
       </dsp:nvSpPr>
       <dsp:spPr>
         <a:xfrm>
-          <a:off x="4277180" y="356097"/>
-          <a:ext cx="1187899" cy="475159"/>
+          <a:off x="3807737" y="382142"/>
+          <a:ext cx="1057675" cy="423070"/>
         </a:xfrm>
         <a:prstGeom prst="chevron">
           <a:avLst/>
@@ -7723,12 +7993,12 @@
         </a:fontRef>
       </dsp:style>
       <dsp:txBody>
-        <a:bodyPr spcFirstLastPara="0" vert="horz" wrap="square" lIns="36005" tIns="12002" rIns="12002" bIns="12002" numCol="1" spcCol="1270" anchor="ctr" anchorCtr="0">
+        <a:bodyPr spcFirstLastPara="0" vert="horz" wrap="square" lIns="32004" tIns="10668" rIns="10668" bIns="10668" numCol="1" spcCol="1270" anchor="ctr" anchorCtr="0">
           <a:noAutofit/>
         </a:bodyPr>
         <a:lstStyle/>
         <a:p>
-          <a:pPr lvl="0" algn="ctr" defTabSz="400050">
+          <a:pPr lvl="0" algn="ctr" defTabSz="355600">
             <a:lnSpc>
               <a:spcPct val="90000"/>
             </a:lnSpc>
@@ -7740,32 +8010,39 @@
             </a:spcAft>
           </a:pPr>
           <a:r>
-            <a:rPr lang="en-US" sz="900" kern="1200" dirty="0" smtClean="0">
+            <a:rPr lang="en-US" sz="800" kern="1200" dirty="0" smtClean="0">
               <a:latin typeface="Arial" panose="020B0604020202020204" pitchFamily="34" charset="0"/>
               <a:cs typeface="Arial" panose="020B0604020202020204" pitchFamily="34" charset="0"/>
             </a:rPr>
-            <a:t>Remove too common words</a:t>
+            <a:t>Remove </a:t>
           </a:r>
-          <a:endParaRPr lang="en-US" sz="900" kern="1200" dirty="0">
+          <a:r>
+            <a:rPr lang="en-US" sz="800" kern="1200" dirty="0" err="1" smtClean="0">
+              <a:latin typeface="Arial" panose="020B0604020202020204" pitchFamily="34" charset="0"/>
+              <a:cs typeface="Arial" panose="020B0604020202020204" pitchFamily="34" charset="0"/>
+            </a:rPr>
+            <a:t>stopwords</a:t>
+          </a:r>
+          <a:endParaRPr lang="en-US" sz="800" kern="1200" dirty="0">
             <a:latin typeface="Arial" panose="020B0604020202020204" pitchFamily="34" charset="0"/>
             <a:cs typeface="Arial" panose="020B0604020202020204" pitchFamily="34" charset="0"/>
           </a:endParaRPr>
         </a:p>
       </dsp:txBody>
       <dsp:txXfrm>
-        <a:off x="4514760" y="356097"/>
-        <a:ext cx="712740" cy="475159"/>
+        <a:off x="4019272" y="382142"/>
+        <a:ext cx="634605" cy="423070"/>
       </dsp:txXfrm>
     </dsp:sp>
-    <dsp:sp modelId="{47D718FA-F838-4107-9CA6-FD20BF09F875}">
+    <dsp:sp modelId="{E506A8AA-E17E-4DBC-9F1F-A54697D43549}">
       <dsp:nvSpPr>
         <dsp:cNvPr id="0" name=""/>
         <dsp:cNvSpPr/>
       </dsp:nvSpPr>
       <dsp:spPr>
         <a:xfrm>
-          <a:off x="5346289" y="356097"/>
-          <a:ext cx="1187899" cy="475159"/>
+          <a:off x="4759645" y="382142"/>
+          <a:ext cx="1057675" cy="423070"/>
         </a:xfrm>
         <a:prstGeom prst="chevron">
           <a:avLst/>
@@ -7806,12 +8083,12 @@
         </a:fontRef>
       </dsp:style>
       <dsp:txBody>
-        <a:bodyPr spcFirstLastPara="0" vert="horz" wrap="square" lIns="36005" tIns="12002" rIns="12002" bIns="12002" numCol="1" spcCol="1270" anchor="ctr" anchorCtr="0">
+        <a:bodyPr spcFirstLastPara="0" vert="horz" wrap="square" lIns="32004" tIns="10668" rIns="10668" bIns="10668" numCol="1" spcCol="1270" anchor="ctr" anchorCtr="0">
           <a:noAutofit/>
         </a:bodyPr>
         <a:lstStyle/>
         <a:p>
-          <a:pPr lvl="0" algn="ctr" defTabSz="400050">
+          <a:pPr lvl="0" algn="ctr" defTabSz="355600">
             <a:lnSpc>
               <a:spcPct val="90000"/>
             </a:lnSpc>
@@ -7823,32 +8100,32 @@
             </a:spcAft>
           </a:pPr>
           <a:r>
-            <a:rPr lang="en-US" sz="900" kern="1200" dirty="0" smtClean="0">
+            <a:rPr lang="en-US" sz="800" kern="1200" dirty="0" smtClean="0">
               <a:latin typeface="Arial" panose="020B0604020202020204" pitchFamily="34" charset="0"/>
               <a:cs typeface="Arial" panose="020B0604020202020204" pitchFamily="34" charset="0"/>
             </a:rPr>
-            <a:t>Remove taxiway designations</a:t>
+            <a:t>Remove too common words</a:t>
           </a:r>
-          <a:endParaRPr lang="en-US" sz="900" kern="1200" dirty="0">
+          <a:endParaRPr lang="en-US" sz="800" kern="1200" dirty="0">
             <a:latin typeface="Arial" panose="020B0604020202020204" pitchFamily="34" charset="0"/>
             <a:cs typeface="Arial" panose="020B0604020202020204" pitchFamily="34" charset="0"/>
           </a:endParaRPr>
         </a:p>
       </dsp:txBody>
       <dsp:txXfrm>
-        <a:off x="5583869" y="356097"/>
-        <a:ext cx="712740" cy="475159"/>
+        <a:off x="4971180" y="382142"/>
+        <a:ext cx="634605" cy="423070"/>
       </dsp:txXfrm>
     </dsp:sp>
-    <dsp:sp modelId="{B57B4EA4-EF1F-4FB8-A9A4-248984EB878B}">
+    <dsp:sp modelId="{47D718FA-F838-4107-9CA6-FD20BF09F875}">
       <dsp:nvSpPr>
         <dsp:cNvPr id="0" name=""/>
         <dsp:cNvSpPr/>
       </dsp:nvSpPr>
       <dsp:spPr>
         <a:xfrm>
-          <a:off x="6415399" y="356097"/>
-          <a:ext cx="1187899" cy="475159"/>
+          <a:off x="5711553" y="382142"/>
+          <a:ext cx="1057675" cy="423070"/>
         </a:xfrm>
         <a:prstGeom prst="chevron">
           <a:avLst/>
@@ -7889,12 +8166,12 @@
         </a:fontRef>
       </dsp:style>
       <dsp:txBody>
-        <a:bodyPr spcFirstLastPara="0" vert="horz" wrap="square" lIns="36005" tIns="12002" rIns="12002" bIns="12002" numCol="1" spcCol="1270" anchor="ctr" anchorCtr="0">
+        <a:bodyPr spcFirstLastPara="0" vert="horz" wrap="square" lIns="32004" tIns="10668" rIns="10668" bIns="10668" numCol="1" spcCol="1270" anchor="ctr" anchorCtr="0">
           <a:noAutofit/>
         </a:bodyPr>
         <a:lstStyle/>
         <a:p>
-          <a:pPr lvl="0" algn="ctr" defTabSz="400050">
+          <a:pPr lvl="0" algn="ctr" defTabSz="355600">
             <a:lnSpc>
               <a:spcPct val="90000"/>
             </a:lnSpc>
@@ -7906,32 +8183,32 @@
             </a:spcAft>
           </a:pPr>
           <a:r>
-            <a:rPr lang="en-US" sz="900" kern="1200" dirty="0" smtClean="0">
+            <a:rPr lang="en-US" sz="800" kern="1200" dirty="0" smtClean="0">
               <a:latin typeface="Arial" panose="020B0604020202020204" pitchFamily="34" charset="0"/>
               <a:cs typeface="Arial" panose="020B0604020202020204" pitchFamily="34" charset="0"/>
             </a:rPr>
-            <a:t>Remove airport IATA codes</a:t>
+            <a:t>Remove taxiway designations</a:t>
           </a:r>
-          <a:endParaRPr lang="en-US" sz="900" kern="1200" dirty="0">
+          <a:endParaRPr lang="en-US" sz="800" kern="1200" dirty="0">
             <a:latin typeface="Arial" panose="020B0604020202020204" pitchFamily="34" charset="0"/>
             <a:cs typeface="Arial" panose="020B0604020202020204" pitchFamily="34" charset="0"/>
           </a:endParaRPr>
         </a:p>
       </dsp:txBody>
       <dsp:txXfrm>
-        <a:off x="6652979" y="356097"/>
-        <a:ext cx="712740" cy="475159"/>
+        <a:off x="5923088" y="382142"/>
+        <a:ext cx="634605" cy="423070"/>
       </dsp:txXfrm>
     </dsp:sp>
-    <dsp:sp modelId="{A293501C-68F9-4EF9-85F6-38DBF72A975D}">
+    <dsp:sp modelId="{B57B4EA4-EF1F-4FB8-A9A4-248984EB878B}">
       <dsp:nvSpPr>
         <dsp:cNvPr id="0" name=""/>
         <dsp:cNvSpPr/>
       </dsp:nvSpPr>
       <dsp:spPr>
         <a:xfrm>
-          <a:off x="7484509" y="356097"/>
-          <a:ext cx="1187899" cy="475159"/>
+          <a:off x="6663460" y="382142"/>
+          <a:ext cx="1057675" cy="423070"/>
         </a:xfrm>
         <a:prstGeom prst="chevron">
           <a:avLst/>
@@ -7972,12 +8249,12 @@
         </a:fontRef>
       </dsp:style>
       <dsp:txBody>
-        <a:bodyPr spcFirstLastPara="0" vert="horz" wrap="square" lIns="36005" tIns="12002" rIns="12002" bIns="12002" numCol="1" spcCol="1270" anchor="ctr" anchorCtr="0">
+        <a:bodyPr spcFirstLastPara="0" vert="horz" wrap="square" lIns="32004" tIns="10668" rIns="10668" bIns="10668" numCol="1" spcCol="1270" anchor="ctr" anchorCtr="0">
           <a:noAutofit/>
         </a:bodyPr>
         <a:lstStyle/>
         <a:p>
-          <a:pPr lvl="0" algn="ctr" defTabSz="400050">
+          <a:pPr lvl="0" algn="ctr" defTabSz="355600">
             <a:lnSpc>
               <a:spcPct val="90000"/>
             </a:lnSpc>
@@ -7989,18 +8266,101 @@
             </a:spcAft>
           </a:pPr>
           <a:r>
-            <a:rPr lang="en-US" sz="900" kern="1200" dirty="0" smtClean="0">
+            <a:rPr lang="en-US" sz="800" kern="1200" dirty="0" smtClean="0">
+              <a:latin typeface="Arial" panose="020B0604020202020204" pitchFamily="34" charset="0"/>
+              <a:cs typeface="Arial" panose="020B0604020202020204" pitchFamily="34" charset="0"/>
+            </a:rPr>
+            <a:t>Remove airport IATA codes</a:t>
+          </a:r>
+          <a:endParaRPr lang="en-US" sz="800" kern="1200" dirty="0">
+            <a:latin typeface="Arial" panose="020B0604020202020204" pitchFamily="34" charset="0"/>
+            <a:cs typeface="Arial" panose="020B0604020202020204" pitchFamily="34" charset="0"/>
+          </a:endParaRPr>
+        </a:p>
+      </dsp:txBody>
+      <dsp:txXfrm>
+        <a:off x="6874995" y="382142"/>
+        <a:ext cx="634605" cy="423070"/>
+      </dsp:txXfrm>
+    </dsp:sp>
+    <dsp:sp modelId="{A293501C-68F9-4EF9-85F6-38DBF72A975D}">
+      <dsp:nvSpPr>
+        <dsp:cNvPr id="0" name=""/>
+        <dsp:cNvSpPr/>
+      </dsp:nvSpPr>
+      <dsp:spPr>
+        <a:xfrm>
+          <a:off x="7615368" y="382142"/>
+          <a:ext cx="1057675" cy="423070"/>
+        </a:xfrm>
+        <a:prstGeom prst="chevron">
+          <a:avLst/>
+        </a:prstGeom>
+        <a:solidFill>
+          <a:schemeClr val="accent4">
+            <a:hueOff val="0"/>
+            <a:satOff val="0"/>
+            <a:lumOff val="0"/>
+            <a:alphaOff val="0"/>
+          </a:schemeClr>
+        </a:solidFill>
+        <a:ln w="25400" cap="flat" cmpd="sng" algn="ctr">
+          <a:solidFill>
+            <a:schemeClr val="lt1">
+              <a:hueOff val="0"/>
+              <a:satOff val="0"/>
+              <a:lumOff val="0"/>
+              <a:alphaOff val="0"/>
+            </a:schemeClr>
+          </a:solidFill>
+          <a:prstDash val="solid"/>
+        </a:ln>
+        <a:effectLst/>
+      </dsp:spPr>
+      <dsp:style>
+        <a:lnRef idx="2">
+          <a:scrgbClr r="0" g="0" b="0"/>
+        </a:lnRef>
+        <a:fillRef idx="1">
+          <a:scrgbClr r="0" g="0" b="0"/>
+        </a:fillRef>
+        <a:effectRef idx="0">
+          <a:scrgbClr r="0" g="0" b="0"/>
+        </a:effectRef>
+        <a:fontRef idx="minor">
+          <a:schemeClr val="lt1"/>
+        </a:fontRef>
+      </dsp:style>
+      <dsp:txBody>
+        <a:bodyPr spcFirstLastPara="0" vert="horz" wrap="square" lIns="32004" tIns="10668" rIns="10668" bIns="10668" numCol="1" spcCol="1270" anchor="ctr" anchorCtr="0">
+          <a:noAutofit/>
+        </a:bodyPr>
+        <a:lstStyle/>
+        <a:p>
+          <a:pPr lvl="0" algn="ctr" defTabSz="355600">
+            <a:lnSpc>
+              <a:spcPct val="90000"/>
+            </a:lnSpc>
+            <a:spcBef>
+              <a:spcPct val="0"/>
+            </a:spcBef>
+            <a:spcAft>
+              <a:spcPct val="35000"/>
+            </a:spcAft>
+          </a:pPr>
+          <a:r>
+            <a:rPr lang="en-US" sz="800" kern="1200" dirty="0" smtClean="0">
               <a:latin typeface="Arial" panose="020B0604020202020204" pitchFamily="34" charset="0"/>
               <a:cs typeface="Arial" panose="020B0604020202020204" pitchFamily="34" charset="0"/>
             </a:rPr>
             <a:t>Strip whitespaces</a:t>
           </a:r>
-          <a:endParaRPr lang="en-US" sz="900" kern="1200" dirty="0"/>
+          <a:endParaRPr lang="en-US" sz="800" kern="1200" dirty="0"/>
         </a:p>
       </dsp:txBody>
       <dsp:txXfrm>
-        <a:off x="7722089" y="356097"/>
-        <a:ext cx="712740" cy="475159"/>
+        <a:off x="7826903" y="382142"/>
+        <a:ext cx="634605" cy="423070"/>
       </dsp:txXfrm>
     </dsp:sp>
   </dsp:spTree>
@@ -17457,12 +17817,14 @@
         </p:nvSpPr>
         <p:spPr>
           <a:xfrm>
-            <a:off x="680720" y="1308172"/>
+            <a:off x="680720" y="768422"/>
             <a:ext cx="8463281" cy="795890"/>
           </a:xfrm>
         </p:spPr>
         <p:txBody>
-          <a:bodyPr/>
+          <a:bodyPr>
+            <a:normAutofit fontScale="90000"/>
+          </a:bodyPr>
           <a:lstStyle/>
           <a:p>
             <a:r>
@@ -17471,7 +17833,22 @@
                   <a:schemeClr val="bg1"/>
                 </a:solidFill>
               </a:rPr>
-              <a:t>Cover Page</a:t>
+              <a:t>Text Analysis of </a:t>
+            </a:r>
+            <a:br>
+              <a:rPr lang="en-US" dirty="0" smtClean="0">
+                <a:solidFill>
+                  <a:schemeClr val="bg1"/>
+                </a:solidFill>
+              </a:rPr>
+            </a:br>
+            <a:r>
+              <a:rPr lang="en-US" dirty="0" smtClean="0">
+                <a:solidFill>
+                  <a:schemeClr val="bg1"/>
+                </a:solidFill>
+              </a:rPr>
+              <a:t>Aviation Safety Data</a:t>
             </a:r>
             <a:endParaRPr lang="en-US" dirty="0">
               <a:solidFill>
@@ -17493,15 +17870,81 @@
         </p:nvSpPr>
         <p:spPr>
           <a:xfrm>
-            <a:off x="680722" y="2286000"/>
-            <a:ext cx="8463280" cy="948879"/>
+            <a:off x="680722" y="2612062"/>
+            <a:ext cx="8463280" cy="1498600"/>
           </a:xfrm>
         </p:spPr>
         <p:txBody>
-          <a:bodyPr/>
+          <a:bodyPr>
+            <a:noAutofit/>
+          </a:bodyPr>
           <a:lstStyle/>
           <a:p>
-            <a:endParaRPr lang="en-US" dirty="0">
+            <a:r>
+              <a:rPr lang="en-US" sz="2000" dirty="0">
+                <a:solidFill>
+                  <a:schemeClr val="bg1"/>
+                </a:solidFill>
+              </a:rPr>
+              <a:t>Predict 453 </a:t>
+            </a:r>
+            <a:r>
+              <a:rPr lang="en-US" sz="2000" dirty="0" smtClean="0">
+                <a:solidFill>
+                  <a:schemeClr val="bg1"/>
+                </a:solidFill>
+              </a:rPr>
+              <a:t>– Final </a:t>
+            </a:r>
+            <a:r>
+              <a:rPr lang="en-US" sz="2000" dirty="0">
+                <a:solidFill>
+                  <a:schemeClr val="bg1"/>
+                </a:solidFill>
+              </a:rPr>
+              <a:t>Project </a:t>
+            </a:r>
+            <a:r>
+              <a:rPr lang="en-US" sz="2000" dirty="0" smtClean="0">
+                <a:solidFill>
+                  <a:schemeClr val="bg1"/>
+                </a:solidFill>
+              </a:rPr>
+              <a:t>Report</a:t>
+            </a:r>
+          </a:p>
+          <a:p>
+            <a:endParaRPr lang="en-US" sz="2000" dirty="0">
+              <a:solidFill>
+                <a:schemeClr val="bg1"/>
+              </a:solidFill>
+            </a:endParaRPr>
+          </a:p>
+          <a:p>
+            <a:r>
+              <a:rPr lang="en-US" sz="2000" dirty="0" smtClean="0">
+                <a:solidFill>
+                  <a:schemeClr val="bg1"/>
+                </a:solidFill>
+              </a:rPr>
+              <a:t>Rahul Sangole</a:t>
+            </a:r>
+            <a:br>
+              <a:rPr lang="en-US" sz="2000" dirty="0" smtClean="0">
+                <a:solidFill>
+                  <a:schemeClr val="bg1"/>
+                </a:solidFill>
+              </a:rPr>
+            </a:br>
+            <a:r>
+              <a:rPr lang="en-US" sz="2000" dirty="0" smtClean="0">
+                <a:solidFill>
+                  <a:schemeClr val="bg1"/>
+                </a:solidFill>
+              </a:rPr>
+              <a:t>Mar 17 2018</a:t>
+            </a:r>
+            <a:endParaRPr lang="en-US" sz="2000" dirty="0">
               <a:solidFill>
                 <a:srgbClr val="FFFFFF"/>
               </a:solidFill>
@@ -17563,7 +18006,7 @@
           <a:p>
             <a:r>
               <a:rPr lang="en-US" sz="2800" dirty="0" smtClean="0"/>
-              <a:t>Change in what I define as DSI…</a:t>
+              <a:t>How I’m defining a DSI</a:t>
             </a:r>
             <a:endParaRPr lang="en-US" sz="2800" dirty="0"/>
           </a:p>
@@ -17579,12 +18022,24 @@
             <p:ph idx="1"/>
           </p:nvPr>
         </p:nvSpPr>
-        <p:spPr/>
+        <p:spPr>
+          <a:xfrm>
+            <a:off x="457200" y="933450"/>
+            <a:ext cx="4012442" cy="3661173"/>
+          </a:xfrm>
+        </p:spPr>
         <p:txBody>
-          <a:bodyPr/>
+          <a:bodyPr numCol="1"/>
           <a:lstStyle/>
           <a:p>
-            <a:endParaRPr lang="en-US"/>
+            <a:pPr marL="0" indent="0">
+              <a:buNone/>
+            </a:pPr>
+            <a:r>
+              <a:rPr lang="en-US" u="sng" dirty="0" smtClean="0"/>
+              <a:t>For TF-IDF Analysis</a:t>
+            </a:r>
+            <a:endParaRPr lang="en-US" u="sng" dirty="0"/>
           </a:p>
         </p:txBody>
       </p:sp>
@@ -17609,6 +18064,176 @@
               <a:t>9</a:t>
             </a:fld>
             <a:endParaRPr lang="en-US"/>
+          </a:p>
+        </p:txBody>
+      </p:sp>
+      <p:sp>
+        <p:nvSpPr>
+          <p:cNvPr id="5" name="Content Placeholder 2"/>
+          <p:cNvSpPr txBox="1">
+            <a:spLocks/>
+          </p:cNvSpPr>
+          <p:nvPr/>
+        </p:nvSpPr>
+        <p:spPr>
+          <a:xfrm>
+            <a:off x="4797188" y="933450"/>
+            <a:ext cx="4012442" cy="3661173"/>
+          </a:xfrm>
+          <a:prstGeom prst="rect">
+            <a:avLst/>
+          </a:prstGeom>
+        </p:spPr>
+        <p:txBody>
+          <a:bodyPr vert="horz" lIns="91440" tIns="45720" rIns="91440" bIns="45720" numCol="1" rtlCol="0">
+            <a:normAutofit/>
+          </a:bodyPr>
+          <a:lstStyle>
+            <a:lvl1pPr marL="342900" indent="-342900" algn="l" defTabSz="457200" rtl="0" eaLnBrk="1" latinLnBrk="0" hangingPunct="1">
+              <a:spcBef>
+                <a:spcPct val="20000"/>
+              </a:spcBef>
+              <a:buFont typeface="Arial"/>
+              <a:buChar char="•"/>
+              <a:defRPr sz="2000" kern="1200">
+                <a:solidFill>
+                  <a:schemeClr val="tx1"/>
+                </a:solidFill>
+                <a:latin typeface="Arial"/>
+                <a:ea typeface="+mn-ea"/>
+                <a:cs typeface="+mn-cs"/>
+              </a:defRPr>
+            </a:lvl1pPr>
+            <a:lvl2pPr marL="742950" indent="-285750" algn="l" defTabSz="457200" rtl="0" eaLnBrk="1" latinLnBrk="0" hangingPunct="1">
+              <a:spcBef>
+                <a:spcPct val="20000"/>
+              </a:spcBef>
+              <a:buFont typeface="Arial"/>
+              <a:buChar char="–"/>
+              <a:defRPr sz="1800" kern="1200">
+                <a:solidFill>
+                  <a:schemeClr val="tx1"/>
+                </a:solidFill>
+                <a:latin typeface="Arial"/>
+                <a:ea typeface="+mn-ea"/>
+                <a:cs typeface="+mn-cs"/>
+              </a:defRPr>
+            </a:lvl2pPr>
+            <a:lvl3pPr marL="1143000" indent="-228600" algn="l" defTabSz="457200" rtl="0" eaLnBrk="1" latinLnBrk="0" hangingPunct="1">
+              <a:spcBef>
+                <a:spcPct val="20000"/>
+              </a:spcBef>
+              <a:buFont typeface="Arial"/>
+              <a:buChar char="•"/>
+              <a:defRPr sz="1600" kern="1200">
+                <a:solidFill>
+                  <a:schemeClr val="tx1"/>
+                </a:solidFill>
+                <a:latin typeface="Arial"/>
+                <a:ea typeface="+mn-ea"/>
+                <a:cs typeface="+mn-cs"/>
+              </a:defRPr>
+            </a:lvl3pPr>
+            <a:lvl4pPr marL="1600200" indent="-228600" algn="l" defTabSz="457200" rtl="0" eaLnBrk="1" latinLnBrk="0" hangingPunct="1">
+              <a:spcBef>
+                <a:spcPct val="20000"/>
+              </a:spcBef>
+              <a:buFont typeface="Arial"/>
+              <a:buChar char="–"/>
+              <a:defRPr sz="1400" kern="1200">
+                <a:solidFill>
+                  <a:schemeClr val="tx1"/>
+                </a:solidFill>
+                <a:latin typeface="Arial"/>
+                <a:ea typeface="+mn-ea"/>
+                <a:cs typeface="+mn-cs"/>
+              </a:defRPr>
+            </a:lvl4pPr>
+            <a:lvl5pPr marL="2057400" indent="-228600" algn="l" defTabSz="457200" rtl="0" eaLnBrk="1" latinLnBrk="0" hangingPunct="1">
+              <a:spcBef>
+                <a:spcPct val="20000"/>
+              </a:spcBef>
+              <a:buFont typeface="Arial"/>
+              <a:buChar char="»"/>
+              <a:defRPr sz="1400" kern="1200">
+                <a:solidFill>
+                  <a:schemeClr val="tx1"/>
+                </a:solidFill>
+                <a:latin typeface="Arial"/>
+                <a:ea typeface="+mn-ea"/>
+                <a:cs typeface="+mn-cs"/>
+              </a:defRPr>
+            </a:lvl5pPr>
+            <a:lvl6pPr marL="2514600" indent="-228600" algn="l" defTabSz="457200" rtl="0" eaLnBrk="1" latinLnBrk="0" hangingPunct="1">
+              <a:spcBef>
+                <a:spcPct val="20000"/>
+              </a:spcBef>
+              <a:buFont typeface="Arial"/>
+              <a:buChar char="•"/>
+              <a:defRPr sz="2000" kern="1200">
+                <a:solidFill>
+                  <a:schemeClr val="tx1"/>
+                </a:solidFill>
+                <a:latin typeface="+mn-lt"/>
+                <a:ea typeface="+mn-ea"/>
+                <a:cs typeface="+mn-cs"/>
+              </a:defRPr>
+            </a:lvl6pPr>
+            <a:lvl7pPr marL="2971800" indent="-228600" algn="l" defTabSz="457200" rtl="0" eaLnBrk="1" latinLnBrk="0" hangingPunct="1">
+              <a:spcBef>
+                <a:spcPct val="20000"/>
+              </a:spcBef>
+              <a:buFont typeface="Arial"/>
+              <a:buChar char="•"/>
+              <a:defRPr sz="2000" kern="1200">
+                <a:solidFill>
+                  <a:schemeClr val="tx1"/>
+                </a:solidFill>
+                <a:latin typeface="+mn-lt"/>
+                <a:ea typeface="+mn-ea"/>
+                <a:cs typeface="+mn-cs"/>
+              </a:defRPr>
+            </a:lvl7pPr>
+            <a:lvl8pPr marL="3429000" indent="-228600" algn="l" defTabSz="457200" rtl="0" eaLnBrk="1" latinLnBrk="0" hangingPunct="1">
+              <a:spcBef>
+                <a:spcPct val="20000"/>
+              </a:spcBef>
+              <a:buFont typeface="Arial"/>
+              <a:buChar char="•"/>
+              <a:defRPr sz="2000" kern="1200">
+                <a:solidFill>
+                  <a:schemeClr val="tx1"/>
+                </a:solidFill>
+                <a:latin typeface="+mn-lt"/>
+                <a:ea typeface="+mn-ea"/>
+                <a:cs typeface="+mn-cs"/>
+              </a:defRPr>
+            </a:lvl8pPr>
+            <a:lvl9pPr marL="3886200" indent="-228600" algn="l" defTabSz="457200" rtl="0" eaLnBrk="1" latinLnBrk="0" hangingPunct="1">
+              <a:spcBef>
+                <a:spcPct val="20000"/>
+              </a:spcBef>
+              <a:buFont typeface="Arial"/>
+              <a:buChar char="•"/>
+              <a:defRPr sz="2000" kern="1200">
+                <a:solidFill>
+                  <a:schemeClr val="tx1"/>
+                </a:solidFill>
+                <a:latin typeface="+mn-lt"/>
+                <a:ea typeface="+mn-ea"/>
+                <a:cs typeface="+mn-cs"/>
+              </a:defRPr>
+            </a:lvl9pPr>
+          </a:lstStyle>
+          <a:p>
+            <a:pPr marL="0" indent="0">
+              <a:buNone/>
+            </a:pPr>
+            <a:r>
+              <a:rPr lang="en-US" u="sng" dirty="0" smtClean="0"/>
+              <a:t>For STM Analysis</a:t>
+            </a:r>
+            <a:endParaRPr lang="en-US" u="sng" dirty="0"/>
           </a:p>
         </p:txBody>
       </p:sp>
@@ -17670,35 +18295,38 @@
             </a:r>
             <a:r>
               <a:rPr lang="en-US" sz="2800" dirty="0" smtClean="0"/>
-              <a:t>Vectors, Document </a:t>
-            </a:r>
-            <a:r>
-              <a:rPr lang="en-US" sz="2800" dirty="0" smtClean="0"/>
-              <a:t>Term Matrix</a:t>
+              <a:t>Vectors, Document Term Matrix</a:t>
             </a:r>
             <a:endParaRPr lang="en-US" sz="2800" dirty="0"/>
           </a:p>
         </p:txBody>
       </p:sp>
-      <p:sp>
-        <p:nvSpPr>
-          <p:cNvPr id="3" name="Content Placeholder 2"/>
-          <p:cNvSpPr>
-            <a:spLocks noGrp="1"/>
-          </p:cNvSpPr>
+      <p:pic>
+        <p:nvPicPr>
+          <p:cNvPr id="5" name="Content Placeholder 4"/>
+          <p:cNvPicPr>
+            <a:picLocks noGrp="1" noChangeAspect="1"/>
+          </p:cNvPicPr>
           <p:nvPr>
             <p:ph idx="1"/>
           </p:nvPr>
-        </p:nvSpPr>
-        <p:spPr/>
-        <p:txBody>
-          <a:bodyPr/>
-          <a:lstStyle/>
-          <a:p>
-            <a:endParaRPr lang="en-US" dirty="0"/>
-          </a:p>
-        </p:txBody>
-      </p:sp>
+        </p:nvPicPr>
+        <p:blipFill>
+          <a:blip r:embed="rId2"/>
+          <a:stretch>
+            <a:fillRect/>
+          </a:stretch>
+        </p:blipFill>
+        <p:spPr>
+          <a:xfrm>
+            <a:off x="4879075" y="1083956"/>
+            <a:ext cx="3494396" cy="2755808"/>
+          </a:xfrm>
+          <a:prstGeom prst="rect">
+            <a:avLst/>
+          </a:prstGeom>
+        </p:spPr>
+      </p:pic>
       <p:sp>
         <p:nvSpPr>
           <p:cNvPr id="4" name="Slide Number Placeholder 3"/>
@@ -17777,11 +18405,7 @@
           <a:p>
             <a:r>
               <a:rPr lang="en-US" dirty="0" smtClean="0"/>
-              <a:t>TF-IDF </a:t>
-            </a:r>
-            <a:r>
-              <a:rPr lang="en-US" dirty="0" smtClean="0"/>
-              <a:t>Based Analysis</a:t>
+              <a:t>TF-IDF Based Analysis</a:t>
             </a:r>
             <a:endParaRPr lang="en-US" dirty="0"/>
           </a:p>
@@ -18123,11 +18747,7 @@
           <a:p>
             <a:r>
               <a:rPr lang="en-US" dirty="0" smtClean="0"/>
-              <a:t>TF-IDF </a:t>
-            </a:r>
-            <a:r>
-              <a:rPr lang="en-US" dirty="0" smtClean="0"/>
-              <a:t>Based Analysis</a:t>
+              <a:t>TF-IDF Based Analysis</a:t>
             </a:r>
             <a:endParaRPr lang="en-US" dirty="0"/>
           </a:p>
@@ -18666,25 +19286,32 @@
           </a:p>
         </p:txBody>
       </p:sp>
-      <p:sp>
-        <p:nvSpPr>
-          <p:cNvPr id="3" name="Content Placeholder 2"/>
-          <p:cNvSpPr>
-            <a:spLocks noGrp="1"/>
-          </p:cNvSpPr>
+      <p:pic>
+        <p:nvPicPr>
+          <p:cNvPr id="5" name="Content Placeholder 4"/>
+          <p:cNvPicPr>
+            <a:picLocks noGrp="1" noChangeAspect="1"/>
+          </p:cNvPicPr>
           <p:nvPr>
             <p:ph idx="1"/>
           </p:nvPr>
-        </p:nvSpPr>
-        <p:spPr/>
-        <p:txBody>
-          <a:bodyPr/>
-          <a:lstStyle/>
-          <a:p>
-            <a:endParaRPr lang="en-US"/>
-          </a:p>
-        </p:txBody>
-      </p:sp>
+        </p:nvPicPr>
+        <p:blipFill>
+          <a:blip r:embed="rId2"/>
+          <a:stretch>
+            <a:fillRect/>
+          </a:stretch>
+        </p:blipFill>
+        <p:spPr>
+          <a:xfrm>
+            <a:off x="4724400" y="907632"/>
+            <a:ext cx="4274707" cy="3162520"/>
+          </a:xfrm>
+          <a:prstGeom prst="rect">
+            <a:avLst/>
+          </a:prstGeom>
+        </p:spPr>
+      </p:pic>
       <p:sp>
         <p:nvSpPr>
           <p:cNvPr id="4" name="Slide Number Placeholder 3"/>
@@ -18709,6 +19336,1737 @@
           </a:p>
         </p:txBody>
       </p:sp>
+      <p:sp>
+        <p:nvSpPr>
+          <p:cNvPr id="6" name="Content Placeholder 2"/>
+          <p:cNvSpPr txBox="1">
+            <a:spLocks/>
+          </p:cNvSpPr>
+          <p:nvPr/>
+        </p:nvSpPr>
+        <p:spPr>
+          <a:xfrm>
+            <a:off x="122830" y="907632"/>
+            <a:ext cx="3838992" cy="1760983"/>
+          </a:xfrm>
+          <a:prstGeom prst="rect">
+            <a:avLst/>
+          </a:prstGeom>
+        </p:spPr>
+        <p:txBody>
+          <a:bodyPr vert="horz" lIns="91440" tIns="45720" rIns="91440" bIns="45720" rtlCol="0">
+            <a:noAutofit/>
+          </a:bodyPr>
+          <a:lstStyle>
+            <a:lvl1pPr marL="342900" indent="-342900" algn="l" defTabSz="457200" rtl="0" eaLnBrk="1" latinLnBrk="0" hangingPunct="1">
+              <a:spcBef>
+                <a:spcPct val="20000"/>
+              </a:spcBef>
+              <a:buFont typeface="Arial"/>
+              <a:buChar char="•"/>
+              <a:defRPr sz="2000" kern="1200">
+                <a:solidFill>
+                  <a:schemeClr val="tx1"/>
+                </a:solidFill>
+                <a:latin typeface="Arial"/>
+                <a:ea typeface="+mn-ea"/>
+                <a:cs typeface="+mn-cs"/>
+              </a:defRPr>
+            </a:lvl1pPr>
+            <a:lvl2pPr marL="742950" indent="-285750" algn="l" defTabSz="457200" rtl="0" eaLnBrk="1" latinLnBrk="0" hangingPunct="1">
+              <a:spcBef>
+                <a:spcPct val="20000"/>
+              </a:spcBef>
+              <a:buFont typeface="Arial"/>
+              <a:buChar char="–"/>
+              <a:defRPr sz="1800" kern="1200">
+                <a:solidFill>
+                  <a:schemeClr val="tx1"/>
+                </a:solidFill>
+                <a:latin typeface="Arial"/>
+                <a:ea typeface="+mn-ea"/>
+                <a:cs typeface="+mn-cs"/>
+              </a:defRPr>
+            </a:lvl2pPr>
+            <a:lvl3pPr marL="1143000" indent="-228600" algn="l" defTabSz="457200" rtl="0" eaLnBrk="1" latinLnBrk="0" hangingPunct="1">
+              <a:spcBef>
+                <a:spcPct val="20000"/>
+              </a:spcBef>
+              <a:buFont typeface="Arial"/>
+              <a:buChar char="•"/>
+              <a:defRPr sz="1600" kern="1200">
+                <a:solidFill>
+                  <a:schemeClr val="tx1"/>
+                </a:solidFill>
+                <a:latin typeface="Arial"/>
+                <a:ea typeface="+mn-ea"/>
+                <a:cs typeface="+mn-cs"/>
+              </a:defRPr>
+            </a:lvl3pPr>
+            <a:lvl4pPr marL="1600200" indent="-228600" algn="l" defTabSz="457200" rtl="0" eaLnBrk="1" latinLnBrk="0" hangingPunct="1">
+              <a:spcBef>
+                <a:spcPct val="20000"/>
+              </a:spcBef>
+              <a:buFont typeface="Arial"/>
+              <a:buChar char="–"/>
+              <a:defRPr sz="1400" kern="1200">
+                <a:solidFill>
+                  <a:schemeClr val="tx1"/>
+                </a:solidFill>
+                <a:latin typeface="Arial"/>
+                <a:ea typeface="+mn-ea"/>
+                <a:cs typeface="+mn-cs"/>
+              </a:defRPr>
+            </a:lvl4pPr>
+            <a:lvl5pPr marL="2057400" indent="-228600" algn="l" defTabSz="457200" rtl="0" eaLnBrk="1" latinLnBrk="0" hangingPunct="1">
+              <a:spcBef>
+                <a:spcPct val="20000"/>
+              </a:spcBef>
+              <a:buFont typeface="Arial"/>
+              <a:buChar char="»"/>
+              <a:defRPr sz="1400" kern="1200">
+                <a:solidFill>
+                  <a:schemeClr val="tx1"/>
+                </a:solidFill>
+                <a:latin typeface="Arial"/>
+                <a:ea typeface="+mn-ea"/>
+                <a:cs typeface="+mn-cs"/>
+              </a:defRPr>
+            </a:lvl5pPr>
+            <a:lvl6pPr marL="2514600" indent="-228600" algn="l" defTabSz="457200" rtl="0" eaLnBrk="1" latinLnBrk="0" hangingPunct="1">
+              <a:spcBef>
+                <a:spcPct val="20000"/>
+              </a:spcBef>
+              <a:buFont typeface="Arial"/>
+              <a:buChar char="•"/>
+              <a:defRPr sz="2000" kern="1200">
+                <a:solidFill>
+                  <a:schemeClr val="tx1"/>
+                </a:solidFill>
+                <a:latin typeface="+mn-lt"/>
+                <a:ea typeface="+mn-ea"/>
+                <a:cs typeface="+mn-cs"/>
+              </a:defRPr>
+            </a:lvl6pPr>
+            <a:lvl7pPr marL="2971800" indent="-228600" algn="l" defTabSz="457200" rtl="0" eaLnBrk="1" latinLnBrk="0" hangingPunct="1">
+              <a:spcBef>
+                <a:spcPct val="20000"/>
+              </a:spcBef>
+              <a:buFont typeface="Arial"/>
+              <a:buChar char="•"/>
+              <a:defRPr sz="2000" kern="1200">
+                <a:solidFill>
+                  <a:schemeClr val="tx1"/>
+                </a:solidFill>
+                <a:latin typeface="+mn-lt"/>
+                <a:ea typeface="+mn-ea"/>
+                <a:cs typeface="+mn-cs"/>
+              </a:defRPr>
+            </a:lvl7pPr>
+            <a:lvl8pPr marL="3429000" indent="-228600" algn="l" defTabSz="457200" rtl="0" eaLnBrk="1" latinLnBrk="0" hangingPunct="1">
+              <a:spcBef>
+                <a:spcPct val="20000"/>
+              </a:spcBef>
+              <a:buFont typeface="Arial"/>
+              <a:buChar char="•"/>
+              <a:defRPr sz="2000" kern="1200">
+                <a:solidFill>
+                  <a:schemeClr val="tx1"/>
+                </a:solidFill>
+                <a:latin typeface="+mn-lt"/>
+                <a:ea typeface="+mn-ea"/>
+                <a:cs typeface="+mn-cs"/>
+              </a:defRPr>
+            </a:lvl8pPr>
+            <a:lvl9pPr marL="3886200" indent="-228600" algn="l" defTabSz="457200" rtl="0" eaLnBrk="1" latinLnBrk="0" hangingPunct="1">
+              <a:spcBef>
+                <a:spcPct val="20000"/>
+              </a:spcBef>
+              <a:buFont typeface="Arial"/>
+              <a:buChar char="•"/>
+              <a:defRPr sz="2000" kern="1200">
+                <a:solidFill>
+                  <a:schemeClr val="tx1"/>
+                </a:solidFill>
+                <a:latin typeface="+mn-lt"/>
+                <a:ea typeface="+mn-ea"/>
+                <a:cs typeface="+mn-cs"/>
+              </a:defRPr>
+            </a:lvl9pPr>
+          </a:lstStyle>
+          <a:p>
+            <a:pPr marL="231775" indent="-231775"/>
+            <a:r>
+              <a:rPr lang="en-US" sz="1100" dirty="0" err="1" smtClean="0"/>
+              <a:t>tSNE</a:t>
+            </a:r>
+            <a:r>
+              <a:rPr lang="en-US" sz="1100" dirty="0" smtClean="0"/>
+              <a:t> analysis is performed on the Euclidian distance matrix between the words in the final term-document-matrix</a:t>
+            </a:r>
+          </a:p>
+          <a:p>
+            <a:pPr marL="231775" indent="-231775"/>
+            <a:r>
+              <a:rPr lang="en-US" sz="1100" dirty="0" smtClean="0"/>
+              <a:t>The </a:t>
+            </a:r>
+            <a:r>
+              <a:rPr lang="en-US" sz="1100" dirty="0" err="1" smtClean="0"/>
+              <a:t>Rtsne</a:t>
+            </a:r>
+            <a:r>
+              <a:rPr lang="en-US" sz="1100" dirty="0" smtClean="0"/>
+              <a:t> package offers significant compute efficiency vs the </a:t>
+            </a:r>
+            <a:r>
+              <a:rPr lang="en-US" sz="1100" dirty="0" err="1" smtClean="0"/>
+              <a:t>tsne</a:t>
+            </a:r>
+            <a:r>
+              <a:rPr lang="en-US" sz="1100" dirty="0" smtClean="0"/>
+              <a:t> package</a:t>
+            </a:r>
+          </a:p>
+          <a:p>
+            <a:pPr marL="231775" indent="-231775"/>
+            <a:r>
+              <a:rPr lang="en-US" sz="1100" dirty="0" smtClean="0"/>
+              <a:t>We can see very clear clusters in the data, which may point to topics in the corpus</a:t>
+            </a:r>
+          </a:p>
+          <a:p>
+            <a:pPr marL="231775" indent="-231775"/>
+            <a:r>
+              <a:rPr lang="en-US" sz="1100" dirty="0" smtClean="0"/>
+              <a:t>Investigation of these points manually using </a:t>
+            </a:r>
+            <a:r>
+              <a:rPr lang="en-US" sz="1100" dirty="0" err="1" smtClean="0"/>
+              <a:t>plotly</a:t>
+            </a:r>
+            <a:r>
+              <a:rPr lang="en-US" sz="1100" dirty="0" smtClean="0"/>
+              <a:t> reveals patterns which can be interpreted</a:t>
+            </a:r>
+          </a:p>
+        </p:txBody>
+      </p:sp>
+      <p:grpSp>
+        <p:nvGrpSpPr>
+          <p:cNvPr id="14" name="Group 13"/>
+          <p:cNvGrpSpPr/>
+          <p:nvPr/>
+        </p:nvGrpSpPr>
+        <p:grpSpPr>
+          <a:xfrm>
+            <a:off x="3803650" y="1033012"/>
+            <a:ext cx="1758950" cy="513074"/>
+            <a:chOff x="3803650" y="1033012"/>
+            <a:chExt cx="1758950" cy="513074"/>
+          </a:xfrm>
+        </p:grpSpPr>
+        <p:sp>
+          <p:nvSpPr>
+            <p:cNvPr id="7" name="Content Placeholder 2"/>
+            <p:cNvSpPr txBox="1">
+              <a:spLocks/>
+            </p:cNvSpPr>
+            <p:nvPr/>
+          </p:nvSpPr>
+          <p:spPr>
+            <a:xfrm>
+              <a:off x="3803650" y="1033012"/>
+              <a:ext cx="1092200" cy="376270"/>
+            </a:xfrm>
+            <a:prstGeom prst="rect">
+              <a:avLst/>
+            </a:prstGeom>
+            <a:solidFill>
+              <a:schemeClr val="accent4">
+                <a:lumMod val="60000"/>
+                <a:lumOff val="40000"/>
+              </a:schemeClr>
+            </a:solidFill>
+            <a:ln>
+              <a:solidFill>
+                <a:schemeClr val="bg1">
+                  <a:lumMod val="75000"/>
+                </a:schemeClr>
+              </a:solidFill>
+            </a:ln>
+          </p:spPr>
+          <p:txBody>
+            <a:bodyPr vert="horz" lIns="91440" tIns="45720" rIns="91440" bIns="45720" rtlCol="0" anchor="ctr">
+              <a:noAutofit/>
+            </a:bodyPr>
+            <a:lstStyle>
+              <a:lvl1pPr marL="342900" indent="-342900" algn="l" defTabSz="457200" rtl="0" eaLnBrk="1" latinLnBrk="0" hangingPunct="1">
+                <a:spcBef>
+                  <a:spcPct val="20000"/>
+                </a:spcBef>
+                <a:buFont typeface="Arial"/>
+                <a:buChar char="•"/>
+                <a:defRPr sz="2000" kern="1200">
+                  <a:solidFill>
+                    <a:schemeClr val="tx1"/>
+                  </a:solidFill>
+                  <a:latin typeface="Arial"/>
+                  <a:ea typeface="+mn-ea"/>
+                  <a:cs typeface="+mn-cs"/>
+                </a:defRPr>
+              </a:lvl1pPr>
+              <a:lvl2pPr marL="742950" indent="-285750" algn="l" defTabSz="457200" rtl="0" eaLnBrk="1" latinLnBrk="0" hangingPunct="1">
+                <a:spcBef>
+                  <a:spcPct val="20000"/>
+                </a:spcBef>
+                <a:buFont typeface="Arial"/>
+                <a:buChar char="–"/>
+                <a:defRPr sz="1800" kern="1200">
+                  <a:solidFill>
+                    <a:schemeClr val="tx1"/>
+                  </a:solidFill>
+                  <a:latin typeface="Arial"/>
+                  <a:ea typeface="+mn-ea"/>
+                  <a:cs typeface="+mn-cs"/>
+                </a:defRPr>
+              </a:lvl2pPr>
+              <a:lvl3pPr marL="1143000" indent="-228600" algn="l" defTabSz="457200" rtl="0" eaLnBrk="1" latinLnBrk="0" hangingPunct="1">
+                <a:spcBef>
+                  <a:spcPct val="20000"/>
+                </a:spcBef>
+                <a:buFont typeface="Arial"/>
+                <a:buChar char="•"/>
+                <a:defRPr sz="1600" kern="1200">
+                  <a:solidFill>
+                    <a:schemeClr val="tx1"/>
+                  </a:solidFill>
+                  <a:latin typeface="Arial"/>
+                  <a:ea typeface="+mn-ea"/>
+                  <a:cs typeface="+mn-cs"/>
+                </a:defRPr>
+              </a:lvl3pPr>
+              <a:lvl4pPr marL="1600200" indent="-228600" algn="l" defTabSz="457200" rtl="0" eaLnBrk="1" latinLnBrk="0" hangingPunct="1">
+                <a:spcBef>
+                  <a:spcPct val="20000"/>
+                </a:spcBef>
+                <a:buFont typeface="Arial"/>
+                <a:buChar char="–"/>
+                <a:defRPr sz="1400" kern="1200">
+                  <a:solidFill>
+                    <a:schemeClr val="tx1"/>
+                  </a:solidFill>
+                  <a:latin typeface="Arial"/>
+                  <a:ea typeface="+mn-ea"/>
+                  <a:cs typeface="+mn-cs"/>
+                </a:defRPr>
+              </a:lvl4pPr>
+              <a:lvl5pPr marL="2057400" indent="-228600" algn="l" defTabSz="457200" rtl="0" eaLnBrk="1" latinLnBrk="0" hangingPunct="1">
+                <a:spcBef>
+                  <a:spcPct val="20000"/>
+                </a:spcBef>
+                <a:buFont typeface="Arial"/>
+                <a:buChar char="»"/>
+                <a:defRPr sz="1400" kern="1200">
+                  <a:solidFill>
+                    <a:schemeClr val="tx1"/>
+                  </a:solidFill>
+                  <a:latin typeface="Arial"/>
+                  <a:ea typeface="+mn-ea"/>
+                  <a:cs typeface="+mn-cs"/>
+                </a:defRPr>
+              </a:lvl5pPr>
+              <a:lvl6pPr marL="2514600" indent="-228600" algn="l" defTabSz="457200" rtl="0" eaLnBrk="1" latinLnBrk="0" hangingPunct="1">
+                <a:spcBef>
+                  <a:spcPct val="20000"/>
+                </a:spcBef>
+                <a:buFont typeface="Arial"/>
+                <a:buChar char="•"/>
+                <a:defRPr sz="2000" kern="1200">
+                  <a:solidFill>
+                    <a:schemeClr val="tx1"/>
+                  </a:solidFill>
+                  <a:latin typeface="+mn-lt"/>
+                  <a:ea typeface="+mn-ea"/>
+                  <a:cs typeface="+mn-cs"/>
+                </a:defRPr>
+              </a:lvl6pPr>
+              <a:lvl7pPr marL="2971800" indent="-228600" algn="l" defTabSz="457200" rtl="0" eaLnBrk="1" latinLnBrk="0" hangingPunct="1">
+                <a:spcBef>
+                  <a:spcPct val="20000"/>
+                </a:spcBef>
+                <a:buFont typeface="Arial"/>
+                <a:buChar char="•"/>
+                <a:defRPr sz="2000" kern="1200">
+                  <a:solidFill>
+                    <a:schemeClr val="tx1"/>
+                  </a:solidFill>
+                  <a:latin typeface="+mn-lt"/>
+                  <a:ea typeface="+mn-ea"/>
+                  <a:cs typeface="+mn-cs"/>
+                </a:defRPr>
+              </a:lvl7pPr>
+              <a:lvl8pPr marL="3429000" indent="-228600" algn="l" defTabSz="457200" rtl="0" eaLnBrk="1" latinLnBrk="0" hangingPunct="1">
+                <a:spcBef>
+                  <a:spcPct val="20000"/>
+                </a:spcBef>
+                <a:buFont typeface="Arial"/>
+                <a:buChar char="•"/>
+                <a:defRPr sz="2000" kern="1200">
+                  <a:solidFill>
+                    <a:schemeClr val="tx1"/>
+                  </a:solidFill>
+                  <a:latin typeface="+mn-lt"/>
+                  <a:ea typeface="+mn-ea"/>
+                  <a:cs typeface="+mn-cs"/>
+                </a:defRPr>
+              </a:lvl8pPr>
+              <a:lvl9pPr marL="3886200" indent="-228600" algn="l" defTabSz="457200" rtl="0" eaLnBrk="1" latinLnBrk="0" hangingPunct="1">
+                <a:spcBef>
+                  <a:spcPct val="20000"/>
+                </a:spcBef>
+                <a:buFont typeface="Arial"/>
+                <a:buChar char="•"/>
+                <a:defRPr sz="2000" kern="1200">
+                  <a:solidFill>
+                    <a:schemeClr val="tx1"/>
+                  </a:solidFill>
+                  <a:latin typeface="+mn-lt"/>
+                  <a:ea typeface="+mn-ea"/>
+                  <a:cs typeface="+mn-cs"/>
+                </a:defRPr>
+              </a:lvl9pPr>
+            </a:lstStyle>
+            <a:p>
+              <a:pPr marL="0" indent="0" algn="ctr">
+                <a:buNone/>
+              </a:pPr>
+              <a:r>
+                <a:rPr lang="en-US" sz="1000" dirty="0" smtClean="0"/>
+                <a:t>Dizzy, kidney, bloody, revive…</a:t>
+              </a:r>
+              <a:endParaRPr lang="en-US" sz="1000" dirty="0"/>
+            </a:p>
+          </p:txBody>
+        </p:sp>
+        <p:cxnSp>
+          <p:nvCxnSpPr>
+            <p:cNvPr id="9" name="Straight Arrow Connector 8"/>
+            <p:cNvCxnSpPr>
+              <a:stCxn id="7" idx="3"/>
+            </p:cNvCxnSpPr>
+            <p:nvPr/>
+          </p:nvCxnSpPr>
+          <p:spPr>
+            <a:xfrm>
+              <a:off x="4895850" y="1221147"/>
+              <a:ext cx="666750" cy="324939"/>
+            </a:xfrm>
+            <a:prstGeom prst="straightConnector1">
+              <a:avLst/>
+            </a:prstGeom>
+            <a:ln>
+              <a:tailEnd type="triangle"/>
+            </a:ln>
+          </p:spPr>
+          <p:style>
+            <a:lnRef idx="1">
+              <a:schemeClr val="accent4"/>
+            </a:lnRef>
+            <a:fillRef idx="0">
+              <a:schemeClr val="accent4"/>
+            </a:fillRef>
+            <a:effectRef idx="0">
+              <a:schemeClr val="accent4"/>
+            </a:effectRef>
+            <a:fontRef idx="minor">
+              <a:schemeClr val="tx1"/>
+            </a:fontRef>
+          </p:style>
+        </p:cxnSp>
+      </p:grpSp>
+      <p:grpSp>
+        <p:nvGrpSpPr>
+          <p:cNvPr id="15" name="Group 14"/>
+          <p:cNvGrpSpPr/>
+          <p:nvPr/>
+        </p:nvGrpSpPr>
+        <p:grpSpPr>
+          <a:xfrm>
+            <a:off x="2489200" y="2668615"/>
+            <a:ext cx="2740025" cy="455865"/>
+            <a:chOff x="2705100" y="953417"/>
+            <a:chExt cx="2740025" cy="455865"/>
+          </a:xfrm>
+        </p:grpSpPr>
+        <p:sp>
+          <p:nvSpPr>
+            <p:cNvPr id="16" name="Content Placeholder 2"/>
+            <p:cNvSpPr txBox="1">
+              <a:spLocks/>
+            </p:cNvSpPr>
+            <p:nvPr/>
+          </p:nvSpPr>
+          <p:spPr>
+            <a:xfrm>
+              <a:off x="2705100" y="1033012"/>
+              <a:ext cx="2190750" cy="376270"/>
+            </a:xfrm>
+            <a:prstGeom prst="rect">
+              <a:avLst/>
+            </a:prstGeom>
+            <a:solidFill>
+              <a:schemeClr val="accent4">
+                <a:lumMod val="60000"/>
+                <a:lumOff val="40000"/>
+              </a:schemeClr>
+            </a:solidFill>
+            <a:ln>
+              <a:solidFill>
+                <a:schemeClr val="bg1">
+                  <a:lumMod val="75000"/>
+                </a:schemeClr>
+              </a:solidFill>
+            </a:ln>
+          </p:spPr>
+          <p:txBody>
+            <a:bodyPr vert="horz" lIns="91440" tIns="45720" rIns="91440" bIns="45720" rtlCol="0" anchor="ctr">
+              <a:noAutofit/>
+            </a:bodyPr>
+            <a:lstStyle>
+              <a:lvl1pPr marL="342900" indent="-342900" algn="l" defTabSz="457200" rtl="0" eaLnBrk="1" latinLnBrk="0" hangingPunct="1">
+                <a:spcBef>
+                  <a:spcPct val="20000"/>
+                </a:spcBef>
+                <a:buFont typeface="Arial"/>
+                <a:buChar char="•"/>
+                <a:defRPr sz="2000" kern="1200">
+                  <a:solidFill>
+                    <a:schemeClr val="tx1"/>
+                  </a:solidFill>
+                  <a:latin typeface="Arial"/>
+                  <a:ea typeface="+mn-ea"/>
+                  <a:cs typeface="+mn-cs"/>
+                </a:defRPr>
+              </a:lvl1pPr>
+              <a:lvl2pPr marL="742950" indent="-285750" algn="l" defTabSz="457200" rtl="0" eaLnBrk="1" latinLnBrk="0" hangingPunct="1">
+                <a:spcBef>
+                  <a:spcPct val="20000"/>
+                </a:spcBef>
+                <a:buFont typeface="Arial"/>
+                <a:buChar char="–"/>
+                <a:defRPr sz="1800" kern="1200">
+                  <a:solidFill>
+                    <a:schemeClr val="tx1"/>
+                  </a:solidFill>
+                  <a:latin typeface="Arial"/>
+                  <a:ea typeface="+mn-ea"/>
+                  <a:cs typeface="+mn-cs"/>
+                </a:defRPr>
+              </a:lvl2pPr>
+              <a:lvl3pPr marL="1143000" indent="-228600" algn="l" defTabSz="457200" rtl="0" eaLnBrk="1" latinLnBrk="0" hangingPunct="1">
+                <a:spcBef>
+                  <a:spcPct val="20000"/>
+                </a:spcBef>
+                <a:buFont typeface="Arial"/>
+                <a:buChar char="•"/>
+                <a:defRPr sz="1600" kern="1200">
+                  <a:solidFill>
+                    <a:schemeClr val="tx1"/>
+                  </a:solidFill>
+                  <a:latin typeface="Arial"/>
+                  <a:ea typeface="+mn-ea"/>
+                  <a:cs typeface="+mn-cs"/>
+                </a:defRPr>
+              </a:lvl3pPr>
+              <a:lvl4pPr marL="1600200" indent="-228600" algn="l" defTabSz="457200" rtl="0" eaLnBrk="1" latinLnBrk="0" hangingPunct="1">
+                <a:spcBef>
+                  <a:spcPct val="20000"/>
+                </a:spcBef>
+                <a:buFont typeface="Arial"/>
+                <a:buChar char="–"/>
+                <a:defRPr sz="1400" kern="1200">
+                  <a:solidFill>
+                    <a:schemeClr val="tx1"/>
+                  </a:solidFill>
+                  <a:latin typeface="Arial"/>
+                  <a:ea typeface="+mn-ea"/>
+                  <a:cs typeface="+mn-cs"/>
+                </a:defRPr>
+              </a:lvl4pPr>
+              <a:lvl5pPr marL="2057400" indent="-228600" algn="l" defTabSz="457200" rtl="0" eaLnBrk="1" latinLnBrk="0" hangingPunct="1">
+                <a:spcBef>
+                  <a:spcPct val="20000"/>
+                </a:spcBef>
+                <a:buFont typeface="Arial"/>
+                <a:buChar char="»"/>
+                <a:defRPr sz="1400" kern="1200">
+                  <a:solidFill>
+                    <a:schemeClr val="tx1"/>
+                  </a:solidFill>
+                  <a:latin typeface="Arial"/>
+                  <a:ea typeface="+mn-ea"/>
+                  <a:cs typeface="+mn-cs"/>
+                </a:defRPr>
+              </a:lvl5pPr>
+              <a:lvl6pPr marL="2514600" indent="-228600" algn="l" defTabSz="457200" rtl="0" eaLnBrk="1" latinLnBrk="0" hangingPunct="1">
+                <a:spcBef>
+                  <a:spcPct val="20000"/>
+                </a:spcBef>
+                <a:buFont typeface="Arial"/>
+                <a:buChar char="•"/>
+                <a:defRPr sz="2000" kern="1200">
+                  <a:solidFill>
+                    <a:schemeClr val="tx1"/>
+                  </a:solidFill>
+                  <a:latin typeface="+mn-lt"/>
+                  <a:ea typeface="+mn-ea"/>
+                  <a:cs typeface="+mn-cs"/>
+                </a:defRPr>
+              </a:lvl6pPr>
+              <a:lvl7pPr marL="2971800" indent="-228600" algn="l" defTabSz="457200" rtl="0" eaLnBrk="1" latinLnBrk="0" hangingPunct="1">
+                <a:spcBef>
+                  <a:spcPct val="20000"/>
+                </a:spcBef>
+                <a:buFont typeface="Arial"/>
+                <a:buChar char="•"/>
+                <a:defRPr sz="2000" kern="1200">
+                  <a:solidFill>
+                    <a:schemeClr val="tx1"/>
+                  </a:solidFill>
+                  <a:latin typeface="+mn-lt"/>
+                  <a:ea typeface="+mn-ea"/>
+                  <a:cs typeface="+mn-cs"/>
+                </a:defRPr>
+              </a:lvl7pPr>
+              <a:lvl8pPr marL="3429000" indent="-228600" algn="l" defTabSz="457200" rtl="0" eaLnBrk="1" latinLnBrk="0" hangingPunct="1">
+                <a:spcBef>
+                  <a:spcPct val="20000"/>
+                </a:spcBef>
+                <a:buFont typeface="Arial"/>
+                <a:buChar char="•"/>
+                <a:defRPr sz="2000" kern="1200">
+                  <a:solidFill>
+                    <a:schemeClr val="tx1"/>
+                  </a:solidFill>
+                  <a:latin typeface="+mn-lt"/>
+                  <a:ea typeface="+mn-ea"/>
+                  <a:cs typeface="+mn-cs"/>
+                </a:defRPr>
+              </a:lvl8pPr>
+              <a:lvl9pPr marL="3886200" indent="-228600" algn="l" defTabSz="457200" rtl="0" eaLnBrk="1" latinLnBrk="0" hangingPunct="1">
+                <a:spcBef>
+                  <a:spcPct val="20000"/>
+                </a:spcBef>
+                <a:buFont typeface="Arial"/>
+                <a:buChar char="•"/>
+                <a:defRPr sz="2000" kern="1200">
+                  <a:solidFill>
+                    <a:schemeClr val="tx1"/>
+                  </a:solidFill>
+                  <a:latin typeface="+mn-lt"/>
+                  <a:ea typeface="+mn-ea"/>
+                  <a:cs typeface="+mn-cs"/>
+                </a:defRPr>
+              </a:lvl9pPr>
+            </a:lstStyle>
+            <a:p>
+              <a:pPr marL="0" indent="0" algn="ctr">
+                <a:buNone/>
+              </a:pPr>
+              <a:r>
+                <a:rPr lang="en-US" sz="1000" dirty="0" err="1"/>
+                <a:t>d</a:t>
+              </a:r>
+              <a:r>
+                <a:rPr lang="en-US" sz="1000" dirty="0" err="1" smtClean="0"/>
+                <a:t>oppler</a:t>
+              </a:r>
+              <a:r>
+                <a:rPr lang="en-US" sz="1000" dirty="0" smtClean="0"/>
+                <a:t> radar, turbulence, contingency fuel, thunder storm cell</a:t>
+              </a:r>
+              <a:endParaRPr lang="en-US" sz="1000" dirty="0"/>
+            </a:p>
+          </p:txBody>
+        </p:sp>
+        <p:cxnSp>
+          <p:nvCxnSpPr>
+            <p:cNvPr id="17" name="Straight Arrow Connector 16"/>
+            <p:cNvCxnSpPr>
+              <a:stCxn id="16" idx="3"/>
+            </p:cNvCxnSpPr>
+            <p:nvPr/>
+          </p:nvCxnSpPr>
+          <p:spPr>
+            <a:xfrm flipV="1">
+              <a:off x="4895850" y="953417"/>
+              <a:ext cx="549275" cy="267730"/>
+            </a:xfrm>
+            <a:prstGeom prst="straightConnector1">
+              <a:avLst/>
+            </a:prstGeom>
+            <a:ln>
+              <a:tailEnd type="triangle"/>
+            </a:ln>
+          </p:spPr>
+          <p:style>
+            <a:lnRef idx="1">
+              <a:schemeClr val="accent4"/>
+            </a:lnRef>
+            <a:fillRef idx="0">
+              <a:schemeClr val="accent4"/>
+            </a:fillRef>
+            <a:effectRef idx="0">
+              <a:schemeClr val="accent4"/>
+            </a:effectRef>
+            <a:fontRef idx="minor">
+              <a:schemeClr val="tx1"/>
+            </a:fontRef>
+          </p:style>
+        </p:cxnSp>
+      </p:grpSp>
+      <p:grpSp>
+        <p:nvGrpSpPr>
+          <p:cNvPr id="20" name="Group 19"/>
+          <p:cNvGrpSpPr/>
+          <p:nvPr/>
+        </p:nvGrpSpPr>
+        <p:grpSpPr>
+          <a:xfrm>
+            <a:off x="5289550" y="3314700"/>
+            <a:ext cx="2282825" cy="1104007"/>
+            <a:chOff x="2613025" y="305275"/>
+            <a:chExt cx="2282825" cy="1104007"/>
+          </a:xfrm>
+        </p:grpSpPr>
+        <p:cxnSp>
+          <p:nvCxnSpPr>
+            <p:cNvPr id="22" name="Straight Arrow Connector 21"/>
+            <p:cNvCxnSpPr/>
+            <p:nvPr/>
+          </p:nvCxnSpPr>
+          <p:spPr>
+            <a:xfrm flipV="1">
+              <a:off x="4733925" y="305275"/>
+              <a:ext cx="107950" cy="806450"/>
+            </a:xfrm>
+            <a:prstGeom prst="straightConnector1">
+              <a:avLst/>
+            </a:prstGeom>
+            <a:ln>
+              <a:tailEnd type="triangle"/>
+            </a:ln>
+          </p:spPr>
+          <p:style>
+            <a:lnRef idx="1">
+              <a:schemeClr val="accent4"/>
+            </a:lnRef>
+            <a:fillRef idx="0">
+              <a:schemeClr val="accent4"/>
+            </a:fillRef>
+            <a:effectRef idx="0">
+              <a:schemeClr val="accent4"/>
+            </a:effectRef>
+            <a:fontRef idx="minor">
+              <a:schemeClr val="tx1"/>
+            </a:fontRef>
+          </p:style>
+        </p:cxnSp>
+        <p:sp>
+          <p:nvSpPr>
+            <p:cNvPr id="21" name="Content Placeholder 2"/>
+            <p:cNvSpPr txBox="1">
+              <a:spLocks/>
+            </p:cNvSpPr>
+            <p:nvPr/>
+          </p:nvSpPr>
+          <p:spPr>
+            <a:xfrm>
+              <a:off x="2613025" y="1033012"/>
+              <a:ext cx="2282825" cy="376270"/>
+            </a:xfrm>
+            <a:prstGeom prst="rect">
+              <a:avLst/>
+            </a:prstGeom>
+            <a:solidFill>
+              <a:schemeClr val="accent4">
+                <a:lumMod val="60000"/>
+                <a:lumOff val="40000"/>
+              </a:schemeClr>
+            </a:solidFill>
+            <a:ln>
+              <a:solidFill>
+                <a:schemeClr val="bg1">
+                  <a:lumMod val="75000"/>
+                </a:schemeClr>
+              </a:solidFill>
+            </a:ln>
+          </p:spPr>
+          <p:txBody>
+            <a:bodyPr vert="horz" lIns="91440" tIns="45720" rIns="91440" bIns="45720" rtlCol="0" anchor="ctr">
+              <a:noAutofit/>
+            </a:bodyPr>
+            <a:lstStyle>
+              <a:lvl1pPr marL="342900" indent="-342900" algn="l" defTabSz="457200" rtl="0" eaLnBrk="1" latinLnBrk="0" hangingPunct="1">
+                <a:spcBef>
+                  <a:spcPct val="20000"/>
+                </a:spcBef>
+                <a:buFont typeface="Arial"/>
+                <a:buChar char="•"/>
+                <a:defRPr sz="2000" kern="1200">
+                  <a:solidFill>
+                    <a:schemeClr val="tx1"/>
+                  </a:solidFill>
+                  <a:latin typeface="Arial"/>
+                  <a:ea typeface="+mn-ea"/>
+                  <a:cs typeface="+mn-cs"/>
+                </a:defRPr>
+              </a:lvl1pPr>
+              <a:lvl2pPr marL="742950" indent="-285750" algn="l" defTabSz="457200" rtl="0" eaLnBrk="1" latinLnBrk="0" hangingPunct="1">
+                <a:spcBef>
+                  <a:spcPct val="20000"/>
+                </a:spcBef>
+                <a:buFont typeface="Arial"/>
+                <a:buChar char="–"/>
+                <a:defRPr sz="1800" kern="1200">
+                  <a:solidFill>
+                    <a:schemeClr val="tx1"/>
+                  </a:solidFill>
+                  <a:latin typeface="Arial"/>
+                  <a:ea typeface="+mn-ea"/>
+                  <a:cs typeface="+mn-cs"/>
+                </a:defRPr>
+              </a:lvl2pPr>
+              <a:lvl3pPr marL="1143000" indent="-228600" algn="l" defTabSz="457200" rtl="0" eaLnBrk="1" latinLnBrk="0" hangingPunct="1">
+                <a:spcBef>
+                  <a:spcPct val="20000"/>
+                </a:spcBef>
+                <a:buFont typeface="Arial"/>
+                <a:buChar char="•"/>
+                <a:defRPr sz="1600" kern="1200">
+                  <a:solidFill>
+                    <a:schemeClr val="tx1"/>
+                  </a:solidFill>
+                  <a:latin typeface="Arial"/>
+                  <a:ea typeface="+mn-ea"/>
+                  <a:cs typeface="+mn-cs"/>
+                </a:defRPr>
+              </a:lvl3pPr>
+              <a:lvl4pPr marL="1600200" indent="-228600" algn="l" defTabSz="457200" rtl="0" eaLnBrk="1" latinLnBrk="0" hangingPunct="1">
+                <a:spcBef>
+                  <a:spcPct val="20000"/>
+                </a:spcBef>
+                <a:buFont typeface="Arial"/>
+                <a:buChar char="–"/>
+                <a:defRPr sz="1400" kern="1200">
+                  <a:solidFill>
+                    <a:schemeClr val="tx1"/>
+                  </a:solidFill>
+                  <a:latin typeface="Arial"/>
+                  <a:ea typeface="+mn-ea"/>
+                  <a:cs typeface="+mn-cs"/>
+                </a:defRPr>
+              </a:lvl4pPr>
+              <a:lvl5pPr marL="2057400" indent="-228600" algn="l" defTabSz="457200" rtl="0" eaLnBrk="1" latinLnBrk="0" hangingPunct="1">
+                <a:spcBef>
+                  <a:spcPct val="20000"/>
+                </a:spcBef>
+                <a:buFont typeface="Arial"/>
+                <a:buChar char="»"/>
+                <a:defRPr sz="1400" kern="1200">
+                  <a:solidFill>
+                    <a:schemeClr val="tx1"/>
+                  </a:solidFill>
+                  <a:latin typeface="Arial"/>
+                  <a:ea typeface="+mn-ea"/>
+                  <a:cs typeface="+mn-cs"/>
+                </a:defRPr>
+              </a:lvl5pPr>
+              <a:lvl6pPr marL="2514600" indent="-228600" algn="l" defTabSz="457200" rtl="0" eaLnBrk="1" latinLnBrk="0" hangingPunct="1">
+                <a:spcBef>
+                  <a:spcPct val="20000"/>
+                </a:spcBef>
+                <a:buFont typeface="Arial"/>
+                <a:buChar char="•"/>
+                <a:defRPr sz="2000" kern="1200">
+                  <a:solidFill>
+                    <a:schemeClr val="tx1"/>
+                  </a:solidFill>
+                  <a:latin typeface="+mn-lt"/>
+                  <a:ea typeface="+mn-ea"/>
+                  <a:cs typeface="+mn-cs"/>
+                </a:defRPr>
+              </a:lvl6pPr>
+              <a:lvl7pPr marL="2971800" indent="-228600" algn="l" defTabSz="457200" rtl="0" eaLnBrk="1" latinLnBrk="0" hangingPunct="1">
+                <a:spcBef>
+                  <a:spcPct val="20000"/>
+                </a:spcBef>
+                <a:buFont typeface="Arial"/>
+                <a:buChar char="•"/>
+                <a:defRPr sz="2000" kern="1200">
+                  <a:solidFill>
+                    <a:schemeClr val="tx1"/>
+                  </a:solidFill>
+                  <a:latin typeface="+mn-lt"/>
+                  <a:ea typeface="+mn-ea"/>
+                  <a:cs typeface="+mn-cs"/>
+                </a:defRPr>
+              </a:lvl7pPr>
+              <a:lvl8pPr marL="3429000" indent="-228600" algn="l" defTabSz="457200" rtl="0" eaLnBrk="1" latinLnBrk="0" hangingPunct="1">
+                <a:spcBef>
+                  <a:spcPct val="20000"/>
+                </a:spcBef>
+                <a:buFont typeface="Arial"/>
+                <a:buChar char="•"/>
+                <a:defRPr sz="2000" kern="1200">
+                  <a:solidFill>
+                    <a:schemeClr val="tx1"/>
+                  </a:solidFill>
+                  <a:latin typeface="+mn-lt"/>
+                  <a:ea typeface="+mn-ea"/>
+                  <a:cs typeface="+mn-cs"/>
+                </a:defRPr>
+              </a:lvl8pPr>
+              <a:lvl9pPr marL="3886200" indent="-228600" algn="l" defTabSz="457200" rtl="0" eaLnBrk="1" latinLnBrk="0" hangingPunct="1">
+                <a:spcBef>
+                  <a:spcPct val="20000"/>
+                </a:spcBef>
+                <a:buFont typeface="Arial"/>
+                <a:buChar char="•"/>
+                <a:defRPr sz="2000" kern="1200">
+                  <a:solidFill>
+                    <a:schemeClr val="tx1"/>
+                  </a:solidFill>
+                  <a:latin typeface="+mn-lt"/>
+                  <a:ea typeface="+mn-ea"/>
+                  <a:cs typeface="+mn-cs"/>
+                </a:defRPr>
+              </a:lvl9pPr>
+            </a:lstStyle>
+            <a:p>
+              <a:pPr marL="0" indent="0" algn="ctr">
+                <a:buNone/>
+              </a:pPr>
+              <a:r>
+                <a:rPr lang="en-US" sz="1000" dirty="0" smtClean="0"/>
+                <a:t>flippant, passive, difficulty understanding, sarcastic, verbatim... </a:t>
+              </a:r>
+              <a:endParaRPr lang="en-US" sz="1000" dirty="0"/>
+            </a:p>
+          </p:txBody>
+        </p:sp>
+      </p:grpSp>
+      <p:grpSp>
+        <p:nvGrpSpPr>
+          <p:cNvPr id="33" name="Group 32"/>
+          <p:cNvGrpSpPr/>
+          <p:nvPr/>
+        </p:nvGrpSpPr>
+        <p:grpSpPr>
+          <a:xfrm>
+            <a:off x="5289550" y="708073"/>
+            <a:ext cx="1092200" cy="1073381"/>
+            <a:chOff x="3803650" y="1033012"/>
+            <a:chExt cx="1092200" cy="1073381"/>
+          </a:xfrm>
+        </p:grpSpPr>
+        <p:sp>
+          <p:nvSpPr>
+            <p:cNvPr id="34" name="Content Placeholder 2"/>
+            <p:cNvSpPr txBox="1">
+              <a:spLocks/>
+            </p:cNvSpPr>
+            <p:nvPr/>
+          </p:nvSpPr>
+          <p:spPr>
+            <a:xfrm>
+              <a:off x="3803650" y="1033012"/>
+              <a:ext cx="1092200" cy="376270"/>
+            </a:xfrm>
+            <a:prstGeom prst="rect">
+              <a:avLst/>
+            </a:prstGeom>
+            <a:solidFill>
+              <a:schemeClr val="accent4">
+                <a:lumMod val="60000"/>
+                <a:lumOff val="40000"/>
+              </a:schemeClr>
+            </a:solidFill>
+            <a:ln>
+              <a:solidFill>
+                <a:schemeClr val="bg1">
+                  <a:lumMod val="75000"/>
+                </a:schemeClr>
+              </a:solidFill>
+            </a:ln>
+          </p:spPr>
+          <p:txBody>
+            <a:bodyPr vert="horz" lIns="91440" tIns="45720" rIns="91440" bIns="45720" rtlCol="0" anchor="ctr">
+              <a:noAutofit/>
+            </a:bodyPr>
+            <a:lstStyle>
+              <a:lvl1pPr marL="342900" indent="-342900" algn="l" defTabSz="457200" rtl="0" eaLnBrk="1" latinLnBrk="0" hangingPunct="1">
+                <a:spcBef>
+                  <a:spcPct val="20000"/>
+                </a:spcBef>
+                <a:buFont typeface="Arial"/>
+                <a:buChar char="•"/>
+                <a:defRPr sz="2000" kern="1200">
+                  <a:solidFill>
+                    <a:schemeClr val="tx1"/>
+                  </a:solidFill>
+                  <a:latin typeface="Arial"/>
+                  <a:ea typeface="+mn-ea"/>
+                  <a:cs typeface="+mn-cs"/>
+                </a:defRPr>
+              </a:lvl1pPr>
+              <a:lvl2pPr marL="742950" indent="-285750" algn="l" defTabSz="457200" rtl="0" eaLnBrk="1" latinLnBrk="0" hangingPunct="1">
+                <a:spcBef>
+                  <a:spcPct val="20000"/>
+                </a:spcBef>
+                <a:buFont typeface="Arial"/>
+                <a:buChar char="–"/>
+                <a:defRPr sz="1800" kern="1200">
+                  <a:solidFill>
+                    <a:schemeClr val="tx1"/>
+                  </a:solidFill>
+                  <a:latin typeface="Arial"/>
+                  <a:ea typeface="+mn-ea"/>
+                  <a:cs typeface="+mn-cs"/>
+                </a:defRPr>
+              </a:lvl2pPr>
+              <a:lvl3pPr marL="1143000" indent="-228600" algn="l" defTabSz="457200" rtl="0" eaLnBrk="1" latinLnBrk="0" hangingPunct="1">
+                <a:spcBef>
+                  <a:spcPct val="20000"/>
+                </a:spcBef>
+                <a:buFont typeface="Arial"/>
+                <a:buChar char="•"/>
+                <a:defRPr sz="1600" kern="1200">
+                  <a:solidFill>
+                    <a:schemeClr val="tx1"/>
+                  </a:solidFill>
+                  <a:latin typeface="Arial"/>
+                  <a:ea typeface="+mn-ea"/>
+                  <a:cs typeface="+mn-cs"/>
+                </a:defRPr>
+              </a:lvl3pPr>
+              <a:lvl4pPr marL="1600200" indent="-228600" algn="l" defTabSz="457200" rtl="0" eaLnBrk="1" latinLnBrk="0" hangingPunct="1">
+                <a:spcBef>
+                  <a:spcPct val="20000"/>
+                </a:spcBef>
+                <a:buFont typeface="Arial"/>
+                <a:buChar char="–"/>
+                <a:defRPr sz="1400" kern="1200">
+                  <a:solidFill>
+                    <a:schemeClr val="tx1"/>
+                  </a:solidFill>
+                  <a:latin typeface="Arial"/>
+                  <a:ea typeface="+mn-ea"/>
+                  <a:cs typeface="+mn-cs"/>
+                </a:defRPr>
+              </a:lvl4pPr>
+              <a:lvl5pPr marL="2057400" indent="-228600" algn="l" defTabSz="457200" rtl="0" eaLnBrk="1" latinLnBrk="0" hangingPunct="1">
+                <a:spcBef>
+                  <a:spcPct val="20000"/>
+                </a:spcBef>
+                <a:buFont typeface="Arial"/>
+                <a:buChar char="»"/>
+                <a:defRPr sz="1400" kern="1200">
+                  <a:solidFill>
+                    <a:schemeClr val="tx1"/>
+                  </a:solidFill>
+                  <a:latin typeface="Arial"/>
+                  <a:ea typeface="+mn-ea"/>
+                  <a:cs typeface="+mn-cs"/>
+                </a:defRPr>
+              </a:lvl5pPr>
+              <a:lvl6pPr marL="2514600" indent="-228600" algn="l" defTabSz="457200" rtl="0" eaLnBrk="1" latinLnBrk="0" hangingPunct="1">
+                <a:spcBef>
+                  <a:spcPct val="20000"/>
+                </a:spcBef>
+                <a:buFont typeface="Arial"/>
+                <a:buChar char="•"/>
+                <a:defRPr sz="2000" kern="1200">
+                  <a:solidFill>
+                    <a:schemeClr val="tx1"/>
+                  </a:solidFill>
+                  <a:latin typeface="+mn-lt"/>
+                  <a:ea typeface="+mn-ea"/>
+                  <a:cs typeface="+mn-cs"/>
+                </a:defRPr>
+              </a:lvl6pPr>
+              <a:lvl7pPr marL="2971800" indent="-228600" algn="l" defTabSz="457200" rtl="0" eaLnBrk="1" latinLnBrk="0" hangingPunct="1">
+                <a:spcBef>
+                  <a:spcPct val="20000"/>
+                </a:spcBef>
+                <a:buFont typeface="Arial"/>
+                <a:buChar char="•"/>
+                <a:defRPr sz="2000" kern="1200">
+                  <a:solidFill>
+                    <a:schemeClr val="tx1"/>
+                  </a:solidFill>
+                  <a:latin typeface="+mn-lt"/>
+                  <a:ea typeface="+mn-ea"/>
+                  <a:cs typeface="+mn-cs"/>
+                </a:defRPr>
+              </a:lvl7pPr>
+              <a:lvl8pPr marL="3429000" indent="-228600" algn="l" defTabSz="457200" rtl="0" eaLnBrk="1" latinLnBrk="0" hangingPunct="1">
+                <a:spcBef>
+                  <a:spcPct val="20000"/>
+                </a:spcBef>
+                <a:buFont typeface="Arial"/>
+                <a:buChar char="•"/>
+                <a:defRPr sz="2000" kern="1200">
+                  <a:solidFill>
+                    <a:schemeClr val="tx1"/>
+                  </a:solidFill>
+                  <a:latin typeface="+mn-lt"/>
+                  <a:ea typeface="+mn-ea"/>
+                  <a:cs typeface="+mn-cs"/>
+                </a:defRPr>
+              </a:lvl8pPr>
+              <a:lvl9pPr marL="3886200" indent="-228600" algn="l" defTabSz="457200" rtl="0" eaLnBrk="1" latinLnBrk="0" hangingPunct="1">
+                <a:spcBef>
+                  <a:spcPct val="20000"/>
+                </a:spcBef>
+                <a:buFont typeface="Arial"/>
+                <a:buChar char="•"/>
+                <a:defRPr sz="2000" kern="1200">
+                  <a:solidFill>
+                    <a:schemeClr val="tx1"/>
+                  </a:solidFill>
+                  <a:latin typeface="+mn-lt"/>
+                  <a:ea typeface="+mn-ea"/>
+                  <a:cs typeface="+mn-cs"/>
+                </a:defRPr>
+              </a:lvl9pPr>
+            </a:lstStyle>
+            <a:p>
+              <a:pPr marL="0" indent="0" algn="ctr">
+                <a:buNone/>
+              </a:pPr>
+              <a:r>
+                <a:rPr lang="en-US" sz="1000" dirty="0" smtClean="0"/>
+                <a:t>handcuff, police…</a:t>
+              </a:r>
+              <a:endParaRPr lang="en-US" sz="1000" dirty="0"/>
+            </a:p>
+          </p:txBody>
+        </p:sp>
+        <p:cxnSp>
+          <p:nvCxnSpPr>
+            <p:cNvPr id="35" name="Straight Arrow Connector 34"/>
+            <p:cNvCxnSpPr>
+              <a:stCxn id="34" idx="2"/>
+            </p:cNvCxnSpPr>
+            <p:nvPr/>
+          </p:nvCxnSpPr>
+          <p:spPr>
+            <a:xfrm>
+              <a:off x="4349750" y="1409282"/>
+              <a:ext cx="546100" cy="697111"/>
+            </a:xfrm>
+            <a:prstGeom prst="straightConnector1">
+              <a:avLst/>
+            </a:prstGeom>
+            <a:ln>
+              <a:tailEnd type="triangle"/>
+            </a:ln>
+          </p:spPr>
+          <p:style>
+            <a:lnRef idx="1">
+              <a:schemeClr val="accent4"/>
+            </a:lnRef>
+            <a:fillRef idx="0">
+              <a:schemeClr val="accent4"/>
+            </a:fillRef>
+            <a:effectRef idx="0">
+              <a:schemeClr val="accent4"/>
+            </a:effectRef>
+            <a:fontRef idx="minor">
+              <a:schemeClr val="tx1"/>
+            </a:fontRef>
+          </p:style>
+        </p:cxnSp>
+      </p:grpSp>
+      <p:grpSp>
+        <p:nvGrpSpPr>
+          <p:cNvPr id="55" name="Group 54"/>
+          <p:cNvGrpSpPr/>
+          <p:nvPr/>
+        </p:nvGrpSpPr>
+        <p:grpSpPr>
+          <a:xfrm>
+            <a:off x="7469435" y="684456"/>
+            <a:ext cx="1574122" cy="899992"/>
+            <a:chOff x="7469435" y="684456"/>
+            <a:chExt cx="1574122" cy="899992"/>
+          </a:xfrm>
+        </p:grpSpPr>
+        <p:grpSp>
+          <p:nvGrpSpPr>
+            <p:cNvPr id="39" name="Group 38"/>
+            <p:cNvGrpSpPr/>
+            <p:nvPr/>
+          </p:nvGrpSpPr>
+          <p:grpSpPr>
+            <a:xfrm>
+              <a:off x="7518400" y="684456"/>
+              <a:ext cx="1525157" cy="654226"/>
+              <a:chOff x="3370693" y="1033012"/>
+              <a:chExt cx="1525157" cy="654226"/>
+            </a:xfrm>
+          </p:grpSpPr>
+          <p:sp>
+            <p:nvSpPr>
+              <p:cNvPr id="40" name="Content Placeholder 2"/>
+              <p:cNvSpPr txBox="1">
+                <a:spLocks/>
+              </p:cNvSpPr>
+              <p:nvPr/>
+            </p:nvSpPr>
+            <p:spPr>
+              <a:xfrm>
+                <a:off x="3370693" y="1033012"/>
+                <a:ext cx="1525157" cy="376270"/>
+              </a:xfrm>
+              <a:prstGeom prst="rect">
+                <a:avLst/>
+              </a:prstGeom>
+              <a:solidFill>
+                <a:schemeClr val="accent4">
+                  <a:lumMod val="60000"/>
+                  <a:lumOff val="40000"/>
+                </a:schemeClr>
+              </a:solidFill>
+              <a:ln>
+                <a:solidFill>
+                  <a:schemeClr val="bg1">
+                    <a:lumMod val="75000"/>
+                  </a:schemeClr>
+                </a:solidFill>
+              </a:ln>
+            </p:spPr>
+            <p:txBody>
+              <a:bodyPr vert="horz" lIns="91440" tIns="45720" rIns="91440" bIns="45720" rtlCol="0" anchor="ctr">
+                <a:noAutofit/>
+              </a:bodyPr>
+              <a:lstStyle>
+                <a:lvl1pPr marL="342900" indent="-342900" algn="l" defTabSz="457200" rtl="0" eaLnBrk="1" latinLnBrk="0" hangingPunct="1">
+                  <a:spcBef>
+                    <a:spcPct val="20000"/>
+                  </a:spcBef>
+                  <a:buFont typeface="Arial"/>
+                  <a:buChar char="•"/>
+                  <a:defRPr sz="2000" kern="1200">
+                    <a:solidFill>
+                      <a:schemeClr val="tx1"/>
+                    </a:solidFill>
+                    <a:latin typeface="Arial"/>
+                    <a:ea typeface="+mn-ea"/>
+                    <a:cs typeface="+mn-cs"/>
+                  </a:defRPr>
+                </a:lvl1pPr>
+                <a:lvl2pPr marL="742950" indent="-285750" algn="l" defTabSz="457200" rtl="0" eaLnBrk="1" latinLnBrk="0" hangingPunct="1">
+                  <a:spcBef>
+                    <a:spcPct val="20000"/>
+                  </a:spcBef>
+                  <a:buFont typeface="Arial"/>
+                  <a:buChar char="–"/>
+                  <a:defRPr sz="1800" kern="1200">
+                    <a:solidFill>
+                      <a:schemeClr val="tx1"/>
+                    </a:solidFill>
+                    <a:latin typeface="Arial"/>
+                    <a:ea typeface="+mn-ea"/>
+                    <a:cs typeface="+mn-cs"/>
+                  </a:defRPr>
+                </a:lvl2pPr>
+                <a:lvl3pPr marL="1143000" indent="-228600" algn="l" defTabSz="457200" rtl="0" eaLnBrk="1" latinLnBrk="0" hangingPunct="1">
+                  <a:spcBef>
+                    <a:spcPct val="20000"/>
+                  </a:spcBef>
+                  <a:buFont typeface="Arial"/>
+                  <a:buChar char="•"/>
+                  <a:defRPr sz="1600" kern="1200">
+                    <a:solidFill>
+                      <a:schemeClr val="tx1"/>
+                    </a:solidFill>
+                    <a:latin typeface="Arial"/>
+                    <a:ea typeface="+mn-ea"/>
+                    <a:cs typeface="+mn-cs"/>
+                  </a:defRPr>
+                </a:lvl3pPr>
+                <a:lvl4pPr marL="1600200" indent="-228600" algn="l" defTabSz="457200" rtl="0" eaLnBrk="1" latinLnBrk="0" hangingPunct="1">
+                  <a:spcBef>
+                    <a:spcPct val="20000"/>
+                  </a:spcBef>
+                  <a:buFont typeface="Arial"/>
+                  <a:buChar char="–"/>
+                  <a:defRPr sz="1400" kern="1200">
+                    <a:solidFill>
+                      <a:schemeClr val="tx1"/>
+                    </a:solidFill>
+                    <a:latin typeface="Arial"/>
+                    <a:ea typeface="+mn-ea"/>
+                    <a:cs typeface="+mn-cs"/>
+                  </a:defRPr>
+                </a:lvl4pPr>
+                <a:lvl5pPr marL="2057400" indent="-228600" algn="l" defTabSz="457200" rtl="0" eaLnBrk="1" latinLnBrk="0" hangingPunct="1">
+                  <a:spcBef>
+                    <a:spcPct val="20000"/>
+                  </a:spcBef>
+                  <a:buFont typeface="Arial"/>
+                  <a:buChar char="»"/>
+                  <a:defRPr sz="1400" kern="1200">
+                    <a:solidFill>
+                      <a:schemeClr val="tx1"/>
+                    </a:solidFill>
+                    <a:latin typeface="Arial"/>
+                    <a:ea typeface="+mn-ea"/>
+                    <a:cs typeface="+mn-cs"/>
+                  </a:defRPr>
+                </a:lvl5pPr>
+                <a:lvl6pPr marL="2514600" indent="-228600" algn="l" defTabSz="457200" rtl="0" eaLnBrk="1" latinLnBrk="0" hangingPunct="1">
+                  <a:spcBef>
+                    <a:spcPct val="20000"/>
+                  </a:spcBef>
+                  <a:buFont typeface="Arial"/>
+                  <a:buChar char="•"/>
+                  <a:defRPr sz="2000" kern="1200">
+                    <a:solidFill>
+                      <a:schemeClr val="tx1"/>
+                    </a:solidFill>
+                    <a:latin typeface="+mn-lt"/>
+                    <a:ea typeface="+mn-ea"/>
+                    <a:cs typeface="+mn-cs"/>
+                  </a:defRPr>
+                </a:lvl6pPr>
+                <a:lvl7pPr marL="2971800" indent="-228600" algn="l" defTabSz="457200" rtl="0" eaLnBrk="1" latinLnBrk="0" hangingPunct="1">
+                  <a:spcBef>
+                    <a:spcPct val="20000"/>
+                  </a:spcBef>
+                  <a:buFont typeface="Arial"/>
+                  <a:buChar char="•"/>
+                  <a:defRPr sz="2000" kern="1200">
+                    <a:solidFill>
+                      <a:schemeClr val="tx1"/>
+                    </a:solidFill>
+                    <a:latin typeface="+mn-lt"/>
+                    <a:ea typeface="+mn-ea"/>
+                    <a:cs typeface="+mn-cs"/>
+                  </a:defRPr>
+                </a:lvl7pPr>
+                <a:lvl8pPr marL="3429000" indent="-228600" algn="l" defTabSz="457200" rtl="0" eaLnBrk="1" latinLnBrk="0" hangingPunct="1">
+                  <a:spcBef>
+                    <a:spcPct val="20000"/>
+                  </a:spcBef>
+                  <a:buFont typeface="Arial"/>
+                  <a:buChar char="•"/>
+                  <a:defRPr sz="2000" kern="1200">
+                    <a:solidFill>
+                      <a:schemeClr val="tx1"/>
+                    </a:solidFill>
+                    <a:latin typeface="+mn-lt"/>
+                    <a:ea typeface="+mn-ea"/>
+                    <a:cs typeface="+mn-cs"/>
+                  </a:defRPr>
+                </a:lvl8pPr>
+                <a:lvl9pPr marL="3886200" indent="-228600" algn="l" defTabSz="457200" rtl="0" eaLnBrk="1" latinLnBrk="0" hangingPunct="1">
+                  <a:spcBef>
+                    <a:spcPct val="20000"/>
+                  </a:spcBef>
+                  <a:buFont typeface="Arial"/>
+                  <a:buChar char="•"/>
+                  <a:defRPr sz="2000" kern="1200">
+                    <a:solidFill>
+                      <a:schemeClr val="tx1"/>
+                    </a:solidFill>
+                    <a:latin typeface="+mn-lt"/>
+                    <a:ea typeface="+mn-ea"/>
+                    <a:cs typeface="+mn-cs"/>
+                  </a:defRPr>
+                </a:lvl9pPr>
+              </a:lstStyle>
+              <a:p>
+                <a:pPr marL="0" indent="0" algn="ctr">
+                  <a:buNone/>
+                </a:pPr>
+                <a:r>
+                  <a:rPr lang="en-US" sz="1000" dirty="0" smtClean="0"/>
+                  <a:t>Names of mechanical components</a:t>
+                </a:r>
+                <a:endParaRPr lang="en-US" sz="1000" dirty="0"/>
+              </a:p>
+            </p:txBody>
+          </p:sp>
+          <p:cxnSp>
+            <p:nvCxnSpPr>
+              <p:cNvPr id="41" name="Straight Arrow Connector 40"/>
+              <p:cNvCxnSpPr>
+                <a:stCxn id="40" idx="2"/>
+                <a:endCxn id="50" idx="0"/>
+              </p:cNvCxnSpPr>
+              <p:nvPr/>
+            </p:nvCxnSpPr>
+            <p:spPr>
+              <a:xfrm flipH="1">
+                <a:off x="3831363" y="1409282"/>
+                <a:ext cx="301909" cy="277956"/>
+              </a:xfrm>
+              <a:prstGeom prst="straightConnector1">
+                <a:avLst/>
+              </a:prstGeom>
+              <a:ln>
+                <a:tailEnd type="triangle"/>
+              </a:ln>
+            </p:spPr>
+            <p:style>
+              <a:lnRef idx="1">
+                <a:schemeClr val="accent4"/>
+              </a:lnRef>
+              <a:fillRef idx="0">
+                <a:schemeClr val="accent4"/>
+              </a:fillRef>
+              <a:effectRef idx="0">
+                <a:schemeClr val="accent4"/>
+              </a:effectRef>
+              <a:fontRef idx="minor">
+                <a:schemeClr val="tx1"/>
+              </a:fontRef>
+            </p:style>
+          </p:cxnSp>
+        </p:grpSp>
+        <p:sp>
+          <p:nvSpPr>
+            <p:cNvPr id="50" name="Oval 49"/>
+            <p:cNvSpPr/>
+            <p:nvPr/>
+          </p:nvSpPr>
+          <p:spPr>
+            <a:xfrm rot="1863975">
+              <a:off x="7469435" y="1319695"/>
+              <a:ext cx="882650" cy="264753"/>
+            </a:xfrm>
+            <a:prstGeom prst="ellipse">
+              <a:avLst/>
+            </a:prstGeom>
+            <a:noFill/>
+            <a:ln/>
+          </p:spPr>
+          <p:style>
+            <a:lnRef idx="2">
+              <a:schemeClr val="accent4"/>
+            </a:lnRef>
+            <a:fillRef idx="1">
+              <a:schemeClr val="lt1"/>
+            </a:fillRef>
+            <a:effectRef idx="0">
+              <a:schemeClr val="accent4"/>
+            </a:effectRef>
+            <a:fontRef idx="minor">
+              <a:schemeClr val="dk1"/>
+            </a:fontRef>
+          </p:style>
+          <p:txBody>
+            <a:bodyPr rtlCol="0" anchor="ctr"/>
+            <a:lstStyle/>
+            <a:p>
+              <a:pPr algn="ctr"/>
+              <a:endParaRPr lang="en-US"/>
+            </a:p>
+          </p:txBody>
+        </p:sp>
+      </p:grpSp>
+      <p:grpSp>
+        <p:nvGrpSpPr>
+          <p:cNvPr id="53" name="Group 52"/>
+          <p:cNvGrpSpPr/>
+          <p:nvPr/>
+        </p:nvGrpSpPr>
+        <p:grpSpPr>
+          <a:xfrm>
+            <a:off x="7505689" y="1628147"/>
+            <a:ext cx="1537868" cy="1767597"/>
+            <a:chOff x="7505689" y="1628147"/>
+            <a:chExt cx="1537868" cy="1767597"/>
+          </a:xfrm>
+        </p:grpSpPr>
+        <p:grpSp>
+          <p:nvGrpSpPr>
+            <p:cNvPr id="45" name="Group 44"/>
+            <p:cNvGrpSpPr/>
+            <p:nvPr/>
+          </p:nvGrpSpPr>
+          <p:grpSpPr>
+            <a:xfrm>
+              <a:off x="7943850" y="1976899"/>
+              <a:ext cx="1099707" cy="1418845"/>
+              <a:chOff x="3370693" y="-9563"/>
+              <a:chExt cx="1525157" cy="1418845"/>
+            </a:xfrm>
+          </p:grpSpPr>
+          <p:sp>
+            <p:nvSpPr>
+              <p:cNvPr id="46" name="Content Placeholder 2"/>
+              <p:cNvSpPr txBox="1">
+                <a:spLocks/>
+              </p:cNvSpPr>
+              <p:nvPr/>
+            </p:nvSpPr>
+            <p:spPr>
+              <a:xfrm>
+                <a:off x="3370693" y="1033012"/>
+                <a:ext cx="1525157" cy="376270"/>
+              </a:xfrm>
+              <a:prstGeom prst="rect">
+                <a:avLst/>
+              </a:prstGeom>
+              <a:solidFill>
+                <a:schemeClr val="accent4">
+                  <a:lumMod val="60000"/>
+                  <a:lumOff val="40000"/>
+                </a:schemeClr>
+              </a:solidFill>
+              <a:ln>
+                <a:solidFill>
+                  <a:schemeClr val="bg1">
+                    <a:lumMod val="75000"/>
+                  </a:schemeClr>
+                </a:solidFill>
+              </a:ln>
+            </p:spPr>
+            <p:txBody>
+              <a:bodyPr vert="horz" lIns="91440" tIns="45720" rIns="91440" bIns="45720" rtlCol="0" anchor="ctr">
+                <a:noAutofit/>
+              </a:bodyPr>
+              <a:lstStyle>
+                <a:lvl1pPr marL="342900" indent="-342900" algn="l" defTabSz="457200" rtl="0" eaLnBrk="1" latinLnBrk="0" hangingPunct="1">
+                  <a:spcBef>
+                    <a:spcPct val="20000"/>
+                  </a:spcBef>
+                  <a:buFont typeface="Arial"/>
+                  <a:buChar char="•"/>
+                  <a:defRPr sz="2000" kern="1200">
+                    <a:solidFill>
+                      <a:schemeClr val="tx1"/>
+                    </a:solidFill>
+                    <a:latin typeface="Arial"/>
+                    <a:ea typeface="+mn-ea"/>
+                    <a:cs typeface="+mn-cs"/>
+                  </a:defRPr>
+                </a:lvl1pPr>
+                <a:lvl2pPr marL="742950" indent="-285750" algn="l" defTabSz="457200" rtl="0" eaLnBrk="1" latinLnBrk="0" hangingPunct="1">
+                  <a:spcBef>
+                    <a:spcPct val="20000"/>
+                  </a:spcBef>
+                  <a:buFont typeface="Arial"/>
+                  <a:buChar char="–"/>
+                  <a:defRPr sz="1800" kern="1200">
+                    <a:solidFill>
+                      <a:schemeClr val="tx1"/>
+                    </a:solidFill>
+                    <a:latin typeface="Arial"/>
+                    <a:ea typeface="+mn-ea"/>
+                    <a:cs typeface="+mn-cs"/>
+                  </a:defRPr>
+                </a:lvl2pPr>
+                <a:lvl3pPr marL="1143000" indent="-228600" algn="l" defTabSz="457200" rtl="0" eaLnBrk="1" latinLnBrk="0" hangingPunct="1">
+                  <a:spcBef>
+                    <a:spcPct val="20000"/>
+                  </a:spcBef>
+                  <a:buFont typeface="Arial"/>
+                  <a:buChar char="•"/>
+                  <a:defRPr sz="1600" kern="1200">
+                    <a:solidFill>
+                      <a:schemeClr val="tx1"/>
+                    </a:solidFill>
+                    <a:latin typeface="Arial"/>
+                    <a:ea typeface="+mn-ea"/>
+                    <a:cs typeface="+mn-cs"/>
+                  </a:defRPr>
+                </a:lvl3pPr>
+                <a:lvl4pPr marL="1600200" indent="-228600" algn="l" defTabSz="457200" rtl="0" eaLnBrk="1" latinLnBrk="0" hangingPunct="1">
+                  <a:spcBef>
+                    <a:spcPct val="20000"/>
+                  </a:spcBef>
+                  <a:buFont typeface="Arial"/>
+                  <a:buChar char="–"/>
+                  <a:defRPr sz="1400" kern="1200">
+                    <a:solidFill>
+                      <a:schemeClr val="tx1"/>
+                    </a:solidFill>
+                    <a:latin typeface="Arial"/>
+                    <a:ea typeface="+mn-ea"/>
+                    <a:cs typeface="+mn-cs"/>
+                  </a:defRPr>
+                </a:lvl4pPr>
+                <a:lvl5pPr marL="2057400" indent="-228600" algn="l" defTabSz="457200" rtl="0" eaLnBrk="1" latinLnBrk="0" hangingPunct="1">
+                  <a:spcBef>
+                    <a:spcPct val="20000"/>
+                  </a:spcBef>
+                  <a:buFont typeface="Arial"/>
+                  <a:buChar char="»"/>
+                  <a:defRPr sz="1400" kern="1200">
+                    <a:solidFill>
+                      <a:schemeClr val="tx1"/>
+                    </a:solidFill>
+                    <a:latin typeface="Arial"/>
+                    <a:ea typeface="+mn-ea"/>
+                    <a:cs typeface="+mn-cs"/>
+                  </a:defRPr>
+                </a:lvl5pPr>
+                <a:lvl6pPr marL="2514600" indent="-228600" algn="l" defTabSz="457200" rtl="0" eaLnBrk="1" latinLnBrk="0" hangingPunct="1">
+                  <a:spcBef>
+                    <a:spcPct val="20000"/>
+                  </a:spcBef>
+                  <a:buFont typeface="Arial"/>
+                  <a:buChar char="•"/>
+                  <a:defRPr sz="2000" kern="1200">
+                    <a:solidFill>
+                      <a:schemeClr val="tx1"/>
+                    </a:solidFill>
+                    <a:latin typeface="+mn-lt"/>
+                    <a:ea typeface="+mn-ea"/>
+                    <a:cs typeface="+mn-cs"/>
+                  </a:defRPr>
+                </a:lvl6pPr>
+                <a:lvl7pPr marL="2971800" indent="-228600" algn="l" defTabSz="457200" rtl="0" eaLnBrk="1" latinLnBrk="0" hangingPunct="1">
+                  <a:spcBef>
+                    <a:spcPct val="20000"/>
+                  </a:spcBef>
+                  <a:buFont typeface="Arial"/>
+                  <a:buChar char="•"/>
+                  <a:defRPr sz="2000" kern="1200">
+                    <a:solidFill>
+                      <a:schemeClr val="tx1"/>
+                    </a:solidFill>
+                    <a:latin typeface="+mn-lt"/>
+                    <a:ea typeface="+mn-ea"/>
+                    <a:cs typeface="+mn-cs"/>
+                  </a:defRPr>
+                </a:lvl7pPr>
+                <a:lvl8pPr marL="3429000" indent="-228600" algn="l" defTabSz="457200" rtl="0" eaLnBrk="1" latinLnBrk="0" hangingPunct="1">
+                  <a:spcBef>
+                    <a:spcPct val="20000"/>
+                  </a:spcBef>
+                  <a:buFont typeface="Arial"/>
+                  <a:buChar char="•"/>
+                  <a:defRPr sz="2000" kern="1200">
+                    <a:solidFill>
+                      <a:schemeClr val="tx1"/>
+                    </a:solidFill>
+                    <a:latin typeface="+mn-lt"/>
+                    <a:ea typeface="+mn-ea"/>
+                    <a:cs typeface="+mn-cs"/>
+                  </a:defRPr>
+                </a:lvl8pPr>
+                <a:lvl9pPr marL="3886200" indent="-228600" algn="l" defTabSz="457200" rtl="0" eaLnBrk="1" latinLnBrk="0" hangingPunct="1">
+                  <a:spcBef>
+                    <a:spcPct val="20000"/>
+                  </a:spcBef>
+                  <a:buFont typeface="Arial"/>
+                  <a:buChar char="•"/>
+                  <a:defRPr sz="2000" kern="1200">
+                    <a:solidFill>
+                      <a:schemeClr val="tx1"/>
+                    </a:solidFill>
+                    <a:latin typeface="+mn-lt"/>
+                    <a:ea typeface="+mn-ea"/>
+                    <a:cs typeface="+mn-cs"/>
+                  </a:defRPr>
+                </a:lvl9pPr>
+              </a:lstStyle>
+              <a:p>
+                <a:pPr marL="0" indent="0" algn="ctr">
+                  <a:buNone/>
+                </a:pPr>
+                <a:r>
+                  <a:rPr lang="en-US" sz="1000" dirty="0" smtClean="0"/>
+                  <a:t>Ground control related</a:t>
+                </a:r>
+                <a:endParaRPr lang="en-US" sz="1000" dirty="0"/>
+              </a:p>
+            </p:txBody>
+          </p:sp>
+          <p:cxnSp>
+            <p:nvCxnSpPr>
+              <p:cNvPr id="47" name="Straight Arrow Connector 46"/>
+              <p:cNvCxnSpPr>
+                <a:endCxn id="51" idx="5"/>
+              </p:cNvCxnSpPr>
+              <p:nvPr/>
+            </p:nvCxnSpPr>
+            <p:spPr>
+              <a:xfrm flipH="1" flipV="1">
+                <a:off x="3527231" y="-9563"/>
+                <a:ext cx="636061" cy="1042575"/>
+              </a:xfrm>
+              <a:prstGeom prst="straightConnector1">
+                <a:avLst/>
+              </a:prstGeom>
+              <a:ln>
+                <a:tailEnd type="triangle"/>
+              </a:ln>
+            </p:spPr>
+            <p:style>
+              <a:lnRef idx="1">
+                <a:schemeClr val="accent4"/>
+              </a:lnRef>
+              <a:fillRef idx="0">
+                <a:schemeClr val="accent4"/>
+              </a:fillRef>
+              <a:effectRef idx="0">
+                <a:schemeClr val="accent4"/>
+              </a:effectRef>
+              <a:fontRef idx="minor">
+                <a:schemeClr val="tx1"/>
+              </a:fontRef>
+            </p:style>
+          </p:cxnSp>
+        </p:grpSp>
+        <p:sp>
+          <p:nvSpPr>
+            <p:cNvPr id="51" name="Oval 50"/>
+            <p:cNvSpPr/>
+            <p:nvPr/>
+          </p:nvSpPr>
+          <p:spPr>
+            <a:xfrm rot="1863975">
+              <a:off x="7505689" y="1628147"/>
+              <a:ext cx="746515" cy="264753"/>
+            </a:xfrm>
+            <a:prstGeom prst="ellipse">
+              <a:avLst/>
+            </a:prstGeom>
+            <a:noFill/>
+            <a:ln/>
+          </p:spPr>
+          <p:style>
+            <a:lnRef idx="2">
+              <a:schemeClr val="accent4"/>
+            </a:lnRef>
+            <a:fillRef idx="1">
+              <a:schemeClr val="lt1"/>
+            </a:fillRef>
+            <a:effectRef idx="0">
+              <a:schemeClr val="accent4"/>
+            </a:effectRef>
+            <a:fontRef idx="minor">
+              <a:schemeClr val="dk1"/>
+            </a:fontRef>
+          </p:style>
+          <p:txBody>
+            <a:bodyPr rtlCol="0" anchor="ctr"/>
+            <a:lstStyle/>
+            <a:p>
+              <a:pPr algn="ctr"/>
+              <a:endParaRPr lang="en-US"/>
+            </a:p>
+          </p:txBody>
+        </p:sp>
+      </p:grpSp>
     </p:spTree>
     <p:extLst>
       <p:ext uri="{BB962C8B-B14F-4D97-AF65-F5344CB8AC3E}">
@@ -18722,7 +21080,300 @@
   <p:timing>
     <p:tnLst>
       <p:par>
-        <p:cTn id="1" dur="indefinite" restart="never" nodeType="tmRoot"/>
+        <p:cTn id="1" dur="indefinite" restart="never" nodeType="tmRoot">
+          <p:childTnLst>
+            <p:seq concurrent="1" nextAc="seek">
+              <p:cTn id="2" dur="indefinite" nodeType="mainSeq">
+                <p:childTnLst>
+                  <p:par>
+                    <p:cTn id="3" fill="hold">
+                      <p:stCondLst>
+                        <p:cond delay="indefinite"/>
+                      </p:stCondLst>
+                      <p:childTnLst>
+                        <p:par>
+                          <p:cTn id="4" fill="hold">
+                            <p:stCondLst>
+                              <p:cond delay="0"/>
+                            </p:stCondLst>
+                            <p:childTnLst>
+                              <p:par>
+                                <p:cTn id="5" presetID="1" presetClass="entr" presetSubtype="0" fill="hold" nodeType="clickEffect">
+                                  <p:stCondLst>
+                                    <p:cond delay="0"/>
+                                  </p:stCondLst>
+                                  <p:childTnLst>
+                                    <p:set>
+                                      <p:cBhvr>
+                                        <p:cTn id="6" dur="1" fill="hold">
+                                          <p:stCondLst>
+                                            <p:cond delay="0"/>
+                                          </p:stCondLst>
+                                        </p:cTn>
+                                        <p:tgtEl>
+                                          <p:spTgt spid="14"/>
+                                        </p:tgtEl>
+                                        <p:attrNameLst>
+                                          <p:attrName>style.visibility</p:attrName>
+                                        </p:attrNameLst>
+                                      </p:cBhvr>
+                                      <p:to>
+                                        <p:strVal val="visible"/>
+                                      </p:to>
+                                    </p:set>
+                                  </p:childTnLst>
+                                </p:cTn>
+                              </p:par>
+                            </p:childTnLst>
+                          </p:cTn>
+                        </p:par>
+                      </p:childTnLst>
+                    </p:cTn>
+                  </p:par>
+                  <p:par>
+                    <p:cTn id="7" fill="hold">
+                      <p:stCondLst>
+                        <p:cond delay="indefinite"/>
+                      </p:stCondLst>
+                      <p:childTnLst>
+                        <p:par>
+                          <p:cTn id="8" fill="hold">
+                            <p:stCondLst>
+                              <p:cond delay="0"/>
+                            </p:stCondLst>
+                            <p:childTnLst>
+                              <p:par>
+                                <p:cTn id="9" presetID="1" presetClass="entr" presetSubtype="0" fill="hold" nodeType="clickEffect">
+                                  <p:stCondLst>
+                                    <p:cond delay="0"/>
+                                  </p:stCondLst>
+                                  <p:childTnLst>
+                                    <p:set>
+                                      <p:cBhvr>
+                                        <p:cTn id="10" dur="1" fill="hold">
+                                          <p:stCondLst>
+                                            <p:cond delay="0"/>
+                                          </p:stCondLst>
+                                        </p:cTn>
+                                        <p:tgtEl>
+                                          <p:spTgt spid="15"/>
+                                        </p:tgtEl>
+                                        <p:attrNameLst>
+                                          <p:attrName>style.visibility</p:attrName>
+                                        </p:attrNameLst>
+                                      </p:cBhvr>
+                                      <p:to>
+                                        <p:strVal val="visible"/>
+                                      </p:to>
+                                    </p:set>
+                                  </p:childTnLst>
+                                </p:cTn>
+                              </p:par>
+                            </p:childTnLst>
+                          </p:cTn>
+                        </p:par>
+                      </p:childTnLst>
+                    </p:cTn>
+                  </p:par>
+                  <p:par>
+                    <p:cTn id="11" fill="hold">
+                      <p:stCondLst>
+                        <p:cond delay="indefinite"/>
+                      </p:stCondLst>
+                      <p:childTnLst>
+                        <p:par>
+                          <p:cTn id="12" fill="hold">
+                            <p:stCondLst>
+                              <p:cond delay="0"/>
+                            </p:stCondLst>
+                            <p:childTnLst>
+                              <p:par>
+                                <p:cTn id="13" presetID="1" presetClass="entr" presetSubtype="0" fill="hold" nodeType="clickEffect">
+                                  <p:stCondLst>
+                                    <p:cond delay="0"/>
+                                  </p:stCondLst>
+                                  <p:childTnLst>
+                                    <p:set>
+                                      <p:cBhvr>
+                                        <p:cTn id="14" dur="1" fill="hold">
+                                          <p:stCondLst>
+                                            <p:cond delay="0"/>
+                                          </p:stCondLst>
+                                        </p:cTn>
+                                        <p:tgtEl>
+                                          <p:spTgt spid="33"/>
+                                        </p:tgtEl>
+                                        <p:attrNameLst>
+                                          <p:attrName>style.visibility</p:attrName>
+                                        </p:attrNameLst>
+                                      </p:cBhvr>
+                                      <p:to>
+                                        <p:strVal val="visible"/>
+                                      </p:to>
+                                    </p:set>
+                                  </p:childTnLst>
+                                </p:cTn>
+                              </p:par>
+                            </p:childTnLst>
+                          </p:cTn>
+                        </p:par>
+                      </p:childTnLst>
+                    </p:cTn>
+                  </p:par>
+                  <p:par>
+                    <p:cTn id="15" fill="hold">
+                      <p:stCondLst>
+                        <p:cond delay="indefinite"/>
+                      </p:stCondLst>
+                      <p:childTnLst>
+                        <p:par>
+                          <p:cTn id="16" fill="hold">
+                            <p:stCondLst>
+                              <p:cond delay="0"/>
+                            </p:stCondLst>
+                            <p:childTnLst>
+                              <p:par>
+                                <p:cTn id="17" presetID="1" presetClass="entr" presetSubtype="0" fill="hold" nodeType="clickEffect">
+                                  <p:stCondLst>
+                                    <p:cond delay="0"/>
+                                  </p:stCondLst>
+                                  <p:childTnLst>
+                                    <p:set>
+                                      <p:cBhvr>
+                                        <p:cTn id="18" dur="1" fill="hold">
+                                          <p:stCondLst>
+                                            <p:cond delay="0"/>
+                                          </p:stCondLst>
+                                        </p:cTn>
+                                        <p:tgtEl>
+                                          <p:spTgt spid="20"/>
+                                        </p:tgtEl>
+                                        <p:attrNameLst>
+                                          <p:attrName>style.visibility</p:attrName>
+                                        </p:attrNameLst>
+                                      </p:cBhvr>
+                                      <p:to>
+                                        <p:strVal val="visible"/>
+                                      </p:to>
+                                    </p:set>
+                                  </p:childTnLst>
+                                </p:cTn>
+                              </p:par>
+                            </p:childTnLst>
+                          </p:cTn>
+                        </p:par>
+                      </p:childTnLst>
+                    </p:cTn>
+                  </p:par>
+                  <p:par>
+                    <p:cTn id="19" fill="hold">
+                      <p:stCondLst>
+                        <p:cond delay="indefinite"/>
+                      </p:stCondLst>
+                      <p:childTnLst>
+                        <p:par>
+                          <p:cTn id="20" fill="hold">
+                            <p:stCondLst>
+                              <p:cond delay="0"/>
+                            </p:stCondLst>
+                            <p:childTnLst>
+                              <p:par>
+                                <p:cTn id="21" presetID="1" presetClass="entr" presetSubtype="0" fill="hold" nodeType="clickEffect">
+                                  <p:stCondLst>
+                                    <p:cond delay="0"/>
+                                  </p:stCondLst>
+                                  <p:childTnLst>
+                                    <p:set>
+                                      <p:cBhvr>
+                                        <p:cTn id="22" dur="1" fill="hold">
+                                          <p:stCondLst>
+                                            <p:cond delay="0"/>
+                                          </p:stCondLst>
+                                        </p:cTn>
+                                        <p:tgtEl>
+                                          <p:spTgt spid="53"/>
+                                        </p:tgtEl>
+                                        <p:attrNameLst>
+                                          <p:attrName>style.visibility</p:attrName>
+                                        </p:attrNameLst>
+                                      </p:cBhvr>
+                                      <p:to>
+                                        <p:strVal val="visible"/>
+                                      </p:to>
+                                    </p:set>
+                                  </p:childTnLst>
+                                </p:cTn>
+                              </p:par>
+                            </p:childTnLst>
+                          </p:cTn>
+                        </p:par>
+                      </p:childTnLst>
+                    </p:cTn>
+                  </p:par>
+                  <p:par>
+                    <p:cTn id="23" fill="hold">
+                      <p:stCondLst>
+                        <p:cond delay="indefinite"/>
+                      </p:stCondLst>
+                      <p:childTnLst>
+                        <p:par>
+                          <p:cTn id="24" fill="hold">
+                            <p:stCondLst>
+                              <p:cond delay="0"/>
+                            </p:stCondLst>
+                            <p:childTnLst>
+                              <p:par>
+                                <p:cTn id="25" presetID="1" presetClass="entr" presetSubtype="0" fill="hold" nodeType="clickEffect">
+                                  <p:stCondLst>
+                                    <p:cond delay="0"/>
+                                  </p:stCondLst>
+                                  <p:childTnLst>
+                                    <p:set>
+                                      <p:cBhvr>
+                                        <p:cTn id="26" dur="1" fill="hold">
+                                          <p:stCondLst>
+                                            <p:cond delay="0"/>
+                                          </p:stCondLst>
+                                        </p:cTn>
+                                        <p:tgtEl>
+                                          <p:spTgt spid="55"/>
+                                        </p:tgtEl>
+                                        <p:attrNameLst>
+                                          <p:attrName>style.visibility</p:attrName>
+                                        </p:attrNameLst>
+                                      </p:cBhvr>
+                                      <p:to>
+                                        <p:strVal val="visible"/>
+                                      </p:to>
+                                    </p:set>
+                                  </p:childTnLst>
+                                </p:cTn>
+                              </p:par>
+                            </p:childTnLst>
+                          </p:cTn>
+                        </p:par>
+                      </p:childTnLst>
+                    </p:cTn>
+                  </p:par>
+                </p:childTnLst>
+              </p:cTn>
+              <p:prevCondLst>
+                <p:cond evt="onPrev" delay="0">
+                  <p:tgtEl>
+                    <p:sldTgt/>
+                  </p:tgtEl>
+                </p:cond>
+              </p:prevCondLst>
+              <p:nextCondLst>
+                <p:cond evt="onNext" delay="0">
+                  <p:tgtEl>
+                    <p:sldTgt/>
+                  </p:tgtEl>
+                </p:cond>
+              </p:nextCondLst>
+            </p:seq>
+          </p:childTnLst>
+        </p:cTn>
       </p:par>
     </p:tnLst>
   </p:timing>
@@ -18785,10 +21436,83 @@
         </p:nvSpPr>
         <p:spPr/>
         <p:txBody>
-          <a:bodyPr/>
+          <a:bodyPr>
+            <a:normAutofit/>
+          </a:bodyPr>
           <a:lstStyle/>
           <a:p>
-            <a:endParaRPr lang="en-US"/>
+            <a:r>
+              <a:rPr lang="en-US" sz="1400" dirty="0" smtClean="0"/>
+              <a:t>STMs allo</a:t>
+            </a:r>
+            <a:r>
+              <a:rPr lang="en-US" sz="1400" dirty="0" smtClean="0"/>
+              <a:t>w researchers to flexibly estimate a topic model</a:t>
+            </a:r>
+          </a:p>
+          <a:p>
+            <a:r>
+              <a:rPr lang="en-US" sz="1400" dirty="0" smtClean="0"/>
+              <a:t>STMs are like LDA models, except they extend the capability to include document-level metadata into the topic model. This allows researchers to not only estimate topics but also relationships to document metadata.</a:t>
+            </a:r>
+          </a:p>
+          <a:p>
+            <a:r>
+              <a:rPr lang="en-US" sz="1400" dirty="0" smtClean="0"/>
+              <a:t>The </a:t>
+            </a:r>
+            <a:r>
+              <a:rPr lang="en-US" sz="1400" dirty="0" err="1" smtClean="0">
+                <a:latin typeface="Courier New" panose="02070309020205020404" pitchFamily="49" charset="0"/>
+                <a:cs typeface="Courier New" panose="02070309020205020404" pitchFamily="49" charset="0"/>
+              </a:rPr>
+              <a:t>stm</a:t>
+            </a:r>
+            <a:r>
+              <a:rPr lang="en-US" sz="1400" dirty="0" smtClean="0">
+                <a:latin typeface="Courier New" panose="02070309020205020404" pitchFamily="49" charset="0"/>
+                <a:cs typeface="Courier New" panose="02070309020205020404" pitchFamily="49" charset="0"/>
+              </a:rPr>
+              <a:t> </a:t>
+            </a:r>
+            <a:r>
+              <a:rPr lang="en-US" sz="1400" dirty="0" smtClean="0"/>
+              <a:t>package in R is quite powerful with many features which work well with the </a:t>
+            </a:r>
+            <a:r>
+              <a:rPr lang="en-US" sz="1400" dirty="0" err="1">
+                <a:latin typeface="Courier New" panose="02070309020205020404" pitchFamily="49" charset="0"/>
+                <a:cs typeface="Courier New" panose="02070309020205020404" pitchFamily="49" charset="0"/>
+              </a:rPr>
+              <a:t>tidyverse</a:t>
+            </a:r>
+            <a:r>
+              <a:rPr lang="en-US" sz="1400" dirty="0" smtClean="0"/>
+              <a:t>, </a:t>
+            </a:r>
+            <a:r>
+              <a:rPr lang="en-US" sz="1400" dirty="0">
+                <a:latin typeface="Courier New" panose="02070309020205020404" pitchFamily="49" charset="0"/>
+                <a:cs typeface="Courier New" panose="02070309020205020404" pitchFamily="49" charset="0"/>
+              </a:rPr>
+              <a:t>tm</a:t>
+            </a:r>
+            <a:r>
+              <a:rPr lang="en-US" sz="1400" dirty="0" smtClean="0"/>
+              <a:t>, </a:t>
+            </a:r>
+            <a:r>
+              <a:rPr lang="en-US" sz="1400" dirty="0" err="1">
+                <a:latin typeface="Courier New" panose="02070309020205020404" pitchFamily="49" charset="0"/>
+                <a:cs typeface="Courier New" panose="02070309020205020404" pitchFamily="49" charset="0"/>
+              </a:rPr>
+              <a:t>quanteda</a:t>
+            </a:r>
+            <a:r>
+              <a:rPr lang="en-US" sz="1400" dirty="0" smtClean="0"/>
+              <a:t> and other major R packages</a:t>
+            </a:r>
+            <a:endParaRPr lang="en-US" sz="1400" dirty="0" smtClean="0"/>
           </a:p>
         </p:txBody>
       </p:sp>
@@ -18869,8 +21593,12 @@
           <a:lstStyle/>
           <a:p>
             <a:r>
+              <a:rPr lang="en-US" dirty="0"/>
+              <a:t>Structural </a:t>
+            </a:r>
+            <a:r>
               <a:rPr lang="en-US" dirty="0" smtClean="0"/>
-              <a:t>Conclusions</a:t>
+              <a:t>Topic Modeling</a:t>
             </a:r>
             <a:endParaRPr lang="en-US" dirty="0"/>
           </a:p>
@@ -18888,10 +21616,137 @@
         </p:nvSpPr>
         <p:spPr/>
         <p:txBody>
-          <a:bodyPr/>
+          <a:bodyPr>
+            <a:normAutofit/>
+          </a:bodyPr>
           <a:lstStyle/>
           <a:p>
-            <a:endParaRPr lang="en-US"/>
+            <a:r>
+              <a:rPr lang="en-US" sz="1400" dirty="0" smtClean="0"/>
+              <a:t>STMs allo</a:t>
+            </a:r>
+            <a:r>
+              <a:rPr lang="en-US" sz="1400" dirty="0" smtClean="0"/>
+              <a:t>w researchers to flexibly estimate a topic model</a:t>
+            </a:r>
+          </a:p>
+          <a:p>
+            <a:r>
+              <a:rPr lang="en-US" sz="1400" dirty="0" smtClean="0"/>
+              <a:t>STMs are like LDA models, except they extend the capability to include document-level metadata into the topic model. This allows researchers to not only estimate topics but also relationships to document metadata.</a:t>
+            </a:r>
+          </a:p>
+          <a:p>
+            <a:r>
+              <a:rPr lang="en-US" sz="1400" dirty="0" smtClean="0"/>
+              <a:t>The </a:t>
+            </a:r>
+            <a:r>
+              <a:rPr lang="en-US" sz="1400" dirty="0" err="1" smtClean="0">
+                <a:latin typeface="Courier New" panose="02070309020205020404" pitchFamily="49" charset="0"/>
+                <a:cs typeface="Courier New" panose="02070309020205020404" pitchFamily="49" charset="0"/>
+              </a:rPr>
+              <a:t>stm</a:t>
+            </a:r>
+            <a:r>
+              <a:rPr lang="en-US" sz="1400" dirty="0" smtClean="0">
+                <a:latin typeface="Courier New" panose="02070309020205020404" pitchFamily="49" charset="0"/>
+                <a:cs typeface="Courier New" panose="02070309020205020404" pitchFamily="49" charset="0"/>
+              </a:rPr>
+              <a:t> </a:t>
+            </a:r>
+            <a:r>
+              <a:rPr lang="en-US" sz="1400" dirty="0" smtClean="0"/>
+              <a:t>package in R is quite powerful with many features which work well with the </a:t>
+            </a:r>
+            <a:r>
+              <a:rPr lang="en-US" sz="1400" dirty="0" err="1">
+                <a:latin typeface="Courier New" panose="02070309020205020404" pitchFamily="49" charset="0"/>
+                <a:cs typeface="Courier New" panose="02070309020205020404" pitchFamily="49" charset="0"/>
+              </a:rPr>
+              <a:t>tidyverse</a:t>
+            </a:r>
+            <a:r>
+              <a:rPr lang="en-US" sz="1400" dirty="0" smtClean="0"/>
+              <a:t>, </a:t>
+            </a:r>
+            <a:r>
+              <a:rPr lang="en-US" sz="1400" dirty="0">
+                <a:latin typeface="Courier New" panose="02070309020205020404" pitchFamily="49" charset="0"/>
+                <a:cs typeface="Courier New" panose="02070309020205020404" pitchFamily="49" charset="0"/>
+              </a:rPr>
+              <a:t>tm</a:t>
+            </a:r>
+            <a:r>
+              <a:rPr lang="en-US" sz="1400" dirty="0" smtClean="0"/>
+              <a:t>, </a:t>
+            </a:r>
+            <a:r>
+              <a:rPr lang="en-US" sz="1400" dirty="0" err="1">
+                <a:latin typeface="Courier New" panose="02070309020205020404" pitchFamily="49" charset="0"/>
+                <a:cs typeface="Courier New" panose="02070309020205020404" pitchFamily="49" charset="0"/>
+              </a:rPr>
+              <a:t>quanteda</a:t>
+            </a:r>
+            <a:r>
+              <a:rPr lang="en-US" sz="1400" dirty="0" smtClean="0"/>
+              <a:t> and other major R packages</a:t>
+            </a:r>
+          </a:p>
+          <a:p>
+            <a:endParaRPr lang="en-US" sz="1400" dirty="0"/>
+          </a:p>
+          <a:p>
+            <a:r>
+              <a:rPr lang="en-US" sz="1400" dirty="0" smtClean="0"/>
+              <a:t>Using </a:t>
+            </a:r>
+            <a:r>
+              <a:rPr lang="en-US" sz="1400" dirty="0" err="1">
+                <a:latin typeface="Courier New" panose="02070309020205020404" pitchFamily="49" charset="0"/>
+                <a:cs typeface="Courier New" panose="02070309020205020404" pitchFamily="49" charset="0"/>
+              </a:rPr>
+              <a:t>stm</a:t>
+            </a:r>
+            <a:r>
+              <a:rPr lang="en-US" sz="1400" dirty="0" smtClean="0"/>
+              <a:t>, there are two main approaches towards deciding how many topics (K) are contained in the corpus:</a:t>
+            </a:r>
+          </a:p>
+          <a:p>
+            <a:pPr lvl="1"/>
+            <a:r>
+              <a:rPr lang="en-US" sz="1200" dirty="0" smtClean="0"/>
+              <a:t>Define the value(s) of K yourself</a:t>
+            </a:r>
+          </a:p>
+          <a:p>
+            <a:pPr lvl="1"/>
+            <a:r>
+              <a:rPr lang="en-US" sz="1200" dirty="0" smtClean="0"/>
+              <a:t>Use </a:t>
+            </a:r>
+            <a:r>
+              <a:rPr lang="en-US" sz="1200" dirty="0" err="1" smtClean="0"/>
+              <a:t>tsne</a:t>
+            </a:r>
+            <a:r>
+              <a:rPr lang="en-US" sz="1200" dirty="0" smtClean="0"/>
+              <a:t> to perform a dimension reduction on the TDM followed by some geometric calculations to estimate the number of “groupings”</a:t>
+            </a:r>
+          </a:p>
+          <a:p>
+            <a:pPr lvl="2"/>
+            <a:r>
+              <a:rPr lang="en-US" sz="1000" dirty="0" smtClean="0"/>
+              <a:t>This method resulted in 116 topics!</a:t>
+            </a:r>
+          </a:p>
+          <a:p>
+            <a:r>
+              <a:rPr lang="en-US" sz="1400" dirty="0" smtClean="0"/>
+              <a:t>To begin with, I’m assuming K=10</a:t>
+            </a:r>
           </a:p>
         </p:txBody>
       </p:sp>
@@ -18922,7 +21777,7 @@
     </p:spTree>
     <p:extLst>
       <p:ext uri="{BB962C8B-B14F-4D97-AF65-F5344CB8AC3E}">
-        <p14:creationId xmlns:p14="http://schemas.microsoft.com/office/powerpoint/2010/main" val="264977977"/>
+        <p14:creationId xmlns:p14="http://schemas.microsoft.com/office/powerpoint/2010/main" val="1255567131"/>
       </p:ext>
     </p:extLst>
   </p:cSld>
@@ -18966,15 +21821,21 @@
             <p:ph type="title"/>
           </p:nvPr>
         </p:nvSpPr>
-        <p:spPr/>
+        <p:spPr>
+          <a:xfrm>
+            <a:off x="4014630" y="205979"/>
+            <a:ext cx="4672169" cy="365521"/>
+          </a:xfrm>
+        </p:spPr>
         <p:txBody>
           <a:bodyPr/>
           <a:lstStyle/>
           <a:p>
             <a:r>
-              <a:rPr lang="en-US" dirty="0"/>
-              <a:t>Lessons Learnt</a:t>
+              <a:rPr lang="en-US" dirty="0" smtClean="0"/>
+              <a:t>STM Results, K=10</a:t>
             </a:r>
+            <a:endParaRPr lang="en-US" dirty="0"/>
           </a:p>
         </p:txBody>
       </p:sp>
@@ -18988,12 +21849,22 @@
             <p:ph idx="1"/>
           </p:nvPr>
         </p:nvSpPr>
-        <p:spPr/>
+        <p:spPr>
+          <a:xfrm>
+            <a:off x="4183039" y="3078553"/>
+            <a:ext cx="4713219" cy="1606848"/>
+          </a:xfrm>
+        </p:spPr>
         <p:txBody>
-          <a:bodyPr/>
+          <a:bodyPr>
+            <a:normAutofit/>
+          </a:bodyPr>
           <a:lstStyle/>
           <a:p>
-            <a:endParaRPr lang="en-US"/>
+            <a:r>
+              <a:rPr lang="en-US" sz="1400" dirty="0" smtClean="0"/>
+              <a:t>X</a:t>
+            </a:r>
           </a:p>
         </p:txBody>
       </p:sp>
@@ -19021,10 +21892,58 @@
           </a:p>
         </p:txBody>
       </p:sp>
+      <p:pic>
+        <p:nvPicPr>
+          <p:cNvPr id="7" name="Picture 6"/>
+          <p:cNvPicPr>
+            <a:picLocks noChangeAspect="1"/>
+          </p:cNvPicPr>
+          <p:nvPr/>
+        </p:nvPicPr>
+        <p:blipFill>
+          <a:blip r:embed="rId2"/>
+          <a:stretch>
+            <a:fillRect/>
+          </a:stretch>
+        </p:blipFill>
+        <p:spPr>
+          <a:xfrm>
+            <a:off x="4014631" y="653362"/>
+            <a:ext cx="4526678" cy="2318414"/>
+          </a:xfrm>
+          <a:prstGeom prst="rect">
+            <a:avLst/>
+          </a:prstGeom>
+        </p:spPr>
+      </p:pic>
+      <p:pic>
+        <p:nvPicPr>
+          <p:cNvPr id="8" name="Picture 7"/>
+          <p:cNvPicPr>
+            <a:picLocks noChangeAspect="1"/>
+          </p:cNvPicPr>
+          <p:nvPr/>
+        </p:nvPicPr>
+        <p:blipFill>
+          <a:blip r:embed="rId3"/>
+          <a:stretch>
+            <a:fillRect/>
+          </a:stretch>
+        </p:blipFill>
+        <p:spPr>
+          <a:xfrm>
+            <a:off x="116005" y="112730"/>
+            <a:ext cx="3766783" cy="4572672"/>
+          </a:xfrm>
+          <a:prstGeom prst="rect">
+            <a:avLst/>
+          </a:prstGeom>
+        </p:spPr>
+      </p:pic>
     </p:spTree>
     <p:extLst>
       <p:ext uri="{BB962C8B-B14F-4D97-AF65-F5344CB8AC3E}">
-        <p14:creationId xmlns:p14="http://schemas.microsoft.com/office/powerpoint/2010/main" val="2341557859"/>
+        <p14:creationId xmlns:p14="http://schemas.microsoft.com/office/powerpoint/2010/main" val="254810885"/>
       </p:ext>
     </p:extLst>
   </p:cSld>
@@ -19073,29 +21992,6 @@
           <a:bodyPr/>
           <a:lstStyle/>
           <a:p>
-            <a:r>
-              <a:rPr lang="en-US" dirty="0" smtClean="0"/>
-              <a:t>References</a:t>
-            </a:r>
-            <a:endParaRPr lang="en-US" dirty="0"/>
-          </a:p>
-        </p:txBody>
-      </p:sp>
-      <p:sp>
-        <p:nvSpPr>
-          <p:cNvPr id="3" name="Content Placeholder 2"/>
-          <p:cNvSpPr>
-            <a:spLocks noGrp="1"/>
-          </p:cNvSpPr>
-          <p:nvPr>
-            <p:ph idx="1"/>
-          </p:nvPr>
-        </p:nvSpPr>
-        <p:spPr/>
-        <p:txBody>
-          <a:bodyPr/>
-          <a:lstStyle/>
-          <a:p>
             <a:endParaRPr lang="en-US"/>
           </a:p>
         </p:txBody>
@@ -19124,10 +22020,84 @@
           </a:p>
         </p:txBody>
       </p:sp>
+      <p:pic>
+        <p:nvPicPr>
+          <p:cNvPr id="7" name="Content Placeholder 6"/>
+          <p:cNvPicPr>
+            <a:picLocks noGrp="1" noChangeAspect="1"/>
+          </p:cNvPicPr>
+          <p:nvPr>
+            <p:ph idx="1"/>
+          </p:nvPr>
+        </p:nvPicPr>
+        <p:blipFill>
+          <a:blip r:embed="rId2"/>
+          <a:stretch>
+            <a:fillRect/>
+          </a:stretch>
+        </p:blipFill>
+        <p:spPr>
+          <a:xfrm>
+            <a:off x="511791" y="571500"/>
+            <a:ext cx="8229600" cy="2906685"/>
+          </a:xfrm>
+          <a:prstGeom prst="rect">
+            <a:avLst/>
+          </a:prstGeom>
+        </p:spPr>
+      </p:pic>
+      <p:pic>
+        <p:nvPicPr>
+          <p:cNvPr id="8" name="Picture 7"/>
+          <p:cNvPicPr>
+            <a:picLocks noChangeAspect="1"/>
+          </p:cNvPicPr>
+          <p:nvPr/>
+        </p:nvPicPr>
+        <p:blipFill>
+          <a:blip r:embed="rId3"/>
+          <a:stretch>
+            <a:fillRect/>
+          </a:stretch>
+        </p:blipFill>
+        <p:spPr>
+          <a:xfrm>
+            <a:off x="511791" y="2209199"/>
+            <a:ext cx="6448567" cy="2277627"/>
+          </a:xfrm>
+          <a:prstGeom prst="rect">
+            <a:avLst/>
+          </a:prstGeom>
+        </p:spPr>
+      </p:pic>
+      <p:pic>
+        <p:nvPicPr>
+          <p:cNvPr id="9" name="Picture 8"/>
+          <p:cNvPicPr>
+            <a:picLocks noChangeAspect="1"/>
+          </p:cNvPicPr>
+          <p:nvPr/>
+        </p:nvPicPr>
+        <p:blipFill>
+          <a:blip r:embed="rId4"/>
+          <a:stretch>
+            <a:fillRect/>
+          </a:stretch>
+        </p:blipFill>
+        <p:spPr>
+          <a:xfrm>
+            <a:off x="1821976" y="1600444"/>
+            <a:ext cx="7322024" cy="2586131"/>
+          </a:xfrm>
+          <a:prstGeom prst="rect">
+            <a:avLst/>
+          </a:prstGeom>
+        </p:spPr>
+      </p:pic>
     </p:spTree>
     <p:extLst>
       <p:ext uri="{BB962C8B-B14F-4D97-AF65-F5344CB8AC3E}">
-        <p14:creationId xmlns:p14="http://schemas.microsoft.com/office/powerpoint/2010/main" val="646980716"/>
+        <p14:creationId xmlns:p14="http://schemas.microsoft.com/office/powerpoint/2010/main" val="1411586824"/>
       </p:ext>
     </p:extLst>
   </p:cSld>
@@ -19163,7 +22133,7 @@
       </p:grpSpPr>
       <p:sp>
         <p:nvSpPr>
-          <p:cNvPr id="5" name="Title 4"/>
+          <p:cNvPr id="2" name="Title 1"/>
           <p:cNvSpPr>
             <a:spLocks noGrp="1"/>
           </p:cNvSpPr>
@@ -19176,14 +22146,36 @@
           <a:bodyPr/>
           <a:lstStyle/>
           <a:p>
-            <a:r>
-              <a:rPr lang="en-US" dirty="0" smtClean="0"/>
-              <a:t>Appendix</a:t>
-            </a:r>
-            <a:endParaRPr lang="en-US" dirty="0"/>
+            <a:endParaRPr lang="en-US"/>
           </a:p>
         </p:txBody>
       </p:sp>
+      <p:pic>
+        <p:nvPicPr>
+          <p:cNvPr id="5" name="Content Placeholder 4"/>
+          <p:cNvPicPr>
+            <a:picLocks noGrp="1" noChangeAspect="1"/>
+          </p:cNvPicPr>
+          <p:nvPr>
+            <p:ph idx="1"/>
+          </p:nvPr>
+        </p:nvPicPr>
+        <p:blipFill>
+          <a:blip r:embed="rId2"/>
+          <a:stretch>
+            <a:fillRect/>
+          </a:stretch>
+        </p:blipFill>
+        <p:spPr>
+          <a:xfrm>
+            <a:off x="1385770" y="933450"/>
+            <a:ext cx="6372460" cy="3660775"/>
+          </a:xfrm>
+          <a:prstGeom prst="rect">
+            <a:avLst/>
+          </a:prstGeom>
+        </p:spPr>
+      </p:pic>
       <p:sp>
         <p:nvSpPr>
           <p:cNvPr id="4" name="Slide Number Placeholder 3"/>
@@ -19191,15 +22183,10 @@
             <a:spLocks noGrp="1"/>
           </p:cNvSpPr>
           <p:nvPr>
-            <p:ph type="sldNum" sz="quarter" idx="4294967295"/>
+            <p:ph type="sldNum" sz="quarter" idx="12"/>
           </p:nvPr>
         </p:nvSpPr>
-        <p:spPr>
-          <a:xfrm>
-            <a:off x="7010400" y="4767263"/>
-            <a:ext cx="2133600" cy="274637"/>
-          </a:xfrm>
-        </p:spPr>
+        <p:spPr/>
         <p:txBody>
           <a:bodyPr/>
           <a:lstStyle/>
@@ -19216,7 +22203,7 @@
     </p:spTree>
     <p:extLst>
       <p:ext uri="{BB962C8B-B14F-4D97-AF65-F5344CB8AC3E}">
-        <p14:creationId xmlns:p14="http://schemas.microsoft.com/office/powerpoint/2010/main" val="434961327"/>
+        <p14:creationId xmlns:p14="http://schemas.microsoft.com/office/powerpoint/2010/main" val="241000052"/>
       </p:ext>
     </p:extLst>
   </p:cSld>
@@ -19266,7 +22253,7 @@
           <a:lstStyle/>
           <a:p>
             <a:r>
-              <a:rPr lang="en-US" smtClean="0"/>
+              <a:rPr lang="en-US" dirty="0" smtClean="0"/>
               <a:t>Contents</a:t>
             </a:r>
             <a:endParaRPr lang="en-US" dirty="0"/>
@@ -19454,13 +22441,617 @@
           <a:bodyPr/>
           <a:lstStyle/>
           <a:p>
+            <a:endParaRPr lang="en-US"/>
+          </a:p>
+        </p:txBody>
+      </p:sp>
+      <p:pic>
+        <p:nvPicPr>
+          <p:cNvPr id="5" name="Content Placeholder 4"/>
+          <p:cNvPicPr>
+            <a:picLocks noGrp="1" noChangeAspect="1"/>
+          </p:cNvPicPr>
+          <p:nvPr>
+            <p:ph idx="1"/>
+          </p:nvPr>
+        </p:nvPicPr>
+        <p:blipFill>
+          <a:blip r:embed="rId2"/>
+          <a:stretch>
+            <a:fillRect/>
+          </a:stretch>
+        </p:blipFill>
+        <p:spPr>
+          <a:xfrm>
+            <a:off x="1204208" y="933450"/>
+            <a:ext cx="6735584" cy="3660775"/>
+          </a:xfrm>
+          <a:prstGeom prst="rect">
+            <a:avLst/>
+          </a:prstGeom>
+        </p:spPr>
+      </p:pic>
+      <p:sp>
+        <p:nvSpPr>
+          <p:cNvPr id="4" name="Slide Number Placeholder 3"/>
+          <p:cNvSpPr>
+            <a:spLocks noGrp="1"/>
+          </p:cNvSpPr>
+          <p:nvPr>
+            <p:ph type="sldNum" sz="quarter" idx="12"/>
+          </p:nvPr>
+        </p:nvSpPr>
+        <p:spPr/>
+        <p:txBody>
+          <a:bodyPr/>
+          <a:lstStyle/>
+          <a:p>
+            <a:fld id="{106E12CD-FCB1-464E-A775-0B83FDDACE03}" type="slidenum">
+              <a:rPr lang="en-US" smtClean="0"/>
+              <a:pPr/>
+              <a:t>19</a:t>
+            </a:fld>
+            <a:endParaRPr lang="en-US"/>
+          </a:p>
+        </p:txBody>
+      </p:sp>
+    </p:spTree>
+    <p:extLst>
+      <p:ext uri="{BB962C8B-B14F-4D97-AF65-F5344CB8AC3E}">
+        <p14:creationId xmlns:p14="http://schemas.microsoft.com/office/powerpoint/2010/main" val="2163884692"/>
+      </p:ext>
+    </p:extLst>
+  </p:cSld>
+  <p:clrMapOvr>
+    <a:masterClrMapping/>
+  </p:clrMapOvr>
+  <p:timing>
+    <p:tnLst>
+      <p:par>
+        <p:cTn id="1" dur="indefinite" restart="never" nodeType="tmRoot"/>
+      </p:par>
+    </p:tnLst>
+  </p:timing>
+</p:sld>
+</file>
+
+<file path=ppt/slides/slide21.xml><?xml version="1.0" encoding="utf-8"?>
+<p:sld xmlns:a="http://schemas.openxmlformats.org/drawingml/2006/main" xmlns:r="http://schemas.openxmlformats.org/officeDocument/2006/relationships" xmlns:p="http://schemas.openxmlformats.org/presentationml/2006/main">
+  <p:cSld>
+    <p:spTree>
+      <p:nvGrpSpPr>
+        <p:cNvPr id="1" name=""/>
+        <p:cNvGrpSpPr/>
+        <p:nvPr/>
+      </p:nvGrpSpPr>
+      <p:grpSpPr>
+        <a:xfrm>
+          <a:off x="0" y="0"/>
+          <a:ext cx="0" cy="0"/>
+          <a:chOff x="0" y="0"/>
+          <a:chExt cx="0" cy="0"/>
+        </a:xfrm>
+      </p:grpSpPr>
+      <p:sp>
+        <p:nvSpPr>
+          <p:cNvPr id="2" name="Title 1"/>
+          <p:cNvSpPr>
+            <a:spLocks noGrp="1"/>
+          </p:cNvSpPr>
+          <p:nvPr>
+            <p:ph type="title"/>
+          </p:nvPr>
+        </p:nvSpPr>
+        <p:spPr/>
+        <p:txBody>
+          <a:bodyPr/>
+          <a:lstStyle/>
+          <a:p>
+            <a:endParaRPr lang="en-US"/>
+          </a:p>
+        </p:txBody>
+      </p:sp>
+      <p:pic>
+        <p:nvPicPr>
+          <p:cNvPr id="5" name="Content Placeholder 4"/>
+          <p:cNvPicPr>
+            <a:picLocks noGrp="1" noChangeAspect="1"/>
+          </p:cNvPicPr>
+          <p:nvPr>
+            <p:ph idx="1"/>
+          </p:nvPr>
+        </p:nvPicPr>
+        <p:blipFill rotWithShape="1">
+          <a:blip r:embed="rId2"/>
+          <a:srcRect l="25709" t="10225" r="22370" b="12544"/>
+          <a:stretch/>
+        </p:blipFill>
+        <p:spPr>
+          <a:xfrm>
+            <a:off x="661917" y="884937"/>
+            <a:ext cx="3514298" cy="3568889"/>
+          </a:xfrm>
+          <a:prstGeom prst="rect">
+            <a:avLst/>
+          </a:prstGeom>
+        </p:spPr>
+      </p:pic>
+      <p:sp>
+        <p:nvSpPr>
+          <p:cNvPr id="4" name="Slide Number Placeholder 3"/>
+          <p:cNvSpPr>
+            <a:spLocks noGrp="1"/>
+          </p:cNvSpPr>
+          <p:nvPr>
+            <p:ph type="sldNum" sz="quarter" idx="12"/>
+          </p:nvPr>
+        </p:nvSpPr>
+        <p:spPr/>
+        <p:txBody>
+          <a:bodyPr/>
+          <a:lstStyle/>
+          <a:p>
+            <a:fld id="{106E12CD-FCB1-464E-A775-0B83FDDACE03}" type="slidenum">
+              <a:rPr lang="en-US" smtClean="0"/>
+              <a:pPr/>
+              <a:t>20</a:t>
+            </a:fld>
+            <a:endParaRPr lang="en-US"/>
+          </a:p>
+        </p:txBody>
+      </p:sp>
+    </p:spTree>
+    <p:extLst>
+      <p:ext uri="{BB962C8B-B14F-4D97-AF65-F5344CB8AC3E}">
+        <p14:creationId xmlns:p14="http://schemas.microsoft.com/office/powerpoint/2010/main" val="3425831941"/>
+      </p:ext>
+    </p:extLst>
+  </p:cSld>
+  <p:clrMapOvr>
+    <a:masterClrMapping/>
+  </p:clrMapOvr>
+  <p:timing>
+    <p:tnLst>
+      <p:par>
+        <p:cTn id="1" dur="indefinite" restart="never" nodeType="tmRoot"/>
+      </p:par>
+    </p:tnLst>
+  </p:timing>
+</p:sld>
+</file>
+
+<file path=ppt/slides/slide22.xml><?xml version="1.0" encoding="utf-8"?>
+<p:sld xmlns:a="http://schemas.openxmlformats.org/drawingml/2006/main" xmlns:r="http://schemas.openxmlformats.org/officeDocument/2006/relationships" xmlns:p="http://schemas.openxmlformats.org/presentationml/2006/main">
+  <p:cSld>
+    <p:spTree>
+      <p:nvGrpSpPr>
+        <p:cNvPr id="1" name=""/>
+        <p:cNvGrpSpPr/>
+        <p:nvPr/>
+      </p:nvGrpSpPr>
+      <p:grpSpPr>
+        <a:xfrm>
+          <a:off x="0" y="0"/>
+          <a:ext cx="0" cy="0"/>
+          <a:chOff x="0" y="0"/>
+          <a:chExt cx="0" cy="0"/>
+        </a:xfrm>
+      </p:grpSpPr>
+      <p:sp>
+        <p:nvSpPr>
+          <p:cNvPr id="2" name="Title 1"/>
+          <p:cNvSpPr>
+            <a:spLocks noGrp="1"/>
+          </p:cNvSpPr>
+          <p:nvPr>
+            <p:ph type="title"/>
+          </p:nvPr>
+        </p:nvSpPr>
+        <p:spPr/>
+        <p:txBody>
+          <a:bodyPr/>
+          <a:lstStyle/>
+          <a:p>
             <a:r>
               <a:rPr lang="en-US" dirty="0" smtClean="0"/>
-              <a:t>TF-IDF </a:t>
+              <a:t>Conclusions</a:t>
             </a:r>
+            <a:endParaRPr lang="en-US" dirty="0"/>
+          </a:p>
+        </p:txBody>
+      </p:sp>
+      <p:sp>
+        <p:nvSpPr>
+          <p:cNvPr id="3" name="Content Placeholder 2"/>
+          <p:cNvSpPr>
+            <a:spLocks noGrp="1"/>
+          </p:cNvSpPr>
+          <p:nvPr>
+            <p:ph idx="1"/>
+          </p:nvPr>
+        </p:nvSpPr>
+        <p:spPr/>
+        <p:txBody>
+          <a:bodyPr/>
+          <a:lstStyle/>
+          <a:p>
+            <a:endParaRPr lang="en-US"/>
+          </a:p>
+        </p:txBody>
+      </p:sp>
+      <p:sp>
+        <p:nvSpPr>
+          <p:cNvPr id="4" name="Slide Number Placeholder 3"/>
+          <p:cNvSpPr>
+            <a:spLocks noGrp="1"/>
+          </p:cNvSpPr>
+          <p:nvPr>
+            <p:ph type="sldNum" sz="quarter" idx="12"/>
+          </p:nvPr>
+        </p:nvSpPr>
+        <p:spPr/>
+        <p:txBody>
+          <a:bodyPr/>
+          <a:lstStyle/>
+          <a:p>
+            <a:fld id="{106E12CD-FCB1-464E-A775-0B83FDDACE03}" type="slidenum">
+              <a:rPr lang="en-US" smtClean="0"/>
+              <a:pPr/>
+              <a:t>21</a:t>
+            </a:fld>
+            <a:endParaRPr lang="en-US"/>
+          </a:p>
+        </p:txBody>
+      </p:sp>
+    </p:spTree>
+    <p:extLst>
+      <p:ext uri="{BB962C8B-B14F-4D97-AF65-F5344CB8AC3E}">
+        <p14:creationId xmlns:p14="http://schemas.microsoft.com/office/powerpoint/2010/main" val="264977977"/>
+      </p:ext>
+    </p:extLst>
+  </p:cSld>
+  <p:clrMapOvr>
+    <a:masterClrMapping/>
+  </p:clrMapOvr>
+  <p:timing>
+    <p:tnLst>
+      <p:par>
+        <p:cTn id="1" dur="indefinite" restart="never" nodeType="tmRoot"/>
+      </p:par>
+    </p:tnLst>
+  </p:timing>
+</p:sld>
+</file>
+
+<file path=ppt/slides/slide23.xml><?xml version="1.0" encoding="utf-8"?>
+<p:sld xmlns:a="http://schemas.openxmlformats.org/drawingml/2006/main" xmlns:r="http://schemas.openxmlformats.org/officeDocument/2006/relationships" xmlns:p="http://schemas.openxmlformats.org/presentationml/2006/main">
+  <p:cSld>
+    <p:spTree>
+      <p:nvGrpSpPr>
+        <p:cNvPr id="1" name=""/>
+        <p:cNvGrpSpPr/>
+        <p:nvPr/>
+      </p:nvGrpSpPr>
+      <p:grpSpPr>
+        <a:xfrm>
+          <a:off x="0" y="0"/>
+          <a:ext cx="0" cy="0"/>
+          <a:chOff x="0" y="0"/>
+          <a:chExt cx="0" cy="0"/>
+        </a:xfrm>
+      </p:grpSpPr>
+      <p:sp>
+        <p:nvSpPr>
+          <p:cNvPr id="2" name="Title 1"/>
+          <p:cNvSpPr>
+            <a:spLocks noGrp="1"/>
+          </p:cNvSpPr>
+          <p:nvPr>
+            <p:ph type="title"/>
+          </p:nvPr>
+        </p:nvSpPr>
+        <p:spPr/>
+        <p:txBody>
+          <a:bodyPr/>
+          <a:lstStyle/>
+          <a:p>
+            <a:r>
+              <a:rPr lang="en-US" dirty="0"/>
+              <a:t>Lessons Learnt</a:t>
+            </a:r>
+          </a:p>
+        </p:txBody>
+      </p:sp>
+      <p:sp>
+        <p:nvSpPr>
+          <p:cNvPr id="3" name="Content Placeholder 2"/>
+          <p:cNvSpPr>
+            <a:spLocks noGrp="1"/>
+          </p:cNvSpPr>
+          <p:nvPr>
+            <p:ph idx="1"/>
+          </p:nvPr>
+        </p:nvSpPr>
+        <p:spPr/>
+        <p:txBody>
+          <a:bodyPr/>
+          <a:lstStyle/>
+          <a:p>
+            <a:endParaRPr lang="en-US"/>
+          </a:p>
+        </p:txBody>
+      </p:sp>
+      <p:sp>
+        <p:nvSpPr>
+          <p:cNvPr id="4" name="Slide Number Placeholder 3"/>
+          <p:cNvSpPr>
+            <a:spLocks noGrp="1"/>
+          </p:cNvSpPr>
+          <p:nvPr>
+            <p:ph type="sldNum" sz="quarter" idx="12"/>
+          </p:nvPr>
+        </p:nvSpPr>
+        <p:spPr/>
+        <p:txBody>
+          <a:bodyPr/>
+          <a:lstStyle/>
+          <a:p>
+            <a:fld id="{106E12CD-FCB1-464E-A775-0B83FDDACE03}" type="slidenum">
+              <a:rPr lang="en-US" smtClean="0"/>
+              <a:pPr/>
+              <a:t>22</a:t>
+            </a:fld>
+            <a:endParaRPr lang="en-US"/>
+          </a:p>
+        </p:txBody>
+      </p:sp>
+    </p:spTree>
+    <p:extLst>
+      <p:ext uri="{BB962C8B-B14F-4D97-AF65-F5344CB8AC3E}">
+        <p14:creationId xmlns:p14="http://schemas.microsoft.com/office/powerpoint/2010/main" val="2341557859"/>
+      </p:ext>
+    </p:extLst>
+  </p:cSld>
+  <p:clrMapOvr>
+    <a:masterClrMapping/>
+  </p:clrMapOvr>
+  <p:timing>
+    <p:tnLst>
+      <p:par>
+        <p:cTn id="1" dur="indefinite" restart="never" nodeType="tmRoot"/>
+      </p:par>
+    </p:tnLst>
+  </p:timing>
+</p:sld>
+</file>
+
+<file path=ppt/slides/slide24.xml><?xml version="1.0" encoding="utf-8"?>
+<p:sld xmlns:a="http://schemas.openxmlformats.org/drawingml/2006/main" xmlns:r="http://schemas.openxmlformats.org/officeDocument/2006/relationships" xmlns:p="http://schemas.openxmlformats.org/presentationml/2006/main">
+  <p:cSld>
+    <p:spTree>
+      <p:nvGrpSpPr>
+        <p:cNvPr id="1" name=""/>
+        <p:cNvGrpSpPr/>
+        <p:nvPr/>
+      </p:nvGrpSpPr>
+      <p:grpSpPr>
+        <a:xfrm>
+          <a:off x="0" y="0"/>
+          <a:ext cx="0" cy="0"/>
+          <a:chOff x="0" y="0"/>
+          <a:chExt cx="0" cy="0"/>
+        </a:xfrm>
+      </p:grpSpPr>
+      <p:sp>
+        <p:nvSpPr>
+          <p:cNvPr id="2" name="Title 1"/>
+          <p:cNvSpPr>
+            <a:spLocks noGrp="1"/>
+          </p:cNvSpPr>
+          <p:nvPr>
+            <p:ph type="title"/>
+          </p:nvPr>
+        </p:nvSpPr>
+        <p:spPr/>
+        <p:txBody>
+          <a:bodyPr/>
+          <a:lstStyle/>
+          <a:p>
             <a:r>
               <a:rPr lang="en-US" dirty="0" smtClean="0"/>
-              <a:t>Based Analysis</a:t>
+              <a:t>References</a:t>
+            </a:r>
+            <a:endParaRPr lang="en-US" dirty="0"/>
+          </a:p>
+        </p:txBody>
+      </p:sp>
+      <p:sp>
+        <p:nvSpPr>
+          <p:cNvPr id="3" name="Content Placeholder 2"/>
+          <p:cNvSpPr>
+            <a:spLocks noGrp="1"/>
+          </p:cNvSpPr>
+          <p:nvPr>
+            <p:ph idx="1"/>
+          </p:nvPr>
+        </p:nvSpPr>
+        <p:spPr/>
+        <p:txBody>
+          <a:bodyPr/>
+          <a:lstStyle/>
+          <a:p>
+            <a:endParaRPr lang="en-US"/>
+          </a:p>
+        </p:txBody>
+      </p:sp>
+      <p:sp>
+        <p:nvSpPr>
+          <p:cNvPr id="4" name="Slide Number Placeholder 3"/>
+          <p:cNvSpPr>
+            <a:spLocks noGrp="1"/>
+          </p:cNvSpPr>
+          <p:nvPr>
+            <p:ph type="sldNum" sz="quarter" idx="12"/>
+          </p:nvPr>
+        </p:nvSpPr>
+        <p:spPr/>
+        <p:txBody>
+          <a:bodyPr/>
+          <a:lstStyle/>
+          <a:p>
+            <a:fld id="{106E12CD-FCB1-464E-A775-0B83FDDACE03}" type="slidenum">
+              <a:rPr lang="en-US" smtClean="0"/>
+              <a:pPr/>
+              <a:t>23</a:t>
+            </a:fld>
+            <a:endParaRPr lang="en-US"/>
+          </a:p>
+        </p:txBody>
+      </p:sp>
+    </p:spTree>
+    <p:extLst>
+      <p:ext uri="{BB962C8B-B14F-4D97-AF65-F5344CB8AC3E}">
+        <p14:creationId xmlns:p14="http://schemas.microsoft.com/office/powerpoint/2010/main" val="646980716"/>
+      </p:ext>
+    </p:extLst>
+  </p:cSld>
+  <p:clrMapOvr>
+    <a:masterClrMapping/>
+  </p:clrMapOvr>
+  <p:timing>
+    <p:tnLst>
+      <p:par>
+        <p:cTn id="1" dur="indefinite" restart="never" nodeType="tmRoot"/>
+      </p:par>
+    </p:tnLst>
+  </p:timing>
+</p:sld>
+</file>
+
+<file path=ppt/slides/slide25.xml><?xml version="1.0" encoding="utf-8"?>
+<p:sld xmlns:a="http://schemas.openxmlformats.org/drawingml/2006/main" xmlns:r="http://schemas.openxmlformats.org/officeDocument/2006/relationships" xmlns:p="http://schemas.openxmlformats.org/presentationml/2006/main">
+  <p:cSld>
+    <p:spTree>
+      <p:nvGrpSpPr>
+        <p:cNvPr id="1" name=""/>
+        <p:cNvGrpSpPr/>
+        <p:nvPr/>
+      </p:nvGrpSpPr>
+      <p:grpSpPr>
+        <a:xfrm>
+          <a:off x="0" y="0"/>
+          <a:ext cx="0" cy="0"/>
+          <a:chOff x="0" y="0"/>
+          <a:chExt cx="0" cy="0"/>
+        </a:xfrm>
+      </p:grpSpPr>
+      <p:sp>
+        <p:nvSpPr>
+          <p:cNvPr id="5" name="Title 4"/>
+          <p:cNvSpPr>
+            <a:spLocks noGrp="1"/>
+          </p:cNvSpPr>
+          <p:nvPr>
+            <p:ph type="title"/>
+          </p:nvPr>
+        </p:nvSpPr>
+        <p:spPr/>
+        <p:txBody>
+          <a:bodyPr/>
+          <a:lstStyle/>
+          <a:p>
+            <a:r>
+              <a:rPr lang="en-US" dirty="0" smtClean="0"/>
+              <a:t>Appendix</a:t>
+            </a:r>
+            <a:endParaRPr lang="en-US" dirty="0"/>
+          </a:p>
+        </p:txBody>
+      </p:sp>
+      <p:sp>
+        <p:nvSpPr>
+          <p:cNvPr id="4" name="Slide Number Placeholder 3"/>
+          <p:cNvSpPr>
+            <a:spLocks noGrp="1"/>
+          </p:cNvSpPr>
+          <p:nvPr>
+            <p:ph type="sldNum" sz="quarter" idx="4294967295"/>
+          </p:nvPr>
+        </p:nvSpPr>
+        <p:spPr>
+          <a:xfrm>
+            <a:off x="7010400" y="4767263"/>
+            <a:ext cx="2133600" cy="274637"/>
+          </a:xfrm>
+        </p:spPr>
+        <p:txBody>
+          <a:bodyPr/>
+          <a:lstStyle/>
+          <a:p>
+            <a:fld id="{106E12CD-FCB1-464E-A775-0B83FDDACE03}" type="slidenum">
+              <a:rPr lang="en-US" smtClean="0"/>
+              <a:pPr/>
+              <a:t>24</a:t>
+            </a:fld>
+            <a:endParaRPr lang="en-US"/>
+          </a:p>
+        </p:txBody>
+      </p:sp>
+    </p:spTree>
+    <p:extLst>
+      <p:ext uri="{BB962C8B-B14F-4D97-AF65-F5344CB8AC3E}">
+        <p14:creationId xmlns:p14="http://schemas.microsoft.com/office/powerpoint/2010/main" val="434961327"/>
+      </p:ext>
+    </p:extLst>
+  </p:cSld>
+  <p:clrMapOvr>
+    <a:masterClrMapping/>
+  </p:clrMapOvr>
+  <p:timing>
+    <p:tnLst>
+      <p:par>
+        <p:cTn id="1" dur="indefinite" restart="never" nodeType="tmRoot"/>
+      </p:par>
+    </p:tnLst>
+  </p:timing>
+</p:sld>
+</file>
+
+<file path=ppt/slides/slide26.xml><?xml version="1.0" encoding="utf-8"?>
+<p:sld xmlns:a="http://schemas.openxmlformats.org/drawingml/2006/main" xmlns:r="http://schemas.openxmlformats.org/officeDocument/2006/relationships" xmlns:p="http://schemas.openxmlformats.org/presentationml/2006/main">
+  <p:cSld>
+    <p:spTree>
+      <p:nvGrpSpPr>
+        <p:cNvPr id="1" name=""/>
+        <p:cNvGrpSpPr/>
+        <p:nvPr/>
+      </p:nvGrpSpPr>
+      <p:grpSpPr>
+        <a:xfrm>
+          <a:off x="0" y="0"/>
+          <a:ext cx="0" cy="0"/>
+          <a:chOff x="0" y="0"/>
+          <a:chExt cx="0" cy="0"/>
+        </a:xfrm>
+      </p:grpSpPr>
+      <p:sp>
+        <p:nvSpPr>
+          <p:cNvPr id="2" name="Title 1"/>
+          <p:cNvSpPr>
+            <a:spLocks noGrp="1"/>
+          </p:cNvSpPr>
+          <p:nvPr>
+            <p:ph type="title"/>
+          </p:nvPr>
+        </p:nvSpPr>
+        <p:spPr/>
+        <p:txBody>
+          <a:bodyPr/>
+          <a:lstStyle/>
+          <a:p>
+            <a:r>
+              <a:rPr lang="en-US" dirty="0" smtClean="0"/>
+              <a:t>TF-IDF Based Analysis</a:t>
             </a:r>
             <a:endParaRPr lang="en-US" dirty="0"/>
           </a:p>
@@ -19484,7 +23075,7 @@
             <a:fld id="{106E12CD-FCB1-464E-A775-0B83FDDACE03}" type="slidenum">
               <a:rPr lang="en-US" smtClean="0"/>
               <a:pPr/>
-              <a:t>19</a:t>
+              <a:t>25</a:t>
             </a:fld>
             <a:endParaRPr lang="en-US"/>
           </a:p>
@@ -20673,7 +24264,12 @@
             <p:ph idx="1"/>
           </p:nvPr>
         </p:nvSpPr>
-        <p:spPr/>
+        <p:spPr>
+          <a:xfrm>
+            <a:off x="457200" y="826587"/>
+            <a:ext cx="8229600" cy="1295400"/>
+          </a:xfrm>
+        </p:spPr>
         <p:txBody>
           <a:bodyPr>
             <a:normAutofit/>
@@ -20865,11 +24461,7 @@
           <a:p>
             <a:r>
               <a:rPr lang="en-US" dirty="0" smtClean="0"/>
-              <a:t>Exploratory Data </a:t>
-            </a:r>
-            <a:r>
-              <a:rPr lang="en-US" dirty="0" smtClean="0"/>
-              <a:t>Analysis</a:t>
+              <a:t>Exploratory Data Analysis</a:t>
             </a:r>
             <a:endParaRPr lang="en-US" dirty="0"/>
           </a:p>
@@ -20911,7 +24503,7 @@
         </p:nvSpPr>
         <p:spPr bwMode="auto">
           <a:xfrm>
-            <a:off x="213814" y="1959276"/>
+            <a:off x="213814" y="2098976"/>
             <a:ext cx="3955576" cy="1777410"/>
           </a:xfrm>
           <a:prstGeom prst="rect">
@@ -20975,7 +24567,7 @@
                 <a:effectLst/>
                 <a:latin typeface="Inconsolata" panose="00000509000000000000" pitchFamily="49" charset="0"/>
               </a:rPr>
-              <a:t>"ON </a:t>
+              <a:t>“ON </a:t>
             </a:r>
             <a:r>
               <a:rPr kumimoji="0" lang="en-US" altLang="en-US" sz="1050" b="0" i="0" u="none" strike="noStrike" cap="none" normalizeH="0" baseline="0" dirty="0" err="1" smtClean="0">
@@ -21305,7 +24897,20 @@
                 <a:effectLst/>
                 <a:latin typeface="Inconsolata" panose="00000509000000000000" pitchFamily="49" charset="0"/>
               </a:rPr>
-              <a:t> south HAVE TOLD ME THIS ALSO.WE NOW MORE THAN EVER FORCE OURSELVES TO BE mind OF THE TASK AT HAND."</a:t>
+              <a:t> south HAVE TOLD ME THIS ALSO.WE NOW MORE THAN EVER FORCE OURSELVES TO BE mind OF THE TASK AT HAND</a:t>
+            </a:r>
+            <a:r>
+              <a:rPr kumimoji="0" lang="en-US" altLang="en-US" sz="1050" b="0" i="0" u="none" strike="noStrike" cap="none" normalizeH="0" baseline="0" dirty="0" smtClean="0">
+                <a:ln>
+                  <a:noFill/>
+                </a:ln>
+                <a:solidFill>
+                  <a:srgbClr val="FFFFFF"/>
+                </a:solidFill>
+                <a:effectLst/>
+                <a:latin typeface="Inconsolata" panose="00000509000000000000" pitchFamily="49" charset="0"/>
+              </a:rPr>
+              <a:t>.”</a:t>
             </a:r>
             <a:endParaRPr kumimoji="0" lang="en-US" altLang="en-US" b="0" i="0" u="none" strike="noStrike" cap="none" normalizeH="0" baseline="0" dirty="0" smtClean="0">
               <a:ln>
@@ -21725,7 +25330,7 @@
         </p:nvSpPr>
         <p:spPr bwMode="auto">
           <a:xfrm>
-            <a:off x="213814" y="1132308"/>
+            <a:off x="213814" y="1132310"/>
             <a:ext cx="3955576" cy="769441"/>
           </a:xfrm>
           <a:prstGeom prst="rect">
@@ -21796,7 +25401,7 @@
                 <a:effectLst/>
                 <a:latin typeface="Inconsolata" panose="00000509000000000000" pitchFamily="49" charset="0"/>
               </a:rPr>
-              <a:t>pass </a:t>
+              <a:t>“pass </a:t>
             </a:r>
             <a:r>
               <a:rPr kumimoji="0" lang="en-US" altLang="en-US" sz="1000" b="0" i="0" u="none" strike="noStrike" cap="none" normalizeH="0" baseline="0" dirty="0" err="1" smtClean="0">
@@ -22069,7 +25674,20 @@
                 <a:effectLst/>
                 <a:latin typeface="Inconsolata" panose="00000509000000000000" pitchFamily="49" charset="0"/>
               </a:rPr>
-              <a:t>HAD fail</a:t>
+              <a:t>HAD </a:t>
+            </a:r>
+            <a:r>
+              <a:rPr kumimoji="0" lang="en-US" altLang="en-US" sz="1000" b="0" i="0" u="none" strike="noStrike" cap="none" normalizeH="0" baseline="0" dirty="0" smtClean="0">
+                <a:ln>
+                  <a:noFill/>
+                </a:ln>
+                <a:solidFill>
+                  <a:srgbClr val="FFFFFF"/>
+                </a:solidFill>
+                <a:effectLst/>
+                <a:latin typeface="Inconsolata" panose="00000509000000000000" pitchFamily="49" charset="0"/>
+              </a:rPr>
+              <a:t>fail”</a:t>
             </a:r>
             <a:endParaRPr kumimoji="0" lang="en-US" altLang="en-US" b="0" i="0" u="none" strike="noStrike" cap="none" normalizeH="0" baseline="0" dirty="0" smtClean="0">
               <a:ln>
@@ -22606,11 +26224,7 @@
           <a:p>
             <a:r>
               <a:rPr lang="en-US" dirty="0" smtClean="0"/>
-              <a:t>Exploratory Data </a:t>
-            </a:r>
-            <a:r>
-              <a:rPr lang="en-US" dirty="0" smtClean="0"/>
-              <a:t>Analysis</a:t>
+              <a:t>Word Cloud</a:t>
             </a:r>
             <a:endParaRPr lang="en-US" dirty="0"/>
           </a:p>
@@ -23206,7 +26820,7 @@
           <p:nvPr>
             <p:extLst>
               <p:ext uri="{D42A27DB-BD31-4B8C-83A1-F6EECF244321}">
-                <p14:modId xmlns:p14="http://schemas.microsoft.com/office/powerpoint/2010/main" val="2126010748"/>
+                <p14:modId xmlns:p14="http://schemas.microsoft.com/office/powerpoint/2010/main" val="2794221284"/>
               </p:ext>
             </p:extLst>
           </p:nvPr>

--- a/reports/Final Report.pptx
+++ b/reports/Final Report.pptx
@@ -5,10 +5,10 @@
     <p:sldMasterId id="2147483648" r:id="rId1"/>
   </p:sldMasterIdLst>
   <p:notesMasterIdLst>
-    <p:notesMasterId r:id="rId28"/>
+    <p:notesMasterId r:id="rId27"/>
   </p:notesMasterIdLst>
   <p:handoutMasterIdLst>
-    <p:handoutMasterId r:id="rId29"/>
+    <p:handoutMasterId r:id="rId28"/>
   </p:handoutMasterIdLst>
   <p:sldIdLst>
     <p:sldId id="256" r:id="rId2"/>
@@ -25,18 +25,17 @@
     <p:sldId id="270" r:id="rId13"/>
     <p:sldId id="277" r:id="rId14"/>
     <p:sldId id="274" r:id="rId15"/>
-    <p:sldId id="273" r:id="rId16"/>
-    <p:sldId id="281" r:id="rId17"/>
-    <p:sldId id="280" r:id="rId18"/>
-    <p:sldId id="285" r:id="rId19"/>
-    <p:sldId id="282" r:id="rId20"/>
-    <p:sldId id="283" r:id="rId21"/>
-    <p:sldId id="284" r:id="rId22"/>
-    <p:sldId id="275" r:id="rId23"/>
-    <p:sldId id="272" r:id="rId24"/>
-    <p:sldId id="271" r:id="rId25"/>
-    <p:sldId id="279" r:id="rId26"/>
-    <p:sldId id="278" r:id="rId27"/>
+    <p:sldId id="281" r:id="rId16"/>
+    <p:sldId id="280" r:id="rId17"/>
+    <p:sldId id="282" r:id="rId18"/>
+    <p:sldId id="283" r:id="rId19"/>
+    <p:sldId id="284" r:id="rId20"/>
+    <p:sldId id="287" r:id="rId21"/>
+    <p:sldId id="288" r:id="rId22"/>
+    <p:sldId id="272" r:id="rId23"/>
+    <p:sldId id="271" r:id="rId24"/>
+    <p:sldId id="279" r:id="rId25"/>
+    <p:sldId id="278" r:id="rId26"/>
   </p:sldIdLst>
   <p:sldSz cx="9144000" cy="5143500" type="screen16x9"/>
   <p:notesSz cx="6858000" cy="9144000"/>
@@ -2410,20 +2409,20 @@
       </dgm:t>
     </dgm:pt>
     <dgm:pt modelId="{22E8F6BB-144B-4941-B077-E7CDE6FF6464}">
-      <dgm:prSet phldrT="[Text]"/>
+      <dgm:prSet phldrT="[Text]" custT="1"/>
       <dgm:spPr/>
       <dgm:t>
         <a:bodyPr/>
         <a:lstStyle/>
         <a:p>
           <a:r>
-            <a:rPr lang="en-US" dirty="0" smtClean="0">
+            <a:rPr lang="en-US" sz="1050" dirty="0" smtClean="0">
               <a:latin typeface="Arial" panose="020B0604020202020204" pitchFamily="34" charset="0"/>
               <a:cs typeface="Arial" panose="020B0604020202020204" pitchFamily="34" charset="0"/>
             </a:rPr>
             <a:t>Explore the data</a:t>
           </a:r>
-          <a:endParaRPr lang="en-US" dirty="0">
+          <a:endParaRPr lang="en-US" sz="1050" dirty="0">
             <a:latin typeface="Arial" panose="020B0604020202020204" pitchFamily="34" charset="0"/>
             <a:cs typeface="Arial" panose="020B0604020202020204" pitchFamily="34" charset="0"/>
           </a:endParaRPr>
@@ -2437,7 +2436,7 @@
         <a:bodyPr/>
         <a:lstStyle/>
         <a:p>
-          <a:endParaRPr lang="en-US">
+          <a:endParaRPr lang="en-US" sz="2000">
             <a:latin typeface="Arial" panose="020B0604020202020204" pitchFamily="34" charset="0"/>
             <a:cs typeface="Arial" panose="020B0604020202020204" pitchFamily="34" charset="0"/>
           </a:endParaRPr>
@@ -2445,13 +2444,13 @@
       </dgm:t>
     </dgm:pt>
     <dgm:pt modelId="{BDC81F41-24C0-4458-B822-7358138E85FF}" type="sibTrans" cxnId="{E26B39FE-8EA1-460A-AA06-40140FE500F7}">
-      <dgm:prSet/>
+      <dgm:prSet custT="1"/>
       <dgm:spPr/>
       <dgm:t>
         <a:bodyPr/>
         <a:lstStyle/>
         <a:p>
-          <a:endParaRPr lang="en-US">
+          <a:endParaRPr lang="en-US" sz="600">
             <a:latin typeface="Arial" panose="020B0604020202020204" pitchFamily="34" charset="0"/>
             <a:cs typeface="Arial" panose="020B0604020202020204" pitchFamily="34" charset="0"/>
           </a:endParaRPr>
@@ -2459,20 +2458,20 @@
       </dgm:t>
     </dgm:pt>
     <dgm:pt modelId="{15ADAD29-4A9D-46C0-8E85-AC4E3F714AAD}">
-      <dgm:prSet phldrT="[Text]"/>
+      <dgm:prSet phldrT="[Text]" custT="1"/>
       <dgm:spPr/>
       <dgm:t>
         <a:bodyPr/>
         <a:lstStyle/>
         <a:p>
           <a:r>
-            <a:rPr lang="en-US" dirty="0" smtClean="0">
+            <a:rPr lang="en-US" sz="1050" dirty="0" smtClean="0">
               <a:latin typeface="Arial" panose="020B0604020202020204" pitchFamily="34" charset="0"/>
               <a:cs typeface="Arial" panose="020B0604020202020204" pitchFamily="34" charset="0"/>
             </a:rPr>
             <a:t>How can I use the labels / categories?</a:t>
           </a:r>
-          <a:endParaRPr lang="en-US" dirty="0">
+          <a:endParaRPr lang="en-US" sz="1050" dirty="0">
             <a:latin typeface="Arial" panose="020B0604020202020204" pitchFamily="34" charset="0"/>
             <a:cs typeface="Arial" panose="020B0604020202020204" pitchFamily="34" charset="0"/>
           </a:endParaRPr>
@@ -2486,7 +2485,7 @@
         <a:bodyPr/>
         <a:lstStyle/>
         <a:p>
-          <a:endParaRPr lang="en-US">
+          <a:endParaRPr lang="en-US" sz="2000">
             <a:latin typeface="Arial" panose="020B0604020202020204" pitchFamily="34" charset="0"/>
             <a:cs typeface="Arial" panose="020B0604020202020204" pitchFamily="34" charset="0"/>
           </a:endParaRPr>
@@ -2494,13 +2493,13 @@
       </dgm:t>
     </dgm:pt>
     <dgm:pt modelId="{50D335BA-DFBD-4036-A60F-F70DD581F1E2}" type="sibTrans" cxnId="{70D6A666-40F8-473A-9143-179B956ECD90}">
-      <dgm:prSet/>
+      <dgm:prSet custT="1"/>
       <dgm:spPr/>
       <dgm:t>
         <a:bodyPr/>
         <a:lstStyle/>
         <a:p>
-          <a:endParaRPr lang="en-US">
+          <a:endParaRPr lang="en-US" sz="600">
             <a:latin typeface="Arial" panose="020B0604020202020204" pitchFamily="34" charset="0"/>
             <a:cs typeface="Arial" panose="020B0604020202020204" pitchFamily="34" charset="0"/>
           </a:endParaRPr>
@@ -2508,20 +2507,20 @@
       </dgm:t>
     </dgm:pt>
     <dgm:pt modelId="{AF87DD75-50E1-49AA-9FEB-EF284F4F2DB4}">
-      <dgm:prSet phldrT="[Text]"/>
+      <dgm:prSet phldrT="[Text]" custT="1"/>
       <dgm:spPr/>
       <dgm:t>
         <a:bodyPr/>
         <a:lstStyle/>
         <a:p>
           <a:r>
-            <a:rPr lang="en-US" dirty="0" smtClean="0">
+            <a:rPr lang="en-US" sz="1050" dirty="0" smtClean="0">
               <a:latin typeface="Arial" panose="020B0604020202020204" pitchFamily="34" charset="0"/>
               <a:cs typeface="Arial" panose="020B0604020202020204" pitchFamily="34" charset="0"/>
             </a:rPr>
             <a:t>Text Preparation</a:t>
           </a:r>
-          <a:endParaRPr lang="en-US" dirty="0">
+          <a:endParaRPr lang="en-US" sz="1050" dirty="0">
             <a:latin typeface="Arial" panose="020B0604020202020204" pitchFamily="34" charset="0"/>
             <a:cs typeface="Arial" panose="020B0604020202020204" pitchFamily="34" charset="0"/>
           </a:endParaRPr>
@@ -2535,7 +2534,7 @@
         <a:bodyPr/>
         <a:lstStyle/>
         <a:p>
-          <a:endParaRPr lang="en-US">
+          <a:endParaRPr lang="en-US" sz="2000">
             <a:latin typeface="Arial" panose="020B0604020202020204" pitchFamily="34" charset="0"/>
             <a:cs typeface="Arial" panose="020B0604020202020204" pitchFamily="34" charset="0"/>
           </a:endParaRPr>
@@ -2543,13 +2542,13 @@
       </dgm:t>
     </dgm:pt>
     <dgm:pt modelId="{C407505E-FADC-4100-969A-73EB90A2440B}" type="sibTrans" cxnId="{FAB95085-B9CF-4E31-A6C9-8B9FFCF252BB}">
-      <dgm:prSet/>
+      <dgm:prSet custT="1"/>
       <dgm:spPr/>
       <dgm:t>
         <a:bodyPr/>
         <a:lstStyle/>
         <a:p>
-          <a:endParaRPr lang="en-US">
+          <a:endParaRPr lang="en-US" sz="600">
             <a:latin typeface="Arial" panose="020B0604020202020204" pitchFamily="34" charset="0"/>
             <a:cs typeface="Arial" panose="020B0604020202020204" pitchFamily="34" charset="0"/>
           </a:endParaRPr>
@@ -2557,20 +2556,20 @@
       </dgm:t>
     </dgm:pt>
     <dgm:pt modelId="{2557F4C5-95C3-4F01-A6C7-ED37A1E3D20B}">
-      <dgm:prSet phldrT="[Text]"/>
+      <dgm:prSet phldrT="[Text]" custT="1"/>
       <dgm:spPr/>
       <dgm:t>
         <a:bodyPr/>
         <a:lstStyle/>
         <a:p>
           <a:r>
-            <a:rPr lang="en-US" dirty="0" smtClean="0">
+            <a:rPr lang="en-US" sz="900" dirty="0" smtClean="0">
               <a:latin typeface="Arial" panose="020B0604020202020204" pitchFamily="34" charset="0"/>
               <a:cs typeface="Arial" panose="020B0604020202020204" pitchFamily="34" charset="0"/>
             </a:rPr>
             <a:t>Text Corpus (Xs)</a:t>
           </a:r>
-          <a:endParaRPr lang="en-US" dirty="0">
+          <a:endParaRPr lang="en-US" sz="900" dirty="0">
             <a:latin typeface="Arial" panose="020B0604020202020204" pitchFamily="34" charset="0"/>
             <a:cs typeface="Arial" panose="020B0604020202020204" pitchFamily="34" charset="0"/>
           </a:endParaRPr>
@@ -2584,7 +2583,7 @@
         <a:bodyPr/>
         <a:lstStyle/>
         <a:p>
-          <a:endParaRPr lang="en-US">
+          <a:endParaRPr lang="en-US" sz="2000">
             <a:latin typeface="Arial" panose="020B0604020202020204" pitchFamily="34" charset="0"/>
             <a:cs typeface="Arial" panose="020B0604020202020204" pitchFamily="34" charset="0"/>
           </a:endParaRPr>
@@ -2598,7 +2597,7 @@
         <a:bodyPr/>
         <a:lstStyle/>
         <a:p>
-          <a:endParaRPr lang="en-US">
+          <a:endParaRPr lang="en-US" sz="2000">
             <a:latin typeface="Arial" panose="020B0604020202020204" pitchFamily="34" charset="0"/>
             <a:cs typeface="Arial" panose="020B0604020202020204" pitchFamily="34" charset="0"/>
           </a:endParaRPr>
@@ -2606,20 +2605,20 @@
       </dgm:t>
     </dgm:pt>
     <dgm:pt modelId="{FB7034A0-97F7-4342-920F-FFFAAA040F3E}">
-      <dgm:prSet phldrT="[Text]"/>
+      <dgm:prSet phldrT="[Text]" custT="1"/>
       <dgm:spPr/>
       <dgm:t>
         <a:bodyPr/>
         <a:lstStyle/>
         <a:p>
           <a:r>
-            <a:rPr lang="en-US" dirty="0" smtClean="0">
+            <a:rPr lang="en-US" sz="900" dirty="0" smtClean="0">
               <a:latin typeface="Arial" panose="020B0604020202020204" pitchFamily="34" charset="0"/>
               <a:cs typeface="Arial" panose="020B0604020202020204" pitchFamily="34" charset="0"/>
             </a:rPr>
             <a:t>Labels (Y)</a:t>
           </a:r>
-          <a:endParaRPr lang="en-US" dirty="0">
+          <a:endParaRPr lang="en-US" sz="900" dirty="0">
             <a:latin typeface="Arial" panose="020B0604020202020204" pitchFamily="34" charset="0"/>
             <a:cs typeface="Arial" panose="020B0604020202020204" pitchFamily="34" charset="0"/>
           </a:endParaRPr>
@@ -2633,7 +2632,7 @@
         <a:bodyPr/>
         <a:lstStyle/>
         <a:p>
-          <a:endParaRPr lang="en-US">
+          <a:endParaRPr lang="en-US" sz="2000">
             <a:latin typeface="Arial" panose="020B0604020202020204" pitchFamily="34" charset="0"/>
             <a:cs typeface="Arial" panose="020B0604020202020204" pitchFamily="34" charset="0"/>
           </a:endParaRPr>
@@ -2647,7 +2646,7 @@
         <a:bodyPr/>
         <a:lstStyle/>
         <a:p>
-          <a:endParaRPr lang="en-US">
+          <a:endParaRPr lang="en-US" sz="2000">
             <a:latin typeface="Arial" panose="020B0604020202020204" pitchFamily="34" charset="0"/>
             <a:cs typeface="Arial" panose="020B0604020202020204" pitchFamily="34" charset="0"/>
           </a:endParaRPr>
@@ -2655,20 +2654,20 @@
       </dgm:t>
     </dgm:pt>
     <dgm:pt modelId="{B9F1DB32-D532-43F5-BF45-EF9A9FC70F93}">
-      <dgm:prSet phldrT="[Text]"/>
+      <dgm:prSet phldrT="[Text]" custT="1"/>
       <dgm:spPr/>
       <dgm:t>
         <a:bodyPr/>
         <a:lstStyle/>
         <a:p>
           <a:r>
-            <a:rPr lang="en-US" dirty="0" smtClean="0">
+            <a:rPr lang="en-US" sz="900" dirty="0" smtClean="0">
               <a:latin typeface="Arial" panose="020B0604020202020204" pitchFamily="34" charset="0"/>
               <a:cs typeface="Arial" panose="020B0604020202020204" pitchFamily="34" charset="0"/>
             </a:rPr>
             <a:t>Eliminate non-unique categories</a:t>
           </a:r>
-          <a:endParaRPr lang="en-US" dirty="0">
+          <a:endParaRPr lang="en-US" sz="900" dirty="0">
             <a:latin typeface="Arial" panose="020B0604020202020204" pitchFamily="34" charset="0"/>
             <a:cs typeface="Arial" panose="020B0604020202020204" pitchFamily="34" charset="0"/>
           </a:endParaRPr>
@@ -2682,7 +2681,7 @@
         <a:bodyPr/>
         <a:lstStyle/>
         <a:p>
-          <a:endParaRPr lang="en-US">
+          <a:endParaRPr lang="en-US" sz="2000">
             <a:latin typeface="Arial" panose="020B0604020202020204" pitchFamily="34" charset="0"/>
             <a:cs typeface="Arial" panose="020B0604020202020204" pitchFamily="34" charset="0"/>
           </a:endParaRPr>
@@ -2696,7 +2695,7 @@
         <a:bodyPr/>
         <a:lstStyle/>
         <a:p>
-          <a:endParaRPr lang="en-US">
+          <a:endParaRPr lang="en-US" sz="2000">
             <a:latin typeface="Arial" panose="020B0604020202020204" pitchFamily="34" charset="0"/>
             <a:cs typeface="Arial" panose="020B0604020202020204" pitchFamily="34" charset="0"/>
           </a:endParaRPr>
@@ -2704,20 +2703,20 @@
       </dgm:t>
     </dgm:pt>
     <dgm:pt modelId="{A9E50E66-AB27-4BEE-9FB6-02E65A13104B}">
-      <dgm:prSet phldrT="[Text]"/>
+      <dgm:prSet phldrT="[Text]" custT="1"/>
       <dgm:spPr/>
       <dgm:t>
         <a:bodyPr/>
         <a:lstStyle/>
         <a:p>
           <a:r>
-            <a:rPr lang="en-US" dirty="0" smtClean="0">
+            <a:rPr lang="en-US" sz="900" dirty="0" smtClean="0">
               <a:latin typeface="Arial" panose="020B0604020202020204" pitchFamily="34" charset="0"/>
               <a:cs typeface="Arial" panose="020B0604020202020204" pitchFamily="34" charset="0"/>
             </a:rPr>
             <a:t>Remove airport IATA codes</a:t>
           </a:r>
-          <a:endParaRPr lang="en-US" dirty="0">
+          <a:endParaRPr lang="en-US" sz="900" dirty="0">
             <a:latin typeface="Arial" panose="020B0604020202020204" pitchFamily="34" charset="0"/>
             <a:cs typeface="Arial" panose="020B0604020202020204" pitchFamily="34" charset="0"/>
           </a:endParaRPr>
@@ -2731,7 +2730,7 @@
         <a:bodyPr/>
         <a:lstStyle/>
         <a:p>
-          <a:endParaRPr lang="en-US">
+          <a:endParaRPr lang="en-US" sz="2000">
             <a:latin typeface="Arial" panose="020B0604020202020204" pitchFamily="34" charset="0"/>
             <a:cs typeface="Arial" panose="020B0604020202020204" pitchFamily="34" charset="0"/>
           </a:endParaRPr>
@@ -2745,7 +2744,7 @@
         <a:bodyPr/>
         <a:lstStyle/>
         <a:p>
-          <a:endParaRPr lang="en-US">
+          <a:endParaRPr lang="en-US" sz="2000">
             <a:latin typeface="Arial" panose="020B0604020202020204" pitchFamily="34" charset="0"/>
             <a:cs typeface="Arial" panose="020B0604020202020204" pitchFamily="34" charset="0"/>
           </a:endParaRPr>
@@ -2753,20 +2752,20 @@
       </dgm:t>
     </dgm:pt>
     <dgm:pt modelId="{A5FDCDBE-08BB-4449-8EFB-4529D001E6D8}">
-      <dgm:prSet phldrT="[Text]"/>
+      <dgm:prSet phldrT="[Text]" custT="1"/>
       <dgm:spPr/>
       <dgm:t>
         <a:bodyPr/>
         <a:lstStyle/>
         <a:p>
           <a:r>
-            <a:rPr lang="en-US" dirty="0" smtClean="0">
+            <a:rPr lang="en-US" sz="900" dirty="0" smtClean="0">
               <a:latin typeface="Arial" panose="020B0604020202020204" pitchFamily="34" charset="0"/>
               <a:cs typeface="Arial" panose="020B0604020202020204" pitchFamily="34" charset="0"/>
             </a:rPr>
             <a:t>Strip whitespaces</a:t>
           </a:r>
-          <a:endParaRPr lang="en-US" dirty="0">
+          <a:endParaRPr lang="en-US" sz="900" dirty="0">
             <a:latin typeface="Arial" panose="020B0604020202020204" pitchFamily="34" charset="0"/>
             <a:cs typeface="Arial" panose="020B0604020202020204" pitchFamily="34" charset="0"/>
           </a:endParaRPr>
@@ -2780,7 +2779,7 @@
         <a:bodyPr/>
         <a:lstStyle/>
         <a:p>
-          <a:endParaRPr lang="en-US">
+          <a:endParaRPr lang="en-US" sz="2000">
             <a:latin typeface="Arial" panose="020B0604020202020204" pitchFamily="34" charset="0"/>
             <a:cs typeface="Arial" panose="020B0604020202020204" pitchFamily="34" charset="0"/>
           </a:endParaRPr>
@@ -2794,7 +2793,7 @@
         <a:bodyPr/>
         <a:lstStyle/>
         <a:p>
-          <a:endParaRPr lang="en-US">
+          <a:endParaRPr lang="en-US" sz="2000">
             <a:latin typeface="Arial" panose="020B0604020202020204" pitchFamily="34" charset="0"/>
             <a:cs typeface="Arial" panose="020B0604020202020204" pitchFamily="34" charset="0"/>
           </a:endParaRPr>
@@ -2802,20 +2801,20 @@
       </dgm:t>
     </dgm:pt>
     <dgm:pt modelId="{B805E0F8-EF06-46B7-878C-D0D117B88F92}">
-      <dgm:prSet phldrT="[Text]"/>
+      <dgm:prSet phldrT="[Text]" custT="1"/>
       <dgm:spPr/>
       <dgm:t>
         <a:bodyPr/>
         <a:lstStyle/>
         <a:p>
           <a:r>
-            <a:rPr lang="en-US" dirty="0" smtClean="0">
+            <a:rPr lang="en-US" sz="900" dirty="0" smtClean="0">
               <a:latin typeface="Arial" panose="020B0604020202020204" pitchFamily="34" charset="0"/>
               <a:cs typeface="Arial" panose="020B0604020202020204" pitchFamily="34" charset="0"/>
             </a:rPr>
             <a:t>Case to lower</a:t>
           </a:r>
-          <a:endParaRPr lang="en-US" dirty="0">
+          <a:endParaRPr lang="en-US" sz="900" dirty="0">
             <a:latin typeface="Arial" panose="020B0604020202020204" pitchFamily="34" charset="0"/>
             <a:cs typeface="Arial" panose="020B0604020202020204" pitchFamily="34" charset="0"/>
           </a:endParaRPr>
@@ -2829,7 +2828,7 @@
         <a:bodyPr/>
         <a:lstStyle/>
         <a:p>
-          <a:endParaRPr lang="en-US">
+          <a:endParaRPr lang="en-US" sz="2000">
             <a:latin typeface="Arial" panose="020B0604020202020204" pitchFamily="34" charset="0"/>
             <a:cs typeface="Arial" panose="020B0604020202020204" pitchFamily="34" charset="0"/>
           </a:endParaRPr>
@@ -2843,7 +2842,7 @@
         <a:bodyPr/>
         <a:lstStyle/>
         <a:p>
-          <a:endParaRPr lang="en-US">
+          <a:endParaRPr lang="en-US" sz="2000">
             <a:latin typeface="Arial" panose="020B0604020202020204" pitchFamily="34" charset="0"/>
             <a:cs typeface="Arial" panose="020B0604020202020204" pitchFamily="34" charset="0"/>
           </a:endParaRPr>
@@ -2851,20 +2850,20 @@
       </dgm:t>
     </dgm:pt>
     <dgm:pt modelId="{D88CF3A4-8741-4CFD-A8C5-A9BB49A9EBFC}">
-      <dgm:prSet phldrT="[Text]"/>
+      <dgm:prSet phldrT="[Text]" custT="1"/>
       <dgm:spPr/>
       <dgm:t>
         <a:bodyPr/>
         <a:lstStyle/>
         <a:p>
           <a:r>
-            <a:rPr lang="en-US" dirty="0" smtClean="0">
+            <a:rPr lang="en-US" sz="900" dirty="0" smtClean="0">
               <a:latin typeface="Arial" panose="020B0604020202020204" pitchFamily="34" charset="0"/>
               <a:cs typeface="Arial" panose="020B0604020202020204" pitchFamily="34" charset="0"/>
             </a:rPr>
             <a:t>Handle period separation</a:t>
           </a:r>
-          <a:endParaRPr lang="en-US" dirty="0">
+          <a:endParaRPr lang="en-US" sz="900" dirty="0">
             <a:latin typeface="Arial" panose="020B0604020202020204" pitchFamily="34" charset="0"/>
             <a:cs typeface="Arial" panose="020B0604020202020204" pitchFamily="34" charset="0"/>
           </a:endParaRPr>
@@ -2878,7 +2877,7 @@
         <a:bodyPr/>
         <a:lstStyle/>
         <a:p>
-          <a:endParaRPr lang="en-US">
+          <a:endParaRPr lang="en-US" sz="2000">
             <a:latin typeface="Arial" panose="020B0604020202020204" pitchFamily="34" charset="0"/>
             <a:cs typeface="Arial" panose="020B0604020202020204" pitchFamily="34" charset="0"/>
           </a:endParaRPr>
@@ -2892,7 +2891,7 @@
         <a:bodyPr/>
         <a:lstStyle/>
         <a:p>
-          <a:endParaRPr lang="en-US">
+          <a:endParaRPr lang="en-US" sz="2000">
             <a:latin typeface="Arial" panose="020B0604020202020204" pitchFamily="34" charset="0"/>
             <a:cs typeface="Arial" panose="020B0604020202020204" pitchFamily="34" charset="0"/>
           </a:endParaRPr>
@@ -2900,20 +2899,20 @@
       </dgm:t>
     </dgm:pt>
     <dgm:pt modelId="{C5A5D00F-1FF8-4E68-8707-827653864D20}">
-      <dgm:prSet phldrT="[Text]"/>
+      <dgm:prSet phldrT="[Text]" custT="1"/>
       <dgm:spPr/>
       <dgm:t>
         <a:bodyPr/>
         <a:lstStyle/>
         <a:p>
           <a:r>
-            <a:rPr lang="en-US" dirty="0" smtClean="0">
+            <a:rPr lang="en-US" sz="900" dirty="0" smtClean="0">
               <a:latin typeface="Arial" panose="020B0604020202020204" pitchFamily="34" charset="0"/>
               <a:cs typeface="Arial" panose="020B0604020202020204" pitchFamily="34" charset="0"/>
             </a:rPr>
             <a:t>Remove punctuation</a:t>
           </a:r>
-          <a:endParaRPr lang="en-US" dirty="0">
+          <a:endParaRPr lang="en-US" sz="900" dirty="0">
             <a:latin typeface="Arial" panose="020B0604020202020204" pitchFamily="34" charset="0"/>
             <a:cs typeface="Arial" panose="020B0604020202020204" pitchFamily="34" charset="0"/>
           </a:endParaRPr>
@@ -2927,7 +2926,7 @@
         <a:bodyPr/>
         <a:lstStyle/>
         <a:p>
-          <a:endParaRPr lang="en-US">
+          <a:endParaRPr lang="en-US" sz="2000">
             <a:latin typeface="Arial" panose="020B0604020202020204" pitchFamily="34" charset="0"/>
             <a:cs typeface="Arial" panose="020B0604020202020204" pitchFamily="34" charset="0"/>
           </a:endParaRPr>
@@ -2941,7 +2940,7 @@
         <a:bodyPr/>
         <a:lstStyle/>
         <a:p>
-          <a:endParaRPr lang="en-US">
+          <a:endParaRPr lang="en-US" sz="2000">
             <a:latin typeface="Arial" panose="020B0604020202020204" pitchFamily="34" charset="0"/>
             <a:cs typeface="Arial" panose="020B0604020202020204" pitchFamily="34" charset="0"/>
           </a:endParaRPr>
@@ -2949,20 +2948,20 @@
       </dgm:t>
     </dgm:pt>
     <dgm:pt modelId="{886E02DD-13D4-470B-B534-55D21FCBBA9E}">
-      <dgm:prSet phldrT="[Text]"/>
+      <dgm:prSet phldrT="[Text]" custT="1"/>
       <dgm:spPr/>
       <dgm:t>
         <a:bodyPr/>
         <a:lstStyle/>
         <a:p>
           <a:r>
-            <a:rPr lang="en-US" dirty="0" smtClean="0">
+            <a:rPr lang="en-US" sz="900" dirty="0" smtClean="0">
               <a:latin typeface="Arial" panose="020B0604020202020204" pitchFamily="34" charset="0"/>
               <a:cs typeface="Arial" panose="020B0604020202020204" pitchFamily="34" charset="0"/>
             </a:rPr>
             <a:t>Remove too common words</a:t>
           </a:r>
-          <a:endParaRPr lang="en-US" dirty="0">
+          <a:endParaRPr lang="en-US" sz="900" dirty="0">
             <a:latin typeface="Arial" panose="020B0604020202020204" pitchFamily="34" charset="0"/>
             <a:cs typeface="Arial" panose="020B0604020202020204" pitchFamily="34" charset="0"/>
           </a:endParaRPr>
@@ -2976,7 +2975,7 @@
         <a:bodyPr/>
         <a:lstStyle/>
         <a:p>
-          <a:endParaRPr lang="en-US">
+          <a:endParaRPr lang="en-US" sz="2000">
             <a:latin typeface="Arial" panose="020B0604020202020204" pitchFamily="34" charset="0"/>
             <a:cs typeface="Arial" panose="020B0604020202020204" pitchFamily="34" charset="0"/>
           </a:endParaRPr>
@@ -2990,7 +2989,7 @@
         <a:bodyPr/>
         <a:lstStyle/>
         <a:p>
-          <a:endParaRPr lang="en-US">
+          <a:endParaRPr lang="en-US" sz="2000">
             <a:latin typeface="Arial" panose="020B0604020202020204" pitchFamily="34" charset="0"/>
             <a:cs typeface="Arial" panose="020B0604020202020204" pitchFamily="34" charset="0"/>
           </a:endParaRPr>
@@ -2998,20 +2997,20 @@
       </dgm:t>
     </dgm:pt>
     <dgm:pt modelId="{EB505E7E-388A-498A-9216-63E06B5A528F}">
-      <dgm:prSet phldrT="[Text]"/>
+      <dgm:prSet phldrT="[Text]" custT="1"/>
       <dgm:spPr/>
       <dgm:t>
         <a:bodyPr/>
         <a:lstStyle/>
         <a:p>
           <a:r>
-            <a:rPr lang="en-US" dirty="0" smtClean="0">
+            <a:rPr lang="en-US" sz="900" dirty="0" smtClean="0">
               <a:latin typeface="Arial" panose="020B0604020202020204" pitchFamily="34" charset="0"/>
               <a:cs typeface="Arial" panose="020B0604020202020204" pitchFamily="34" charset="0"/>
             </a:rPr>
             <a:t>Remove taxiway designations</a:t>
           </a:r>
-          <a:endParaRPr lang="en-US" dirty="0">
+          <a:endParaRPr lang="en-US" sz="900" dirty="0">
             <a:latin typeface="Arial" panose="020B0604020202020204" pitchFamily="34" charset="0"/>
             <a:cs typeface="Arial" panose="020B0604020202020204" pitchFamily="34" charset="0"/>
           </a:endParaRPr>
@@ -3025,7 +3024,7 @@
         <a:bodyPr/>
         <a:lstStyle/>
         <a:p>
-          <a:endParaRPr lang="en-US">
+          <a:endParaRPr lang="en-US" sz="2000">
             <a:latin typeface="Arial" panose="020B0604020202020204" pitchFamily="34" charset="0"/>
             <a:cs typeface="Arial" panose="020B0604020202020204" pitchFamily="34" charset="0"/>
           </a:endParaRPr>
@@ -3039,7 +3038,7 @@
         <a:bodyPr/>
         <a:lstStyle/>
         <a:p>
-          <a:endParaRPr lang="en-US">
+          <a:endParaRPr lang="en-US" sz="2000">
             <a:latin typeface="Arial" panose="020B0604020202020204" pitchFamily="34" charset="0"/>
             <a:cs typeface="Arial" panose="020B0604020202020204" pitchFamily="34" charset="0"/>
           </a:endParaRPr>
@@ -3047,20 +3046,20 @@
       </dgm:t>
     </dgm:pt>
     <dgm:pt modelId="{CB59E44E-E059-49F2-A5C1-C235AB3CD952}">
-      <dgm:prSet phldrT="[Text]"/>
+      <dgm:prSet phldrT="[Text]" custT="1"/>
       <dgm:spPr/>
       <dgm:t>
         <a:bodyPr/>
         <a:lstStyle/>
         <a:p>
           <a:r>
-            <a:rPr lang="en-US" dirty="0" smtClean="0">
+            <a:rPr lang="en-US" sz="1050" dirty="0" smtClean="0">
               <a:latin typeface="Arial" panose="020B0604020202020204" pitchFamily="34" charset="0"/>
               <a:cs typeface="Arial" panose="020B0604020202020204" pitchFamily="34" charset="0"/>
             </a:rPr>
             <a:t>Tidy Text</a:t>
           </a:r>
-          <a:endParaRPr lang="en-US" dirty="0">
+          <a:endParaRPr lang="en-US" sz="1050" dirty="0">
             <a:latin typeface="Arial" panose="020B0604020202020204" pitchFamily="34" charset="0"/>
             <a:cs typeface="Arial" panose="020B0604020202020204" pitchFamily="34" charset="0"/>
           </a:endParaRPr>
@@ -3074,7 +3073,7 @@
         <a:bodyPr/>
         <a:lstStyle/>
         <a:p>
-          <a:endParaRPr lang="en-US">
+          <a:endParaRPr lang="en-US" sz="2000">
             <a:latin typeface="Arial" panose="020B0604020202020204" pitchFamily="34" charset="0"/>
             <a:cs typeface="Arial" panose="020B0604020202020204" pitchFamily="34" charset="0"/>
           </a:endParaRPr>
@@ -3082,13 +3081,13 @@
       </dgm:t>
     </dgm:pt>
     <dgm:pt modelId="{38F0A0A8-0E2D-4321-BDB3-75B811A89E5B}" type="sibTrans" cxnId="{28804B07-7C4D-4679-867D-3993AC6BBFCE}">
-      <dgm:prSet/>
+      <dgm:prSet custT="1"/>
       <dgm:spPr/>
       <dgm:t>
         <a:bodyPr/>
         <a:lstStyle/>
         <a:p>
-          <a:endParaRPr lang="en-US">
+          <a:endParaRPr lang="en-US" sz="600">
             <a:latin typeface="Arial" panose="020B0604020202020204" pitchFamily="34" charset="0"/>
             <a:cs typeface="Arial" panose="020B0604020202020204" pitchFamily="34" charset="0"/>
           </a:endParaRPr>
@@ -3096,34 +3095,34 @@
       </dgm:t>
     </dgm:pt>
     <dgm:pt modelId="{B1AC5B5A-7205-448B-B619-085080A0DA84}">
-      <dgm:prSet phldrT="[Text]"/>
+      <dgm:prSet phldrT="[Text]" custT="1"/>
       <dgm:spPr/>
       <dgm:t>
         <a:bodyPr/>
         <a:lstStyle/>
         <a:p>
           <a:r>
-            <a:rPr lang="en-US" dirty="0" smtClean="0">
+            <a:rPr lang="en-US" sz="900" dirty="0" smtClean="0">
               <a:latin typeface="Arial" panose="020B0604020202020204" pitchFamily="34" charset="0"/>
               <a:cs typeface="Arial" panose="020B0604020202020204" pitchFamily="34" charset="0"/>
             </a:rPr>
             <a:t>One row per “category + </a:t>
           </a:r>
           <a:r>
-            <a:rPr lang="en-US" dirty="0" err="1" smtClean="0">
+            <a:rPr lang="en-US" sz="900" dirty="0" err="1" smtClean="0">
               <a:latin typeface="Arial" panose="020B0604020202020204" pitchFamily="34" charset="0"/>
               <a:cs typeface="Arial" panose="020B0604020202020204" pitchFamily="34" charset="0"/>
             </a:rPr>
             <a:t>dsid</a:t>
           </a:r>
           <a:r>
-            <a:rPr lang="en-US" dirty="0" smtClean="0">
+            <a:rPr lang="en-US" sz="900" dirty="0" smtClean="0">
               <a:latin typeface="Arial" panose="020B0604020202020204" pitchFamily="34" charset="0"/>
               <a:cs typeface="Arial" panose="020B0604020202020204" pitchFamily="34" charset="0"/>
             </a:rPr>
             <a:t> + word + count”</a:t>
           </a:r>
-          <a:endParaRPr lang="en-US" dirty="0">
+          <a:endParaRPr lang="en-US" sz="900" dirty="0">
             <a:latin typeface="Arial" panose="020B0604020202020204" pitchFamily="34" charset="0"/>
             <a:cs typeface="Arial" panose="020B0604020202020204" pitchFamily="34" charset="0"/>
           </a:endParaRPr>
@@ -3137,7 +3136,7 @@
         <a:bodyPr/>
         <a:lstStyle/>
         <a:p>
-          <a:endParaRPr lang="en-US">
+          <a:endParaRPr lang="en-US" sz="2000">
             <a:latin typeface="Arial" panose="020B0604020202020204" pitchFamily="34" charset="0"/>
             <a:cs typeface="Arial" panose="020B0604020202020204" pitchFamily="34" charset="0"/>
           </a:endParaRPr>
@@ -3151,7 +3150,7 @@
         <a:bodyPr/>
         <a:lstStyle/>
         <a:p>
-          <a:endParaRPr lang="en-US">
+          <a:endParaRPr lang="en-US" sz="2000">
             <a:latin typeface="Arial" panose="020B0604020202020204" pitchFamily="34" charset="0"/>
             <a:cs typeface="Arial" panose="020B0604020202020204" pitchFamily="34" charset="0"/>
           </a:endParaRPr>
@@ -3159,20 +3158,20 @@
       </dgm:t>
     </dgm:pt>
     <dgm:pt modelId="{FA3ACDF3-A504-4891-BB36-535B02E95915}">
-      <dgm:prSet phldrT="[Text]"/>
+      <dgm:prSet phldrT="[Text]" custT="1"/>
       <dgm:spPr/>
       <dgm:t>
         <a:bodyPr/>
         <a:lstStyle/>
         <a:p>
           <a:r>
-            <a:rPr lang="en-US" dirty="0" smtClean="0">
+            <a:rPr lang="en-US" sz="1050" dirty="0" smtClean="0">
               <a:latin typeface="Arial" panose="020B0604020202020204" pitchFamily="34" charset="0"/>
               <a:cs typeface="Arial" panose="020B0604020202020204" pitchFamily="34" charset="0"/>
             </a:rPr>
             <a:t>TF-IDF calculations upon category</a:t>
           </a:r>
-          <a:endParaRPr lang="en-US" dirty="0">
+          <a:endParaRPr lang="en-US" sz="1050" dirty="0">
             <a:latin typeface="Arial" panose="020B0604020202020204" pitchFamily="34" charset="0"/>
             <a:cs typeface="Arial" panose="020B0604020202020204" pitchFamily="34" charset="0"/>
           </a:endParaRPr>
@@ -3186,7 +3185,7 @@
         <a:bodyPr/>
         <a:lstStyle/>
         <a:p>
-          <a:endParaRPr lang="en-US">
+          <a:endParaRPr lang="en-US" sz="2000">
             <a:latin typeface="Arial" panose="020B0604020202020204" pitchFamily="34" charset="0"/>
             <a:cs typeface="Arial" panose="020B0604020202020204" pitchFamily="34" charset="0"/>
           </a:endParaRPr>
@@ -3194,13 +3193,13 @@
       </dgm:t>
     </dgm:pt>
     <dgm:pt modelId="{9AF5503A-29F8-468B-AF50-F925F40A970B}" type="sibTrans" cxnId="{5B5CBAEE-61CA-4503-8623-CA305BFD6BD3}">
-      <dgm:prSet/>
+      <dgm:prSet custT="1"/>
       <dgm:spPr/>
       <dgm:t>
         <a:bodyPr/>
         <a:lstStyle/>
         <a:p>
-          <a:endParaRPr lang="en-US">
+          <a:endParaRPr lang="en-US" sz="600">
             <a:latin typeface="Arial" panose="020B0604020202020204" pitchFamily="34" charset="0"/>
             <a:cs typeface="Arial" panose="020B0604020202020204" pitchFamily="34" charset="0"/>
           </a:endParaRPr>
@@ -3208,27 +3207,27 @@
       </dgm:t>
     </dgm:pt>
     <dgm:pt modelId="{BC5F5671-2192-455A-8E0E-CE53C63A7BA3}">
-      <dgm:prSet phldrT="[Text]"/>
+      <dgm:prSet phldrT="[Text]" custT="1"/>
       <dgm:spPr/>
       <dgm:t>
         <a:bodyPr/>
         <a:lstStyle/>
         <a:p>
           <a:r>
-            <a:rPr lang="en-US" dirty="0" err="1" smtClean="0">
+            <a:rPr lang="en-US" sz="1050" dirty="0" err="1" smtClean="0">
               <a:latin typeface="Arial" panose="020B0604020202020204" pitchFamily="34" charset="0"/>
               <a:cs typeface="Arial" panose="020B0604020202020204" pitchFamily="34" charset="0"/>
             </a:rPr>
             <a:t>tSNE</a:t>
           </a:r>
           <a:r>
-            <a:rPr lang="en-US" dirty="0" smtClean="0">
+            <a:rPr lang="en-US" sz="1050" dirty="0" smtClean="0">
               <a:latin typeface="Arial" panose="020B0604020202020204" pitchFamily="34" charset="0"/>
               <a:cs typeface="Arial" panose="020B0604020202020204" pitchFamily="34" charset="0"/>
             </a:rPr>
             <a:t> investigation into underlying structures of term-document-matrix</a:t>
           </a:r>
-          <a:endParaRPr lang="en-US" dirty="0">
+          <a:endParaRPr lang="en-US" sz="1050" dirty="0">
             <a:latin typeface="Arial" panose="020B0604020202020204" pitchFamily="34" charset="0"/>
             <a:cs typeface="Arial" panose="020B0604020202020204" pitchFamily="34" charset="0"/>
           </a:endParaRPr>
@@ -3242,7 +3241,7 @@
         <a:bodyPr/>
         <a:lstStyle/>
         <a:p>
-          <a:endParaRPr lang="en-US">
+          <a:endParaRPr lang="en-US" sz="2000">
             <a:latin typeface="Arial" panose="020B0604020202020204" pitchFamily="34" charset="0"/>
             <a:cs typeface="Arial" panose="020B0604020202020204" pitchFamily="34" charset="0"/>
           </a:endParaRPr>
@@ -3250,13 +3249,13 @@
       </dgm:t>
     </dgm:pt>
     <dgm:pt modelId="{19195064-EA8F-4AAC-A590-E2855789235F}" type="sibTrans" cxnId="{D589C00F-85AC-4EDB-A17B-A831C9BC7C94}">
-      <dgm:prSet/>
+      <dgm:prSet custT="1"/>
       <dgm:spPr/>
       <dgm:t>
         <a:bodyPr/>
         <a:lstStyle/>
         <a:p>
-          <a:endParaRPr lang="en-US">
+          <a:endParaRPr lang="en-US" sz="600">
             <a:latin typeface="Arial" panose="020B0604020202020204" pitchFamily="34" charset="0"/>
             <a:cs typeface="Arial" panose="020B0604020202020204" pitchFamily="34" charset="0"/>
           </a:endParaRPr>
@@ -3264,20 +3263,20 @@
       </dgm:t>
     </dgm:pt>
     <dgm:pt modelId="{B63975DD-253B-4D99-AF2A-08C41599467E}">
-      <dgm:prSet phldrT="[Text]"/>
+      <dgm:prSet phldrT="[Text]" custT="1"/>
       <dgm:spPr/>
       <dgm:t>
         <a:bodyPr/>
         <a:lstStyle/>
         <a:p>
           <a:r>
-            <a:rPr lang="en-US" dirty="0" smtClean="0">
+            <a:rPr lang="en-US" sz="900" dirty="0" smtClean="0">
               <a:latin typeface="Arial" panose="020B0604020202020204" pitchFamily="34" charset="0"/>
               <a:cs typeface="Arial" panose="020B0604020202020204" pitchFamily="34" charset="0"/>
             </a:rPr>
             <a:t>How many structures show up? These could indicate # of topics</a:t>
           </a:r>
-          <a:endParaRPr lang="en-US" dirty="0">
+          <a:endParaRPr lang="en-US" sz="900" dirty="0">
             <a:latin typeface="Arial" panose="020B0604020202020204" pitchFamily="34" charset="0"/>
             <a:cs typeface="Arial" panose="020B0604020202020204" pitchFamily="34" charset="0"/>
           </a:endParaRPr>
@@ -3291,7 +3290,7 @@
         <a:bodyPr/>
         <a:lstStyle/>
         <a:p>
-          <a:endParaRPr lang="en-US">
+          <a:endParaRPr lang="en-US" sz="2000">
             <a:latin typeface="Arial" panose="020B0604020202020204" pitchFamily="34" charset="0"/>
             <a:cs typeface="Arial" panose="020B0604020202020204" pitchFamily="34" charset="0"/>
           </a:endParaRPr>
@@ -3305,7 +3304,7 @@
         <a:bodyPr/>
         <a:lstStyle/>
         <a:p>
-          <a:endParaRPr lang="en-US">
+          <a:endParaRPr lang="en-US" sz="2000">
             <a:latin typeface="Arial" panose="020B0604020202020204" pitchFamily="34" charset="0"/>
             <a:cs typeface="Arial" panose="020B0604020202020204" pitchFamily="34" charset="0"/>
           </a:endParaRPr>
@@ -3313,20 +3312,20 @@
       </dgm:t>
     </dgm:pt>
     <dgm:pt modelId="{0E86C63A-678D-486A-B580-E95A9F08D5AF}">
-      <dgm:prSet phldrT="[Text]"/>
+      <dgm:prSet phldrT="[Text]" custT="1"/>
       <dgm:spPr/>
       <dgm:t>
         <a:bodyPr/>
         <a:lstStyle/>
         <a:p>
           <a:r>
-            <a:rPr lang="en-US" dirty="0" smtClean="0">
+            <a:rPr lang="en-US" sz="1050" dirty="0" smtClean="0">
               <a:latin typeface="Arial" panose="020B0604020202020204" pitchFamily="34" charset="0"/>
               <a:cs typeface="Arial" panose="020B0604020202020204" pitchFamily="34" charset="0"/>
             </a:rPr>
             <a:t>Structural Topic Models</a:t>
           </a:r>
-          <a:endParaRPr lang="en-US" dirty="0">
+          <a:endParaRPr lang="en-US" sz="1050" dirty="0">
             <a:latin typeface="Arial" panose="020B0604020202020204" pitchFamily="34" charset="0"/>
             <a:cs typeface="Arial" panose="020B0604020202020204" pitchFamily="34" charset="0"/>
           </a:endParaRPr>
@@ -3340,7 +3339,7 @@
         <a:bodyPr/>
         <a:lstStyle/>
         <a:p>
-          <a:endParaRPr lang="en-US">
+          <a:endParaRPr lang="en-US" sz="2000">
             <a:latin typeface="Arial" panose="020B0604020202020204" pitchFamily="34" charset="0"/>
             <a:cs typeface="Arial" panose="020B0604020202020204" pitchFamily="34" charset="0"/>
           </a:endParaRPr>
@@ -3348,13 +3347,13 @@
       </dgm:t>
     </dgm:pt>
     <dgm:pt modelId="{57C2BB07-121D-4A7F-9B9F-6574129C000D}" type="sibTrans" cxnId="{4BAC163D-A07B-407B-A935-92D671D4D50E}">
-      <dgm:prSet/>
+      <dgm:prSet custT="1"/>
       <dgm:spPr/>
       <dgm:t>
         <a:bodyPr/>
         <a:lstStyle/>
         <a:p>
-          <a:endParaRPr lang="en-US">
+          <a:endParaRPr lang="en-US" sz="600">
             <a:latin typeface="Arial" panose="020B0604020202020204" pitchFamily="34" charset="0"/>
             <a:cs typeface="Arial" panose="020B0604020202020204" pitchFamily="34" charset="0"/>
           </a:endParaRPr>
@@ -3362,34 +3361,34 @@
       </dgm:t>
     </dgm:pt>
     <dgm:pt modelId="{CFAD1D25-C813-475B-BCCA-CC22FC59F774}">
-      <dgm:prSet phldrT="[Text]"/>
+      <dgm:prSet phldrT="[Text]" custT="1"/>
       <dgm:spPr/>
       <dgm:t>
         <a:bodyPr/>
         <a:lstStyle/>
         <a:p>
           <a:r>
-            <a:rPr lang="en-US" dirty="0" smtClean="0">
+            <a:rPr lang="en-US" sz="900" dirty="0" smtClean="0">
               <a:latin typeface="Arial" panose="020B0604020202020204" pitchFamily="34" charset="0"/>
               <a:cs typeface="Arial" panose="020B0604020202020204" pitchFamily="34" charset="0"/>
             </a:rPr>
             <a:t>Use </a:t>
           </a:r>
           <a:r>
-            <a:rPr lang="en-US" dirty="0" err="1" smtClean="0">
+            <a:rPr lang="en-US" sz="900" dirty="0" err="1" smtClean="0">
               <a:latin typeface="Arial" panose="020B0604020202020204" pitchFamily="34" charset="0"/>
               <a:cs typeface="Arial" panose="020B0604020202020204" pitchFamily="34" charset="0"/>
             </a:rPr>
             <a:t>tSNE</a:t>
           </a:r>
           <a:r>
-            <a:rPr lang="en-US" dirty="0" smtClean="0">
+            <a:rPr lang="en-US" sz="900" dirty="0" smtClean="0">
               <a:latin typeface="Arial" panose="020B0604020202020204" pitchFamily="34" charset="0"/>
               <a:cs typeface="Arial" panose="020B0604020202020204" pitchFamily="34" charset="0"/>
             </a:rPr>
             <a:t> to identify # of topic models</a:t>
           </a:r>
-          <a:endParaRPr lang="en-US" dirty="0">
+          <a:endParaRPr lang="en-US" sz="900" dirty="0">
             <a:latin typeface="Arial" panose="020B0604020202020204" pitchFamily="34" charset="0"/>
             <a:cs typeface="Arial" panose="020B0604020202020204" pitchFamily="34" charset="0"/>
           </a:endParaRPr>
@@ -3403,7 +3402,7 @@
         <a:bodyPr/>
         <a:lstStyle/>
         <a:p>
-          <a:endParaRPr lang="en-US">
+          <a:endParaRPr lang="en-US" sz="2000">
             <a:latin typeface="Arial" panose="020B0604020202020204" pitchFamily="34" charset="0"/>
             <a:cs typeface="Arial" panose="020B0604020202020204" pitchFamily="34" charset="0"/>
           </a:endParaRPr>
@@ -3417,7 +3416,7 @@
         <a:bodyPr/>
         <a:lstStyle/>
         <a:p>
-          <a:endParaRPr lang="en-US">
+          <a:endParaRPr lang="en-US" sz="2000">
             <a:latin typeface="Arial" panose="020B0604020202020204" pitchFamily="34" charset="0"/>
             <a:cs typeface="Arial" panose="020B0604020202020204" pitchFamily="34" charset="0"/>
           </a:endParaRPr>
@@ -3425,20 +3424,20 @@
       </dgm:t>
     </dgm:pt>
     <dgm:pt modelId="{C6223FBB-6502-430A-9690-E4025B07A1E7}">
-      <dgm:prSet phldrT="[Text]"/>
+      <dgm:prSet phldrT="[Text]" custT="1"/>
       <dgm:spPr/>
       <dgm:t>
         <a:bodyPr/>
         <a:lstStyle/>
         <a:p>
           <a:r>
-            <a:rPr lang="en-US" dirty="0" smtClean="0">
+            <a:rPr lang="en-US" sz="900" dirty="0" smtClean="0">
               <a:latin typeface="Arial" panose="020B0604020202020204" pitchFamily="34" charset="0"/>
               <a:cs typeface="Arial" panose="020B0604020202020204" pitchFamily="34" charset="0"/>
             </a:rPr>
             <a:t>Specify # of topic models</a:t>
           </a:r>
-          <a:endParaRPr lang="en-US" dirty="0">
+          <a:endParaRPr lang="en-US" sz="900" dirty="0">
             <a:latin typeface="Arial" panose="020B0604020202020204" pitchFamily="34" charset="0"/>
             <a:cs typeface="Arial" panose="020B0604020202020204" pitchFamily="34" charset="0"/>
           </a:endParaRPr>
@@ -3452,7 +3451,7 @@
         <a:bodyPr/>
         <a:lstStyle/>
         <a:p>
-          <a:endParaRPr lang="en-US">
+          <a:endParaRPr lang="en-US" sz="2000">
             <a:latin typeface="Arial" panose="020B0604020202020204" pitchFamily="34" charset="0"/>
             <a:cs typeface="Arial" panose="020B0604020202020204" pitchFamily="34" charset="0"/>
           </a:endParaRPr>
@@ -3466,7 +3465,7 @@
         <a:bodyPr/>
         <a:lstStyle/>
         <a:p>
-          <a:endParaRPr lang="en-US">
+          <a:endParaRPr lang="en-US" sz="2000">
             <a:latin typeface="Arial" panose="020B0604020202020204" pitchFamily="34" charset="0"/>
             <a:cs typeface="Arial" panose="020B0604020202020204" pitchFamily="34" charset="0"/>
           </a:endParaRPr>
@@ -3474,20 +3473,20 @@
       </dgm:t>
     </dgm:pt>
     <dgm:pt modelId="{C2268993-C9E4-446C-B190-A1998096A3B5}">
-      <dgm:prSet phldrT="[Text]"/>
+      <dgm:prSet phldrT="[Text]" custT="1"/>
       <dgm:spPr/>
       <dgm:t>
         <a:bodyPr/>
         <a:lstStyle/>
         <a:p>
           <a:r>
-            <a:rPr lang="en-US" dirty="0" smtClean="0">
+            <a:rPr lang="en-US" sz="1050" dirty="0" smtClean="0">
               <a:latin typeface="Arial" panose="020B0604020202020204" pitchFamily="34" charset="0"/>
               <a:cs typeface="Arial" panose="020B0604020202020204" pitchFamily="34" charset="0"/>
             </a:rPr>
             <a:t>Post process STM models</a:t>
           </a:r>
-          <a:endParaRPr lang="en-US" dirty="0">
+          <a:endParaRPr lang="en-US" sz="1050" dirty="0">
             <a:latin typeface="Arial" panose="020B0604020202020204" pitchFamily="34" charset="0"/>
             <a:cs typeface="Arial" panose="020B0604020202020204" pitchFamily="34" charset="0"/>
           </a:endParaRPr>
@@ -3501,7 +3500,7 @@
         <a:bodyPr/>
         <a:lstStyle/>
         <a:p>
-          <a:endParaRPr lang="en-US">
+          <a:endParaRPr lang="en-US" sz="2000">
             <a:latin typeface="Arial" panose="020B0604020202020204" pitchFamily="34" charset="0"/>
             <a:cs typeface="Arial" panose="020B0604020202020204" pitchFamily="34" charset="0"/>
           </a:endParaRPr>
@@ -3509,13 +3508,13 @@
       </dgm:t>
     </dgm:pt>
     <dgm:pt modelId="{1654001E-9123-422D-96DC-E6CA01617507}" type="sibTrans" cxnId="{65E7F705-FC20-4439-AECA-5B42EF9295EC}">
-      <dgm:prSet/>
+      <dgm:prSet custT="1"/>
       <dgm:spPr/>
       <dgm:t>
         <a:bodyPr/>
         <a:lstStyle/>
         <a:p>
-          <a:endParaRPr lang="en-US">
+          <a:endParaRPr lang="en-US" sz="600">
             <a:latin typeface="Arial" panose="020B0604020202020204" pitchFamily="34" charset="0"/>
             <a:cs typeface="Arial" panose="020B0604020202020204" pitchFamily="34" charset="0"/>
           </a:endParaRPr>
@@ -3523,20 +3522,20 @@
       </dgm:t>
     </dgm:pt>
     <dgm:pt modelId="{CC58B4A9-42E0-429A-83F1-EBE7EC76FAC7}">
-      <dgm:prSet phldrT="[Text]"/>
+      <dgm:prSet phldrT="[Text]" custT="1"/>
       <dgm:spPr/>
       <dgm:t>
         <a:bodyPr/>
         <a:lstStyle/>
         <a:p>
           <a:r>
-            <a:rPr lang="en-US" dirty="0" smtClean="0">
+            <a:rPr lang="en-US" sz="1050" dirty="0" smtClean="0">
               <a:latin typeface="Arial" panose="020B0604020202020204" pitchFamily="34" charset="0"/>
               <a:cs typeface="Arial" panose="020B0604020202020204" pitchFamily="34" charset="0"/>
             </a:rPr>
             <a:t>Interpret the model results</a:t>
           </a:r>
-          <a:endParaRPr lang="en-US" dirty="0">
+          <a:endParaRPr lang="en-US" sz="1050" dirty="0">
             <a:latin typeface="Arial" panose="020B0604020202020204" pitchFamily="34" charset="0"/>
             <a:cs typeface="Arial" panose="020B0604020202020204" pitchFamily="34" charset="0"/>
           </a:endParaRPr>
@@ -3550,7 +3549,7 @@
         <a:bodyPr/>
         <a:lstStyle/>
         <a:p>
-          <a:endParaRPr lang="en-US">
+          <a:endParaRPr lang="en-US" sz="2000">
             <a:latin typeface="Arial" panose="020B0604020202020204" pitchFamily="34" charset="0"/>
             <a:cs typeface="Arial" panose="020B0604020202020204" pitchFamily="34" charset="0"/>
           </a:endParaRPr>
@@ -3564,7 +3563,7 @@
         <a:bodyPr/>
         <a:lstStyle/>
         <a:p>
-          <a:endParaRPr lang="en-US">
+          <a:endParaRPr lang="en-US" sz="2000">
             <a:latin typeface="Arial" panose="020B0604020202020204" pitchFamily="34" charset="0"/>
             <a:cs typeface="Arial" panose="020B0604020202020204" pitchFamily="34" charset="0"/>
           </a:endParaRPr>
@@ -3572,20 +3571,20 @@
       </dgm:t>
     </dgm:pt>
     <dgm:pt modelId="{645CD3D4-D6F2-43A2-A810-AD33AEA065AE}">
-      <dgm:prSet phldrT="[Text]"/>
+      <dgm:prSet phldrT="[Text]" custT="1"/>
       <dgm:spPr/>
       <dgm:t>
         <a:bodyPr/>
         <a:lstStyle/>
         <a:p>
           <a:r>
-            <a:rPr lang="en-US" dirty="0" smtClean="0">
+            <a:rPr lang="en-US" sz="900" dirty="0" smtClean="0">
               <a:latin typeface="Arial" panose="020B0604020202020204" pitchFamily="34" charset="0"/>
               <a:cs typeface="Arial" panose="020B0604020202020204" pitchFamily="34" charset="0"/>
             </a:rPr>
             <a:t>Plots</a:t>
           </a:r>
-          <a:endParaRPr lang="en-US" dirty="0">
+          <a:endParaRPr lang="en-US" sz="900" dirty="0">
             <a:latin typeface="Arial" panose="020B0604020202020204" pitchFamily="34" charset="0"/>
             <a:cs typeface="Arial" panose="020B0604020202020204" pitchFamily="34" charset="0"/>
           </a:endParaRPr>
@@ -3599,7 +3598,7 @@
         <a:bodyPr/>
         <a:lstStyle/>
         <a:p>
-          <a:endParaRPr lang="en-US">
+          <a:endParaRPr lang="en-US" sz="2000">
             <a:latin typeface="Arial" panose="020B0604020202020204" pitchFamily="34" charset="0"/>
             <a:cs typeface="Arial" panose="020B0604020202020204" pitchFamily="34" charset="0"/>
           </a:endParaRPr>
@@ -3613,7 +3612,7 @@
         <a:bodyPr/>
         <a:lstStyle/>
         <a:p>
-          <a:endParaRPr lang="en-US">
+          <a:endParaRPr lang="en-US" sz="2000">
             <a:latin typeface="Arial" panose="020B0604020202020204" pitchFamily="34" charset="0"/>
             <a:cs typeface="Arial" panose="020B0604020202020204" pitchFamily="34" charset="0"/>
           </a:endParaRPr>
@@ -3621,20 +3620,20 @@
       </dgm:t>
     </dgm:pt>
     <dgm:pt modelId="{32E572D5-F134-4A91-A27F-15EC63E7BF30}">
-      <dgm:prSet phldrT="[Text]"/>
+      <dgm:prSet phldrT="[Text]" custT="1"/>
       <dgm:spPr/>
       <dgm:t>
         <a:bodyPr/>
         <a:lstStyle/>
         <a:p>
           <a:r>
-            <a:rPr lang="en-US" dirty="0" smtClean="0">
+            <a:rPr lang="en-US" sz="900" dirty="0" smtClean="0">
               <a:latin typeface="Arial" panose="020B0604020202020204" pitchFamily="34" charset="0"/>
               <a:cs typeface="Arial" panose="020B0604020202020204" pitchFamily="34" charset="0"/>
             </a:rPr>
             <a:t>Quantitative results</a:t>
           </a:r>
-          <a:endParaRPr lang="en-US" dirty="0">
+          <a:endParaRPr lang="en-US" sz="900" dirty="0">
             <a:latin typeface="Arial" panose="020B0604020202020204" pitchFamily="34" charset="0"/>
             <a:cs typeface="Arial" panose="020B0604020202020204" pitchFamily="34" charset="0"/>
           </a:endParaRPr>
@@ -3648,7 +3647,7 @@
         <a:bodyPr/>
         <a:lstStyle/>
         <a:p>
-          <a:endParaRPr lang="en-US">
+          <a:endParaRPr lang="en-US" sz="2000">
             <a:latin typeface="Arial" panose="020B0604020202020204" pitchFamily="34" charset="0"/>
             <a:cs typeface="Arial" panose="020B0604020202020204" pitchFamily="34" charset="0"/>
           </a:endParaRPr>
@@ -3662,7 +3661,7 @@
         <a:bodyPr/>
         <a:lstStyle/>
         <a:p>
-          <a:endParaRPr lang="en-US">
+          <a:endParaRPr lang="en-US" sz="2000">
             <a:latin typeface="Arial" panose="020B0604020202020204" pitchFamily="34" charset="0"/>
             <a:cs typeface="Arial" panose="020B0604020202020204" pitchFamily="34" charset="0"/>
           </a:endParaRPr>
@@ -3670,20 +3669,20 @@
       </dgm:t>
     </dgm:pt>
     <dgm:pt modelId="{2BF03CC7-2B8F-4AED-820D-1A69A717BBBC}">
-      <dgm:prSet phldrT="[Text]"/>
+      <dgm:prSet phldrT="[Text]" custT="1"/>
       <dgm:spPr/>
       <dgm:t>
         <a:bodyPr/>
         <a:lstStyle/>
         <a:p>
           <a:r>
-            <a:rPr lang="en-US" smtClean="0">
+            <a:rPr lang="en-US" sz="1050" smtClean="0">
               <a:latin typeface="Arial" panose="020B0604020202020204" pitchFamily="34" charset="0"/>
               <a:cs typeface="Arial" panose="020B0604020202020204" pitchFamily="34" charset="0"/>
             </a:rPr>
             <a:t>Text Preparation</a:t>
           </a:r>
-          <a:endParaRPr lang="en-US" dirty="0">
+          <a:endParaRPr lang="en-US" sz="1050" dirty="0">
             <a:latin typeface="Arial" panose="020B0604020202020204" pitchFamily="34" charset="0"/>
             <a:cs typeface="Arial" panose="020B0604020202020204" pitchFamily="34" charset="0"/>
           </a:endParaRPr>
@@ -3697,7 +3696,7 @@
         <a:bodyPr/>
         <a:lstStyle/>
         <a:p>
-          <a:endParaRPr lang="en-US">
+          <a:endParaRPr lang="en-US" sz="2000">
             <a:latin typeface="Arial" panose="020B0604020202020204" pitchFamily="34" charset="0"/>
             <a:cs typeface="Arial" panose="020B0604020202020204" pitchFamily="34" charset="0"/>
           </a:endParaRPr>
@@ -3705,13 +3704,13 @@
       </dgm:t>
     </dgm:pt>
     <dgm:pt modelId="{0C1BD3D3-EE1C-468A-AAD4-529861F3159F}" type="sibTrans" cxnId="{8DE385BB-AF5C-47B0-9EE1-EB57EACA99F9}">
-      <dgm:prSet/>
+      <dgm:prSet custT="1"/>
       <dgm:spPr/>
       <dgm:t>
         <a:bodyPr/>
         <a:lstStyle/>
         <a:p>
-          <a:endParaRPr lang="en-US">
+          <a:endParaRPr lang="en-US" sz="600">
             <a:latin typeface="Arial" panose="020B0604020202020204" pitchFamily="34" charset="0"/>
             <a:cs typeface="Arial" panose="020B0604020202020204" pitchFamily="34" charset="0"/>
           </a:endParaRPr>
@@ -3719,20 +3718,27 @@
       </dgm:t>
     </dgm:pt>
     <dgm:pt modelId="{65C29F0C-8725-4E4E-820C-EF6FE82F9930}">
-      <dgm:prSet phldrT="[Text]"/>
+      <dgm:prSet phldrT="[Text]" custT="1"/>
       <dgm:spPr/>
       <dgm:t>
         <a:bodyPr/>
         <a:lstStyle/>
         <a:p>
           <a:r>
-            <a:rPr lang="en-US" smtClean="0">
+            <a:rPr lang="en-US" sz="900" dirty="0" smtClean="0">
               <a:latin typeface="Arial" panose="020B0604020202020204" pitchFamily="34" charset="0"/>
               <a:cs typeface="Arial" panose="020B0604020202020204" pitchFamily="34" charset="0"/>
             </a:rPr>
-            <a:t>Remove stopwords</a:t>
+            <a:t>Remove </a:t>
           </a:r>
-          <a:endParaRPr lang="en-US" dirty="0">
+          <a:r>
+            <a:rPr lang="en-US" sz="900" dirty="0" err="1" smtClean="0">
+              <a:latin typeface="Arial" panose="020B0604020202020204" pitchFamily="34" charset="0"/>
+              <a:cs typeface="Arial" panose="020B0604020202020204" pitchFamily="34" charset="0"/>
+            </a:rPr>
+            <a:t>stopwords</a:t>
+          </a:r>
+          <a:endParaRPr lang="en-US" sz="900" dirty="0">
             <a:latin typeface="Arial" panose="020B0604020202020204" pitchFamily="34" charset="0"/>
             <a:cs typeface="Arial" panose="020B0604020202020204" pitchFamily="34" charset="0"/>
           </a:endParaRPr>
@@ -3746,7 +3752,7 @@
         <a:bodyPr/>
         <a:lstStyle/>
         <a:p>
-          <a:endParaRPr lang="en-US">
+          <a:endParaRPr lang="en-US" sz="2000">
             <a:latin typeface="Arial" panose="020B0604020202020204" pitchFamily="34" charset="0"/>
             <a:cs typeface="Arial" panose="020B0604020202020204" pitchFamily="34" charset="0"/>
           </a:endParaRPr>
@@ -3760,7 +3766,7 @@
         <a:bodyPr/>
         <a:lstStyle/>
         <a:p>
-          <a:endParaRPr lang="en-US">
+          <a:endParaRPr lang="en-US" sz="2000">
             <a:latin typeface="Arial" panose="020B0604020202020204" pitchFamily="34" charset="0"/>
             <a:cs typeface="Arial" panose="020B0604020202020204" pitchFamily="34" charset="0"/>
           </a:endParaRPr>
@@ -3768,20 +3774,20 @@
       </dgm:t>
     </dgm:pt>
     <dgm:pt modelId="{407FF24D-0F60-42F0-809E-88F66D1F9C8E}">
-      <dgm:prSet phldrT="[Text]"/>
+      <dgm:prSet phldrT="[Text]" custT="1"/>
       <dgm:spPr/>
       <dgm:t>
         <a:bodyPr/>
         <a:lstStyle/>
         <a:p>
           <a:r>
-            <a:rPr lang="en-US" dirty="0" smtClean="0">
+            <a:rPr lang="en-US" sz="900" dirty="0" smtClean="0">
               <a:latin typeface="Arial" panose="020B0604020202020204" pitchFamily="34" charset="0"/>
               <a:cs typeface="Arial" panose="020B0604020202020204" pitchFamily="34" charset="0"/>
             </a:rPr>
             <a:t>Identify non-unique categories</a:t>
           </a:r>
-          <a:endParaRPr lang="en-US" dirty="0">
+          <a:endParaRPr lang="en-US" sz="900" dirty="0">
             <a:latin typeface="Arial" panose="020B0604020202020204" pitchFamily="34" charset="0"/>
             <a:cs typeface="Arial" panose="020B0604020202020204" pitchFamily="34" charset="0"/>
           </a:endParaRPr>
@@ -3795,7 +3801,7 @@
         <a:bodyPr/>
         <a:lstStyle/>
         <a:p>
-          <a:endParaRPr lang="en-US">
+          <a:endParaRPr lang="en-US" sz="2000">
             <a:latin typeface="Arial" panose="020B0604020202020204" pitchFamily="34" charset="0"/>
             <a:cs typeface="Arial" panose="020B0604020202020204" pitchFamily="34" charset="0"/>
           </a:endParaRPr>
@@ -3809,7 +3815,7 @@
         <a:bodyPr/>
         <a:lstStyle/>
         <a:p>
-          <a:endParaRPr lang="en-US">
+          <a:endParaRPr lang="en-US" sz="2000">
             <a:latin typeface="Arial" panose="020B0604020202020204" pitchFamily="34" charset="0"/>
             <a:cs typeface="Arial" panose="020B0604020202020204" pitchFamily="34" charset="0"/>
           </a:endParaRPr>
@@ -3817,20 +3823,20 @@
       </dgm:t>
     </dgm:pt>
     <dgm:pt modelId="{00EB50F8-382E-4E4F-89EE-F1764F4F2C50}">
-      <dgm:prSet phldrT="[Text]"/>
+      <dgm:prSet phldrT="[Text]" custT="1"/>
       <dgm:spPr/>
       <dgm:t>
         <a:bodyPr/>
         <a:lstStyle/>
         <a:p>
           <a:r>
-            <a:rPr lang="en-US" dirty="0" smtClean="0">
+            <a:rPr lang="en-US" sz="900" dirty="0" smtClean="0">
               <a:latin typeface="Arial" panose="020B0604020202020204" pitchFamily="34" charset="0"/>
               <a:cs typeface="Arial" panose="020B0604020202020204" pitchFamily="34" charset="0"/>
             </a:rPr>
             <a:t>What level of aggregation should I consider my DSIDs?</a:t>
           </a:r>
-          <a:endParaRPr lang="en-US" dirty="0">
+          <a:endParaRPr lang="en-US" sz="900" dirty="0">
             <a:latin typeface="Arial" panose="020B0604020202020204" pitchFamily="34" charset="0"/>
             <a:cs typeface="Arial" panose="020B0604020202020204" pitchFamily="34" charset="0"/>
           </a:endParaRPr>
@@ -3844,7 +3850,7 @@
         <a:bodyPr/>
         <a:lstStyle/>
         <a:p>
-          <a:endParaRPr lang="en-US">
+          <a:endParaRPr lang="en-US" sz="2000">
             <a:latin typeface="Arial" panose="020B0604020202020204" pitchFamily="34" charset="0"/>
             <a:cs typeface="Arial" panose="020B0604020202020204" pitchFamily="34" charset="0"/>
           </a:endParaRPr>
@@ -3858,7 +3864,7 @@
         <a:bodyPr/>
         <a:lstStyle/>
         <a:p>
-          <a:endParaRPr lang="en-US">
+          <a:endParaRPr lang="en-US" sz="2000">
             <a:latin typeface="Arial" panose="020B0604020202020204" pitchFamily="34" charset="0"/>
             <a:cs typeface="Arial" panose="020B0604020202020204" pitchFamily="34" charset="0"/>
           </a:endParaRPr>
@@ -3919,7 +3925,7 @@
       </dgm:t>
     </dgm:pt>
     <dgm:pt modelId="{C14555EE-8DC0-411D-B3B6-C507820ECABD}" type="pres">
-      <dgm:prSet presAssocID="{15ADAD29-4A9D-46C0-8E85-AC4E3F714AAD}" presName="node" presStyleLbl="node1" presStyleIdx="1" presStyleCnt="10">
+      <dgm:prSet presAssocID="{15ADAD29-4A9D-46C0-8E85-AC4E3F714AAD}" presName="node" presStyleLbl="node1" presStyleIdx="1" presStyleCnt="10" custScaleY="132935">
         <dgm:presLayoutVars>
           <dgm:bulletEnabled val="1"/>
         </dgm:presLayoutVars>
@@ -3956,7 +3962,7 @@
       </dgm:t>
     </dgm:pt>
     <dgm:pt modelId="{A6ECC88B-056E-4605-9DBF-C87D49FDA5DB}" type="pres">
-      <dgm:prSet presAssocID="{AF87DD75-50E1-49AA-9FEB-EF284F4F2DB4}" presName="node" presStyleLbl="node1" presStyleIdx="2" presStyleCnt="10">
+      <dgm:prSet presAssocID="{AF87DD75-50E1-49AA-9FEB-EF284F4F2DB4}" presName="node" presStyleLbl="node1" presStyleIdx="2" presStyleCnt="10" custScaleY="150822">
         <dgm:presLayoutVars>
           <dgm:bulletEnabled val="1"/>
         </dgm:presLayoutVars>
@@ -3993,7 +3999,7 @@
       </dgm:t>
     </dgm:pt>
     <dgm:pt modelId="{0A6FEB60-84FE-4ED2-A2CF-638AACA3EA41}" type="pres">
-      <dgm:prSet presAssocID="{2BF03CC7-2B8F-4AED-820D-1A69A717BBBC}" presName="node" presStyleLbl="node1" presStyleIdx="3" presStyleCnt="10">
+      <dgm:prSet presAssocID="{2BF03CC7-2B8F-4AED-820D-1A69A717BBBC}" presName="node" presStyleLbl="node1" presStyleIdx="3" presStyleCnt="10" custScaleY="153378">
         <dgm:presLayoutVars>
           <dgm:bulletEnabled val="1"/>
         </dgm:presLayoutVars>
@@ -4104,7 +4110,7 @@
       </dgm:t>
     </dgm:pt>
     <dgm:pt modelId="{8D781601-ED51-43F6-8D0A-DC6A4C04EF1A}" type="pres">
-      <dgm:prSet presAssocID="{BC5F5671-2192-455A-8E0E-CE53C63A7BA3}" presName="node" presStyleLbl="node1" presStyleIdx="6" presStyleCnt="10">
+      <dgm:prSet presAssocID="{BC5F5671-2192-455A-8E0E-CE53C63A7BA3}" presName="node" presStyleLbl="node1" presStyleIdx="6" presStyleCnt="10" custScaleY="154820">
         <dgm:presLayoutVars>
           <dgm:bulletEnabled val="1"/>
         </dgm:presLayoutVars>
@@ -4141,7 +4147,7 @@
       </dgm:t>
     </dgm:pt>
     <dgm:pt modelId="{9BA2CACA-8F1C-4D91-96FD-5AC100B40153}" type="pres">
-      <dgm:prSet presAssocID="{0E86C63A-678D-486A-B580-E95A9F08D5AF}" presName="node" presStyleLbl="node1" presStyleIdx="7" presStyleCnt="10">
+      <dgm:prSet presAssocID="{0E86C63A-678D-486A-B580-E95A9F08D5AF}" presName="node" presStyleLbl="node1" presStyleIdx="7" presStyleCnt="10" custScaleY="128025">
         <dgm:presLayoutVars>
           <dgm:bulletEnabled val="1"/>
         </dgm:presLayoutVars>
@@ -4951,8 +4957,8 @@
   <dgm:cxnLst>
     <dgm:cxn modelId="{AD58D4FF-AF40-46D7-8330-8B4A600A9E2C}" type="presOf" srcId="{1FF9C864-9B1C-4682-86DE-C69367A08E60}" destId="{F02A752F-0F28-4929-8363-BF5E1C89B897}" srcOrd="0" destOrd="0" presId="urn:microsoft.com/office/officeart/2005/8/layout/chevron1"/>
     <dgm:cxn modelId="{A789518D-55AF-4E5A-9722-2F240BAA719E}" srcId="{7EE85259-7EC8-437F-AF2C-C5D586D10BA4}" destId="{46CCC481-C578-44AA-BE8D-2BF00AAE155C}" srcOrd="8" destOrd="0" parTransId="{25051B97-711E-484F-B623-DFF83CCBF4E0}" sibTransId="{B07F3885-5587-4264-8516-A62E03DA78A3}"/>
+    <dgm:cxn modelId="{079ACF79-70B2-4BFB-B9B6-28B001036A05}" type="presOf" srcId="{4258B29C-1A4D-496B-8A26-87F5C56DED91}" destId="{546BEE3D-8B09-48D6-8478-592BF81998A0}" srcOrd="0" destOrd="0" presId="urn:microsoft.com/office/officeart/2005/8/layout/chevron1"/>
     <dgm:cxn modelId="{0CC51E6C-4481-43F6-8EE0-3B77773D46B7}" srcId="{7EE85259-7EC8-437F-AF2C-C5D586D10BA4}" destId="{34311F1A-32AD-4E5A-AB37-457524D228EF}" srcOrd="7" destOrd="0" parTransId="{FA288482-9E89-448B-BF44-8E68A583D5E7}" sibTransId="{A0BDE53B-6E12-4BE1-AB41-2C406593E4E5}"/>
-    <dgm:cxn modelId="{079ACF79-70B2-4BFB-B9B6-28B001036A05}" type="presOf" srcId="{4258B29C-1A4D-496B-8A26-87F5C56DED91}" destId="{546BEE3D-8B09-48D6-8478-592BF81998A0}" srcOrd="0" destOrd="0" presId="urn:microsoft.com/office/officeart/2005/8/layout/chevron1"/>
     <dgm:cxn modelId="{C6E282DB-13B6-480F-831B-A4CFDD9CFDF4}" type="presOf" srcId="{764EE271-68E3-417A-8A6F-0EBABBB570B3}" destId="{47D718FA-F838-4107-9CA6-FD20BF09F875}" srcOrd="0" destOrd="0" presId="urn:microsoft.com/office/officeart/2005/8/layout/chevron1"/>
     <dgm:cxn modelId="{03E3BF6E-181D-4C37-BAAD-D228C886AF11}" type="presOf" srcId="{46CCC481-C578-44AA-BE8D-2BF00AAE155C}" destId="{A293501C-68F9-4EF9-85F6-38DBF72A975D}" srcOrd="0" destOrd="0" presId="urn:microsoft.com/office/officeart/2005/8/layout/chevron1"/>
     <dgm:cxn modelId="{4FBC9593-9012-4BC3-A964-BEA8BF23A5C0}" srcId="{7EE85259-7EC8-437F-AF2C-C5D586D10BA4}" destId="{764EE271-68E3-417A-8A6F-0EBABBB570B3}" srcOrd="6" destOrd="0" parTransId="{AB62E892-8F4C-4003-90C0-429C69B35292}" sibTransId="{75C9BAED-1C57-43A6-9785-1F058CEC581E}"/>
@@ -5510,8 +5516,8 @@
       </dsp:nvSpPr>
       <dsp:spPr>
         <a:xfrm>
-          <a:off x="1867349" y="456025"/>
-          <a:ext cx="353414" cy="91440"/>
+          <a:off x="1394504" y="1038113"/>
+          <a:ext cx="288407" cy="91440"/>
         </a:xfrm>
         <a:custGeom>
           <a:avLst/>
@@ -5525,7 +5531,7 @@
                 <a:pt x="0" y="45720"/>
               </a:moveTo>
               <a:lnTo>
-                <a:pt x="353414" y="45720"/>
+                <a:pt x="288407" y="45720"/>
               </a:lnTo>
             </a:path>
           </a:pathLst>
@@ -5563,7 +5569,7 @@
         </a:bodyPr>
         <a:lstStyle/>
         <a:p>
-          <a:pPr lvl="0" algn="ctr" defTabSz="222250">
+          <a:pPr lvl="0" algn="ctr" defTabSz="266700">
             <a:lnSpc>
               <a:spcPct val="90000"/>
             </a:lnSpc>
@@ -5574,15 +5580,15 @@
               <a:spcPct val="35000"/>
             </a:spcAft>
           </a:pPr>
-          <a:endParaRPr lang="en-US" sz="500" kern="1200">
+          <a:endParaRPr lang="en-US" sz="600" kern="1200">
             <a:latin typeface="Arial" panose="020B0604020202020204" pitchFamily="34" charset="0"/>
             <a:cs typeface="Arial" panose="020B0604020202020204" pitchFamily="34" charset="0"/>
           </a:endParaRPr>
         </a:p>
       </dsp:txBody>
       <dsp:txXfrm>
-        <a:off x="2034456" y="499825"/>
-        <a:ext cx="19200" cy="3840"/>
+        <a:off x="1530733" y="1082237"/>
+        <a:ext cx="15950" cy="3193"/>
       </dsp:txXfrm>
     </dsp:sp>
     <dsp:sp modelId="{EA6866F9-387D-462B-85BA-98FE561CD337}">
@@ -5592,8 +5598,8 @@
       </dsp:nvSpPr>
       <dsp:spPr>
         <a:xfrm>
-          <a:off x="199521" y="857"/>
-          <a:ext cx="1669628" cy="1001776"/>
+          <a:off x="9317" y="667737"/>
+          <a:ext cx="1386987" cy="832192"/>
         </a:xfrm>
         <a:prstGeom prst="rect">
           <a:avLst/>
@@ -5634,12 +5640,12 @@
         </a:fontRef>
       </dsp:style>
       <dsp:txBody>
-        <a:bodyPr spcFirstLastPara="0" vert="horz" wrap="square" lIns="71120" tIns="71120" rIns="71120" bIns="71120" numCol="1" spcCol="1270" anchor="t" anchorCtr="0">
+        <a:bodyPr spcFirstLastPara="0" vert="horz" wrap="square" lIns="78232" tIns="78232" rIns="78232" bIns="78232" numCol="1" spcCol="1270" anchor="t" anchorCtr="0">
           <a:noAutofit/>
         </a:bodyPr>
         <a:lstStyle/>
         <a:p>
-          <a:pPr lvl="0" algn="l" defTabSz="444500">
+          <a:pPr lvl="0" algn="l" defTabSz="466725">
             <a:lnSpc>
               <a:spcPct val="90000"/>
             </a:lnSpc>
@@ -5651,19 +5657,19 @@
             </a:spcAft>
           </a:pPr>
           <a:r>
-            <a:rPr lang="en-US" sz="1000" kern="1200" dirty="0" smtClean="0">
+            <a:rPr lang="en-US" sz="1050" kern="1200" dirty="0" smtClean="0">
               <a:latin typeface="Arial" panose="020B0604020202020204" pitchFamily="34" charset="0"/>
               <a:cs typeface="Arial" panose="020B0604020202020204" pitchFamily="34" charset="0"/>
             </a:rPr>
             <a:t>Explore the data</a:t>
           </a:r>
-          <a:endParaRPr lang="en-US" sz="1000" kern="1200" dirty="0">
+          <a:endParaRPr lang="en-US" sz="1050" kern="1200" dirty="0">
             <a:latin typeface="Arial" panose="020B0604020202020204" pitchFamily="34" charset="0"/>
             <a:cs typeface="Arial" panose="020B0604020202020204" pitchFamily="34" charset="0"/>
           </a:endParaRPr>
         </a:p>
         <a:p>
-          <a:pPr marL="57150" lvl="1" indent="-57150" algn="l" defTabSz="355600">
+          <a:pPr marL="57150" lvl="1" indent="-57150" algn="l" defTabSz="400050">
             <a:lnSpc>
               <a:spcPct val="90000"/>
             </a:lnSpc>
@@ -5676,19 +5682,19 @@
             <a:buChar char="••"/>
           </a:pPr>
           <a:r>
-            <a:rPr lang="en-US" sz="800" kern="1200" dirty="0" smtClean="0">
+            <a:rPr lang="en-US" sz="900" kern="1200" dirty="0" smtClean="0">
               <a:latin typeface="Arial" panose="020B0604020202020204" pitchFamily="34" charset="0"/>
               <a:cs typeface="Arial" panose="020B0604020202020204" pitchFamily="34" charset="0"/>
             </a:rPr>
             <a:t>Text Corpus (Xs)</a:t>
           </a:r>
-          <a:endParaRPr lang="en-US" sz="800" kern="1200" dirty="0">
+          <a:endParaRPr lang="en-US" sz="900" kern="1200" dirty="0">
             <a:latin typeface="Arial" panose="020B0604020202020204" pitchFamily="34" charset="0"/>
             <a:cs typeface="Arial" panose="020B0604020202020204" pitchFamily="34" charset="0"/>
           </a:endParaRPr>
         </a:p>
         <a:p>
-          <a:pPr marL="57150" lvl="1" indent="-57150" algn="l" defTabSz="355600">
+          <a:pPr marL="57150" lvl="1" indent="-57150" algn="l" defTabSz="400050">
             <a:lnSpc>
               <a:spcPct val="90000"/>
             </a:lnSpc>
@@ -5701,21 +5707,21 @@
             <a:buChar char="••"/>
           </a:pPr>
           <a:r>
-            <a:rPr lang="en-US" sz="800" kern="1200" dirty="0" smtClean="0">
+            <a:rPr lang="en-US" sz="900" kern="1200" dirty="0" smtClean="0">
               <a:latin typeface="Arial" panose="020B0604020202020204" pitchFamily="34" charset="0"/>
               <a:cs typeface="Arial" panose="020B0604020202020204" pitchFamily="34" charset="0"/>
             </a:rPr>
             <a:t>Labels (Y)</a:t>
           </a:r>
-          <a:endParaRPr lang="en-US" sz="800" kern="1200" dirty="0">
+          <a:endParaRPr lang="en-US" sz="900" kern="1200" dirty="0">
             <a:latin typeface="Arial" panose="020B0604020202020204" pitchFamily="34" charset="0"/>
             <a:cs typeface="Arial" panose="020B0604020202020204" pitchFamily="34" charset="0"/>
           </a:endParaRPr>
         </a:p>
       </dsp:txBody>
       <dsp:txXfrm>
-        <a:off x="199521" y="857"/>
-        <a:ext cx="1669628" cy="1001776"/>
+        <a:off x="9317" y="667737"/>
+        <a:ext cx="1386987" cy="832192"/>
       </dsp:txXfrm>
     </dsp:sp>
     <dsp:sp modelId="{64014CA6-3204-4083-B2D7-E6CD2518B698}">
@@ -5725,8 +5731,8 @@
       </dsp:nvSpPr>
       <dsp:spPr>
         <a:xfrm>
-          <a:off x="3920992" y="456025"/>
-          <a:ext cx="353414" cy="91440"/>
+          <a:off x="3100499" y="1038113"/>
+          <a:ext cx="288407" cy="91440"/>
         </a:xfrm>
         <a:custGeom>
           <a:avLst/>
@@ -5740,7 +5746,7 @@
                 <a:pt x="0" y="45720"/>
               </a:moveTo>
               <a:lnTo>
-                <a:pt x="353414" y="45720"/>
+                <a:pt x="288407" y="45720"/>
               </a:lnTo>
             </a:path>
           </a:pathLst>
@@ -5778,7 +5784,7 @@
         </a:bodyPr>
         <a:lstStyle/>
         <a:p>
-          <a:pPr lvl="0" algn="ctr" defTabSz="222250">
+          <a:pPr lvl="0" algn="ctr" defTabSz="266700">
             <a:lnSpc>
               <a:spcPct val="90000"/>
             </a:lnSpc>
@@ -5789,15 +5795,15 @@
               <a:spcPct val="35000"/>
             </a:spcAft>
           </a:pPr>
-          <a:endParaRPr lang="en-US" sz="500" kern="1200">
+          <a:endParaRPr lang="en-US" sz="600" kern="1200">
             <a:latin typeface="Arial" panose="020B0604020202020204" pitchFamily="34" charset="0"/>
             <a:cs typeface="Arial" panose="020B0604020202020204" pitchFamily="34" charset="0"/>
           </a:endParaRPr>
         </a:p>
       </dsp:txBody>
       <dsp:txXfrm>
-        <a:off x="4088099" y="499825"/>
-        <a:ext cx="19200" cy="3840"/>
+        <a:off x="3236727" y="1082237"/>
+        <a:ext cx="15950" cy="3193"/>
       </dsp:txXfrm>
     </dsp:sp>
     <dsp:sp modelId="{C14555EE-8DC0-411D-B3B6-C507820ECABD}">
@@ -5807,8 +5813,8 @@
       </dsp:nvSpPr>
       <dsp:spPr>
         <a:xfrm>
-          <a:off x="2253164" y="857"/>
-          <a:ext cx="1669628" cy="1001776"/>
+          <a:off x="1715311" y="530696"/>
+          <a:ext cx="1386987" cy="1106274"/>
         </a:xfrm>
         <a:prstGeom prst="rect">
           <a:avLst/>
@@ -5849,12 +5855,12 @@
         </a:fontRef>
       </dsp:style>
       <dsp:txBody>
-        <a:bodyPr spcFirstLastPara="0" vert="horz" wrap="square" lIns="71120" tIns="71120" rIns="71120" bIns="71120" numCol="1" spcCol="1270" anchor="t" anchorCtr="0">
+        <a:bodyPr spcFirstLastPara="0" vert="horz" wrap="square" lIns="78232" tIns="78232" rIns="78232" bIns="78232" numCol="1" spcCol="1270" anchor="t" anchorCtr="0">
           <a:noAutofit/>
         </a:bodyPr>
         <a:lstStyle/>
         <a:p>
-          <a:pPr lvl="0" algn="l" defTabSz="444500">
+          <a:pPr lvl="0" algn="l" defTabSz="466725">
             <a:lnSpc>
               <a:spcPct val="90000"/>
             </a:lnSpc>
@@ -5866,19 +5872,19 @@
             </a:spcAft>
           </a:pPr>
           <a:r>
-            <a:rPr lang="en-US" sz="1000" kern="1200" dirty="0" smtClean="0">
+            <a:rPr lang="en-US" sz="1050" kern="1200" dirty="0" smtClean="0">
               <a:latin typeface="Arial" panose="020B0604020202020204" pitchFamily="34" charset="0"/>
               <a:cs typeface="Arial" panose="020B0604020202020204" pitchFamily="34" charset="0"/>
             </a:rPr>
             <a:t>How can I use the labels / categories?</a:t>
           </a:r>
-          <a:endParaRPr lang="en-US" sz="1000" kern="1200" dirty="0">
+          <a:endParaRPr lang="en-US" sz="1050" kern="1200" dirty="0">
             <a:latin typeface="Arial" panose="020B0604020202020204" pitchFamily="34" charset="0"/>
             <a:cs typeface="Arial" panose="020B0604020202020204" pitchFamily="34" charset="0"/>
           </a:endParaRPr>
         </a:p>
         <a:p>
-          <a:pPr marL="57150" lvl="1" indent="-57150" algn="l" defTabSz="355600">
+          <a:pPr marL="57150" lvl="1" indent="-57150" algn="l" defTabSz="400050">
             <a:lnSpc>
               <a:spcPct val="90000"/>
             </a:lnSpc>
@@ -5891,19 +5897,19 @@
             <a:buChar char="••"/>
           </a:pPr>
           <a:r>
-            <a:rPr lang="en-US" sz="800" kern="1200" dirty="0" smtClean="0">
+            <a:rPr lang="en-US" sz="900" kern="1200" dirty="0" smtClean="0">
               <a:latin typeface="Arial" panose="020B0604020202020204" pitchFamily="34" charset="0"/>
               <a:cs typeface="Arial" panose="020B0604020202020204" pitchFamily="34" charset="0"/>
             </a:rPr>
             <a:t>What level of aggregation should I consider my DSIDs?</a:t>
           </a:r>
-          <a:endParaRPr lang="en-US" sz="800" kern="1200" dirty="0">
+          <a:endParaRPr lang="en-US" sz="900" kern="1200" dirty="0">
             <a:latin typeface="Arial" panose="020B0604020202020204" pitchFamily="34" charset="0"/>
             <a:cs typeface="Arial" panose="020B0604020202020204" pitchFamily="34" charset="0"/>
           </a:endParaRPr>
         </a:p>
         <a:p>
-          <a:pPr marL="57150" lvl="1" indent="-57150" algn="l" defTabSz="355600">
+          <a:pPr marL="57150" lvl="1" indent="-57150" algn="l" defTabSz="400050">
             <a:lnSpc>
               <a:spcPct val="90000"/>
             </a:lnSpc>
@@ -5916,21 +5922,21 @@
             <a:buChar char="••"/>
           </a:pPr>
           <a:r>
-            <a:rPr lang="en-US" sz="800" kern="1200" dirty="0" smtClean="0">
+            <a:rPr lang="en-US" sz="900" kern="1200" dirty="0" smtClean="0">
               <a:latin typeface="Arial" panose="020B0604020202020204" pitchFamily="34" charset="0"/>
               <a:cs typeface="Arial" panose="020B0604020202020204" pitchFamily="34" charset="0"/>
             </a:rPr>
             <a:t>Identify non-unique categories</a:t>
           </a:r>
-          <a:endParaRPr lang="en-US" sz="800" kern="1200" dirty="0">
+          <a:endParaRPr lang="en-US" sz="900" kern="1200" dirty="0">
             <a:latin typeface="Arial" panose="020B0604020202020204" pitchFamily="34" charset="0"/>
             <a:cs typeface="Arial" panose="020B0604020202020204" pitchFamily="34" charset="0"/>
           </a:endParaRPr>
         </a:p>
       </dsp:txBody>
       <dsp:txXfrm>
-        <a:off x="2253164" y="857"/>
-        <a:ext cx="1669628" cy="1001776"/>
+        <a:off x="1715311" y="530696"/>
+        <a:ext cx="1386987" cy="1106274"/>
       </dsp:txXfrm>
     </dsp:sp>
     <dsp:sp modelId="{82D30C15-16EE-4B1D-8609-5CD318F065BB}">
@@ -5940,8 +5946,8 @@
       </dsp:nvSpPr>
       <dsp:spPr>
         <a:xfrm>
-          <a:off x="5974635" y="456025"/>
-          <a:ext cx="353414" cy="91440"/>
+          <a:off x="4806493" y="1038113"/>
+          <a:ext cx="288407" cy="91440"/>
         </a:xfrm>
         <a:custGeom>
           <a:avLst/>
@@ -5955,7 +5961,7 @@
                 <a:pt x="0" y="45720"/>
               </a:moveTo>
               <a:lnTo>
-                <a:pt x="353414" y="45720"/>
+                <a:pt x="288407" y="45720"/>
               </a:lnTo>
             </a:path>
           </a:pathLst>
@@ -5993,7 +5999,7 @@
         </a:bodyPr>
         <a:lstStyle/>
         <a:p>
-          <a:pPr lvl="0" algn="ctr" defTabSz="222250">
+          <a:pPr lvl="0" algn="ctr" defTabSz="266700">
             <a:lnSpc>
               <a:spcPct val="90000"/>
             </a:lnSpc>
@@ -6004,15 +6010,15 @@
               <a:spcPct val="35000"/>
             </a:spcAft>
           </a:pPr>
-          <a:endParaRPr lang="en-US" sz="500" kern="1200">
+          <a:endParaRPr lang="en-US" sz="600" kern="1200">
             <a:latin typeface="Arial" panose="020B0604020202020204" pitchFamily="34" charset="0"/>
             <a:cs typeface="Arial" panose="020B0604020202020204" pitchFamily="34" charset="0"/>
           </a:endParaRPr>
         </a:p>
       </dsp:txBody>
       <dsp:txXfrm>
-        <a:off x="6141742" y="499825"/>
-        <a:ext cx="19200" cy="3840"/>
+        <a:off x="4942722" y="1082237"/>
+        <a:ext cx="15950" cy="3193"/>
       </dsp:txXfrm>
     </dsp:sp>
     <dsp:sp modelId="{A6ECC88B-056E-4605-9DBF-C87D49FDA5DB}">
@@ -6022,8 +6028,8 @@
       </dsp:nvSpPr>
       <dsp:spPr>
         <a:xfrm>
-          <a:off x="4306807" y="857"/>
-          <a:ext cx="1669628" cy="1001776"/>
+          <a:off x="3421306" y="456269"/>
+          <a:ext cx="1386987" cy="1255129"/>
         </a:xfrm>
         <a:prstGeom prst="rect">
           <a:avLst/>
@@ -6064,12 +6070,12 @@
         </a:fontRef>
       </dsp:style>
       <dsp:txBody>
-        <a:bodyPr spcFirstLastPara="0" vert="horz" wrap="square" lIns="71120" tIns="71120" rIns="71120" bIns="71120" numCol="1" spcCol="1270" anchor="t" anchorCtr="0">
+        <a:bodyPr spcFirstLastPara="0" vert="horz" wrap="square" lIns="78232" tIns="78232" rIns="78232" bIns="78232" numCol="1" spcCol="1270" anchor="t" anchorCtr="0">
           <a:noAutofit/>
         </a:bodyPr>
         <a:lstStyle/>
         <a:p>
-          <a:pPr lvl="0" algn="l" defTabSz="444500">
+          <a:pPr lvl="0" algn="l" defTabSz="466725">
             <a:lnSpc>
               <a:spcPct val="90000"/>
             </a:lnSpc>
@@ -6081,19 +6087,19 @@
             </a:spcAft>
           </a:pPr>
           <a:r>
-            <a:rPr lang="en-US" sz="1000" kern="1200" dirty="0" smtClean="0">
+            <a:rPr lang="en-US" sz="1050" kern="1200" dirty="0" smtClean="0">
               <a:latin typeface="Arial" panose="020B0604020202020204" pitchFamily="34" charset="0"/>
               <a:cs typeface="Arial" panose="020B0604020202020204" pitchFamily="34" charset="0"/>
             </a:rPr>
             <a:t>Text Preparation</a:t>
           </a:r>
-          <a:endParaRPr lang="en-US" sz="1000" kern="1200" dirty="0">
+          <a:endParaRPr lang="en-US" sz="1050" kern="1200" dirty="0">
             <a:latin typeface="Arial" panose="020B0604020202020204" pitchFamily="34" charset="0"/>
             <a:cs typeface="Arial" panose="020B0604020202020204" pitchFamily="34" charset="0"/>
           </a:endParaRPr>
         </a:p>
         <a:p>
-          <a:pPr marL="57150" lvl="1" indent="-57150" algn="l" defTabSz="355600">
+          <a:pPr marL="57150" lvl="1" indent="-57150" algn="l" defTabSz="400050">
             <a:lnSpc>
               <a:spcPct val="90000"/>
             </a:lnSpc>
@@ -6106,19 +6112,19 @@
             <a:buChar char="••"/>
           </a:pPr>
           <a:r>
-            <a:rPr lang="en-US" sz="800" kern="1200" dirty="0" smtClean="0">
+            <a:rPr lang="en-US" sz="900" kern="1200" dirty="0" smtClean="0">
               <a:latin typeface="Arial" panose="020B0604020202020204" pitchFamily="34" charset="0"/>
               <a:cs typeface="Arial" panose="020B0604020202020204" pitchFamily="34" charset="0"/>
             </a:rPr>
             <a:t>Eliminate non-unique categories</a:t>
           </a:r>
-          <a:endParaRPr lang="en-US" sz="800" kern="1200" dirty="0">
+          <a:endParaRPr lang="en-US" sz="900" kern="1200" dirty="0">
             <a:latin typeface="Arial" panose="020B0604020202020204" pitchFamily="34" charset="0"/>
             <a:cs typeface="Arial" panose="020B0604020202020204" pitchFamily="34" charset="0"/>
           </a:endParaRPr>
         </a:p>
         <a:p>
-          <a:pPr marL="57150" lvl="1" indent="-57150" algn="l" defTabSz="355600">
+          <a:pPr marL="57150" lvl="1" indent="-57150" algn="l" defTabSz="400050">
             <a:lnSpc>
               <a:spcPct val="90000"/>
             </a:lnSpc>
@@ -6131,19 +6137,19 @@
             <a:buChar char="••"/>
           </a:pPr>
           <a:r>
-            <a:rPr lang="en-US" sz="800" kern="1200" dirty="0" smtClean="0">
+            <a:rPr lang="en-US" sz="900" kern="1200" dirty="0" smtClean="0">
               <a:latin typeface="Arial" panose="020B0604020202020204" pitchFamily="34" charset="0"/>
               <a:cs typeface="Arial" panose="020B0604020202020204" pitchFamily="34" charset="0"/>
             </a:rPr>
             <a:t>Case to lower</a:t>
           </a:r>
-          <a:endParaRPr lang="en-US" sz="800" kern="1200" dirty="0">
+          <a:endParaRPr lang="en-US" sz="900" kern="1200" dirty="0">
             <a:latin typeface="Arial" panose="020B0604020202020204" pitchFamily="34" charset="0"/>
             <a:cs typeface="Arial" panose="020B0604020202020204" pitchFamily="34" charset="0"/>
           </a:endParaRPr>
         </a:p>
         <a:p>
-          <a:pPr marL="57150" lvl="1" indent="-57150" algn="l" defTabSz="355600">
+          <a:pPr marL="57150" lvl="1" indent="-57150" algn="l" defTabSz="400050">
             <a:lnSpc>
               <a:spcPct val="90000"/>
             </a:lnSpc>
@@ -6156,19 +6162,19 @@
             <a:buChar char="••"/>
           </a:pPr>
           <a:r>
-            <a:rPr lang="en-US" sz="800" kern="1200" dirty="0" smtClean="0">
+            <a:rPr lang="en-US" sz="900" kern="1200" dirty="0" smtClean="0">
               <a:latin typeface="Arial" panose="020B0604020202020204" pitchFamily="34" charset="0"/>
               <a:cs typeface="Arial" panose="020B0604020202020204" pitchFamily="34" charset="0"/>
             </a:rPr>
             <a:t>Handle period separation</a:t>
           </a:r>
-          <a:endParaRPr lang="en-US" sz="800" kern="1200" dirty="0">
+          <a:endParaRPr lang="en-US" sz="900" kern="1200" dirty="0">
             <a:latin typeface="Arial" panose="020B0604020202020204" pitchFamily="34" charset="0"/>
             <a:cs typeface="Arial" panose="020B0604020202020204" pitchFamily="34" charset="0"/>
           </a:endParaRPr>
         </a:p>
         <a:p>
-          <a:pPr marL="57150" lvl="1" indent="-57150" algn="l" defTabSz="355600">
+          <a:pPr marL="57150" lvl="1" indent="-57150" algn="l" defTabSz="400050">
             <a:lnSpc>
               <a:spcPct val="90000"/>
             </a:lnSpc>
@@ -6181,19 +6187,19 @@
             <a:buChar char="••"/>
           </a:pPr>
           <a:r>
-            <a:rPr lang="en-US" sz="800" kern="1200" dirty="0" smtClean="0">
+            <a:rPr lang="en-US" sz="900" kern="1200" dirty="0" smtClean="0">
               <a:latin typeface="Arial" panose="020B0604020202020204" pitchFamily="34" charset="0"/>
               <a:cs typeface="Arial" panose="020B0604020202020204" pitchFamily="34" charset="0"/>
             </a:rPr>
             <a:t>Remove punctuation</a:t>
           </a:r>
-          <a:endParaRPr lang="en-US" sz="800" kern="1200" dirty="0">
+          <a:endParaRPr lang="en-US" sz="900" kern="1200" dirty="0">
             <a:latin typeface="Arial" panose="020B0604020202020204" pitchFamily="34" charset="0"/>
             <a:cs typeface="Arial" panose="020B0604020202020204" pitchFamily="34" charset="0"/>
           </a:endParaRPr>
         </a:p>
         <a:p>
-          <a:pPr marL="57150" lvl="1" indent="-57150" algn="l" defTabSz="355600">
+          <a:pPr marL="57150" lvl="1" indent="-57150" algn="l" defTabSz="400050">
             <a:lnSpc>
               <a:spcPct val="90000"/>
             </a:lnSpc>
@@ -6206,21 +6212,28 @@
             <a:buChar char="••"/>
           </a:pPr>
           <a:r>
-            <a:rPr lang="en-US" sz="800" kern="1200" smtClean="0">
+            <a:rPr lang="en-US" sz="900" kern="1200" dirty="0" smtClean="0">
               <a:latin typeface="Arial" panose="020B0604020202020204" pitchFamily="34" charset="0"/>
               <a:cs typeface="Arial" panose="020B0604020202020204" pitchFamily="34" charset="0"/>
             </a:rPr>
-            <a:t>Remove stopwords</a:t>
+            <a:t>Remove </a:t>
           </a:r>
-          <a:endParaRPr lang="en-US" sz="800" kern="1200" dirty="0">
+          <a:r>
+            <a:rPr lang="en-US" sz="900" kern="1200" dirty="0" err="1" smtClean="0">
+              <a:latin typeface="Arial" panose="020B0604020202020204" pitchFamily="34" charset="0"/>
+              <a:cs typeface="Arial" panose="020B0604020202020204" pitchFamily="34" charset="0"/>
+            </a:rPr>
+            <a:t>stopwords</a:t>
+          </a:r>
+          <a:endParaRPr lang="en-US" sz="900" kern="1200" dirty="0">
             <a:latin typeface="Arial" panose="020B0604020202020204" pitchFamily="34" charset="0"/>
             <a:cs typeface="Arial" panose="020B0604020202020204" pitchFamily="34" charset="0"/>
           </a:endParaRPr>
         </a:p>
       </dsp:txBody>
       <dsp:txXfrm>
-        <a:off x="4306807" y="857"/>
-        <a:ext cx="1669628" cy="1001776"/>
+        <a:off x="3421306" y="456269"/>
+        <a:ext cx="1386987" cy="1255129"/>
       </dsp:txXfrm>
     </dsp:sp>
     <dsp:sp modelId="{1DD9AD99-51F6-41C2-969F-13B3F10D4851}">
@@ -6230,8 +6243,8 @@
       </dsp:nvSpPr>
       <dsp:spPr>
         <a:xfrm>
-          <a:off x="1034335" y="1000834"/>
-          <a:ext cx="6160928" cy="353414"/>
+          <a:off x="6512488" y="1038113"/>
+          <a:ext cx="288407" cy="91440"/>
         </a:xfrm>
         <a:custGeom>
           <a:avLst/>
@@ -6242,16 +6255,10 @@
           <a:pathLst>
             <a:path>
               <a:moveTo>
-                <a:pt x="6160928" y="0"/>
+                <a:pt x="0" y="45720"/>
               </a:moveTo>
               <a:lnTo>
-                <a:pt x="6160928" y="193807"/>
-              </a:lnTo>
-              <a:lnTo>
-                <a:pt x="0" y="193807"/>
-              </a:lnTo>
-              <a:lnTo>
-                <a:pt x="0" y="353414"/>
+                <a:pt x="288407" y="45720"/>
               </a:lnTo>
             </a:path>
           </a:pathLst>
@@ -6289,7 +6296,7 @@
         </a:bodyPr>
         <a:lstStyle/>
         <a:p>
-          <a:pPr lvl="0" algn="ctr" defTabSz="222250">
+          <a:pPr lvl="0" algn="ctr" defTabSz="266700">
             <a:lnSpc>
               <a:spcPct val="90000"/>
             </a:lnSpc>
@@ -6300,15 +6307,15 @@
               <a:spcPct val="35000"/>
             </a:spcAft>
           </a:pPr>
-          <a:endParaRPr lang="en-US" sz="500" kern="1200">
+          <a:endParaRPr lang="en-US" sz="600" kern="1200">
             <a:latin typeface="Arial" panose="020B0604020202020204" pitchFamily="34" charset="0"/>
             <a:cs typeface="Arial" panose="020B0604020202020204" pitchFamily="34" charset="0"/>
           </a:endParaRPr>
         </a:p>
       </dsp:txBody>
       <dsp:txXfrm>
-        <a:off x="3960477" y="1175621"/>
-        <a:ext cx="308644" cy="3840"/>
+        <a:off x="6648716" y="1082237"/>
+        <a:ext cx="15950" cy="3193"/>
       </dsp:txXfrm>
     </dsp:sp>
     <dsp:sp modelId="{0A6FEB60-84FE-4ED2-A2CF-638AACA3EA41}">
@@ -6318,8 +6325,8 @@
       </dsp:nvSpPr>
       <dsp:spPr>
         <a:xfrm>
-          <a:off x="6360450" y="857"/>
-          <a:ext cx="1669628" cy="1001776"/>
+          <a:off x="5127300" y="445633"/>
+          <a:ext cx="1386987" cy="1276400"/>
         </a:xfrm>
         <a:prstGeom prst="rect">
           <a:avLst/>
@@ -6360,12 +6367,12 @@
         </a:fontRef>
       </dsp:style>
       <dsp:txBody>
-        <a:bodyPr spcFirstLastPara="0" vert="horz" wrap="square" lIns="71120" tIns="71120" rIns="71120" bIns="71120" numCol="1" spcCol="1270" anchor="t" anchorCtr="0">
+        <a:bodyPr spcFirstLastPara="0" vert="horz" wrap="square" lIns="78232" tIns="78232" rIns="78232" bIns="78232" numCol="1" spcCol="1270" anchor="t" anchorCtr="0">
           <a:noAutofit/>
         </a:bodyPr>
         <a:lstStyle/>
         <a:p>
-          <a:pPr lvl="0" algn="l" defTabSz="444500">
+          <a:pPr lvl="0" algn="l" defTabSz="466725">
             <a:lnSpc>
               <a:spcPct val="90000"/>
             </a:lnSpc>
@@ -6377,19 +6384,19 @@
             </a:spcAft>
           </a:pPr>
           <a:r>
-            <a:rPr lang="en-US" sz="1000" kern="1200" smtClean="0">
+            <a:rPr lang="en-US" sz="1050" kern="1200" smtClean="0">
               <a:latin typeface="Arial" panose="020B0604020202020204" pitchFamily="34" charset="0"/>
               <a:cs typeface="Arial" panose="020B0604020202020204" pitchFamily="34" charset="0"/>
             </a:rPr>
             <a:t>Text Preparation</a:t>
           </a:r>
-          <a:endParaRPr lang="en-US" sz="1000" kern="1200" dirty="0">
+          <a:endParaRPr lang="en-US" sz="1050" kern="1200" dirty="0">
             <a:latin typeface="Arial" panose="020B0604020202020204" pitchFamily="34" charset="0"/>
             <a:cs typeface="Arial" panose="020B0604020202020204" pitchFamily="34" charset="0"/>
           </a:endParaRPr>
         </a:p>
         <a:p>
-          <a:pPr marL="57150" lvl="1" indent="-57150" algn="l" defTabSz="355600">
+          <a:pPr marL="57150" lvl="1" indent="-57150" algn="l" defTabSz="400050">
             <a:lnSpc>
               <a:spcPct val="90000"/>
             </a:lnSpc>
@@ -6402,19 +6409,19 @@
             <a:buChar char="••"/>
           </a:pPr>
           <a:r>
-            <a:rPr lang="en-US" sz="800" kern="1200" dirty="0" smtClean="0">
+            <a:rPr lang="en-US" sz="900" kern="1200" dirty="0" smtClean="0">
               <a:latin typeface="Arial" panose="020B0604020202020204" pitchFamily="34" charset="0"/>
               <a:cs typeface="Arial" panose="020B0604020202020204" pitchFamily="34" charset="0"/>
             </a:rPr>
             <a:t>Remove too common words</a:t>
           </a:r>
-          <a:endParaRPr lang="en-US" sz="800" kern="1200" dirty="0">
+          <a:endParaRPr lang="en-US" sz="900" kern="1200" dirty="0">
             <a:latin typeface="Arial" panose="020B0604020202020204" pitchFamily="34" charset="0"/>
             <a:cs typeface="Arial" panose="020B0604020202020204" pitchFamily="34" charset="0"/>
           </a:endParaRPr>
         </a:p>
         <a:p>
-          <a:pPr marL="57150" lvl="1" indent="-57150" algn="l" defTabSz="355600">
+          <a:pPr marL="57150" lvl="1" indent="-57150" algn="l" defTabSz="400050">
             <a:lnSpc>
               <a:spcPct val="90000"/>
             </a:lnSpc>
@@ -6427,19 +6434,19 @@
             <a:buChar char="••"/>
           </a:pPr>
           <a:r>
-            <a:rPr lang="en-US" sz="800" kern="1200" dirty="0" smtClean="0">
+            <a:rPr lang="en-US" sz="900" kern="1200" dirty="0" smtClean="0">
               <a:latin typeface="Arial" panose="020B0604020202020204" pitchFamily="34" charset="0"/>
               <a:cs typeface="Arial" panose="020B0604020202020204" pitchFamily="34" charset="0"/>
             </a:rPr>
             <a:t>Remove taxiway designations</a:t>
           </a:r>
-          <a:endParaRPr lang="en-US" sz="800" kern="1200" dirty="0">
+          <a:endParaRPr lang="en-US" sz="900" kern="1200" dirty="0">
             <a:latin typeface="Arial" panose="020B0604020202020204" pitchFamily="34" charset="0"/>
             <a:cs typeface="Arial" panose="020B0604020202020204" pitchFamily="34" charset="0"/>
           </a:endParaRPr>
         </a:p>
         <a:p>
-          <a:pPr marL="57150" lvl="1" indent="-57150" algn="l" defTabSz="355600">
+          <a:pPr marL="57150" lvl="1" indent="-57150" algn="l" defTabSz="400050">
             <a:lnSpc>
               <a:spcPct val="90000"/>
             </a:lnSpc>
@@ -6452,19 +6459,19 @@
             <a:buChar char="••"/>
           </a:pPr>
           <a:r>
-            <a:rPr lang="en-US" sz="800" kern="1200" dirty="0" smtClean="0">
+            <a:rPr lang="en-US" sz="900" kern="1200" dirty="0" smtClean="0">
               <a:latin typeface="Arial" panose="020B0604020202020204" pitchFamily="34" charset="0"/>
               <a:cs typeface="Arial" panose="020B0604020202020204" pitchFamily="34" charset="0"/>
             </a:rPr>
             <a:t>Remove airport IATA codes</a:t>
           </a:r>
-          <a:endParaRPr lang="en-US" sz="800" kern="1200" dirty="0">
+          <a:endParaRPr lang="en-US" sz="900" kern="1200" dirty="0">
             <a:latin typeface="Arial" panose="020B0604020202020204" pitchFamily="34" charset="0"/>
             <a:cs typeface="Arial" panose="020B0604020202020204" pitchFamily="34" charset="0"/>
           </a:endParaRPr>
         </a:p>
         <a:p>
-          <a:pPr marL="57150" lvl="1" indent="-57150" algn="l" defTabSz="355600">
+          <a:pPr marL="57150" lvl="1" indent="-57150" algn="l" defTabSz="400050">
             <a:lnSpc>
               <a:spcPct val="90000"/>
             </a:lnSpc>
@@ -6477,21 +6484,21 @@
             <a:buChar char="••"/>
           </a:pPr>
           <a:r>
-            <a:rPr lang="en-US" sz="800" kern="1200" dirty="0" smtClean="0">
+            <a:rPr lang="en-US" sz="900" kern="1200" dirty="0" smtClean="0">
               <a:latin typeface="Arial" panose="020B0604020202020204" pitchFamily="34" charset="0"/>
               <a:cs typeface="Arial" panose="020B0604020202020204" pitchFamily="34" charset="0"/>
             </a:rPr>
             <a:t>Strip whitespaces</a:t>
           </a:r>
-          <a:endParaRPr lang="en-US" sz="800" kern="1200" dirty="0">
+          <a:endParaRPr lang="en-US" sz="900" kern="1200" dirty="0">
             <a:latin typeface="Arial" panose="020B0604020202020204" pitchFamily="34" charset="0"/>
             <a:cs typeface="Arial" panose="020B0604020202020204" pitchFamily="34" charset="0"/>
           </a:endParaRPr>
         </a:p>
       </dsp:txBody>
       <dsp:txXfrm>
-        <a:off x="6360450" y="857"/>
-        <a:ext cx="1669628" cy="1001776"/>
+        <a:off x="5127300" y="445633"/>
+        <a:ext cx="1386987" cy="1276400"/>
       </dsp:txXfrm>
     </dsp:sp>
     <dsp:sp modelId="{1682577C-D3D4-4865-9571-1B0C06653462}">
@@ -6501,8 +6508,8 @@
       </dsp:nvSpPr>
       <dsp:spPr>
         <a:xfrm>
-          <a:off x="1867349" y="1841817"/>
-          <a:ext cx="353414" cy="91440"/>
+          <a:off x="702811" y="1498130"/>
+          <a:ext cx="6823977" cy="738614"/>
         </a:xfrm>
         <a:custGeom>
           <a:avLst/>
@@ -6513,10 +6520,16 @@
           <a:pathLst>
             <a:path>
               <a:moveTo>
-                <a:pt x="0" y="45720"/>
+                <a:pt x="6823977" y="0"/>
               </a:moveTo>
               <a:lnTo>
-                <a:pt x="353414" y="45720"/>
+                <a:pt x="6823977" y="386407"/>
+              </a:lnTo>
+              <a:lnTo>
+                <a:pt x="0" y="386407"/>
+              </a:lnTo>
+              <a:lnTo>
+                <a:pt x="0" y="738614"/>
               </a:lnTo>
             </a:path>
           </a:pathLst>
@@ -6554,7 +6567,7 @@
         </a:bodyPr>
         <a:lstStyle/>
         <a:p>
-          <a:pPr lvl="0" algn="ctr" defTabSz="222250">
+          <a:pPr lvl="0" algn="ctr" defTabSz="266700">
             <a:lnSpc>
               <a:spcPct val="90000"/>
             </a:lnSpc>
@@ -6565,15 +6578,15 @@
               <a:spcPct val="35000"/>
             </a:spcAft>
           </a:pPr>
-          <a:endParaRPr lang="en-US" sz="500" kern="1200">
+          <a:endParaRPr lang="en-US" sz="600" kern="1200">
             <a:latin typeface="Arial" panose="020B0604020202020204" pitchFamily="34" charset="0"/>
             <a:cs typeface="Arial" panose="020B0604020202020204" pitchFamily="34" charset="0"/>
           </a:endParaRPr>
         </a:p>
       </dsp:txBody>
       <dsp:txXfrm>
-        <a:off x="2034456" y="1885617"/>
-        <a:ext cx="19200" cy="3840"/>
+        <a:off x="3943120" y="1865840"/>
+        <a:ext cx="343359" cy="3193"/>
       </dsp:txXfrm>
     </dsp:sp>
     <dsp:sp modelId="{B9A76340-1C91-459C-BBCC-1FEE7067F3BA}">
@@ -6583,8 +6596,8 @@
       </dsp:nvSpPr>
       <dsp:spPr>
         <a:xfrm>
-          <a:off x="199521" y="1386649"/>
-          <a:ext cx="1669628" cy="1001776"/>
+          <a:off x="6833295" y="667737"/>
+          <a:ext cx="1386987" cy="832192"/>
         </a:xfrm>
         <a:prstGeom prst="rect">
           <a:avLst/>
@@ -6625,12 +6638,12 @@
         </a:fontRef>
       </dsp:style>
       <dsp:txBody>
-        <a:bodyPr spcFirstLastPara="0" vert="horz" wrap="square" lIns="71120" tIns="71120" rIns="71120" bIns="71120" numCol="1" spcCol="1270" anchor="t" anchorCtr="0">
+        <a:bodyPr spcFirstLastPara="0" vert="horz" wrap="square" lIns="78232" tIns="78232" rIns="78232" bIns="78232" numCol="1" spcCol="1270" anchor="t" anchorCtr="0">
           <a:noAutofit/>
         </a:bodyPr>
         <a:lstStyle/>
         <a:p>
-          <a:pPr lvl="0" algn="l" defTabSz="444500">
+          <a:pPr lvl="0" algn="l" defTabSz="466725">
             <a:lnSpc>
               <a:spcPct val="90000"/>
             </a:lnSpc>
@@ -6642,19 +6655,19 @@
             </a:spcAft>
           </a:pPr>
           <a:r>
-            <a:rPr lang="en-US" sz="1000" kern="1200" dirty="0" smtClean="0">
+            <a:rPr lang="en-US" sz="1050" kern="1200" dirty="0" smtClean="0">
               <a:latin typeface="Arial" panose="020B0604020202020204" pitchFamily="34" charset="0"/>
               <a:cs typeface="Arial" panose="020B0604020202020204" pitchFamily="34" charset="0"/>
             </a:rPr>
             <a:t>Tidy Text</a:t>
           </a:r>
-          <a:endParaRPr lang="en-US" sz="1000" kern="1200" dirty="0">
+          <a:endParaRPr lang="en-US" sz="1050" kern="1200" dirty="0">
             <a:latin typeface="Arial" panose="020B0604020202020204" pitchFamily="34" charset="0"/>
             <a:cs typeface="Arial" panose="020B0604020202020204" pitchFamily="34" charset="0"/>
           </a:endParaRPr>
         </a:p>
         <a:p>
-          <a:pPr marL="57150" lvl="1" indent="-57150" algn="l" defTabSz="355600">
+          <a:pPr marL="57150" lvl="1" indent="-57150" algn="l" defTabSz="400050">
             <a:lnSpc>
               <a:spcPct val="90000"/>
             </a:lnSpc>
@@ -6667,35 +6680,35 @@
             <a:buChar char="••"/>
           </a:pPr>
           <a:r>
-            <a:rPr lang="en-US" sz="800" kern="1200" dirty="0" smtClean="0">
+            <a:rPr lang="en-US" sz="900" kern="1200" dirty="0" smtClean="0">
               <a:latin typeface="Arial" panose="020B0604020202020204" pitchFamily="34" charset="0"/>
               <a:cs typeface="Arial" panose="020B0604020202020204" pitchFamily="34" charset="0"/>
             </a:rPr>
             <a:t>One row per “category + </a:t>
           </a:r>
           <a:r>
-            <a:rPr lang="en-US" sz="800" kern="1200" dirty="0" err="1" smtClean="0">
+            <a:rPr lang="en-US" sz="900" kern="1200" dirty="0" err="1" smtClean="0">
               <a:latin typeface="Arial" panose="020B0604020202020204" pitchFamily="34" charset="0"/>
               <a:cs typeface="Arial" panose="020B0604020202020204" pitchFamily="34" charset="0"/>
             </a:rPr>
             <a:t>dsid</a:t>
           </a:r>
           <a:r>
-            <a:rPr lang="en-US" sz="800" kern="1200" dirty="0" smtClean="0">
+            <a:rPr lang="en-US" sz="900" kern="1200" dirty="0" smtClean="0">
               <a:latin typeface="Arial" panose="020B0604020202020204" pitchFamily="34" charset="0"/>
               <a:cs typeface="Arial" panose="020B0604020202020204" pitchFamily="34" charset="0"/>
             </a:rPr>
             <a:t> + word + count”</a:t>
           </a:r>
-          <a:endParaRPr lang="en-US" sz="800" kern="1200" dirty="0">
+          <a:endParaRPr lang="en-US" sz="900" kern="1200" dirty="0">
             <a:latin typeface="Arial" panose="020B0604020202020204" pitchFamily="34" charset="0"/>
             <a:cs typeface="Arial" panose="020B0604020202020204" pitchFamily="34" charset="0"/>
           </a:endParaRPr>
         </a:p>
       </dsp:txBody>
       <dsp:txXfrm>
-        <a:off x="199521" y="1386649"/>
-        <a:ext cx="1669628" cy="1001776"/>
+        <a:off x="6833295" y="667737"/>
+        <a:ext cx="1386987" cy="832192"/>
       </dsp:txXfrm>
     </dsp:sp>
     <dsp:sp modelId="{28C4E97B-914A-4890-9C0E-BB2035E71740}">
@@ -6705,8 +6718,8 @@
       </dsp:nvSpPr>
       <dsp:spPr>
         <a:xfrm>
-          <a:off x="3920992" y="1841817"/>
-          <a:ext cx="353414" cy="91440"/>
+          <a:off x="1394504" y="2639521"/>
+          <a:ext cx="288407" cy="91440"/>
         </a:xfrm>
         <a:custGeom>
           <a:avLst/>
@@ -6720,7 +6733,7 @@
                 <a:pt x="0" y="45720"/>
               </a:moveTo>
               <a:lnTo>
-                <a:pt x="353414" y="45720"/>
+                <a:pt x="288407" y="45720"/>
               </a:lnTo>
             </a:path>
           </a:pathLst>
@@ -6758,7 +6771,7 @@
         </a:bodyPr>
         <a:lstStyle/>
         <a:p>
-          <a:pPr lvl="0" algn="ctr" defTabSz="222250">
+          <a:pPr lvl="0" algn="ctr" defTabSz="266700">
             <a:lnSpc>
               <a:spcPct val="90000"/>
             </a:lnSpc>
@@ -6769,15 +6782,15 @@
               <a:spcPct val="35000"/>
             </a:spcAft>
           </a:pPr>
-          <a:endParaRPr lang="en-US" sz="500" kern="1200">
+          <a:endParaRPr lang="en-US" sz="600" kern="1200">
             <a:latin typeface="Arial" panose="020B0604020202020204" pitchFamily="34" charset="0"/>
             <a:cs typeface="Arial" panose="020B0604020202020204" pitchFamily="34" charset="0"/>
           </a:endParaRPr>
         </a:p>
       </dsp:txBody>
       <dsp:txXfrm>
-        <a:off x="4088099" y="1885617"/>
-        <a:ext cx="19200" cy="3840"/>
+        <a:off x="1530733" y="2683644"/>
+        <a:ext cx="15950" cy="3193"/>
       </dsp:txXfrm>
     </dsp:sp>
     <dsp:sp modelId="{E19B0E56-DF8A-4A7A-A37D-82B6A73E95EB}">
@@ -6787,8 +6800,8 @@
       </dsp:nvSpPr>
       <dsp:spPr>
         <a:xfrm>
-          <a:off x="2253164" y="1386649"/>
-          <a:ext cx="1669628" cy="1001776"/>
+          <a:off x="9317" y="2269144"/>
+          <a:ext cx="1386987" cy="832192"/>
         </a:xfrm>
         <a:prstGeom prst="rect">
           <a:avLst/>
@@ -6829,12 +6842,12 @@
         </a:fontRef>
       </dsp:style>
       <dsp:txBody>
-        <a:bodyPr spcFirstLastPara="0" vert="horz" wrap="square" lIns="71120" tIns="71120" rIns="71120" bIns="71120" numCol="1" spcCol="1270" anchor="ctr" anchorCtr="0">
+        <a:bodyPr spcFirstLastPara="0" vert="horz" wrap="square" lIns="78232" tIns="78232" rIns="78232" bIns="78232" numCol="1" spcCol="1270" anchor="ctr" anchorCtr="0">
           <a:noAutofit/>
         </a:bodyPr>
         <a:lstStyle/>
         <a:p>
-          <a:pPr lvl="0" algn="ctr" defTabSz="444500">
+          <a:pPr lvl="0" algn="ctr" defTabSz="466725">
             <a:lnSpc>
               <a:spcPct val="90000"/>
             </a:lnSpc>
@@ -6846,21 +6859,21 @@
             </a:spcAft>
           </a:pPr>
           <a:r>
-            <a:rPr lang="en-US" sz="1000" kern="1200" dirty="0" smtClean="0">
+            <a:rPr lang="en-US" sz="1050" kern="1200" dirty="0" smtClean="0">
               <a:latin typeface="Arial" panose="020B0604020202020204" pitchFamily="34" charset="0"/>
               <a:cs typeface="Arial" panose="020B0604020202020204" pitchFamily="34" charset="0"/>
             </a:rPr>
             <a:t>TF-IDF calculations upon category</a:t>
           </a:r>
-          <a:endParaRPr lang="en-US" sz="1000" kern="1200" dirty="0">
+          <a:endParaRPr lang="en-US" sz="1050" kern="1200" dirty="0">
             <a:latin typeface="Arial" panose="020B0604020202020204" pitchFamily="34" charset="0"/>
             <a:cs typeface="Arial" panose="020B0604020202020204" pitchFamily="34" charset="0"/>
           </a:endParaRPr>
         </a:p>
       </dsp:txBody>
       <dsp:txXfrm>
-        <a:off x="2253164" y="1386649"/>
-        <a:ext cx="1669628" cy="1001776"/>
+        <a:off x="9317" y="2269144"/>
+        <a:ext cx="1386987" cy="832192"/>
       </dsp:txXfrm>
     </dsp:sp>
     <dsp:sp modelId="{AB12F43E-E7AA-4D2E-8563-BB81618DCF8A}">
@@ -6870,8 +6883,8 @@
       </dsp:nvSpPr>
       <dsp:spPr>
         <a:xfrm>
-          <a:off x="5974635" y="1841817"/>
-          <a:ext cx="353414" cy="91440"/>
+          <a:off x="3100499" y="2639521"/>
+          <a:ext cx="288407" cy="91440"/>
         </a:xfrm>
         <a:custGeom>
           <a:avLst/>
@@ -6885,7 +6898,7 @@
                 <a:pt x="0" y="45720"/>
               </a:moveTo>
               <a:lnTo>
-                <a:pt x="353414" y="45720"/>
+                <a:pt x="288407" y="45720"/>
               </a:lnTo>
             </a:path>
           </a:pathLst>
@@ -6923,7 +6936,7 @@
         </a:bodyPr>
         <a:lstStyle/>
         <a:p>
-          <a:pPr lvl="0" algn="ctr" defTabSz="222250">
+          <a:pPr lvl="0" algn="ctr" defTabSz="266700">
             <a:lnSpc>
               <a:spcPct val="90000"/>
             </a:lnSpc>
@@ -6934,15 +6947,15 @@
               <a:spcPct val="35000"/>
             </a:spcAft>
           </a:pPr>
-          <a:endParaRPr lang="en-US" sz="500" kern="1200">
+          <a:endParaRPr lang="en-US" sz="600" kern="1200">
             <a:latin typeface="Arial" panose="020B0604020202020204" pitchFamily="34" charset="0"/>
             <a:cs typeface="Arial" panose="020B0604020202020204" pitchFamily="34" charset="0"/>
           </a:endParaRPr>
         </a:p>
       </dsp:txBody>
       <dsp:txXfrm>
-        <a:off x="6141742" y="1885617"/>
-        <a:ext cx="19200" cy="3840"/>
+        <a:off x="3236727" y="2683644"/>
+        <a:ext cx="15950" cy="3193"/>
       </dsp:txXfrm>
     </dsp:sp>
     <dsp:sp modelId="{8D781601-ED51-43F6-8D0A-DC6A4C04EF1A}">
@@ -6952,8 +6965,8 @@
       </dsp:nvSpPr>
       <dsp:spPr>
         <a:xfrm>
-          <a:off x="4306807" y="1386649"/>
-          <a:ext cx="1669628" cy="1001776"/>
+          <a:off x="1715311" y="2041040"/>
+          <a:ext cx="1386987" cy="1288400"/>
         </a:xfrm>
         <a:prstGeom prst="rect">
           <a:avLst/>
@@ -6994,12 +7007,12 @@
         </a:fontRef>
       </dsp:style>
       <dsp:txBody>
-        <a:bodyPr spcFirstLastPara="0" vert="horz" wrap="square" lIns="71120" tIns="71120" rIns="71120" bIns="71120" numCol="1" spcCol="1270" anchor="t" anchorCtr="0">
+        <a:bodyPr spcFirstLastPara="0" vert="horz" wrap="square" lIns="78232" tIns="78232" rIns="78232" bIns="78232" numCol="1" spcCol="1270" anchor="t" anchorCtr="0">
           <a:noAutofit/>
         </a:bodyPr>
         <a:lstStyle/>
         <a:p>
-          <a:pPr lvl="0" algn="l" defTabSz="444500">
+          <a:pPr lvl="0" algn="l" defTabSz="466725">
             <a:lnSpc>
               <a:spcPct val="90000"/>
             </a:lnSpc>
@@ -7011,26 +7024,26 @@
             </a:spcAft>
           </a:pPr>
           <a:r>
-            <a:rPr lang="en-US" sz="1000" kern="1200" dirty="0" err="1" smtClean="0">
+            <a:rPr lang="en-US" sz="1050" kern="1200" dirty="0" err="1" smtClean="0">
               <a:latin typeface="Arial" panose="020B0604020202020204" pitchFamily="34" charset="0"/>
               <a:cs typeface="Arial" panose="020B0604020202020204" pitchFamily="34" charset="0"/>
             </a:rPr>
             <a:t>tSNE</a:t>
           </a:r>
           <a:r>
-            <a:rPr lang="en-US" sz="1000" kern="1200" dirty="0" smtClean="0">
+            <a:rPr lang="en-US" sz="1050" kern="1200" dirty="0" smtClean="0">
               <a:latin typeface="Arial" panose="020B0604020202020204" pitchFamily="34" charset="0"/>
               <a:cs typeface="Arial" panose="020B0604020202020204" pitchFamily="34" charset="0"/>
             </a:rPr>
             <a:t> investigation into underlying structures of term-document-matrix</a:t>
           </a:r>
-          <a:endParaRPr lang="en-US" sz="1000" kern="1200" dirty="0">
+          <a:endParaRPr lang="en-US" sz="1050" kern="1200" dirty="0">
             <a:latin typeface="Arial" panose="020B0604020202020204" pitchFamily="34" charset="0"/>
             <a:cs typeface="Arial" panose="020B0604020202020204" pitchFamily="34" charset="0"/>
           </a:endParaRPr>
         </a:p>
         <a:p>
-          <a:pPr marL="57150" lvl="1" indent="-57150" algn="l" defTabSz="355600">
+          <a:pPr marL="57150" lvl="1" indent="-57150" algn="l" defTabSz="400050">
             <a:lnSpc>
               <a:spcPct val="90000"/>
             </a:lnSpc>
@@ -7043,21 +7056,21 @@
             <a:buChar char="••"/>
           </a:pPr>
           <a:r>
-            <a:rPr lang="en-US" sz="800" kern="1200" dirty="0" smtClean="0">
+            <a:rPr lang="en-US" sz="900" kern="1200" dirty="0" smtClean="0">
               <a:latin typeface="Arial" panose="020B0604020202020204" pitchFamily="34" charset="0"/>
               <a:cs typeface="Arial" panose="020B0604020202020204" pitchFamily="34" charset="0"/>
             </a:rPr>
             <a:t>How many structures show up? These could indicate # of topics</a:t>
           </a:r>
-          <a:endParaRPr lang="en-US" sz="800" kern="1200" dirty="0">
+          <a:endParaRPr lang="en-US" sz="900" kern="1200" dirty="0">
             <a:latin typeface="Arial" panose="020B0604020202020204" pitchFamily="34" charset="0"/>
             <a:cs typeface="Arial" panose="020B0604020202020204" pitchFamily="34" charset="0"/>
           </a:endParaRPr>
         </a:p>
       </dsp:txBody>
       <dsp:txXfrm>
-        <a:off x="4306807" y="1386649"/>
-        <a:ext cx="1669628" cy="1001776"/>
+        <a:off x="1715311" y="2041040"/>
+        <a:ext cx="1386987" cy="1288400"/>
       </dsp:txXfrm>
     </dsp:sp>
     <dsp:sp modelId="{11FB2A99-52BD-4972-8E09-B048B1F7157B}">
@@ -7067,8 +7080,8 @@
       </dsp:nvSpPr>
       <dsp:spPr>
         <a:xfrm>
-          <a:off x="1034335" y="2386625"/>
-          <a:ext cx="6160928" cy="353414"/>
+          <a:off x="4806493" y="2639521"/>
+          <a:ext cx="288407" cy="91440"/>
         </a:xfrm>
         <a:custGeom>
           <a:avLst/>
@@ -7079,16 +7092,10 @@
           <a:pathLst>
             <a:path>
               <a:moveTo>
-                <a:pt x="6160928" y="0"/>
+                <a:pt x="0" y="45720"/>
               </a:moveTo>
               <a:lnTo>
-                <a:pt x="6160928" y="193807"/>
-              </a:lnTo>
-              <a:lnTo>
-                <a:pt x="0" y="193807"/>
-              </a:lnTo>
-              <a:lnTo>
-                <a:pt x="0" y="353414"/>
+                <a:pt x="288407" y="45720"/>
               </a:lnTo>
             </a:path>
           </a:pathLst>
@@ -7126,7 +7133,7 @@
         </a:bodyPr>
         <a:lstStyle/>
         <a:p>
-          <a:pPr lvl="0" algn="ctr" defTabSz="222250">
+          <a:pPr lvl="0" algn="ctr" defTabSz="266700">
             <a:lnSpc>
               <a:spcPct val="90000"/>
             </a:lnSpc>
@@ -7137,15 +7144,15 @@
               <a:spcPct val="35000"/>
             </a:spcAft>
           </a:pPr>
-          <a:endParaRPr lang="en-US" sz="500" kern="1200">
+          <a:endParaRPr lang="en-US" sz="600" kern="1200">
             <a:latin typeface="Arial" panose="020B0604020202020204" pitchFamily="34" charset="0"/>
             <a:cs typeface="Arial" panose="020B0604020202020204" pitchFamily="34" charset="0"/>
           </a:endParaRPr>
         </a:p>
       </dsp:txBody>
       <dsp:txXfrm>
-        <a:off x="3960477" y="2561413"/>
-        <a:ext cx="308644" cy="3840"/>
+        <a:off x="4942722" y="2683644"/>
+        <a:ext cx="15950" cy="3193"/>
       </dsp:txXfrm>
     </dsp:sp>
     <dsp:sp modelId="{9BA2CACA-8F1C-4D91-96FD-5AC100B40153}">
@@ -7155,8 +7162,8 @@
       </dsp:nvSpPr>
       <dsp:spPr>
         <a:xfrm>
-          <a:off x="6360450" y="1386649"/>
-          <a:ext cx="1669628" cy="1001776"/>
+          <a:off x="3421306" y="2152533"/>
+          <a:ext cx="1386987" cy="1065414"/>
         </a:xfrm>
         <a:prstGeom prst="rect">
           <a:avLst/>
@@ -7197,12 +7204,12 @@
         </a:fontRef>
       </dsp:style>
       <dsp:txBody>
-        <a:bodyPr spcFirstLastPara="0" vert="horz" wrap="square" lIns="71120" tIns="71120" rIns="71120" bIns="71120" numCol="1" spcCol="1270" anchor="t" anchorCtr="0">
+        <a:bodyPr spcFirstLastPara="0" vert="horz" wrap="square" lIns="78232" tIns="78232" rIns="78232" bIns="78232" numCol="1" spcCol="1270" anchor="t" anchorCtr="0">
           <a:noAutofit/>
         </a:bodyPr>
         <a:lstStyle/>
         <a:p>
-          <a:pPr lvl="0" algn="l" defTabSz="444500">
+          <a:pPr lvl="0" algn="l" defTabSz="466725">
             <a:lnSpc>
               <a:spcPct val="90000"/>
             </a:lnSpc>
@@ -7214,19 +7221,19 @@
             </a:spcAft>
           </a:pPr>
           <a:r>
-            <a:rPr lang="en-US" sz="1000" kern="1200" dirty="0" smtClean="0">
+            <a:rPr lang="en-US" sz="1050" kern="1200" dirty="0" smtClean="0">
               <a:latin typeface="Arial" panose="020B0604020202020204" pitchFamily="34" charset="0"/>
               <a:cs typeface="Arial" panose="020B0604020202020204" pitchFamily="34" charset="0"/>
             </a:rPr>
             <a:t>Structural Topic Models</a:t>
           </a:r>
-          <a:endParaRPr lang="en-US" sz="1000" kern="1200" dirty="0">
+          <a:endParaRPr lang="en-US" sz="1050" kern="1200" dirty="0">
             <a:latin typeface="Arial" panose="020B0604020202020204" pitchFamily="34" charset="0"/>
             <a:cs typeface="Arial" panose="020B0604020202020204" pitchFamily="34" charset="0"/>
           </a:endParaRPr>
         </a:p>
         <a:p>
-          <a:pPr marL="57150" lvl="1" indent="-57150" algn="l" defTabSz="355600">
+          <a:pPr marL="57150" lvl="1" indent="-57150" algn="l" defTabSz="400050">
             <a:lnSpc>
               <a:spcPct val="90000"/>
             </a:lnSpc>
@@ -7239,33 +7246,33 @@
             <a:buChar char="••"/>
           </a:pPr>
           <a:r>
-            <a:rPr lang="en-US" sz="800" kern="1200" dirty="0" smtClean="0">
+            <a:rPr lang="en-US" sz="900" kern="1200" dirty="0" smtClean="0">
               <a:latin typeface="Arial" panose="020B0604020202020204" pitchFamily="34" charset="0"/>
               <a:cs typeface="Arial" panose="020B0604020202020204" pitchFamily="34" charset="0"/>
             </a:rPr>
             <a:t>Use </a:t>
           </a:r>
           <a:r>
-            <a:rPr lang="en-US" sz="800" kern="1200" dirty="0" err="1" smtClean="0">
+            <a:rPr lang="en-US" sz="900" kern="1200" dirty="0" err="1" smtClean="0">
               <a:latin typeface="Arial" panose="020B0604020202020204" pitchFamily="34" charset="0"/>
               <a:cs typeface="Arial" panose="020B0604020202020204" pitchFamily="34" charset="0"/>
             </a:rPr>
             <a:t>tSNE</a:t>
           </a:r>
           <a:r>
-            <a:rPr lang="en-US" sz="800" kern="1200" dirty="0" smtClean="0">
+            <a:rPr lang="en-US" sz="900" kern="1200" dirty="0" smtClean="0">
               <a:latin typeface="Arial" panose="020B0604020202020204" pitchFamily="34" charset="0"/>
               <a:cs typeface="Arial" panose="020B0604020202020204" pitchFamily="34" charset="0"/>
             </a:rPr>
             <a:t> to identify # of topic models</a:t>
           </a:r>
-          <a:endParaRPr lang="en-US" sz="800" kern="1200" dirty="0">
+          <a:endParaRPr lang="en-US" sz="900" kern="1200" dirty="0">
             <a:latin typeface="Arial" panose="020B0604020202020204" pitchFamily="34" charset="0"/>
             <a:cs typeface="Arial" panose="020B0604020202020204" pitchFamily="34" charset="0"/>
           </a:endParaRPr>
         </a:p>
         <a:p>
-          <a:pPr marL="57150" lvl="1" indent="-57150" algn="l" defTabSz="355600">
+          <a:pPr marL="57150" lvl="1" indent="-57150" algn="l" defTabSz="400050">
             <a:lnSpc>
               <a:spcPct val="90000"/>
             </a:lnSpc>
@@ -7278,21 +7285,21 @@
             <a:buChar char="••"/>
           </a:pPr>
           <a:r>
-            <a:rPr lang="en-US" sz="800" kern="1200" dirty="0" smtClean="0">
+            <a:rPr lang="en-US" sz="900" kern="1200" dirty="0" smtClean="0">
               <a:latin typeface="Arial" panose="020B0604020202020204" pitchFamily="34" charset="0"/>
               <a:cs typeface="Arial" panose="020B0604020202020204" pitchFamily="34" charset="0"/>
             </a:rPr>
             <a:t>Specify # of topic models</a:t>
           </a:r>
-          <a:endParaRPr lang="en-US" sz="800" kern="1200" dirty="0">
+          <a:endParaRPr lang="en-US" sz="900" kern="1200" dirty="0">
             <a:latin typeface="Arial" panose="020B0604020202020204" pitchFamily="34" charset="0"/>
             <a:cs typeface="Arial" panose="020B0604020202020204" pitchFamily="34" charset="0"/>
           </a:endParaRPr>
         </a:p>
       </dsp:txBody>
       <dsp:txXfrm>
-        <a:off x="6360450" y="1386649"/>
-        <a:ext cx="1669628" cy="1001776"/>
+        <a:off x="3421306" y="2152533"/>
+        <a:ext cx="1386987" cy="1065414"/>
       </dsp:txXfrm>
     </dsp:sp>
     <dsp:sp modelId="{FB565834-D231-46D9-AD72-EFBD12344696}">
@@ -7302,8 +7309,8 @@
       </dsp:nvSpPr>
       <dsp:spPr>
         <a:xfrm>
-          <a:off x="1867349" y="3227609"/>
-          <a:ext cx="353414" cy="91440"/>
+          <a:off x="6512488" y="2639521"/>
+          <a:ext cx="288407" cy="91440"/>
         </a:xfrm>
         <a:custGeom>
           <a:avLst/>
@@ -7317,7 +7324,7 @@
                 <a:pt x="0" y="45720"/>
               </a:moveTo>
               <a:lnTo>
-                <a:pt x="353414" y="45720"/>
+                <a:pt x="288407" y="45720"/>
               </a:lnTo>
             </a:path>
           </a:pathLst>
@@ -7355,7 +7362,7 @@
         </a:bodyPr>
         <a:lstStyle/>
         <a:p>
-          <a:pPr lvl="0" algn="ctr" defTabSz="222250">
+          <a:pPr lvl="0" algn="ctr" defTabSz="266700">
             <a:lnSpc>
               <a:spcPct val="90000"/>
             </a:lnSpc>
@@ -7366,15 +7373,15 @@
               <a:spcPct val="35000"/>
             </a:spcAft>
           </a:pPr>
-          <a:endParaRPr lang="en-US" sz="500" kern="1200">
+          <a:endParaRPr lang="en-US" sz="600" kern="1200">
             <a:latin typeface="Arial" panose="020B0604020202020204" pitchFamily="34" charset="0"/>
             <a:cs typeface="Arial" panose="020B0604020202020204" pitchFamily="34" charset="0"/>
           </a:endParaRPr>
         </a:p>
       </dsp:txBody>
       <dsp:txXfrm>
-        <a:off x="2034456" y="3271408"/>
-        <a:ext cx="19200" cy="3840"/>
+        <a:off x="6648716" y="2683644"/>
+        <a:ext cx="15950" cy="3193"/>
       </dsp:txXfrm>
     </dsp:sp>
     <dsp:sp modelId="{445B02D4-615A-4275-B4C7-710EAF459CB8}">
@@ -7384,8 +7391,8 @@
       </dsp:nvSpPr>
       <dsp:spPr>
         <a:xfrm>
-          <a:off x="199521" y="2772440"/>
-          <a:ext cx="1669628" cy="1001776"/>
+          <a:off x="5127300" y="2269144"/>
+          <a:ext cx="1386987" cy="832192"/>
         </a:xfrm>
         <a:prstGeom prst="rect">
           <a:avLst/>
@@ -7426,12 +7433,12 @@
         </a:fontRef>
       </dsp:style>
       <dsp:txBody>
-        <a:bodyPr spcFirstLastPara="0" vert="horz" wrap="square" lIns="71120" tIns="71120" rIns="71120" bIns="71120" numCol="1" spcCol="1270" anchor="t" anchorCtr="0">
+        <a:bodyPr spcFirstLastPara="0" vert="horz" wrap="square" lIns="78232" tIns="78232" rIns="78232" bIns="78232" numCol="1" spcCol="1270" anchor="t" anchorCtr="0">
           <a:noAutofit/>
         </a:bodyPr>
         <a:lstStyle/>
         <a:p>
-          <a:pPr lvl="0" algn="l" defTabSz="444500">
+          <a:pPr lvl="0" algn="l" defTabSz="466725">
             <a:lnSpc>
               <a:spcPct val="90000"/>
             </a:lnSpc>
@@ -7443,19 +7450,19 @@
             </a:spcAft>
           </a:pPr>
           <a:r>
-            <a:rPr lang="en-US" sz="1000" kern="1200" dirty="0" smtClean="0">
+            <a:rPr lang="en-US" sz="1050" kern="1200" dirty="0" smtClean="0">
               <a:latin typeface="Arial" panose="020B0604020202020204" pitchFamily="34" charset="0"/>
               <a:cs typeface="Arial" panose="020B0604020202020204" pitchFamily="34" charset="0"/>
             </a:rPr>
             <a:t>Post process STM models</a:t>
           </a:r>
-          <a:endParaRPr lang="en-US" sz="1000" kern="1200" dirty="0">
+          <a:endParaRPr lang="en-US" sz="1050" kern="1200" dirty="0">
             <a:latin typeface="Arial" panose="020B0604020202020204" pitchFamily="34" charset="0"/>
             <a:cs typeface="Arial" panose="020B0604020202020204" pitchFamily="34" charset="0"/>
           </a:endParaRPr>
         </a:p>
         <a:p>
-          <a:pPr marL="57150" lvl="1" indent="-57150" algn="l" defTabSz="355600">
+          <a:pPr marL="57150" lvl="1" indent="-57150" algn="l" defTabSz="400050">
             <a:lnSpc>
               <a:spcPct val="90000"/>
             </a:lnSpc>
@@ -7468,19 +7475,19 @@
             <a:buChar char="••"/>
           </a:pPr>
           <a:r>
-            <a:rPr lang="en-US" sz="800" kern="1200" dirty="0" smtClean="0">
+            <a:rPr lang="en-US" sz="900" kern="1200" dirty="0" smtClean="0">
               <a:latin typeface="Arial" panose="020B0604020202020204" pitchFamily="34" charset="0"/>
               <a:cs typeface="Arial" panose="020B0604020202020204" pitchFamily="34" charset="0"/>
             </a:rPr>
             <a:t>Plots</a:t>
           </a:r>
-          <a:endParaRPr lang="en-US" sz="800" kern="1200" dirty="0">
+          <a:endParaRPr lang="en-US" sz="900" kern="1200" dirty="0">
             <a:latin typeface="Arial" panose="020B0604020202020204" pitchFamily="34" charset="0"/>
             <a:cs typeface="Arial" panose="020B0604020202020204" pitchFamily="34" charset="0"/>
           </a:endParaRPr>
         </a:p>
         <a:p>
-          <a:pPr marL="57150" lvl="1" indent="-57150" algn="l" defTabSz="355600">
+          <a:pPr marL="57150" lvl="1" indent="-57150" algn="l" defTabSz="400050">
             <a:lnSpc>
               <a:spcPct val="90000"/>
             </a:lnSpc>
@@ -7493,21 +7500,21 @@
             <a:buChar char="••"/>
           </a:pPr>
           <a:r>
-            <a:rPr lang="en-US" sz="800" kern="1200" dirty="0" smtClean="0">
+            <a:rPr lang="en-US" sz="900" kern="1200" dirty="0" smtClean="0">
               <a:latin typeface="Arial" panose="020B0604020202020204" pitchFamily="34" charset="0"/>
               <a:cs typeface="Arial" panose="020B0604020202020204" pitchFamily="34" charset="0"/>
             </a:rPr>
             <a:t>Quantitative results</a:t>
           </a:r>
-          <a:endParaRPr lang="en-US" sz="800" kern="1200" dirty="0">
+          <a:endParaRPr lang="en-US" sz="900" kern="1200" dirty="0">
             <a:latin typeface="Arial" panose="020B0604020202020204" pitchFamily="34" charset="0"/>
             <a:cs typeface="Arial" panose="020B0604020202020204" pitchFamily="34" charset="0"/>
           </a:endParaRPr>
         </a:p>
       </dsp:txBody>
       <dsp:txXfrm>
-        <a:off x="199521" y="2772440"/>
-        <a:ext cx="1669628" cy="1001776"/>
+        <a:off x="5127300" y="2269144"/>
+        <a:ext cx="1386987" cy="832192"/>
       </dsp:txXfrm>
     </dsp:sp>
     <dsp:sp modelId="{7E276317-2EBF-4427-9003-783CC0204F8E}">
@@ -7517,8 +7524,8 @@
       </dsp:nvSpPr>
       <dsp:spPr>
         <a:xfrm>
-          <a:off x="2253164" y="2772440"/>
-          <a:ext cx="1669628" cy="1001776"/>
+          <a:off x="6833295" y="2269144"/>
+          <a:ext cx="1386987" cy="832192"/>
         </a:xfrm>
         <a:prstGeom prst="rect">
           <a:avLst/>
@@ -7559,12 +7566,12 @@
         </a:fontRef>
       </dsp:style>
       <dsp:txBody>
-        <a:bodyPr spcFirstLastPara="0" vert="horz" wrap="square" lIns="71120" tIns="71120" rIns="71120" bIns="71120" numCol="1" spcCol="1270" anchor="ctr" anchorCtr="0">
+        <a:bodyPr spcFirstLastPara="0" vert="horz" wrap="square" lIns="78232" tIns="78232" rIns="78232" bIns="78232" numCol="1" spcCol="1270" anchor="ctr" anchorCtr="0">
           <a:noAutofit/>
         </a:bodyPr>
         <a:lstStyle/>
         <a:p>
-          <a:pPr lvl="0" algn="ctr" defTabSz="444500">
+          <a:pPr lvl="0" algn="ctr" defTabSz="466725">
             <a:lnSpc>
               <a:spcPct val="90000"/>
             </a:lnSpc>
@@ -7576,21 +7583,21 @@
             </a:spcAft>
           </a:pPr>
           <a:r>
-            <a:rPr lang="en-US" sz="1000" kern="1200" dirty="0" smtClean="0">
+            <a:rPr lang="en-US" sz="1050" kern="1200" dirty="0" smtClean="0">
               <a:latin typeface="Arial" panose="020B0604020202020204" pitchFamily="34" charset="0"/>
               <a:cs typeface="Arial" panose="020B0604020202020204" pitchFamily="34" charset="0"/>
             </a:rPr>
             <a:t>Interpret the model results</a:t>
           </a:r>
-          <a:endParaRPr lang="en-US" sz="1000" kern="1200" dirty="0">
+          <a:endParaRPr lang="en-US" sz="1050" kern="1200" dirty="0">
             <a:latin typeface="Arial" panose="020B0604020202020204" pitchFamily="34" charset="0"/>
             <a:cs typeface="Arial" panose="020B0604020202020204" pitchFamily="34" charset="0"/>
           </a:endParaRPr>
         </a:p>
       </dsp:txBody>
       <dsp:txXfrm>
-        <a:off x="2253164" y="2772440"/>
-        <a:ext cx="1669628" cy="1001776"/>
+        <a:off x="6833295" y="2269144"/>
+        <a:ext cx="1386987" cy="832192"/>
       </dsp:txXfrm>
     </dsp:sp>
   </dsp:spTree>
@@ -17962,6 +17969,14 @@
   <p:clrMapOvr>
     <a:masterClrMapping/>
   </p:clrMapOvr>
+  <mc:AlternateContent xmlns:mc="http://schemas.openxmlformats.org/markup-compatibility/2006">
+    <mc:Choice xmlns:p14="http://schemas.microsoft.com/office/powerpoint/2010/main" Requires="p14">
+      <p:transition spd="slow" p14:dur="2000" advTm="19330"/>
+    </mc:Choice>
+    <mc:Fallback>
+      <p:transition spd="slow" advTm="19330"/>
+    </mc:Fallback>
+  </mc:AlternateContent>
   <p:timing>
     <p:tnLst>
       <p:par>
@@ -18037,9 +18052,43 @@
             </a:pPr>
             <a:r>
               <a:rPr lang="en-US" u="sng" dirty="0" smtClean="0"/>
-              <a:t>For TF-IDF Analysis</a:t>
-            </a:r>
+              <a:t>For TF-IDF </a:t>
+            </a:r>
+            <a:r>
+              <a:rPr lang="en-US" u="sng" dirty="0" smtClean="0"/>
+              <a:t>Analysis</a:t>
+            </a:r>
+          </a:p>
+          <a:p>
+            <a:pPr marL="0" indent="0">
+              <a:buNone/>
+            </a:pPr>
             <a:endParaRPr lang="en-US" u="sng" dirty="0"/>
+          </a:p>
+          <a:p>
+            <a:r>
+              <a:rPr lang="en-US" sz="1800" dirty="0" smtClean="0"/>
+              <a:t>All th</a:t>
+            </a:r>
+            <a:r>
+              <a:rPr lang="en-US" sz="1800" dirty="0" smtClean="0"/>
+              <a:t>e individual safety reports are grouped into the 22 </a:t>
+            </a:r>
+            <a:r>
+              <a:rPr lang="en-US" sz="1800" i="1" dirty="0" smtClean="0"/>
+              <a:t>known </a:t>
+            </a:r>
+            <a:r>
+              <a:rPr lang="en-US" sz="1800" dirty="0" smtClean="0"/>
+              <a:t>categories</a:t>
+            </a:r>
+          </a:p>
+          <a:p>
+            <a:r>
+              <a:rPr lang="en-US" sz="1800" dirty="0" smtClean="0"/>
+              <a:t>Thus, this is equivalent to a total of 22 DSIs in the corpus, each containing thousands of sentences</a:t>
+            </a:r>
+            <a:endParaRPr lang="en-US" sz="1800" dirty="0"/>
           </a:p>
         </p:txBody>
       </p:sp>
@@ -18231,8 +18280,61 @@
             </a:pPr>
             <a:r>
               <a:rPr lang="en-US" u="sng" dirty="0" smtClean="0"/>
-              <a:t>For STM Analysis</a:t>
-            </a:r>
+              <a:t>For STM </a:t>
+            </a:r>
+            <a:r>
+              <a:rPr lang="en-US" u="sng" dirty="0" smtClean="0"/>
+              <a:t>Analysis</a:t>
+            </a:r>
+          </a:p>
+          <a:p>
+            <a:pPr marL="0" indent="0">
+              <a:buNone/>
+            </a:pPr>
+            <a:endParaRPr lang="en-US" u="sng" dirty="0"/>
+          </a:p>
+          <a:p>
+            <a:pPr lvl="0"/>
+            <a:r>
+              <a:rPr lang="en-US" sz="1800" dirty="0" smtClean="0">
+                <a:solidFill>
+                  <a:prstClr val="black"/>
+                </a:solidFill>
+              </a:rPr>
+              <a:t>Started with the TF-IDF approach</a:t>
+            </a:r>
+          </a:p>
+          <a:p>
+            <a:pPr lvl="0"/>
+            <a:r>
+              <a:rPr lang="en-US" sz="1800" dirty="0" smtClean="0">
+                <a:solidFill>
+                  <a:prstClr val="black"/>
+                </a:solidFill>
+              </a:rPr>
+              <a:t>Switched to defining each safety report as it’s own DSI</a:t>
+            </a:r>
+          </a:p>
+          <a:p>
+            <a:pPr lvl="0"/>
+            <a:r>
+              <a:rPr lang="en-US" sz="1800" dirty="0" smtClean="0">
+                <a:solidFill>
+                  <a:prstClr val="black"/>
+                </a:solidFill>
+              </a:rPr>
+              <a:t>Thus, total DSIs = 5949</a:t>
+            </a:r>
+            <a:endParaRPr lang="en-US" sz="1800" dirty="0">
+              <a:solidFill>
+                <a:prstClr val="black"/>
+              </a:solidFill>
+            </a:endParaRPr>
+          </a:p>
+          <a:p>
+            <a:pPr marL="0" indent="0">
+              <a:buNone/>
+            </a:pPr>
             <a:endParaRPr lang="en-US" u="sng" dirty="0"/>
           </a:p>
         </p:txBody>
@@ -18284,7 +18386,12 @@
             <p:ph type="title"/>
           </p:nvPr>
         </p:nvSpPr>
-        <p:spPr/>
+        <p:spPr>
+          <a:xfrm>
+            <a:off x="457200" y="205979"/>
+            <a:ext cx="8229600" cy="633993"/>
+          </a:xfrm>
+        </p:spPr>
         <p:txBody>
           <a:bodyPr/>
           <a:lstStyle/>
@@ -18319,7 +18426,7 @@
         </p:blipFill>
         <p:spPr>
           <a:xfrm>
-            <a:off x="4879075" y="1083956"/>
+            <a:off x="5192404" y="1158384"/>
             <a:ext cx="3494396" cy="2755808"/>
           </a:xfrm>
           <a:prstGeom prst="rect">
@@ -18348,6 +18455,231 @@
               <a:t>10</a:t>
             </a:fld>
             <a:endParaRPr lang="en-US"/>
+          </a:p>
+        </p:txBody>
+      </p:sp>
+      <p:sp>
+        <p:nvSpPr>
+          <p:cNvPr id="6" name="Content Placeholder 2"/>
+          <p:cNvSpPr txBox="1">
+            <a:spLocks/>
+          </p:cNvSpPr>
+          <p:nvPr/>
+        </p:nvSpPr>
+        <p:spPr>
+          <a:xfrm>
+            <a:off x="197257" y="1158384"/>
+            <a:ext cx="4736249" cy="2755808"/>
+          </a:xfrm>
+          <a:prstGeom prst="rect">
+            <a:avLst/>
+          </a:prstGeom>
+        </p:spPr>
+        <p:txBody>
+          <a:bodyPr vert="horz" lIns="91440" tIns="45720" rIns="91440" bIns="45720" rtlCol="0">
+            <a:noAutofit/>
+          </a:bodyPr>
+          <a:lstStyle>
+            <a:lvl1pPr marL="342900" indent="-342900" algn="l" defTabSz="457200" rtl="0" eaLnBrk="1" latinLnBrk="0" hangingPunct="1">
+              <a:spcBef>
+                <a:spcPct val="20000"/>
+              </a:spcBef>
+              <a:buFont typeface="Arial"/>
+              <a:buChar char="•"/>
+              <a:defRPr sz="2000" kern="1200">
+                <a:solidFill>
+                  <a:schemeClr val="tx1"/>
+                </a:solidFill>
+                <a:latin typeface="Arial"/>
+                <a:ea typeface="+mn-ea"/>
+                <a:cs typeface="+mn-cs"/>
+              </a:defRPr>
+            </a:lvl1pPr>
+            <a:lvl2pPr marL="742950" indent="-285750" algn="l" defTabSz="457200" rtl="0" eaLnBrk="1" latinLnBrk="0" hangingPunct="1">
+              <a:spcBef>
+                <a:spcPct val="20000"/>
+              </a:spcBef>
+              <a:buFont typeface="Arial"/>
+              <a:buChar char="–"/>
+              <a:defRPr sz="1800" kern="1200">
+                <a:solidFill>
+                  <a:schemeClr val="tx1"/>
+                </a:solidFill>
+                <a:latin typeface="Arial"/>
+                <a:ea typeface="+mn-ea"/>
+                <a:cs typeface="+mn-cs"/>
+              </a:defRPr>
+            </a:lvl2pPr>
+            <a:lvl3pPr marL="1143000" indent="-228600" algn="l" defTabSz="457200" rtl="0" eaLnBrk="1" latinLnBrk="0" hangingPunct="1">
+              <a:spcBef>
+                <a:spcPct val="20000"/>
+              </a:spcBef>
+              <a:buFont typeface="Arial"/>
+              <a:buChar char="•"/>
+              <a:defRPr sz="1600" kern="1200">
+                <a:solidFill>
+                  <a:schemeClr val="tx1"/>
+                </a:solidFill>
+                <a:latin typeface="Arial"/>
+                <a:ea typeface="+mn-ea"/>
+                <a:cs typeface="+mn-cs"/>
+              </a:defRPr>
+            </a:lvl3pPr>
+            <a:lvl4pPr marL="1600200" indent="-228600" algn="l" defTabSz="457200" rtl="0" eaLnBrk="1" latinLnBrk="0" hangingPunct="1">
+              <a:spcBef>
+                <a:spcPct val="20000"/>
+              </a:spcBef>
+              <a:buFont typeface="Arial"/>
+              <a:buChar char="–"/>
+              <a:defRPr sz="1400" kern="1200">
+                <a:solidFill>
+                  <a:schemeClr val="tx1"/>
+                </a:solidFill>
+                <a:latin typeface="Arial"/>
+                <a:ea typeface="+mn-ea"/>
+                <a:cs typeface="+mn-cs"/>
+              </a:defRPr>
+            </a:lvl4pPr>
+            <a:lvl5pPr marL="2057400" indent="-228600" algn="l" defTabSz="457200" rtl="0" eaLnBrk="1" latinLnBrk="0" hangingPunct="1">
+              <a:spcBef>
+                <a:spcPct val="20000"/>
+              </a:spcBef>
+              <a:buFont typeface="Arial"/>
+              <a:buChar char="»"/>
+              <a:defRPr sz="1400" kern="1200">
+                <a:solidFill>
+                  <a:schemeClr val="tx1"/>
+                </a:solidFill>
+                <a:latin typeface="Arial"/>
+                <a:ea typeface="+mn-ea"/>
+                <a:cs typeface="+mn-cs"/>
+              </a:defRPr>
+            </a:lvl5pPr>
+            <a:lvl6pPr marL="2514600" indent="-228600" algn="l" defTabSz="457200" rtl="0" eaLnBrk="1" latinLnBrk="0" hangingPunct="1">
+              <a:spcBef>
+                <a:spcPct val="20000"/>
+              </a:spcBef>
+              <a:buFont typeface="Arial"/>
+              <a:buChar char="•"/>
+              <a:defRPr sz="2000" kern="1200">
+                <a:solidFill>
+                  <a:schemeClr val="tx1"/>
+                </a:solidFill>
+                <a:latin typeface="+mn-lt"/>
+                <a:ea typeface="+mn-ea"/>
+                <a:cs typeface="+mn-cs"/>
+              </a:defRPr>
+            </a:lvl6pPr>
+            <a:lvl7pPr marL="2971800" indent="-228600" algn="l" defTabSz="457200" rtl="0" eaLnBrk="1" latinLnBrk="0" hangingPunct="1">
+              <a:spcBef>
+                <a:spcPct val="20000"/>
+              </a:spcBef>
+              <a:buFont typeface="Arial"/>
+              <a:buChar char="•"/>
+              <a:defRPr sz="2000" kern="1200">
+                <a:solidFill>
+                  <a:schemeClr val="tx1"/>
+                </a:solidFill>
+                <a:latin typeface="+mn-lt"/>
+                <a:ea typeface="+mn-ea"/>
+                <a:cs typeface="+mn-cs"/>
+              </a:defRPr>
+            </a:lvl7pPr>
+            <a:lvl8pPr marL="3429000" indent="-228600" algn="l" defTabSz="457200" rtl="0" eaLnBrk="1" latinLnBrk="0" hangingPunct="1">
+              <a:spcBef>
+                <a:spcPct val="20000"/>
+              </a:spcBef>
+              <a:buFont typeface="Arial"/>
+              <a:buChar char="•"/>
+              <a:defRPr sz="2000" kern="1200">
+                <a:solidFill>
+                  <a:schemeClr val="tx1"/>
+                </a:solidFill>
+                <a:latin typeface="+mn-lt"/>
+                <a:ea typeface="+mn-ea"/>
+                <a:cs typeface="+mn-cs"/>
+              </a:defRPr>
+            </a:lvl8pPr>
+            <a:lvl9pPr marL="3886200" indent="-228600" algn="l" defTabSz="457200" rtl="0" eaLnBrk="1" latinLnBrk="0" hangingPunct="1">
+              <a:spcBef>
+                <a:spcPct val="20000"/>
+              </a:spcBef>
+              <a:buFont typeface="Arial"/>
+              <a:buChar char="•"/>
+              <a:defRPr sz="2000" kern="1200">
+                <a:solidFill>
+                  <a:schemeClr val="tx1"/>
+                </a:solidFill>
+                <a:latin typeface="+mn-lt"/>
+                <a:ea typeface="+mn-ea"/>
+                <a:cs typeface="+mn-cs"/>
+              </a:defRPr>
+            </a:lvl9pPr>
+          </a:lstStyle>
+          <a:p>
+            <a:pPr marL="231775" indent="-231775"/>
+            <a:r>
+              <a:rPr lang="en-US" sz="1100" dirty="0" smtClean="0"/>
+              <a:t>Manually read through 10s of safety reports</a:t>
+            </a:r>
+          </a:p>
+          <a:p>
+            <a:pPr marL="231775" indent="-231775"/>
+            <a:r>
+              <a:rPr lang="en-US" sz="1100" dirty="0" smtClean="0"/>
+              <a:t>I could not find any obvious terms which I would group together into ECs</a:t>
+            </a:r>
+          </a:p>
+          <a:p>
+            <a:pPr marL="231775" indent="-231775"/>
+            <a:r>
+              <a:rPr lang="en-US" sz="1100" dirty="0" smtClean="0"/>
+              <a:t>The RTV is thus the remainder of the terms after pre-processing</a:t>
+            </a:r>
+          </a:p>
+          <a:p>
+            <a:pPr marL="231775" indent="-231775"/>
+            <a:r>
+              <a:rPr lang="en-US" sz="1100" dirty="0" err="1">
+                <a:latin typeface="Courier New" panose="02070309020205020404" pitchFamily="49" charset="0"/>
+                <a:cs typeface="Courier New" panose="02070309020205020404" pitchFamily="49" charset="0"/>
+              </a:rPr>
+              <a:t>t</a:t>
+            </a:r>
+            <a:r>
+              <a:rPr lang="en-US" sz="1100" dirty="0" err="1" smtClean="0">
+                <a:latin typeface="Courier New" panose="02070309020205020404" pitchFamily="49" charset="0"/>
+                <a:cs typeface="Courier New" panose="02070309020205020404" pitchFamily="49" charset="0"/>
+              </a:rPr>
+              <a:t>idytext</a:t>
+            </a:r>
+            <a:r>
+              <a:rPr lang="en-US" sz="1100" dirty="0" smtClean="0">
+                <a:latin typeface="Courier New" panose="02070309020205020404" pitchFamily="49" charset="0"/>
+                <a:cs typeface="Courier New" panose="02070309020205020404" pitchFamily="49" charset="0"/>
+              </a:rPr>
+              <a:t> </a:t>
+            </a:r>
+            <a:r>
+              <a:rPr lang="en-US" sz="1100" dirty="0" smtClean="0"/>
+              <a:t>is used to create the RTV which is fed into a </a:t>
+            </a:r>
+            <a:r>
+              <a:rPr lang="en-US" sz="1100" dirty="0" err="1" smtClean="0"/>
+              <a:t>TermDocumentMatrix</a:t>
+            </a:r>
+            <a:r>
+              <a:rPr lang="en-US" sz="1100" dirty="0" smtClean="0"/>
+              <a:t> generation function</a:t>
+            </a:r>
+          </a:p>
+          <a:p>
+            <a:pPr marL="231775" indent="-231775"/>
+            <a:r>
+              <a:rPr lang="en-US" sz="1100" dirty="0" smtClean="0"/>
+              <a:t>The definition of ‘documents’ depends on if I’m doing a TF-IDF or STM</a:t>
+            </a:r>
+            <a:endParaRPr lang="en-US" sz="1100" dirty="0"/>
           </a:p>
         </p:txBody>
       </p:sp>
@@ -21443,11 +21775,7 @@
           <a:p>
             <a:r>
               <a:rPr lang="en-US" sz="1400" dirty="0" smtClean="0"/>
-              <a:t>STMs allo</a:t>
-            </a:r>
-            <a:r>
-              <a:rPr lang="en-US" sz="1400" dirty="0" smtClean="0"/>
-              <a:t>w researchers to flexibly estimate a topic model</a:t>
+              <a:t>STMs allow researchers to flexibly estimate a topic model</a:t>
             </a:r>
           </a:p>
           <a:p>
@@ -21512,7 +21840,61 @@
               <a:rPr lang="en-US" sz="1400" dirty="0" smtClean="0"/>
               <a:t> and other major R packages</a:t>
             </a:r>
-            <a:endParaRPr lang="en-US" sz="1400" dirty="0" smtClean="0"/>
+          </a:p>
+          <a:p>
+            <a:endParaRPr lang="en-US" sz="1400" dirty="0"/>
+          </a:p>
+          <a:p>
+            <a:r>
+              <a:rPr lang="en-US" sz="1400" dirty="0" smtClean="0"/>
+              <a:t>Using </a:t>
+            </a:r>
+            <a:r>
+              <a:rPr lang="en-US" sz="1400" dirty="0" err="1">
+                <a:latin typeface="Courier New" panose="02070309020205020404" pitchFamily="49" charset="0"/>
+                <a:cs typeface="Courier New" panose="02070309020205020404" pitchFamily="49" charset="0"/>
+              </a:rPr>
+              <a:t>stm</a:t>
+            </a:r>
+            <a:r>
+              <a:rPr lang="en-US" sz="1400" dirty="0" smtClean="0"/>
+              <a:t>, there are two main approaches towards deciding how many topics (K) are contained in the corpus:</a:t>
+            </a:r>
+          </a:p>
+          <a:p>
+            <a:pPr lvl="1"/>
+            <a:r>
+              <a:rPr lang="en-US" sz="1200" dirty="0" smtClean="0"/>
+              <a:t>Define the value(s) of K yourself</a:t>
+            </a:r>
+          </a:p>
+          <a:p>
+            <a:pPr lvl="1"/>
+            <a:r>
+              <a:rPr lang="en-US" sz="1200" dirty="0" smtClean="0"/>
+              <a:t>Use </a:t>
+            </a:r>
+            <a:r>
+              <a:rPr lang="en-US" sz="1200" dirty="0" err="1" smtClean="0"/>
+              <a:t>tsne</a:t>
+            </a:r>
+            <a:r>
+              <a:rPr lang="en-US" sz="1200" dirty="0" smtClean="0"/>
+              <a:t> to perform a dimension reduction on the TDM followed by some geometric calculations to estimate the number of “groupings”</a:t>
+            </a:r>
+          </a:p>
+          <a:p>
+            <a:pPr lvl="2"/>
+            <a:r>
+              <a:rPr lang="en-US" sz="1000" dirty="0" smtClean="0"/>
+              <a:t>This method resulted in 116 topics!</a:t>
+            </a:r>
+          </a:p>
+          <a:p>
+            <a:r>
+              <a:rPr lang="en-US" sz="1400" dirty="0" smtClean="0"/>
+              <a:t>To begin with, I’m assuming K=10</a:t>
+            </a:r>
           </a:p>
         </p:txBody>
       </p:sp>
@@ -21543,7 +21925,7 @@
     </p:spTree>
     <p:extLst>
       <p:ext uri="{BB962C8B-B14F-4D97-AF65-F5344CB8AC3E}">
-        <p14:creationId xmlns:p14="http://schemas.microsoft.com/office/powerpoint/2010/main" val="2835118505"/>
+        <p14:creationId xmlns:p14="http://schemas.microsoft.com/office/powerpoint/2010/main" val="1255567131"/>
       </p:ext>
     </p:extLst>
   </p:cSld>
@@ -21587,18 +21969,19 @@
             <p:ph type="title"/>
           </p:nvPr>
         </p:nvSpPr>
-        <p:spPr/>
+        <p:spPr>
+          <a:xfrm>
+            <a:off x="194604" y="205979"/>
+            <a:ext cx="4672169" cy="365521"/>
+          </a:xfrm>
+        </p:spPr>
         <p:txBody>
           <a:bodyPr/>
           <a:lstStyle/>
           <a:p>
             <a:r>
-              <a:rPr lang="en-US" dirty="0"/>
-              <a:t>Structural </a:t>
-            </a:r>
-            <a:r>
               <a:rPr lang="en-US" dirty="0" smtClean="0"/>
-              <a:t>Topic Modeling</a:t>
+              <a:t>STM Results, K=10</a:t>
             </a:r>
             <a:endParaRPr lang="en-US" dirty="0"/>
           </a:p>
@@ -21614,138 +21997,43 @@
             <p:ph idx="1"/>
           </p:nvPr>
         </p:nvSpPr>
-        <p:spPr/>
+        <p:spPr>
+          <a:xfrm>
+            <a:off x="262360" y="3078553"/>
+            <a:ext cx="4713219" cy="1606848"/>
+          </a:xfrm>
+        </p:spPr>
         <p:txBody>
           <a:bodyPr>
             <a:normAutofit/>
           </a:bodyPr>
           <a:lstStyle/>
           <a:p>
-            <a:r>
-              <a:rPr lang="en-US" sz="1400" dirty="0" smtClean="0"/>
-              <a:t>STMs allo</a:t>
-            </a:r>
-            <a:r>
-              <a:rPr lang="en-US" sz="1400" dirty="0" smtClean="0"/>
-              <a:t>w researchers to flexibly estimate a topic model</a:t>
+            <a:pPr marL="228600" indent="-228600"/>
+            <a:r>
+              <a:rPr lang="en-US" sz="1200" dirty="0" smtClean="0"/>
+              <a:t>For each topic,</a:t>
             </a:r>
           </a:p>
           <a:p>
-            <a:r>
-              <a:rPr lang="en-US" sz="1400" dirty="0" smtClean="0"/>
-              <a:t>STMs are like LDA models, except they extend the capability to include document-level metadata into the topic model. This allows researchers to not only estimate topics but also relationships to document metadata.</a:t>
+            <a:pPr marL="628650" lvl="1" indent="-228600"/>
+            <a:r>
+              <a:rPr lang="en-US" sz="1000" dirty="0" smtClean="0"/>
+              <a:t>Highest probability terms</a:t>
             </a:r>
           </a:p>
           <a:p>
-            <a:r>
-              <a:rPr lang="en-US" sz="1400" dirty="0" smtClean="0"/>
-              <a:t>The </a:t>
-            </a:r>
-            <a:r>
-              <a:rPr lang="en-US" sz="1400" dirty="0" err="1" smtClean="0">
-                <a:latin typeface="Courier New" panose="02070309020205020404" pitchFamily="49" charset="0"/>
-                <a:cs typeface="Courier New" panose="02070309020205020404" pitchFamily="49" charset="0"/>
-              </a:rPr>
-              <a:t>stm</a:t>
-            </a:r>
-            <a:r>
-              <a:rPr lang="en-US" sz="1400" dirty="0" smtClean="0">
-                <a:latin typeface="Courier New" panose="02070309020205020404" pitchFamily="49" charset="0"/>
-                <a:cs typeface="Courier New" panose="02070309020205020404" pitchFamily="49" charset="0"/>
-              </a:rPr>
-              <a:t> </a:t>
-            </a:r>
-            <a:r>
-              <a:rPr lang="en-US" sz="1400" dirty="0" smtClean="0"/>
-              <a:t>package in R is quite powerful with many features which work well with the </a:t>
-            </a:r>
-            <a:r>
-              <a:rPr lang="en-US" sz="1400" dirty="0" err="1">
-                <a:latin typeface="Courier New" panose="02070309020205020404" pitchFamily="49" charset="0"/>
-                <a:cs typeface="Courier New" panose="02070309020205020404" pitchFamily="49" charset="0"/>
-              </a:rPr>
-              <a:t>tidyverse</a:t>
-            </a:r>
-            <a:r>
-              <a:rPr lang="en-US" sz="1400" dirty="0" smtClean="0"/>
-              <a:t>, </a:t>
-            </a:r>
-            <a:r>
-              <a:rPr lang="en-US" sz="1400" dirty="0">
-                <a:latin typeface="Courier New" panose="02070309020205020404" pitchFamily="49" charset="0"/>
-                <a:cs typeface="Courier New" panose="02070309020205020404" pitchFamily="49" charset="0"/>
-              </a:rPr>
-              <a:t>tm</a:t>
-            </a:r>
-            <a:r>
-              <a:rPr lang="en-US" sz="1400" dirty="0" smtClean="0"/>
-              <a:t>, </a:t>
-            </a:r>
-            <a:r>
-              <a:rPr lang="en-US" sz="1400" dirty="0" err="1">
-                <a:latin typeface="Courier New" panose="02070309020205020404" pitchFamily="49" charset="0"/>
-                <a:cs typeface="Courier New" panose="02070309020205020404" pitchFamily="49" charset="0"/>
-              </a:rPr>
-              <a:t>quanteda</a:t>
-            </a:r>
-            <a:r>
-              <a:rPr lang="en-US" sz="1400" dirty="0" smtClean="0"/>
-              <a:t> and other major R packages</a:t>
+            <a:pPr marL="628650" lvl="1" indent="-228600"/>
+            <a:r>
+              <a:rPr lang="en-US" sz="1000" dirty="0" smtClean="0"/>
+              <a:t>FREX: How exclusive terms are to this topic?</a:t>
             </a:r>
           </a:p>
           <a:p>
-            <a:endParaRPr lang="en-US" sz="1400" dirty="0"/>
-          </a:p>
-          <a:p>
-            <a:r>
-              <a:rPr lang="en-US" sz="1400" dirty="0" smtClean="0"/>
-              <a:t>Using </a:t>
-            </a:r>
-            <a:r>
-              <a:rPr lang="en-US" sz="1400" dirty="0" err="1">
-                <a:latin typeface="Courier New" panose="02070309020205020404" pitchFamily="49" charset="0"/>
-                <a:cs typeface="Courier New" panose="02070309020205020404" pitchFamily="49" charset="0"/>
-              </a:rPr>
-              <a:t>stm</a:t>
-            </a:r>
-            <a:r>
-              <a:rPr lang="en-US" sz="1400" dirty="0" smtClean="0"/>
-              <a:t>, there are two main approaches towards deciding how many topics (K) are contained in the corpus:</a:t>
-            </a:r>
-          </a:p>
-          <a:p>
-            <a:pPr lvl="1"/>
-            <a:r>
-              <a:rPr lang="en-US" sz="1200" dirty="0" smtClean="0"/>
-              <a:t>Define the value(s) of K yourself</a:t>
-            </a:r>
-          </a:p>
-          <a:p>
-            <a:pPr lvl="1"/>
-            <a:r>
-              <a:rPr lang="en-US" sz="1200" dirty="0" smtClean="0"/>
-              <a:t>Use </a:t>
-            </a:r>
-            <a:r>
-              <a:rPr lang="en-US" sz="1200" dirty="0" err="1" smtClean="0"/>
-              <a:t>tsne</a:t>
-            </a:r>
-            <a:r>
-              <a:rPr lang="en-US" sz="1200" dirty="0" smtClean="0"/>
-              <a:t> to perform a dimension reduction on the TDM followed by some geometric calculations to estimate the number of “groupings”</a:t>
-            </a:r>
-          </a:p>
-          <a:p>
-            <a:pPr lvl="2"/>
+            <a:pPr marL="628650" lvl="1" indent="-228600"/>
             <a:r>
               <a:rPr lang="en-US" sz="1000" dirty="0" smtClean="0"/>
-              <a:t>This method resulted in 116 topics!</a:t>
-            </a:r>
-          </a:p>
-          <a:p>
-            <a:r>
-              <a:rPr lang="en-US" sz="1400" dirty="0" smtClean="0"/>
-              <a:t>To begin with, I’m assuming K=10</a:t>
+              <a:t>Lift: Higher weight to words which appear less frequently in other topics</a:t>
             </a:r>
           </a:p>
         </p:txBody>
@@ -21774,10 +22062,58 @@
           </a:p>
         </p:txBody>
       </p:sp>
+      <p:pic>
+        <p:nvPicPr>
+          <p:cNvPr id="7" name="Picture 6"/>
+          <p:cNvPicPr>
+            <a:picLocks noChangeAspect="1"/>
+          </p:cNvPicPr>
+          <p:nvPr/>
+        </p:nvPicPr>
+        <p:blipFill>
+          <a:blip r:embed="rId2"/>
+          <a:stretch>
+            <a:fillRect/>
+          </a:stretch>
+        </p:blipFill>
+        <p:spPr>
+          <a:xfrm>
+            <a:off x="194605" y="743598"/>
+            <a:ext cx="4526678" cy="2318414"/>
+          </a:xfrm>
+          <a:prstGeom prst="rect">
+            <a:avLst/>
+          </a:prstGeom>
+        </p:spPr>
+      </p:pic>
+      <p:pic>
+        <p:nvPicPr>
+          <p:cNvPr id="8" name="Picture 7"/>
+          <p:cNvPicPr>
+            <a:picLocks noChangeAspect="1"/>
+          </p:cNvPicPr>
+          <p:nvPr/>
+        </p:nvPicPr>
+        <p:blipFill>
+          <a:blip r:embed="rId3"/>
+          <a:stretch>
+            <a:fillRect/>
+          </a:stretch>
+        </p:blipFill>
+        <p:spPr>
+          <a:xfrm>
+            <a:off x="5229875" y="112729"/>
+            <a:ext cx="3766783" cy="4572672"/>
+          </a:xfrm>
+          <a:prstGeom prst="rect">
+            <a:avLst/>
+          </a:prstGeom>
+        </p:spPr>
+      </p:pic>
     </p:spTree>
     <p:extLst>
       <p:ext uri="{BB962C8B-B14F-4D97-AF65-F5344CB8AC3E}">
-        <p14:creationId xmlns:p14="http://schemas.microsoft.com/office/powerpoint/2010/main" val="1255567131"/>
+        <p14:creationId xmlns:p14="http://schemas.microsoft.com/office/powerpoint/2010/main" val="254810885"/>
       </p:ext>
     </p:extLst>
   </p:cSld>
@@ -21821,53 +22157,45 @@
             <p:ph type="title"/>
           </p:nvPr>
         </p:nvSpPr>
-        <p:spPr>
-          <a:xfrm>
-            <a:off x="4014630" y="205979"/>
-            <a:ext cx="4672169" cy="365521"/>
-          </a:xfrm>
-        </p:spPr>
+        <p:spPr/>
         <p:txBody>
           <a:bodyPr/>
           <a:lstStyle/>
           <a:p>
             <a:r>
               <a:rPr lang="en-US" dirty="0" smtClean="0"/>
-              <a:t>STM Results, K=10</a:t>
+              <a:t>Word Probabilities Per Topic</a:t>
             </a:r>
             <a:endParaRPr lang="en-US" dirty="0"/>
           </a:p>
         </p:txBody>
       </p:sp>
-      <p:sp>
-        <p:nvSpPr>
-          <p:cNvPr id="3" name="Content Placeholder 2"/>
-          <p:cNvSpPr>
-            <a:spLocks noGrp="1"/>
-          </p:cNvSpPr>
+      <p:pic>
+        <p:nvPicPr>
+          <p:cNvPr id="5" name="Content Placeholder 4"/>
+          <p:cNvPicPr>
+            <a:picLocks noGrp="1" noChangeAspect="1"/>
+          </p:cNvPicPr>
           <p:nvPr>
             <p:ph idx="1"/>
           </p:nvPr>
-        </p:nvSpPr>
+        </p:nvPicPr>
+        <p:blipFill>
+          <a:blip r:embed="rId2"/>
+          <a:stretch>
+            <a:fillRect/>
+          </a:stretch>
+        </p:blipFill>
         <p:spPr>
           <a:xfrm>
-            <a:off x="4183039" y="3078553"/>
-            <a:ext cx="4713219" cy="1606848"/>
+            <a:off x="1363877" y="773028"/>
+            <a:ext cx="6372460" cy="3660775"/>
           </a:xfrm>
+          <a:prstGeom prst="rect">
+            <a:avLst/>
+          </a:prstGeom>
         </p:spPr>
-        <p:txBody>
-          <a:bodyPr>
-            <a:normAutofit/>
-          </a:bodyPr>
-          <a:lstStyle/>
-          <a:p>
-            <a:r>
-              <a:rPr lang="en-US" sz="1400" dirty="0" smtClean="0"/>
-              <a:t>X</a:t>
-            </a:r>
-          </a:p>
-        </p:txBody>
-      </p:sp>
+      </p:pic>
       <p:sp>
         <p:nvSpPr>
           <p:cNvPr id="4" name="Slide Number Placeholder 3"/>
@@ -21892,58 +22220,190 @@
           </a:p>
         </p:txBody>
       </p:sp>
-      <p:pic>
-        <p:nvPicPr>
-          <p:cNvPr id="7" name="Picture 6"/>
-          <p:cNvPicPr>
-            <a:picLocks noChangeAspect="1"/>
-          </p:cNvPicPr>
+      <p:sp>
+        <p:nvSpPr>
+          <p:cNvPr id="8" name="Cloud Callout 7"/>
+          <p:cNvSpPr/>
           <p:nvPr/>
-        </p:nvPicPr>
-        <p:blipFill>
-          <a:blip r:embed="rId2"/>
-          <a:stretch>
-            <a:fillRect/>
-          </a:stretch>
-        </p:blipFill>
+        </p:nvSpPr>
         <p:spPr>
           <a:xfrm>
-            <a:off x="4014631" y="653362"/>
-            <a:ext cx="4526678" cy="2318414"/>
+            <a:off x="46957" y="3756686"/>
+            <a:ext cx="1187355" cy="982639"/>
           </a:xfrm>
-          <a:prstGeom prst="rect">
-            <a:avLst/>
+          <a:prstGeom prst="cloudCallout">
+            <a:avLst>
+              <a:gd name="adj1" fmla="val 73556"/>
+              <a:gd name="adj2" fmla="val -34768"/>
+            </a:avLst>
           </a:prstGeom>
         </p:spPr>
-      </p:pic>
-      <p:pic>
-        <p:nvPicPr>
-          <p:cNvPr id="8" name="Picture 7"/>
-          <p:cNvPicPr>
-            <a:picLocks noChangeAspect="1"/>
-          </p:cNvPicPr>
+        <p:style>
+          <a:lnRef idx="1">
+            <a:schemeClr val="accent4"/>
+          </a:lnRef>
+          <a:fillRef idx="3">
+            <a:schemeClr val="accent4"/>
+          </a:fillRef>
+          <a:effectRef idx="2">
+            <a:schemeClr val="accent4"/>
+          </a:effectRef>
+          <a:fontRef idx="minor">
+            <a:schemeClr val="lt1"/>
+          </a:fontRef>
+        </p:style>
+        <p:txBody>
+          <a:bodyPr rtlCol="0" anchor="ctr"/>
+          <a:lstStyle/>
+          <a:p>
+            <a:pPr algn="ctr"/>
+            <a:r>
+              <a:rPr lang="en-US" sz="1200" dirty="0" smtClean="0"/>
+              <a:t>Altitude related issues</a:t>
+            </a:r>
+            <a:endParaRPr lang="en-US" sz="1200" dirty="0"/>
+          </a:p>
+        </p:txBody>
+      </p:sp>
+      <p:sp>
+        <p:nvSpPr>
+          <p:cNvPr id="9" name="Cloud Callout 8"/>
+          <p:cNvSpPr/>
           <p:nvPr/>
-        </p:nvPicPr>
-        <p:blipFill>
-          <a:blip r:embed="rId3"/>
-          <a:stretch>
-            <a:fillRect/>
-          </a:stretch>
-        </p:blipFill>
+        </p:nvSpPr>
         <p:spPr>
           <a:xfrm>
-            <a:off x="116005" y="112730"/>
-            <a:ext cx="3766783" cy="4572672"/>
+            <a:off x="5117222" y="3451164"/>
+            <a:ext cx="1187355" cy="982639"/>
           </a:xfrm>
-          <a:prstGeom prst="rect">
-            <a:avLst/>
+          <a:prstGeom prst="cloudCallout">
+            <a:avLst>
+              <a:gd name="adj1" fmla="val -3796"/>
+              <a:gd name="adj2" fmla="val -76225"/>
+            </a:avLst>
           </a:prstGeom>
         </p:spPr>
-      </p:pic>
+        <p:style>
+          <a:lnRef idx="1">
+            <a:schemeClr val="accent4"/>
+          </a:lnRef>
+          <a:fillRef idx="3">
+            <a:schemeClr val="accent4"/>
+          </a:fillRef>
+          <a:effectRef idx="2">
+            <a:schemeClr val="accent4"/>
+          </a:effectRef>
+          <a:fontRef idx="minor">
+            <a:schemeClr val="lt1"/>
+          </a:fontRef>
+        </p:style>
+        <p:txBody>
+          <a:bodyPr rtlCol="0" anchor="ctr"/>
+          <a:lstStyle/>
+          <a:p>
+            <a:pPr algn="ctr"/>
+            <a:r>
+              <a:rPr lang="en-US" sz="1200" dirty="0" smtClean="0"/>
+              <a:t>On board security issues</a:t>
+            </a:r>
+            <a:endParaRPr lang="en-US" sz="1200" dirty="0"/>
+          </a:p>
+        </p:txBody>
+      </p:sp>
+      <p:sp>
+        <p:nvSpPr>
+          <p:cNvPr id="10" name="Cloud Callout 9"/>
+          <p:cNvSpPr/>
+          <p:nvPr/>
+        </p:nvSpPr>
+        <p:spPr>
+          <a:xfrm>
+            <a:off x="18525" y="916906"/>
+            <a:ext cx="1244221" cy="911001"/>
+          </a:xfrm>
+          <a:prstGeom prst="cloudCallout">
+            <a:avLst>
+              <a:gd name="adj1" fmla="val 75242"/>
+              <a:gd name="adj2" fmla="val 7443"/>
+            </a:avLst>
+          </a:prstGeom>
+        </p:spPr>
+        <p:style>
+          <a:lnRef idx="1">
+            <a:schemeClr val="accent4"/>
+          </a:lnRef>
+          <a:fillRef idx="3">
+            <a:schemeClr val="accent4"/>
+          </a:fillRef>
+          <a:effectRef idx="2">
+            <a:schemeClr val="accent4"/>
+          </a:effectRef>
+          <a:fontRef idx="minor">
+            <a:schemeClr val="lt1"/>
+          </a:fontRef>
+        </p:style>
+        <p:txBody>
+          <a:bodyPr rtlCol="0" anchor="ctr"/>
+          <a:lstStyle/>
+          <a:p>
+            <a:pPr algn="ctr"/>
+            <a:r>
+              <a:rPr lang="en-US" sz="1200" dirty="0" smtClean="0"/>
+              <a:t>On ground violations</a:t>
+            </a:r>
+            <a:endParaRPr lang="en-US" sz="1200" dirty="0"/>
+          </a:p>
+        </p:txBody>
+      </p:sp>
+      <p:sp>
+        <p:nvSpPr>
+          <p:cNvPr id="11" name="Cloud Callout 10"/>
+          <p:cNvSpPr/>
+          <p:nvPr/>
+        </p:nvSpPr>
+        <p:spPr>
+          <a:xfrm>
+            <a:off x="58810" y="2687879"/>
+            <a:ext cx="1187355" cy="982639"/>
+          </a:xfrm>
+          <a:prstGeom prst="cloudCallout">
+            <a:avLst>
+              <a:gd name="adj1" fmla="val 73556"/>
+              <a:gd name="adj2" fmla="val -34768"/>
+            </a:avLst>
+          </a:prstGeom>
+        </p:spPr>
+        <p:style>
+          <a:lnRef idx="1">
+            <a:schemeClr val="accent4"/>
+          </a:lnRef>
+          <a:fillRef idx="3">
+            <a:schemeClr val="accent4"/>
+          </a:fillRef>
+          <a:effectRef idx="2">
+            <a:schemeClr val="accent4"/>
+          </a:effectRef>
+          <a:fontRef idx="minor">
+            <a:schemeClr val="lt1"/>
+          </a:fontRef>
+        </p:style>
+        <p:txBody>
+          <a:bodyPr rtlCol="0" anchor="ctr"/>
+          <a:lstStyle/>
+          <a:p>
+            <a:pPr algn="ctr"/>
+            <a:r>
+              <a:rPr lang="en-US" sz="1200" dirty="0" smtClean="0"/>
+              <a:t>Weather related issues</a:t>
+            </a:r>
+            <a:endParaRPr lang="en-US" sz="1200" dirty="0"/>
+          </a:p>
+        </p:txBody>
+      </p:sp>
     </p:spTree>
     <p:extLst>
       <p:ext uri="{BB962C8B-B14F-4D97-AF65-F5344CB8AC3E}">
-        <p14:creationId xmlns:p14="http://schemas.microsoft.com/office/powerpoint/2010/main" val="254810885"/>
+        <p14:creationId xmlns:p14="http://schemas.microsoft.com/office/powerpoint/2010/main" val="241000052"/>
       </p:ext>
     </p:extLst>
   </p:cSld>
@@ -21953,9 +22413,218 @@
   <p:timing>
     <p:tnLst>
       <p:par>
-        <p:cTn id="1" dur="indefinite" restart="never" nodeType="tmRoot"/>
+        <p:cTn id="1" dur="indefinite" restart="never" nodeType="tmRoot">
+          <p:childTnLst>
+            <p:seq concurrent="1" nextAc="seek">
+              <p:cTn id="2" dur="indefinite" nodeType="mainSeq">
+                <p:childTnLst>
+                  <p:par>
+                    <p:cTn id="3" fill="hold">
+                      <p:stCondLst>
+                        <p:cond delay="indefinite"/>
+                      </p:stCondLst>
+                      <p:childTnLst>
+                        <p:par>
+                          <p:cTn id="4" fill="hold">
+                            <p:stCondLst>
+                              <p:cond delay="0"/>
+                            </p:stCondLst>
+                            <p:childTnLst>
+                              <p:par>
+                                <p:cTn id="5" presetID="1" presetClass="entr" presetSubtype="0" fill="hold" grpId="0" nodeType="clickEffect">
+                                  <p:stCondLst>
+                                    <p:cond delay="0"/>
+                                  </p:stCondLst>
+                                  <p:childTnLst>
+                                    <p:set>
+                                      <p:cBhvr>
+                                        <p:cTn id="6" dur="1" fill="hold">
+                                          <p:stCondLst>
+                                            <p:cond delay="0"/>
+                                          </p:stCondLst>
+                                        </p:cTn>
+                                        <p:tgtEl>
+                                          <p:spTgt spid="9"/>
+                                        </p:tgtEl>
+                                        <p:attrNameLst>
+                                          <p:attrName>style.visibility</p:attrName>
+                                        </p:attrNameLst>
+                                      </p:cBhvr>
+                                      <p:to>
+                                        <p:strVal val="visible"/>
+                                      </p:to>
+                                    </p:set>
+                                  </p:childTnLst>
+                                </p:cTn>
+                              </p:par>
+                            </p:childTnLst>
+                          </p:cTn>
+                        </p:par>
+                      </p:childTnLst>
+                    </p:cTn>
+                  </p:par>
+                  <p:par>
+                    <p:cTn id="7" fill="hold">
+                      <p:stCondLst>
+                        <p:cond delay="indefinite"/>
+                      </p:stCondLst>
+                      <p:childTnLst>
+                        <p:par>
+                          <p:cTn id="8" fill="hold">
+                            <p:stCondLst>
+                              <p:cond delay="0"/>
+                            </p:stCondLst>
+                            <p:childTnLst>
+                              <p:par>
+                                <p:cTn id="9" presetID="1" presetClass="entr" presetSubtype="0" fill="hold" grpId="0" nodeType="clickEffect">
+                                  <p:stCondLst>
+                                    <p:cond delay="0"/>
+                                  </p:stCondLst>
+                                  <p:childTnLst>
+                                    <p:set>
+                                      <p:cBhvr>
+                                        <p:cTn id="10" dur="1" fill="hold">
+                                          <p:stCondLst>
+                                            <p:cond delay="0"/>
+                                          </p:stCondLst>
+                                        </p:cTn>
+                                        <p:tgtEl>
+                                          <p:spTgt spid="10"/>
+                                        </p:tgtEl>
+                                        <p:attrNameLst>
+                                          <p:attrName>style.visibility</p:attrName>
+                                        </p:attrNameLst>
+                                      </p:cBhvr>
+                                      <p:to>
+                                        <p:strVal val="visible"/>
+                                      </p:to>
+                                    </p:set>
+                                  </p:childTnLst>
+                                </p:cTn>
+                              </p:par>
+                            </p:childTnLst>
+                          </p:cTn>
+                        </p:par>
+                      </p:childTnLst>
+                    </p:cTn>
+                  </p:par>
+                  <p:par>
+                    <p:cTn id="11" fill="hold">
+                      <p:stCondLst>
+                        <p:cond delay="indefinite"/>
+                      </p:stCondLst>
+                      <p:childTnLst>
+                        <p:par>
+                          <p:cTn id="12" fill="hold">
+                            <p:stCondLst>
+                              <p:cond delay="0"/>
+                            </p:stCondLst>
+                            <p:childTnLst>
+                              <p:par>
+                                <p:cTn id="13" presetID="1" presetClass="entr" presetSubtype="0" fill="hold" grpId="0" nodeType="clickEffect">
+                                  <p:stCondLst>
+                                    <p:cond delay="0"/>
+                                  </p:stCondLst>
+                                  <p:childTnLst>
+                                    <p:set>
+                                      <p:cBhvr>
+                                        <p:cTn id="14" dur="1" fill="hold">
+                                          <p:stCondLst>
+                                            <p:cond delay="0"/>
+                                          </p:stCondLst>
+                                        </p:cTn>
+                                        <p:tgtEl>
+                                          <p:spTgt spid="8"/>
+                                        </p:tgtEl>
+                                        <p:attrNameLst>
+                                          <p:attrName>style.visibility</p:attrName>
+                                        </p:attrNameLst>
+                                      </p:cBhvr>
+                                      <p:to>
+                                        <p:strVal val="visible"/>
+                                      </p:to>
+                                    </p:set>
+                                  </p:childTnLst>
+                                </p:cTn>
+                              </p:par>
+                            </p:childTnLst>
+                          </p:cTn>
+                        </p:par>
+                      </p:childTnLst>
+                    </p:cTn>
+                  </p:par>
+                  <p:par>
+                    <p:cTn id="15" fill="hold">
+                      <p:stCondLst>
+                        <p:cond delay="indefinite"/>
+                      </p:stCondLst>
+                      <p:childTnLst>
+                        <p:par>
+                          <p:cTn id="16" fill="hold">
+                            <p:stCondLst>
+                              <p:cond delay="0"/>
+                            </p:stCondLst>
+                            <p:childTnLst>
+                              <p:par>
+                                <p:cTn id="17" presetID="1" presetClass="entr" presetSubtype="0" fill="hold" grpId="0" nodeType="clickEffect">
+                                  <p:stCondLst>
+                                    <p:cond delay="0"/>
+                                  </p:stCondLst>
+                                  <p:childTnLst>
+                                    <p:set>
+                                      <p:cBhvr>
+                                        <p:cTn id="18" dur="1" fill="hold">
+                                          <p:stCondLst>
+                                            <p:cond delay="0"/>
+                                          </p:stCondLst>
+                                        </p:cTn>
+                                        <p:tgtEl>
+                                          <p:spTgt spid="11"/>
+                                        </p:tgtEl>
+                                        <p:attrNameLst>
+                                          <p:attrName>style.visibility</p:attrName>
+                                        </p:attrNameLst>
+                                      </p:cBhvr>
+                                      <p:to>
+                                        <p:strVal val="visible"/>
+                                      </p:to>
+                                    </p:set>
+                                  </p:childTnLst>
+                                </p:cTn>
+                              </p:par>
+                            </p:childTnLst>
+                          </p:cTn>
+                        </p:par>
+                      </p:childTnLst>
+                    </p:cTn>
+                  </p:par>
+                </p:childTnLst>
+              </p:cTn>
+              <p:prevCondLst>
+                <p:cond evt="onPrev" delay="0">
+                  <p:tgtEl>
+                    <p:sldTgt/>
+                  </p:tgtEl>
+                </p:cond>
+              </p:prevCondLst>
+              <p:nextCondLst>
+                <p:cond evt="onNext" delay="0">
+                  <p:tgtEl>
+                    <p:sldTgt/>
+                  </p:tgtEl>
+                </p:cond>
+              </p:nextCondLst>
+            </p:seq>
+          </p:childTnLst>
+        </p:cTn>
       </p:par>
     </p:tnLst>
+    <p:bldLst>
+      <p:bldP spid="8" grpId="0" animBg="1"/>
+      <p:bldP spid="9" grpId="0" animBg="1"/>
+      <p:bldP spid="10" grpId="0" animBg="1"/>
+      <p:bldP spid="11" grpId="0" animBg="1"/>
+    </p:bldLst>
   </p:timing>
 </p:sld>
 </file>
@@ -21992,10 +22661,40 @@
           <a:bodyPr/>
           <a:lstStyle/>
           <a:p>
-            <a:endParaRPr lang="en-US"/>
+            <a:r>
+              <a:rPr lang="en-US" dirty="0" smtClean="0"/>
+              <a:t>Document Distribution among Topics</a:t>
+            </a:r>
+            <a:endParaRPr lang="en-US" dirty="0"/>
           </a:p>
         </p:txBody>
       </p:sp>
+      <p:pic>
+        <p:nvPicPr>
+          <p:cNvPr id="5" name="Content Placeholder 4"/>
+          <p:cNvPicPr>
+            <a:picLocks noGrp="1" noChangeAspect="1"/>
+          </p:cNvPicPr>
+          <p:nvPr>
+            <p:ph idx="1"/>
+          </p:nvPr>
+        </p:nvPicPr>
+        <p:blipFill>
+          <a:blip r:embed="rId2"/>
+          <a:stretch>
+            <a:fillRect/>
+          </a:stretch>
+        </p:blipFill>
+        <p:spPr>
+          <a:xfrm>
+            <a:off x="1204208" y="933450"/>
+            <a:ext cx="6735584" cy="3660775"/>
+          </a:xfrm>
+          <a:prstGeom prst="rect">
+            <a:avLst/>
+          </a:prstGeom>
+        </p:spPr>
+      </p:pic>
       <p:sp>
         <p:nvSpPr>
           <p:cNvPr id="4" name="Slide Number Placeholder 3"/>
@@ -22020,84 +22719,217 @@
           </a:p>
         </p:txBody>
       </p:sp>
-      <p:pic>
-        <p:nvPicPr>
-          <p:cNvPr id="7" name="Content Placeholder 6"/>
-          <p:cNvPicPr>
-            <a:picLocks noGrp="1" noChangeAspect="1"/>
-          </p:cNvPicPr>
-          <p:nvPr>
-            <p:ph idx="1"/>
-          </p:nvPr>
-        </p:nvPicPr>
-        <p:blipFill>
-          <a:blip r:embed="rId2"/>
-          <a:stretch>
-            <a:fillRect/>
-          </a:stretch>
-        </p:blipFill>
+      <p:sp>
+        <p:nvSpPr>
+          <p:cNvPr id="6" name="Rectangle 5"/>
+          <p:cNvSpPr/>
+          <p:nvPr/>
+        </p:nvSpPr>
         <p:spPr>
           <a:xfrm>
-            <a:off x="511791" y="571500"/>
-            <a:ext cx="8229600" cy="2906685"/>
+            <a:off x="7608002" y="4467665"/>
+            <a:ext cx="1535998" cy="253916"/>
           </a:xfrm>
           <a:prstGeom prst="rect">
             <a:avLst/>
           </a:prstGeom>
         </p:spPr>
-      </p:pic>
-      <p:pic>
-        <p:nvPicPr>
-          <p:cNvPr id="8" name="Picture 7"/>
-          <p:cNvPicPr>
-            <a:picLocks noChangeAspect="1"/>
-          </p:cNvPicPr>
+        <p:txBody>
+          <a:bodyPr wrap="none">
+            <a:spAutoFit/>
+          </a:bodyPr>
+          <a:lstStyle/>
+          <a:p>
+            <a:r>
+              <a:rPr lang="en-US" sz="1050" baseline="30000" dirty="0" smtClean="0"/>
+              <a:t>1</a:t>
+            </a:r>
+            <a:r>
+              <a:rPr lang="en-US" sz="1050" dirty="0" smtClean="0"/>
+              <a:t> </a:t>
+            </a:r>
+            <a:r>
+              <a:rPr lang="en-US" sz="1050" dirty="0" smtClean="0"/>
+              <a:t>Showing 9 of 5949 DSIs</a:t>
+            </a:r>
+            <a:endParaRPr lang="en-US" sz="1050" dirty="0"/>
+          </a:p>
+        </p:txBody>
+      </p:sp>
+      <p:sp>
+        <p:nvSpPr>
+          <p:cNvPr id="7" name="Content Placeholder 2"/>
+          <p:cNvSpPr txBox="1">
+            <a:spLocks/>
+          </p:cNvSpPr>
           <p:nvPr/>
-        </p:nvPicPr>
-        <p:blipFill>
-          <a:blip r:embed="rId3"/>
-          <a:stretch>
-            <a:fillRect/>
-          </a:stretch>
-        </p:blipFill>
+        </p:nvSpPr>
         <p:spPr>
           <a:xfrm>
-            <a:off x="511791" y="2209199"/>
-            <a:ext cx="6448567" cy="2277627"/>
+            <a:off x="6433331" y="660073"/>
+            <a:ext cx="3012922" cy="396303"/>
           </a:xfrm>
           <a:prstGeom prst="rect">
             <a:avLst/>
           </a:prstGeom>
         </p:spPr>
-      </p:pic>
-      <p:pic>
-        <p:nvPicPr>
-          <p:cNvPr id="9" name="Picture 8"/>
-          <p:cNvPicPr>
-            <a:picLocks noChangeAspect="1"/>
-          </p:cNvPicPr>
-          <p:nvPr/>
-        </p:nvPicPr>
-        <p:blipFill>
-          <a:blip r:embed="rId4"/>
-          <a:stretch>
-            <a:fillRect/>
-          </a:stretch>
-        </p:blipFill>
-        <p:spPr>
-          <a:xfrm>
-            <a:off x="1821976" y="1600444"/>
-            <a:ext cx="7322024" cy="2586131"/>
-          </a:xfrm>
-          <a:prstGeom prst="rect">
-            <a:avLst/>
-          </a:prstGeom>
-        </p:spPr>
-      </p:pic>
+        <p:txBody>
+          <a:bodyPr vert="horz" lIns="91440" tIns="45720" rIns="91440" bIns="45720" rtlCol="0">
+            <a:noAutofit/>
+          </a:bodyPr>
+          <a:lstStyle>
+            <a:lvl1pPr marL="342900" indent="-342900" algn="l" defTabSz="457200" rtl="0" eaLnBrk="1" latinLnBrk="0" hangingPunct="1">
+              <a:spcBef>
+                <a:spcPct val="20000"/>
+              </a:spcBef>
+              <a:buFont typeface="Arial"/>
+              <a:buChar char="•"/>
+              <a:defRPr sz="2000" kern="1200">
+                <a:solidFill>
+                  <a:schemeClr val="tx1"/>
+                </a:solidFill>
+                <a:latin typeface="Arial"/>
+                <a:ea typeface="+mn-ea"/>
+                <a:cs typeface="+mn-cs"/>
+              </a:defRPr>
+            </a:lvl1pPr>
+            <a:lvl2pPr marL="742950" indent="-285750" algn="l" defTabSz="457200" rtl="0" eaLnBrk="1" latinLnBrk="0" hangingPunct="1">
+              <a:spcBef>
+                <a:spcPct val="20000"/>
+              </a:spcBef>
+              <a:buFont typeface="Arial"/>
+              <a:buChar char="–"/>
+              <a:defRPr sz="1800" kern="1200">
+                <a:solidFill>
+                  <a:schemeClr val="tx1"/>
+                </a:solidFill>
+                <a:latin typeface="Arial"/>
+                <a:ea typeface="+mn-ea"/>
+                <a:cs typeface="+mn-cs"/>
+              </a:defRPr>
+            </a:lvl2pPr>
+            <a:lvl3pPr marL="1143000" indent="-228600" algn="l" defTabSz="457200" rtl="0" eaLnBrk="1" latinLnBrk="0" hangingPunct="1">
+              <a:spcBef>
+                <a:spcPct val="20000"/>
+              </a:spcBef>
+              <a:buFont typeface="Arial"/>
+              <a:buChar char="•"/>
+              <a:defRPr sz="1600" kern="1200">
+                <a:solidFill>
+                  <a:schemeClr val="tx1"/>
+                </a:solidFill>
+                <a:latin typeface="Arial"/>
+                <a:ea typeface="+mn-ea"/>
+                <a:cs typeface="+mn-cs"/>
+              </a:defRPr>
+            </a:lvl3pPr>
+            <a:lvl4pPr marL="1600200" indent="-228600" algn="l" defTabSz="457200" rtl="0" eaLnBrk="1" latinLnBrk="0" hangingPunct="1">
+              <a:spcBef>
+                <a:spcPct val="20000"/>
+              </a:spcBef>
+              <a:buFont typeface="Arial"/>
+              <a:buChar char="–"/>
+              <a:defRPr sz="1400" kern="1200">
+                <a:solidFill>
+                  <a:schemeClr val="tx1"/>
+                </a:solidFill>
+                <a:latin typeface="Arial"/>
+                <a:ea typeface="+mn-ea"/>
+                <a:cs typeface="+mn-cs"/>
+              </a:defRPr>
+            </a:lvl4pPr>
+            <a:lvl5pPr marL="2057400" indent="-228600" algn="l" defTabSz="457200" rtl="0" eaLnBrk="1" latinLnBrk="0" hangingPunct="1">
+              <a:spcBef>
+                <a:spcPct val="20000"/>
+              </a:spcBef>
+              <a:buFont typeface="Arial"/>
+              <a:buChar char="»"/>
+              <a:defRPr sz="1400" kern="1200">
+                <a:solidFill>
+                  <a:schemeClr val="tx1"/>
+                </a:solidFill>
+                <a:latin typeface="Arial"/>
+                <a:ea typeface="+mn-ea"/>
+                <a:cs typeface="+mn-cs"/>
+              </a:defRPr>
+            </a:lvl5pPr>
+            <a:lvl6pPr marL="2514600" indent="-228600" algn="l" defTabSz="457200" rtl="0" eaLnBrk="1" latinLnBrk="0" hangingPunct="1">
+              <a:spcBef>
+                <a:spcPct val="20000"/>
+              </a:spcBef>
+              <a:buFont typeface="Arial"/>
+              <a:buChar char="•"/>
+              <a:defRPr sz="2000" kern="1200">
+                <a:solidFill>
+                  <a:schemeClr val="tx1"/>
+                </a:solidFill>
+                <a:latin typeface="+mn-lt"/>
+                <a:ea typeface="+mn-ea"/>
+                <a:cs typeface="+mn-cs"/>
+              </a:defRPr>
+            </a:lvl6pPr>
+            <a:lvl7pPr marL="2971800" indent="-228600" algn="l" defTabSz="457200" rtl="0" eaLnBrk="1" latinLnBrk="0" hangingPunct="1">
+              <a:spcBef>
+                <a:spcPct val="20000"/>
+              </a:spcBef>
+              <a:buFont typeface="Arial"/>
+              <a:buChar char="•"/>
+              <a:defRPr sz="2000" kern="1200">
+                <a:solidFill>
+                  <a:schemeClr val="tx1"/>
+                </a:solidFill>
+                <a:latin typeface="+mn-lt"/>
+                <a:ea typeface="+mn-ea"/>
+                <a:cs typeface="+mn-cs"/>
+              </a:defRPr>
+            </a:lvl7pPr>
+            <a:lvl8pPr marL="3429000" indent="-228600" algn="l" defTabSz="457200" rtl="0" eaLnBrk="1" latinLnBrk="0" hangingPunct="1">
+              <a:spcBef>
+                <a:spcPct val="20000"/>
+              </a:spcBef>
+              <a:buFont typeface="Arial"/>
+              <a:buChar char="•"/>
+              <a:defRPr sz="2000" kern="1200">
+                <a:solidFill>
+                  <a:schemeClr val="tx1"/>
+                </a:solidFill>
+                <a:latin typeface="+mn-lt"/>
+                <a:ea typeface="+mn-ea"/>
+                <a:cs typeface="+mn-cs"/>
+              </a:defRPr>
+            </a:lvl8pPr>
+            <a:lvl9pPr marL="3886200" indent="-228600" algn="l" defTabSz="457200" rtl="0" eaLnBrk="1" latinLnBrk="0" hangingPunct="1">
+              <a:spcBef>
+                <a:spcPct val="20000"/>
+              </a:spcBef>
+              <a:buFont typeface="Arial"/>
+              <a:buChar char="•"/>
+              <a:defRPr sz="2000" kern="1200">
+                <a:solidFill>
+                  <a:schemeClr val="tx1"/>
+                </a:solidFill>
+                <a:latin typeface="+mn-lt"/>
+                <a:ea typeface="+mn-ea"/>
+                <a:cs typeface="+mn-cs"/>
+              </a:defRPr>
+            </a:lvl9pPr>
+          </a:lstStyle>
+          <a:p>
+            <a:pPr marL="0" indent="0">
+              <a:buNone/>
+            </a:pPr>
+            <a:r>
+              <a:rPr lang="en-US" sz="1050" i="1" dirty="0" smtClean="0"/>
+              <a:t>Each document should have a high gamma score for only one topic</a:t>
+            </a:r>
+            <a:endParaRPr lang="en-US" sz="1050" i="1" dirty="0"/>
+          </a:p>
+        </p:txBody>
+      </p:sp>
     </p:spTree>
     <p:extLst>
       <p:ext uri="{BB962C8B-B14F-4D97-AF65-F5344CB8AC3E}">
-        <p14:creationId xmlns:p14="http://schemas.microsoft.com/office/powerpoint/2010/main" val="1411586824"/>
+        <p14:creationId xmlns:p14="http://schemas.microsoft.com/office/powerpoint/2010/main" val="2163884692"/>
       </p:ext>
     </p:extLst>
   </p:cSld>
@@ -22146,7 +22978,11 @@
           <a:bodyPr/>
           <a:lstStyle/>
           <a:p>
-            <a:endParaRPr lang="en-US"/>
+            <a:r>
+              <a:rPr lang="en-US" dirty="0" smtClean="0"/>
+              <a:t>Topic Model Correlation</a:t>
+            </a:r>
+            <a:endParaRPr lang="en-US" dirty="0"/>
           </a:p>
         </p:txBody>
       </p:sp>
@@ -22160,16 +22996,15 @@
             <p:ph idx="1"/>
           </p:nvPr>
         </p:nvPicPr>
-        <p:blipFill>
+        <p:blipFill rotWithShape="1">
           <a:blip r:embed="rId2"/>
-          <a:stretch>
-            <a:fillRect/>
-          </a:stretch>
+          <a:srcRect l="25709" t="10225" r="22370" b="12544"/>
+          <a:stretch/>
         </p:blipFill>
         <p:spPr>
           <a:xfrm>
-            <a:off x="1385770" y="933450"/>
-            <a:ext cx="6372460" cy="3660775"/>
+            <a:off x="5082265" y="884937"/>
+            <a:ext cx="3514298" cy="3568889"/>
           </a:xfrm>
           <a:prstGeom prst="rect">
             <a:avLst/>
@@ -22200,10 +23035,233 @@
           </a:p>
         </p:txBody>
       </p:sp>
+      <p:pic>
+        <p:nvPicPr>
+          <p:cNvPr id="6" name="Picture 5"/>
+          <p:cNvPicPr>
+            <a:picLocks noChangeAspect="1"/>
+          </p:cNvPicPr>
+          <p:nvPr/>
+        </p:nvPicPr>
+        <p:blipFill>
+          <a:blip r:embed="rId3"/>
+          <a:stretch>
+            <a:fillRect/>
+          </a:stretch>
+        </p:blipFill>
+        <p:spPr>
+          <a:xfrm>
+            <a:off x="194605" y="689456"/>
+            <a:ext cx="4526678" cy="2318414"/>
+          </a:xfrm>
+          <a:prstGeom prst="rect">
+            <a:avLst/>
+          </a:prstGeom>
+        </p:spPr>
+      </p:pic>
+      <p:sp>
+        <p:nvSpPr>
+          <p:cNvPr id="7" name="Content Placeholder 2"/>
+          <p:cNvSpPr txBox="1">
+            <a:spLocks/>
+          </p:cNvSpPr>
+          <p:nvPr/>
+        </p:nvSpPr>
+        <p:spPr>
+          <a:xfrm>
+            <a:off x="262360" y="3078553"/>
+            <a:ext cx="4713219" cy="1606848"/>
+          </a:xfrm>
+          <a:prstGeom prst="rect">
+            <a:avLst/>
+          </a:prstGeom>
+        </p:spPr>
+        <p:txBody>
+          <a:bodyPr vert="horz" lIns="91440" tIns="45720" rIns="91440" bIns="45720" rtlCol="0">
+            <a:normAutofit fontScale="92500"/>
+          </a:bodyPr>
+          <a:lstStyle>
+            <a:lvl1pPr marL="342900" indent="-342900" algn="l" defTabSz="457200" rtl="0" eaLnBrk="1" latinLnBrk="0" hangingPunct="1">
+              <a:spcBef>
+                <a:spcPct val="20000"/>
+              </a:spcBef>
+              <a:buFont typeface="Arial"/>
+              <a:buChar char="•"/>
+              <a:defRPr sz="2000" kern="1200">
+                <a:solidFill>
+                  <a:schemeClr val="tx1"/>
+                </a:solidFill>
+                <a:latin typeface="Arial"/>
+                <a:ea typeface="+mn-ea"/>
+                <a:cs typeface="+mn-cs"/>
+              </a:defRPr>
+            </a:lvl1pPr>
+            <a:lvl2pPr marL="742950" indent="-285750" algn="l" defTabSz="457200" rtl="0" eaLnBrk="1" latinLnBrk="0" hangingPunct="1">
+              <a:spcBef>
+                <a:spcPct val="20000"/>
+              </a:spcBef>
+              <a:buFont typeface="Arial"/>
+              <a:buChar char="–"/>
+              <a:defRPr sz="1800" kern="1200">
+                <a:solidFill>
+                  <a:schemeClr val="tx1"/>
+                </a:solidFill>
+                <a:latin typeface="Arial"/>
+                <a:ea typeface="+mn-ea"/>
+                <a:cs typeface="+mn-cs"/>
+              </a:defRPr>
+            </a:lvl2pPr>
+            <a:lvl3pPr marL="1143000" indent="-228600" algn="l" defTabSz="457200" rtl="0" eaLnBrk="1" latinLnBrk="0" hangingPunct="1">
+              <a:spcBef>
+                <a:spcPct val="20000"/>
+              </a:spcBef>
+              <a:buFont typeface="Arial"/>
+              <a:buChar char="•"/>
+              <a:defRPr sz="1600" kern="1200">
+                <a:solidFill>
+                  <a:schemeClr val="tx1"/>
+                </a:solidFill>
+                <a:latin typeface="Arial"/>
+                <a:ea typeface="+mn-ea"/>
+                <a:cs typeface="+mn-cs"/>
+              </a:defRPr>
+            </a:lvl3pPr>
+            <a:lvl4pPr marL="1600200" indent="-228600" algn="l" defTabSz="457200" rtl="0" eaLnBrk="1" latinLnBrk="0" hangingPunct="1">
+              <a:spcBef>
+                <a:spcPct val="20000"/>
+              </a:spcBef>
+              <a:buFont typeface="Arial"/>
+              <a:buChar char="–"/>
+              <a:defRPr sz="1400" kern="1200">
+                <a:solidFill>
+                  <a:schemeClr val="tx1"/>
+                </a:solidFill>
+                <a:latin typeface="Arial"/>
+                <a:ea typeface="+mn-ea"/>
+                <a:cs typeface="+mn-cs"/>
+              </a:defRPr>
+            </a:lvl4pPr>
+            <a:lvl5pPr marL="2057400" indent="-228600" algn="l" defTabSz="457200" rtl="0" eaLnBrk="1" latinLnBrk="0" hangingPunct="1">
+              <a:spcBef>
+                <a:spcPct val="20000"/>
+              </a:spcBef>
+              <a:buFont typeface="Arial"/>
+              <a:buChar char="»"/>
+              <a:defRPr sz="1400" kern="1200">
+                <a:solidFill>
+                  <a:schemeClr val="tx1"/>
+                </a:solidFill>
+                <a:latin typeface="Arial"/>
+                <a:ea typeface="+mn-ea"/>
+                <a:cs typeface="+mn-cs"/>
+              </a:defRPr>
+            </a:lvl5pPr>
+            <a:lvl6pPr marL="2514600" indent="-228600" algn="l" defTabSz="457200" rtl="0" eaLnBrk="1" latinLnBrk="0" hangingPunct="1">
+              <a:spcBef>
+                <a:spcPct val="20000"/>
+              </a:spcBef>
+              <a:buFont typeface="Arial"/>
+              <a:buChar char="•"/>
+              <a:defRPr sz="2000" kern="1200">
+                <a:solidFill>
+                  <a:schemeClr val="tx1"/>
+                </a:solidFill>
+                <a:latin typeface="+mn-lt"/>
+                <a:ea typeface="+mn-ea"/>
+                <a:cs typeface="+mn-cs"/>
+              </a:defRPr>
+            </a:lvl6pPr>
+            <a:lvl7pPr marL="2971800" indent="-228600" algn="l" defTabSz="457200" rtl="0" eaLnBrk="1" latinLnBrk="0" hangingPunct="1">
+              <a:spcBef>
+                <a:spcPct val="20000"/>
+              </a:spcBef>
+              <a:buFont typeface="Arial"/>
+              <a:buChar char="•"/>
+              <a:defRPr sz="2000" kern="1200">
+                <a:solidFill>
+                  <a:schemeClr val="tx1"/>
+                </a:solidFill>
+                <a:latin typeface="+mn-lt"/>
+                <a:ea typeface="+mn-ea"/>
+                <a:cs typeface="+mn-cs"/>
+              </a:defRPr>
+            </a:lvl7pPr>
+            <a:lvl8pPr marL="3429000" indent="-228600" algn="l" defTabSz="457200" rtl="0" eaLnBrk="1" latinLnBrk="0" hangingPunct="1">
+              <a:spcBef>
+                <a:spcPct val="20000"/>
+              </a:spcBef>
+              <a:buFont typeface="Arial"/>
+              <a:buChar char="•"/>
+              <a:defRPr sz="2000" kern="1200">
+                <a:solidFill>
+                  <a:schemeClr val="tx1"/>
+                </a:solidFill>
+                <a:latin typeface="+mn-lt"/>
+                <a:ea typeface="+mn-ea"/>
+                <a:cs typeface="+mn-cs"/>
+              </a:defRPr>
+            </a:lvl8pPr>
+            <a:lvl9pPr marL="3886200" indent="-228600" algn="l" defTabSz="457200" rtl="0" eaLnBrk="1" latinLnBrk="0" hangingPunct="1">
+              <a:spcBef>
+                <a:spcPct val="20000"/>
+              </a:spcBef>
+              <a:buFont typeface="Arial"/>
+              <a:buChar char="•"/>
+              <a:defRPr sz="2000" kern="1200">
+                <a:solidFill>
+                  <a:schemeClr val="tx1"/>
+                </a:solidFill>
+                <a:latin typeface="+mn-lt"/>
+                <a:ea typeface="+mn-ea"/>
+                <a:cs typeface="+mn-cs"/>
+              </a:defRPr>
+            </a:lvl9pPr>
+          </a:lstStyle>
+          <a:p>
+            <a:pPr marL="228600" indent="-228600"/>
+            <a:r>
+              <a:rPr lang="en-US" sz="1200" dirty="0" smtClean="0"/>
+              <a:t>Some topics are closer together, others seem further apart</a:t>
+            </a:r>
+          </a:p>
+          <a:p>
+            <a:pPr marL="228600" indent="-228600"/>
+            <a:r>
+              <a:rPr lang="en-US" sz="1200" dirty="0" smtClean="0"/>
+              <a:t>For example:</a:t>
+            </a:r>
+          </a:p>
+          <a:p>
+            <a:pPr marL="628650" lvl="1" indent="-228600"/>
+            <a:r>
+              <a:rPr lang="en-US" sz="1000" dirty="0" smtClean="0"/>
+              <a:t>Topic 8 and Topic 3 both refer to engine and damage. While Topic 8 references hydraulic systems and flaps, Topic 3 references fuel &amp; fuel leaks</a:t>
+            </a:r>
+          </a:p>
+          <a:p>
+            <a:pPr marL="628650" lvl="1" indent="-228600"/>
+            <a:r>
+              <a:rPr lang="en-US" sz="1000" dirty="0" smtClean="0"/>
+              <a:t>Topic 1 is quite different from all the rest – it speaks about runway / taxiway / ground control clearance issues</a:t>
+            </a:r>
+          </a:p>
+          <a:p>
+            <a:pPr marL="228600" indent="-228600"/>
+            <a:r>
+              <a:rPr lang="en-US" sz="1200" dirty="0" smtClean="0"/>
+              <a:t>We can model this using ‘topic correlations’. Positive correlations indicates that both topics are likely to be discussed in a document.</a:t>
+            </a:r>
+          </a:p>
+          <a:p>
+            <a:pPr marL="228600" indent="-228600"/>
+            <a:endParaRPr lang="en-US" sz="1200" dirty="0" smtClean="0"/>
+          </a:p>
+        </p:txBody>
+      </p:sp>
     </p:spTree>
     <p:extLst>
       <p:ext uri="{BB962C8B-B14F-4D97-AF65-F5344CB8AC3E}">
-        <p14:creationId xmlns:p14="http://schemas.microsoft.com/office/powerpoint/2010/main" val="241000052"/>
+        <p14:creationId xmlns:p14="http://schemas.microsoft.com/office/powerpoint/2010/main" val="3425831941"/>
       </p:ext>
     </p:extLst>
   </p:cSld>
@@ -22273,14 +23331,15 @@
         <p:spPr/>
         <p:txBody>
           <a:bodyPr>
-            <a:normAutofit fontScale="85000" lnSpcReduction="10000"/>
+            <a:normAutofit fontScale="92500" lnSpcReduction="10000"/>
           </a:bodyPr>
           <a:lstStyle/>
           <a:p>
             <a:r>
               <a:rPr lang="en-US" dirty="0" smtClean="0"/>
-              <a:t>Problem Statement</a:t>
-            </a:r>
+              <a:t>Data Source</a:t>
+            </a:r>
+            <a:endParaRPr lang="en-US" dirty="0" smtClean="0"/>
           </a:p>
           <a:p>
             <a:r>
@@ -22316,27 +23375,21 @@
             <a:pPr lvl="1"/>
             <a:r>
               <a:rPr lang="en-US" dirty="0" smtClean="0"/>
-              <a:t>Document Term Matrix</a:t>
-            </a:r>
-          </a:p>
-          <a:p>
-            <a:pPr lvl="1"/>
-            <a:r>
-              <a:rPr lang="en-US" dirty="0" smtClean="0"/>
               <a:t>TF-IDF</a:t>
-            </a:r>
-          </a:p>
-          <a:p>
-            <a:pPr lvl="1"/>
-            <a:r>
-              <a:rPr lang="en-US" dirty="0" err="1" smtClean="0"/>
-              <a:t>tSNE</a:t>
             </a:r>
             <a:endParaRPr lang="en-US" dirty="0" smtClean="0"/>
           </a:p>
           <a:p>
             <a:pPr lvl="1"/>
             <a:r>
+              <a:rPr lang="en-US" dirty="0" err="1" smtClean="0"/>
+              <a:t>tSNE</a:t>
+            </a:r>
+            <a:endParaRPr lang="en-US" dirty="0" smtClean="0"/>
+          </a:p>
+          <a:p>
+            <a:pPr lvl="1"/>
+            <a:r>
               <a:rPr lang="en-US" dirty="0" smtClean="0"/>
               <a:t>Structural Topic Modeling</a:t>
             </a:r>
@@ -22344,13 +23397,11 @@
           <a:p>
             <a:r>
               <a:rPr lang="en-US" dirty="0" smtClean="0"/>
-              <a:t>Conclusions</a:t>
-            </a:r>
-          </a:p>
-          <a:p>
+              <a:t>Lessons </a:t>
+            </a:r>
             <a:r>
               <a:rPr lang="en-US" dirty="0" smtClean="0"/>
-              <a:t>Lessons Learnt</a:t>
+              <a:t>Learnt</a:t>
             </a:r>
           </a:p>
           <a:p>
@@ -22399,6 +23450,14 @@
   <p:clrMapOvr>
     <a:masterClrMapping/>
   </p:clrMapOvr>
+  <mc:AlternateContent xmlns:mc="http://schemas.openxmlformats.org/markup-compatibility/2006">
+    <mc:Choice xmlns:p14="http://schemas.microsoft.com/office/powerpoint/2010/main" Requires="p14">
+      <p:transition spd="slow" p14:dur="2000" advTm="19620"/>
+    </mc:Choice>
+    <mc:Fallback>
+      <p:transition spd="slow" advTm="19620"/>
+    </mc:Fallback>
+  </mc:AlternateContent>
   <p:timing>
     <p:tnLst>
       <p:par>
@@ -22426,45 +23485,34 @@
           <a:chExt cx="0" cy="0"/>
         </a:xfrm>
       </p:grpSpPr>
-      <p:sp>
-        <p:nvSpPr>
-          <p:cNvPr id="2" name="Title 1"/>
-          <p:cNvSpPr>
-            <a:spLocks noGrp="1"/>
-          </p:cNvSpPr>
-          <p:nvPr>
-            <p:ph type="title"/>
-          </p:nvPr>
-        </p:nvSpPr>
-        <p:spPr/>
-        <p:txBody>
-          <a:bodyPr/>
-          <a:lstStyle/>
-          <a:p>
-            <a:endParaRPr lang="en-US"/>
-          </a:p>
-        </p:txBody>
-      </p:sp>
       <p:pic>
         <p:nvPicPr>
-          <p:cNvPr id="5" name="Content Placeholder 4"/>
+          <p:cNvPr id="10" name="Content Placeholder 4"/>
           <p:cNvPicPr>
-            <a:picLocks noGrp="1" noChangeAspect="1"/>
+            <a:picLocks noChangeAspect="1"/>
           </p:cNvPicPr>
-          <p:nvPr>
-            <p:ph idx="1"/>
-          </p:nvPr>
+          <p:nvPr/>
         </p:nvPicPr>
-        <p:blipFill>
-          <a:blip r:embed="rId2"/>
-          <a:stretch>
-            <a:fillRect/>
-          </a:stretch>
+        <p:blipFill rotWithShape="1">
+          <a:blip r:embed="rId2">
+            <a:clrChange>
+              <a:clrFrom>
+                <a:srgbClr val="FFFFFF"/>
+              </a:clrFrom>
+              <a:clrTo>
+                <a:srgbClr val="FFFFFF">
+                  <a:alpha val="0"/>
+                </a:srgbClr>
+              </a:clrTo>
+            </a:clrChange>
+          </a:blip>
+          <a:srcRect l="25709" t="10225" r="22370" b="12544"/>
+          <a:stretch/>
         </p:blipFill>
         <p:spPr>
           <a:xfrm>
-            <a:off x="1204208" y="933450"/>
-            <a:ext cx="6735584" cy="3660775"/>
+            <a:off x="5082265" y="884937"/>
+            <a:ext cx="3514298" cy="3568889"/>
           </a:xfrm>
           <a:prstGeom prst="rect">
             <a:avLst/>
@@ -22495,10 +23543,108 @@
           </a:p>
         </p:txBody>
       </p:sp>
+      <p:pic>
+        <p:nvPicPr>
+          <p:cNvPr id="8" name="Picture 7"/>
+          <p:cNvPicPr>
+            <a:picLocks noChangeAspect="1"/>
+          </p:cNvPicPr>
+          <p:nvPr/>
+        </p:nvPicPr>
+        <p:blipFill>
+          <a:blip r:embed="rId3">
+            <a:clrChange>
+              <a:clrFrom>
+                <a:srgbClr val="FFFFFF"/>
+              </a:clrFrom>
+              <a:clrTo>
+                <a:srgbClr val="FFFFFF">
+                  <a:alpha val="0"/>
+                </a:srgbClr>
+              </a:clrTo>
+            </a:clrChange>
+          </a:blip>
+          <a:stretch>
+            <a:fillRect/>
+          </a:stretch>
+        </p:blipFill>
+        <p:spPr>
+          <a:xfrm>
+            <a:off x="-93627" y="884937"/>
+            <a:ext cx="5177819" cy="1828800"/>
+          </a:xfrm>
+          <a:prstGeom prst="rect">
+            <a:avLst/>
+          </a:prstGeom>
+        </p:spPr>
+      </p:pic>
+      <p:pic>
+        <p:nvPicPr>
+          <p:cNvPr id="9" name="Picture 8"/>
+          <p:cNvPicPr>
+            <a:picLocks noChangeAspect="1"/>
+          </p:cNvPicPr>
+          <p:nvPr/>
+        </p:nvPicPr>
+        <p:blipFill>
+          <a:blip r:embed="rId4">
+            <a:clrChange>
+              <a:clrFrom>
+                <a:srgbClr val="FFFFFF"/>
+              </a:clrFrom>
+              <a:clrTo>
+                <a:srgbClr val="FFFFFF">
+                  <a:alpha val="0"/>
+                </a:srgbClr>
+              </a:clrTo>
+            </a:clrChange>
+          </a:blip>
+          <a:stretch>
+            <a:fillRect/>
+          </a:stretch>
+        </p:blipFill>
+        <p:spPr>
+          <a:xfrm>
+            <a:off x="-143469" y="2518986"/>
+            <a:ext cx="5177819" cy="1828800"/>
+          </a:xfrm>
+          <a:prstGeom prst="rect">
+            <a:avLst/>
+          </a:prstGeom>
+        </p:spPr>
+      </p:pic>
+      <p:sp>
+        <p:nvSpPr>
+          <p:cNvPr id="11" name="Title 1"/>
+          <p:cNvSpPr>
+            <a:spLocks noGrp="1"/>
+          </p:cNvSpPr>
+          <p:nvPr>
+            <p:ph type="title"/>
+          </p:nvPr>
+        </p:nvSpPr>
+        <p:spPr>
+          <a:xfrm>
+            <a:off x="457200" y="205979"/>
+            <a:ext cx="8229600" cy="365521"/>
+          </a:xfrm>
+        </p:spPr>
+        <p:txBody>
+          <a:bodyPr/>
+          <a:lstStyle/>
+          <a:p>
+            <a:r>
+              <a:rPr lang="en-US" dirty="0" smtClean="0"/>
+              <a:t>Topic Model Correlation</a:t>
+            </a:r>
+            <a:endParaRPr lang="en-US" dirty="0"/>
+          </a:p>
+        </p:txBody>
+      </p:sp>
     </p:spTree>
     <p:extLst>
       <p:ext uri="{BB962C8B-B14F-4D97-AF65-F5344CB8AC3E}">
-        <p14:creationId xmlns:p14="http://schemas.microsoft.com/office/powerpoint/2010/main" val="2163884692"/>
+        <p14:creationId xmlns:p14="http://schemas.microsoft.com/office/powerpoint/2010/main" val="3414399723"/>
       </p:ext>
     </p:extLst>
   </p:cSld>
@@ -22547,7 +23693,11 @@
           <a:bodyPr/>
           <a:lstStyle/>
           <a:p>
-            <a:endParaRPr lang="en-US"/>
+            <a:r>
+              <a:rPr lang="en-US" dirty="0" smtClean="0"/>
+              <a:t>Codebase</a:t>
+            </a:r>
+            <a:endParaRPr lang="en-US" dirty="0"/>
           </a:p>
         </p:txBody>
       </p:sp>
@@ -22561,15 +23711,16 @@
             <p:ph idx="1"/>
           </p:nvPr>
         </p:nvPicPr>
-        <p:blipFill rotWithShape="1">
+        <p:blipFill>
           <a:blip r:embed="rId2"/>
-          <a:srcRect l="25709" t="10225" r="22370" b="12544"/>
-          <a:stretch/>
+          <a:stretch>
+            <a:fillRect/>
+          </a:stretch>
         </p:blipFill>
         <p:spPr>
           <a:xfrm>
-            <a:off x="661917" y="884937"/>
-            <a:ext cx="3514298" cy="3568889"/>
+            <a:off x="457200" y="933450"/>
+            <a:ext cx="3218613" cy="3660775"/>
           </a:xfrm>
           <a:prstGeom prst="rect">
             <a:avLst/>
@@ -22600,10 +23751,74 @@
           </a:p>
         </p:txBody>
       </p:sp>
+      <p:sp>
+        <p:nvSpPr>
+          <p:cNvPr id="6" name="Rectangle 5"/>
+          <p:cNvSpPr/>
+          <p:nvPr/>
+        </p:nvSpPr>
+        <p:spPr>
+          <a:xfrm>
+            <a:off x="3759958" y="933450"/>
+            <a:ext cx="5247564" cy="523220"/>
+          </a:xfrm>
+          <a:prstGeom prst="rect">
+            <a:avLst/>
+          </a:prstGeom>
+        </p:spPr>
+        <p:txBody>
+          <a:bodyPr wrap="square">
+            <a:spAutoFit/>
+          </a:bodyPr>
+          <a:lstStyle/>
+          <a:p>
+            <a:r>
+              <a:rPr lang="en-US" sz="1400" dirty="0">
+                <a:hlinkClick r:id="rId3"/>
+              </a:rPr>
+              <a:t>https://</a:t>
+            </a:r>
+            <a:r>
+              <a:rPr lang="en-US" sz="1400" dirty="0" smtClean="0">
+                <a:hlinkClick r:id="rId3"/>
+              </a:rPr>
+              <a:t>github.com/rsangole/453_TextAnalysis_FinalProject</a:t>
+            </a:r>
+            <a:endParaRPr lang="en-US" sz="1400" dirty="0" smtClean="0"/>
+          </a:p>
+          <a:p>
+            <a:endParaRPr lang="en-US" sz="1400" dirty="0" smtClean="0"/>
+          </a:p>
+        </p:txBody>
+      </p:sp>
+      <p:pic>
+        <p:nvPicPr>
+          <p:cNvPr id="9" name="Picture 8"/>
+          <p:cNvPicPr>
+            <a:picLocks noChangeAspect="1"/>
+          </p:cNvPicPr>
+          <p:nvPr/>
+        </p:nvPicPr>
+        <p:blipFill>
+          <a:blip r:embed="rId4"/>
+          <a:stretch>
+            <a:fillRect/>
+          </a:stretch>
+        </p:blipFill>
+        <p:spPr>
+          <a:xfrm>
+            <a:off x="3862316" y="1358149"/>
+            <a:ext cx="4435522" cy="1212684"/>
+          </a:xfrm>
+          <a:prstGeom prst="rect">
+            <a:avLst/>
+          </a:prstGeom>
+        </p:spPr>
+      </p:pic>
     </p:spTree>
     <p:extLst>
       <p:ext uri="{BB962C8B-B14F-4D97-AF65-F5344CB8AC3E}">
-        <p14:creationId xmlns:p14="http://schemas.microsoft.com/office/powerpoint/2010/main" val="3425831941"/>
+        <p14:creationId xmlns:p14="http://schemas.microsoft.com/office/powerpoint/2010/main" val="3551854866"/>
       </p:ext>
     </p:extLst>
   </p:cSld>
@@ -22653,10 +23868,9 @@
           <a:lstStyle/>
           <a:p>
             <a:r>
-              <a:rPr lang="en-US" dirty="0" smtClean="0"/>
-              <a:t>Conclusions</a:t>
-            </a:r>
-            <a:endParaRPr lang="en-US" dirty="0"/>
+              <a:rPr lang="en-US" dirty="0"/>
+              <a:t>Lessons Learnt</a:t>
+            </a:r>
           </a:p>
         </p:txBody>
       </p:sp>
@@ -22675,7 +23889,38 @@
           <a:bodyPr/>
           <a:lstStyle/>
           <a:p>
-            <a:endParaRPr lang="en-US"/>
+            <a:r>
+              <a:rPr lang="en-US" dirty="0" smtClean="0"/>
+              <a:t>Text analytics is a deep subject with many rabbit holes to get lost in</a:t>
+            </a:r>
+          </a:p>
+          <a:p>
+            <a:r>
+              <a:rPr lang="en-US" dirty="0" smtClean="0"/>
+              <a:t>It’s a nascent field with a large number of analytics packages in R developed within the last 5 years</a:t>
+            </a:r>
+          </a:p>
+          <a:p>
+            <a:r>
+              <a:rPr lang="en-US" dirty="0" smtClean="0"/>
+              <a:t>More non-quantitative work involved than any other course</a:t>
+            </a:r>
+          </a:p>
+          <a:p>
+            <a:r>
+              <a:rPr lang="en-US" dirty="0" smtClean="0"/>
+              <a:t>Stability of results seem asymptotic and sensitive to pre-processing</a:t>
+            </a:r>
+          </a:p>
+          <a:p>
+            <a:r>
+              <a:rPr lang="en-US" dirty="0" smtClean="0"/>
+              <a:t>Long way to go</a:t>
+            </a:r>
+            <a:endParaRPr lang="en-US" dirty="0" smtClean="0"/>
+          </a:p>
+          <a:p>
+            <a:endParaRPr lang="en-US" dirty="0"/>
           </a:p>
         </p:txBody>
       </p:sp>
@@ -22706,7 +23951,7 @@
     </p:spTree>
     <p:extLst>
       <p:ext uri="{BB962C8B-B14F-4D97-AF65-F5344CB8AC3E}">
-        <p14:creationId xmlns:p14="http://schemas.microsoft.com/office/powerpoint/2010/main" val="264977977"/>
+        <p14:creationId xmlns:p14="http://schemas.microsoft.com/office/powerpoint/2010/main" val="2341557859"/>
       </p:ext>
     </p:extLst>
   </p:cSld>
@@ -22716,9 +23961,280 @@
   <p:timing>
     <p:tnLst>
       <p:par>
-        <p:cTn id="1" dur="indefinite" restart="never" nodeType="tmRoot"/>
+        <p:cTn id="1" dur="indefinite" restart="never" nodeType="tmRoot">
+          <p:childTnLst>
+            <p:seq concurrent="1" nextAc="seek">
+              <p:cTn id="2" dur="indefinite" nodeType="mainSeq">
+                <p:childTnLst>
+                  <p:par>
+                    <p:cTn id="3" fill="hold">
+                      <p:stCondLst>
+                        <p:cond delay="indefinite"/>
+                      </p:stCondLst>
+                      <p:childTnLst>
+                        <p:par>
+                          <p:cTn id="4" fill="hold">
+                            <p:stCondLst>
+                              <p:cond delay="0"/>
+                            </p:stCondLst>
+                            <p:childTnLst>
+                              <p:par>
+                                <p:cTn id="5" presetID="1" presetClass="entr" presetSubtype="0" fill="hold" grpId="0" nodeType="clickEffect">
+                                  <p:stCondLst>
+                                    <p:cond delay="0"/>
+                                  </p:stCondLst>
+                                  <p:childTnLst>
+                                    <p:set>
+                                      <p:cBhvr>
+                                        <p:cTn id="6" dur="1" fill="hold">
+                                          <p:stCondLst>
+                                            <p:cond delay="0"/>
+                                          </p:stCondLst>
+                                        </p:cTn>
+                                        <p:tgtEl>
+                                          <p:spTgt spid="3">
+                                            <p:txEl>
+                                              <p:pRg st="0" end="0"/>
+                                            </p:txEl>
+                                          </p:spTgt>
+                                        </p:tgtEl>
+                                        <p:attrNameLst>
+                                          <p:attrName>style.visibility</p:attrName>
+                                        </p:attrNameLst>
+                                      </p:cBhvr>
+                                      <p:to>
+                                        <p:strVal val="visible"/>
+                                      </p:to>
+                                    </p:set>
+                                  </p:childTnLst>
+                                </p:cTn>
+                              </p:par>
+                            </p:childTnLst>
+                          </p:cTn>
+                        </p:par>
+                      </p:childTnLst>
+                    </p:cTn>
+                  </p:par>
+                  <p:par>
+                    <p:cTn id="7" fill="hold">
+                      <p:stCondLst>
+                        <p:cond delay="indefinite"/>
+                      </p:stCondLst>
+                      <p:childTnLst>
+                        <p:par>
+                          <p:cTn id="8" fill="hold">
+                            <p:stCondLst>
+                              <p:cond delay="0"/>
+                            </p:stCondLst>
+                            <p:childTnLst>
+                              <p:par>
+                                <p:cTn id="9" presetID="1" presetClass="entr" presetSubtype="0" fill="hold" grpId="0" nodeType="clickEffect">
+                                  <p:stCondLst>
+                                    <p:cond delay="0"/>
+                                  </p:stCondLst>
+                                  <p:childTnLst>
+                                    <p:set>
+                                      <p:cBhvr>
+                                        <p:cTn id="10" dur="1" fill="hold">
+                                          <p:stCondLst>
+                                            <p:cond delay="0"/>
+                                          </p:stCondLst>
+                                        </p:cTn>
+                                        <p:tgtEl>
+                                          <p:spTgt spid="3">
+                                            <p:txEl>
+                                              <p:pRg st="1" end="1"/>
+                                            </p:txEl>
+                                          </p:spTgt>
+                                        </p:tgtEl>
+                                        <p:attrNameLst>
+                                          <p:attrName>style.visibility</p:attrName>
+                                        </p:attrNameLst>
+                                      </p:cBhvr>
+                                      <p:to>
+                                        <p:strVal val="visible"/>
+                                      </p:to>
+                                    </p:set>
+                                  </p:childTnLst>
+                                </p:cTn>
+                              </p:par>
+                            </p:childTnLst>
+                          </p:cTn>
+                        </p:par>
+                      </p:childTnLst>
+                    </p:cTn>
+                  </p:par>
+                  <p:par>
+                    <p:cTn id="11" fill="hold">
+                      <p:stCondLst>
+                        <p:cond delay="indefinite"/>
+                      </p:stCondLst>
+                      <p:childTnLst>
+                        <p:par>
+                          <p:cTn id="12" fill="hold">
+                            <p:stCondLst>
+                              <p:cond delay="0"/>
+                            </p:stCondLst>
+                            <p:childTnLst>
+                              <p:par>
+                                <p:cTn id="13" presetID="1" presetClass="entr" presetSubtype="0" fill="hold" grpId="0" nodeType="clickEffect">
+                                  <p:stCondLst>
+                                    <p:cond delay="0"/>
+                                  </p:stCondLst>
+                                  <p:childTnLst>
+                                    <p:set>
+                                      <p:cBhvr>
+                                        <p:cTn id="14" dur="1" fill="hold">
+                                          <p:stCondLst>
+                                            <p:cond delay="0"/>
+                                          </p:stCondLst>
+                                        </p:cTn>
+                                        <p:tgtEl>
+                                          <p:spTgt spid="3">
+                                            <p:txEl>
+                                              <p:pRg st="2" end="2"/>
+                                            </p:txEl>
+                                          </p:spTgt>
+                                        </p:tgtEl>
+                                        <p:attrNameLst>
+                                          <p:attrName>style.visibility</p:attrName>
+                                        </p:attrNameLst>
+                                      </p:cBhvr>
+                                      <p:to>
+                                        <p:strVal val="visible"/>
+                                      </p:to>
+                                    </p:set>
+                                  </p:childTnLst>
+                                </p:cTn>
+                              </p:par>
+                            </p:childTnLst>
+                          </p:cTn>
+                        </p:par>
+                      </p:childTnLst>
+                    </p:cTn>
+                  </p:par>
+                  <p:par>
+                    <p:cTn id="15" fill="hold">
+                      <p:stCondLst>
+                        <p:cond delay="indefinite"/>
+                      </p:stCondLst>
+                      <p:childTnLst>
+                        <p:par>
+                          <p:cTn id="16" fill="hold">
+                            <p:stCondLst>
+                              <p:cond delay="0"/>
+                            </p:stCondLst>
+                            <p:childTnLst>
+                              <p:par>
+                                <p:cTn id="17" presetID="1" presetClass="entr" presetSubtype="0" fill="hold" grpId="0" nodeType="clickEffect">
+                                  <p:stCondLst>
+                                    <p:cond delay="0"/>
+                                  </p:stCondLst>
+                                  <p:childTnLst>
+                                    <p:set>
+                                      <p:cBhvr>
+                                        <p:cTn id="18" dur="1" fill="hold">
+                                          <p:stCondLst>
+                                            <p:cond delay="0"/>
+                                          </p:stCondLst>
+                                        </p:cTn>
+                                        <p:tgtEl>
+                                          <p:spTgt spid="3">
+                                            <p:txEl>
+                                              <p:pRg st="3" end="3"/>
+                                            </p:txEl>
+                                          </p:spTgt>
+                                        </p:tgtEl>
+                                        <p:attrNameLst>
+                                          <p:attrName>style.visibility</p:attrName>
+                                        </p:attrNameLst>
+                                      </p:cBhvr>
+                                      <p:to>
+                                        <p:strVal val="visible"/>
+                                      </p:to>
+                                    </p:set>
+                                  </p:childTnLst>
+                                </p:cTn>
+                              </p:par>
+                            </p:childTnLst>
+                          </p:cTn>
+                        </p:par>
+                      </p:childTnLst>
+                    </p:cTn>
+                  </p:par>
+                  <p:par>
+                    <p:cTn id="19" fill="hold">
+                      <p:stCondLst>
+                        <p:cond delay="indefinite"/>
+                      </p:stCondLst>
+                      <p:childTnLst>
+                        <p:par>
+                          <p:cTn id="20" fill="hold">
+                            <p:stCondLst>
+                              <p:cond delay="0"/>
+                            </p:stCondLst>
+                            <p:childTnLst>
+                              <p:par>
+                                <p:cTn id="21" presetID="1" presetClass="entr" presetSubtype="0" fill="hold" grpId="0" nodeType="clickEffect">
+                                  <p:stCondLst>
+                                    <p:cond delay="0"/>
+                                  </p:stCondLst>
+                                  <p:childTnLst>
+                                    <p:set>
+                                      <p:cBhvr>
+                                        <p:cTn id="22" dur="1" fill="hold">
+                                          <p:stCondLst>
+                                            <p:cond delay="0"/>
+                                          </p:stCondLst>
+                                        </p:cTn>
+                                        <p:tgtEl>
+                                          <p:spTgt spid="3">
+                                            <p:txEl>
+                                              <p:pRg st="4" end="4"/>
+                                            </p:txEl>
+                                          </p:spTgt>
+                                        </p:tgtEl>
+                                        <p:attrNameLst>
+                                          <p:attrName>style.visibility</p:attrName>
+                                        </p:attrNameLst>
+                                      </p:cBhvr>
+                                      <p:to>
+                                        <p:strVal val="visible"/>
+                                      </p:to>
+                                    </p:set>
+                                  </p:childTnLst>
+                                </p:cTn>
+                              </p:par>
+                            </p:childTnLst>
+                          </p:cTn>
+                        </p:par>
+                      </p:childTnLst>
+                    </p:cTn>
+                  </p:par>
+                </p:childTnLst>
+              </p:cTn>
+              <p:prevCondLst>
+                <p:cond evt="onPrev" delay="0">
+                  <p:tgtEl>
+                    <p:sldTgt/>
+                  </p:tgtEl>
+                </p:cond>
+              </p:prevCondLst>
+              <p:nextCondLst>
+                <p:cond evt="onNext" delay="0">
+                  <p:tgtEl>
+                    <p:sldTgt/>
+                  </p:tgtEl>
+                </p:cond>
+              </p:nextCondLst>
+            </p:seq>
+          </p:childTnLst>
+        </p:cTn>
       </p:par>
     </p:tnLst>
+    <p:bldLst>
+      <p:bldP spid="3" grpId="0" build="p"/>
+    </p:bldLst>
   </p:timing>
 </p:sld>
 </file>
@@ -22756,9 +24272,10 @@
           <a:lstStyle/>
           <a:p>
             <a:r>
-              <a:rPr lang="en-US" dirty="0"/>
-              <a:t>Lessons Learnt</a:t>
-            </a:r>
+              <a:rPr lang="en-US" dirty="0" smtClean="0"/>
+              <a:t>References</a:t>
+            </a:r>
+            <a:endParaRPr lang="en-US" dirty="0"/>
           </a:p>
         </p:txBody>
       </p:sp>
@@ -22772,12 +24289,467 @@
             <p:ph idx="1"/>
           </p:nvPr>
         </p:nvSpPr>
-        <p:spPr/>
+        <p:spPr>
+          <a:xfrm>
+            <a:off x="204716" y="721021"/>
+            <a:ext cx="8850574" cy="4107657"/>
+          </a:xfrm>
+        </p:spPr>
         <p:txBody>
-          <a:bodyPr/>
+          <a:bodyPr numCol="2">
+            <a:noAutofit/>
+          </a:bodyPr>
           <a:lstStyle/>
           <a:p>
-            <a:endParaRPr lang="en-US"/>
+            <a:r>
+              <a:rPr lang="en-US" sz="1100" dirty="0" smtClean="0">
+                <a:solidFill>
+                  <a:srgbClr val="000000"/>
+                </a:solidFill>
+                <a:latin typeface="Times New Roman" panose="02020603050405020304" pitchFamily="18" charset="0"/>
+              </a:rPr>
+              <a:t>Cfss.uchicago.edu</a:t>
+            </a:r>
+            <a:r>
+              <a:rPr lang="en-US" sz="1100" dirty="0">
+                <a:solidFill>
+                  <a:srgbClr val="000000"/>
+                </a:solidFill>
+                <a:latin typeface="Times New Roman" panose="02020603050405020304" pitchFamily="18" charset="0"/>
+              </a:rPr>
+              <a:t>. (2018). </a:t>
+            </a:r>
+            <a:r>
+              <a:rPr lang="en-US" sz="1100" i="1" dirty="0">
+                <a:solidFill>
+                  <a:srgbClr val="000000"/>
+                </a:solidFill>
+                <a:latin typeface="Times New Roman" panose="02020603050405020304" pitchFamily="18" charset="0"/>
+              </a:rPr>
+              <a:t>Text analysis: fundamentals and sentiment analysis</a:t>
+            </a:r>
+            <a:r>
+              <a:rPr lang="en-US" sz="1100" dirty="0">
+                <a:solidFill>
+                  <a:srgbClr val="000000"/>
+                </a:solidFill>
+                <a:latin typeface="Times New Roman" panose="02020603050405020304" pitchFamily="18" charset="0"/>
+              </a:rPr>
+              <a:t>. [online] Available at: http://cfss.uchicago.edu/fall2016/text01.html [Accessed 18 Mar. 2018].</a:t>
+            </a:r>
+          </a:p>
+          <a:p>
+            <a:r>
+              <a:rPr lang="en-US" sz="1100" dirty="0">
+                <a:solidFill>
+                  <a:srgbClr val="000000"/>
+                </a:solidFill>
+                <a:latin typeface="Times New Roman" panose="02020603050405020304" pitchFamily="18" charset="0"/>
+              </a:rPr>
+              <a:t>Graham, T. (2018). </a:t>
+            </a:r>
+            <a:r>
+              <a:rPr lang="en-US" sz="1100" i="1" dirty="0">
+                <a:solidFill>
+                  <a:srgbClr val="000000"/>
+                </a:solidFill>
+                <a:latin typeface="Times New Roman" panose="02020603050405020304" pitchFamily="18" charset="0"/>
+              </a:rPr>
+              <a:t>Topic Modeling of Tweets in R: A Tutorial and Methodology</a:t>
+            </a:r>
+            <a:r>
+              <a:rPr lang="en-US" sz="1100" dirty="0">
+                <a:solidFill>
+                  <a:srgbClr val="000000"/>
+                </a:solidFill>
+                <a:latin typeface="Times New Roman" panose="02020603050405020304" pitchFamily="18" charset="0"/>
+              </a:rPr>
+              <a:t>. [online] Academia.edu. Available at: https://www.academia.edu/19255535/Topic_Modeling_of_Tweets_in_R_A_Tutorial_and_Methodology [Accessed 18 Mar. 2018].</a:t>
+            </a:r>
+          </a:p>
+          <a:p>
+            <a:r>
+              <a:rPr lang="en-US" sz="1100" dirty="0" err="1">
+                <a:solidFill>
+                  <a:srgbClr val="000000"/>
+                </a:solidFill>
+                <a:latin typeface="Times New Roman" panose="02020603050405020304" pitchFamily="18" charset="0"/>
+              </a:rPr>
+              <a:t>Jockers</a:t>
+            </a:r>
+            <a:r>
+              <a:rPr lang="en-US" sz="1100" dirty="0">
+                <a:solidFill>
+                  <a:srgbClr val="000000"/>
+                </a:solidFill>
+                <a:latin typeface="Times New Roman" panose="02020603050405020304" pitchFamily="18" charset="0"/>
+              </a:rPr>
+              <a:t>, M. (2018). </a:t>
+            </a:r>
+            <a:r>
+              <a:rPr lang="en-US" sz="1100" i="1" dirty="0">
+                <a:solidFill>
+                  <a:srgbClr val="000000"/>
+                </a:solidFill>
+                <a:latin typeface="Times New Roman" panose="02020603050405020304" pitchFamily="18" charset="0"/>
+              </a:rPr>
+              <a:t>» The LDA Buffet is Now Open; or, Latent </a:t>
+            </a:r>
+            <a:r>
+              <a:rPr lang="en-US" sz="1100" i="1" dirty="0" err="1">
+                <a:solidFill>
+                  <a:srgbClr val="000000"/>
+                </a:solidFill>
+                <a:latin typeface="Times New Roman" panose="02020603050405020304" pitchFamily="18" charset="0"/>
+              </a:rPr>
+              <a:t>Dirichlet</a:t>
+            </a:r>
+            <a:r>
+              <a:rPr lang="en-US" sz="1100" i="1" dirty="0">
+                <a:solidFill>
+                  <a:srgbClr val="000000"/>
+                </a:solidFill>
+                <a:latin typeface="Times New Roman" panose="02020603050405020304" pitchFamily="18" charset="0"/>
+              </a:rPr>
+              <a:t> Allocation for English Majors Matthew L. </a:t>
+            </a:r>
+            <a:r>
+              <a:rPr lang="en-US" sz="1100" i="1" dirty="0" err="1">
+                <a:solidFill>
+                  <a:srgbClr val="000000"/>
+                </a:solidFill>
+                <a:latin typeface="Times New Roman" panose="02020603050405020304" pitchFamily="18" charset="0"/>
+              </a:rPr>
+              <a:t>Jockers</a:t>
+            </a:r>
+            <a:r>
+              <a:rPr lang="en-US" sz="1100" dirty="0">
+                <a:solidFill>
+                  <a:srgbClr val="000000"/>
+                </a:solidFill>
+                <a:latin typeface="Times New Roman" panose="02020603050405020304" pitchFamily="18" charset="0"/>
+              </a:rPr>
+              <a:t>. [online] Matthewjockers.net. Available at: http://www.matthewjockers.net/2011/09/29/the-lda-buffet-is-now-open-or-latent-dirichlet-allocation-for-english-majors/ [Accessed 18 Mar. 2018].</a:t>
+            </a:r>
+          </a:p>
+          <a:p>
+            <a:r>
+              <a:rPr lang="en-US" sz="1100" dirty="0">
+                <a:solidFill>
+                  <a:srgbClr val="000000"/>
+                </a:solidFill>
+                <a:latin typeface="Times New Roman" panose="02020603050405020304" pitchFamily="18" charset="0"/>
+              </a:rPr>
+              <a:t>Juliasilge.com. (2018). </a:t>
+            </a:r>
+            <a:r>
+              <a:rPr lang="en-US" sz="1100" i="1" dirty="0">
+                <a:solidFill>
+                  <a:srgbClr val="000000"/>
+                </a:solidFill>
+                <a:latin typeface="Times New Roman" panose="02020603050405020304" pitchFamily="18" charset="0"/>
+              </a:rPr>
+              <a:t>Julia </a:t>
+            </a:r>
+            <a:r>
+              <a:rPr lang="en-US" sz="1100" i="1" dirty="0" err="1">
+                <a:solidFill>
+                  <a:srgbClr val="000000"/>
+                </a:solidFill>
+                <a:latin typeface="Times New Roman" panose="02020603050405020304" pitchFamily="18" charset="0"/>
+              </a:rPr>
+              <a:t>Silge</a:t>
+            </a:r>
+            <a:r>
+              <a:rPr lang="en-US" sz="1100" i="1" dirty="0">
+                <a:solidFill>
+                  <a:srgbClr val="000000"/>
+                </a:solidFill>
+                <a:latin typeface="Times New Roman" panose="02020603050405020304" pitchFamily="18" charset="0"/>
+              </a:rPr>
+              <a:t> - The game is afoot! Topic modeling of Sherlock Holmes stories</a:t>
+            </a:r>
+            <a:r>
+              <a:rPr lang="en-US" sz="1100" dirty="0">
+                <a:solidFill>
+                  <a:srgbClr val="000000"/>
+                </a:solidFill>
+                <a:latin typeface="Times New Roman" panose="02020603050405020304" pitchFamily="18" charset="0"/>
+              </a:rPr>
+              <a:t>. [online] Available at: https://juliasilge.com/blog/sherlock-holmes-stm/ [Accessed 18 Mar. 2018].</a:t>
+            </a:r>
+          </a:p>
+          <a:p>
+            <a:r>
+              <a:rPr lang="en-US" sz="1100" dirty="0" err="1">
+                <a:solidFill>
+                  <a:srgbClr val="000000"/>
+                </a:solidFill>
+                <a:latin typeface="Times New Roman" panose="02020603050405020304" pitchFamily="18" charset="0"/>
+              </a:rPr>
+              <a:t>Krijthe</a:t>
+            </a:r>
+            <a:r>
+              <a:rPr lang="en-US" sz="1100" dirty="0">
+                <a:solidFill>
+                  <a:srgbClr val="000000"/>
+                </a:solidFill>
+                <a:latin typeface="Times New Roman" panose="02020603050405020304" pitchFamily="18" charset="0"/>
+              </a:rPr>
+              <a:t>, J. (2018). </a:t>
+            </a:r>
+            <a:r>
+              <a:rPr lang="en-US" sz="1100" i="1" dirty="0">
+                <a:solidFill>
+                  <a:srgbClr val="000000"/>
+                </a:solidFill>
+                <a:latin typeface="Times New Roman" panose="02020603050405020304" pitchFamily="18" charset="0"/>
+              </a:rPr>
+              <a:t>T-Distributed Stochastic Neighbor Embedding using a Barnes-</a:t>
+            </a:r>
+            <a:r>
+              <a:rPr lang="en-US" sz="1100" i="1" dirty="0" err="1">
+                <a:solidFill>
+                  <a:srgbClr val="000000"/>
+                </a:solidFill>
+                <a:latin typeface="Times New Roman" panose="02020603050405020304" pitchFamily="18" charset="0"/>
+              </a:rPr>
+              <a:t>HutImplementation</a:t>
+            </a:r>
+            <a:r>
+              <a:rPr lang="en-US" sz="1100" i="1" dirty="0">
+                <a:solidFill>
+                  <a:srgbClr val="000000"/>
+                </a:solidFill>
+                <a:latin typeface="Times New Roman" panose="02020603050405020304" pitchFamily="18" charset="0"/>
+              </a:rPr>
+              <a:t> [R package </a:t>
+            </a:r>
+            <a:r>
+              <a:rPr lang="en-US" sz="1100" i="1" dirty="0" err="1">
+                <a:solidFill>
+                  <a:srgbClr val="000000"/>
+                </a:solidFill>
+                <a:latin typeface="Times New Roman" panose="02020603050405020304" pitchFamily="18" charset="0"/>
+              </a:rPr>
+              <a:t>Rtsne</a:t>
+            </a:r>
+            <a:r>
+              <a:rPr lang="en-US" sz="1100" i="1" dirty="0">
+                <a:solidFill>
+                  <a:srgbClr val="000000"/>
+                </a:solidFill>
+                <a:latin typeface="Times New Roman" panose="02020603050405020304" pitchFamily="18" charset="0"/>
+              </a:rPr>
+              <a:t> version 0.13]</a:t>
+            </a:r>
+            <a:r>
+              <a:rPr lang="en-US" sz="1100" dirty="0">
+                <a:solidFill>
+                  <a:srgbClr val="000000"/>
+                </a:solidFill>
+                <a:latin typeface="Times New Roman" panose="02020603050405020304" pitchFamily="18" charset="0"/>
+              </a:rPr>
+              <a:t>. [online] Cran.r-project.org. Available at: https://cran.r-project.org/web/packages/Rtsne/index.html [Accessed 18 Mar. 2018].</a:t>
+            </a:r>
+          </a:p>
+          <a:p>
+            <a:r>
+              <a:rPr lang="en-US" sz="1100" dirty="0">
+                <a:solidFill>
+                  <a:srgbClr val="000000"/>
+                </a:solidFill>
+                <a:latin typeface="Times New Roman" panose="02020603050405020304" pitchFamily="18" charset="0"/>
+              </a:rPr>
+              <a:t>Laurens van der </a:t>
+            </a:r>
+            <a:r>
+              <a:rPr lang="en-US" sz="1100" dirty="0" err="1">
+                <a:solidFill>
+                  <a:srgbClr val="000000"/>
+                </a:solidFill>
+                <a:latin typeface="Times New Roman" panose="02020603050405020304" pitchFamily="18" charset="0"/>
+              </a:rPr>
+              <a:t>Maaten</a:t>
+            </a:r>
+            <a:r>
+              <a:rPr lang="en-US" sz="1100" dirty="0">
+                <a:solidFill>
+                  <a:srgbClr val="000000"/>
+                </a:solidFill>
+                <a:latin typeface="Times New Roman" panose="02020603050405020304" pitchFamily="18" charset="0"/>
+              </a:rPr>
+              <a:t>. (2018). </a:t>
+            </a:r>
+            <a:r>
+              <a:rPr lang="en-US" sz="1100" i="1" dirty="0">
+                <a:solidFill>
+                  <a:srgbClr val="000000"/>
+                </a:solidFill>
+                <a:latin typeface="Times New Roman" panose="02020603050405020304" pitchFamily="18" charset="0"/>
+              </a:rPr>
+              <a:t>t-SNE</a:t>
+            </a:r>
+            <a:r>
+              <a:rPr lang="en-US" sz="1100" dirty="0">
+                <a:solidFill>
+                  <a:srgbClr val="000000"/>
+                </a:solidFill>
+                <a:latin typeface="Times New Roman" panose="02020603050405020304" pitchFamily="18" charset="0"/>
+              </a:rPr>
+              <a:t>. [online] Available at: https://lvdmaaten.github.io/tsne/ [Accessed 18 Mar. 2018].</a:t>
+            </a:r>
+          </a:p>
+          <a:p>
+            <a:r>
+              <a:rPr lang="en-US" sz="1100" dirty="0">
+                <a:solidFill>
+                  <a:srgbClr val="000000"/>
+                </a:solidFill>
+                <a:latin typeface="Times New Roman" panose="02020603050405020304" pitchFamily="18" charset="0"/>
+              </a:rPr>
+              <a:t>Mcburton.net. (2018). </a:t>
+            </a:r>
+            <a:r>
+              <a:rPr lang="en-US" sz="1100" i="1" dirty="0">
+                <a:solidFill>
+                  <a:srgbClr val="000000"/>
+                </a:solidFill>
+                <a:latin typeface="Times New Roman" panose="02020603050405020304" pitchFamily="18" charset="0"/>
+              </a:rPr>
+              <a:t>Topic Modeling for JDH</a:t>
+            </a:r>
+            <a:r>
+              <a:rPr lang="en-US" sz="1100" dirty="0">
+                <a:solidFill>
+                  <a:srgbClr val="000000"/>
+                </a:solidFill>
+                <a:latin typeface="Times New Roman" panose="02020603050405020304" pitchFamily="18" charset="0"/>
+              </a:rPr>
+              <a:t>. [online] Available at: http://mcburton.net/blog/joy-of-tm/ [Accessed 18 Mar. 2018].</a:t>
+            </a:r>
+          </a:p>
+          <a:p>
+            <a:r>
+              <a:rPr lang="en-US" sz="1100" dirty="0">
+                <a:solidFill>
+                  <a:srgbClr val="000000"/>
+                </a:solidFill>
+                <a:latin typeface="Times New Roman" panose="02020603050405020304" pitchFamily="18" charset="0"/>
+              </a:rPr>
+              <a:t>Robinson, J. (2018). </a:t>
+            </a:r>
+            <a:r>
+              <a:rPr lang="en-US" sz="1100" i="1" dirty="0">
+                <a:solidFill>
+                  <a:srgbClr val="000000"/>
+                </a:solidFill>
+                <a:latin typeface="Times New Roman" panose="02020603050405020304" pitchFamily="18" charset="0"/>
+              </a:rPr>
+              <a:t>Text Mining with R</a:t>
+            </a:r>
+            <a:r>
+              <a:rPr lang="en-US" sz="1100" dirty="0">
+                <a:solidFill>
+                  <a:srgbClr val="000000"/>
+                </a:solidFill>
+                <a:latin typeface="Times New Roman" panose="02020603050405020304" pitchFamily="18" charset="0"/>
+              </a:rPr>
+              <a:t>. [online] Tidytextmining.com. Available at: https://www.tidytextmining.com/ [Accessed 18 Mar. 2018].</a:t>
+            </a:r>
+          </a:p>
+          <a:p>
+            <a:r>
+              <a:rPr lang="en-US" sz="1100" dirty="0">
+                <a:solidFill>
+                  <a:srgbClr val="000000"/>
+                </a:solidFill>
+                <a:latin typeface="Times New Roman" panose="02020603050405020304" pitchFamily="18" charset="0"/>
+              </a:rPr>
+              <a:t>STM vignette. (2018). [online] Available at: https://cran.r-project.org/web/packages/stm/vignettes/stmVignette.pdf [Accessed 18 Mar. 2018].</a:t>
+            </a:r>
+          </a:p>
+          <a:p>
+            <a:r>
+              <a:rPr lang="en-US" sz="1100" dirty="0">
+                <a:solidFill>
+                  <a:srgbClr val="000000"/>
+                </a:solidFill>
+                <a:latin typeface="Times New Roman" panose="02020603050405020304" pitchFamily="18" charset="0"/>
+              </a:rPr>
+              <a:t>tm package. (2018). [online] Available at: https://cran.r-project.org/web/packages/tm/vignettes/tm.pdf [Accessed 18 Mar. 2018].</a:t>
+            </a:r>
+          </a:p>
+          <a:p>
+            <a:r>
+              <a:rPr lang="en-US" sz="1100" dirty="0" err="1">
+                <a:solidFill>
+                  <a:srgbClr val="000000"/>
+                </a:solidFill>
+                <a:latin typeface="Times New Roman" panose="02020603050405020304" pitchFamily="18" charset="0"/>
+              </a:rPr>
+              <a:t>Weingart</a:t>
+            </a:r>
+            <a:r>
+              <a:rPr lang="en-US" sz="1100" dirty="0">
+                <a:solidFill>
+                  <a:srgbClr val="000000"/>
+                </a:solidFill>
+                <a:latin typeface="Times New Roman" panose="02020603050405020304" pitchFamily="18" charset="0"/>
+              </a:rPr>
+              <a:t>, S. (2018). </a:t>
+            </a:r>
+            <a:r>
+              <a:rPr lang="en-US" sz="1100" i="1" dirty="0">
+                <a:solidFill>
+                  <a:srgbClr val="000000"/>
+                </a:solidFill>
+                <a:latin typeface="Times New Roman" panose="02020603050405020304" pitchFamily="18" charset="0"/>
+              </a:rPr>
+              <a:t>Topic Modeling for Humanists: A Guided Tour – the </a:t>
+            </a:r>
+            <a:r>
+              <a:rPr lang="en-US" sz="1100" i="1" dirty="0" err="1">
+                <a:solidFill>
+                  <a:srgbClr val="000000"/>
+                </a:solidFill>
+                <a:latin typeface="Times New Roman" panose="02020603050405020304" pitchFamily="18" charset="0"/>
+              </a:rPr>
+              <a:t>scottbot</a:t>
+            </a:r>
+            <a:r>
+              <a:rPr lang="en-US" sz="1100" i="1" dirty="0">
+                <a:solidFill>
+                  <a:srgbClr val="000000"/>
+                </a:solidFill>
+                <a:latin typeface="Times New Roman" panose="02020603050405020304" pitchFamily="18" charset="0"/>
+              </a:rPr>
+              <a:t> irregular</a:t>
+            </a:r>
+            <a:r>
+              <a:rPr lang="en-US" sz="1100" dirty="0">
+                <a:solidFill>
+                  <a:srgbClr val="000000"/>
+                </a:solidFill>
+                <a:latin typeface="Times New Roman" panose="02020603050405020304" pitchFamily="18" charset="0"/>
+              </a:rPr>
+              <a:t>. [online] Scottbot.net. Available at: http://www.scottbot.net/HIAL/index.html@p=19113.html [Accessed 18 Mar. 2018</a:t>
+            </a:r>
+            <a:r>
+              <a:rPr lang="en-US" sz="1100" dirty="0" smtClean="0">
+                <a:solidFill>
+                  <a:srgbClr val="000000"/>
+                </a:solidFill>
+                <a:latin typeface="Times New Roman" panose="02020603050405020304" pitchFamily="18" charset="0"/>
+              </a:rPr>
+              <a:t>].</a:t>
+            </a:r>
+            <a:endParaRPr lang="en-US" sz="1100" dirty="0">
+              <a:solidFill>
+                <a:srgbClr val="000000"/>
+              </a:solidFill>
+              <a:latin typeface="Times New Roman" panose="02020603050405020304" pitchFamily="18" charset="0"/>
+            </a:endParaRPr>
           </a:p>
         </p:txBody>
       </p:sp>
@@ -22808,7 +24780,7 @@
     </p:spTree>
     <p:extLst>
       <p:ext uri="{BB962C8B-B14F-4D97-AF65-F5344CB8AC3E}">
-        <p14:creationId xmlns:p14="http://schemas.microsoft.com/office/powerpoint/2010/main" val="2341557859"/>
+        <p14:creationId xmlns:p14="http://schemas.microsoft.com/office/powerpoint/2010/main" val="646980716"/>
       </p:ext>
     </p:extLst>
   </p:cSld>
@@ -22844,7 +24816,7 @@
       </p:grpSpPr>
       <p:sp>
         <p:nvSpPr>
-          <p:cNvPr id="2" name="Title 1"/>
+          <p:cNvPr id="5" name="Title 4"/>
           <p:cNvSpPr>
             <a:spLocks noGrp="1"/>
           </p:cNvSpPr>
@@ -22859,28 +24831,9 @@
           <a:p>
             <a:r>
               <a:rPr lang="en-US" dirty="0" smtClean="0"/>
-              <a:t>References</a:t>
+              <a:t>Appendix</a:t>
             </a:r>
             <a:endParaRPr lang="en-US" dirty="0"/>
-          </a:p>
-        </p:txBody>
-      </p:sp>
-      <p:sp>
-        <p:nvSpPr>
-          <p:cNvPr id="3" name="Content Placeholder 2"/>
-          <p:cNvSpPr>
-            <a:spLocks noGrp="1"/>
-          </p:cNvSpPr>
-          <p:nvPr>
-            <p:ph idx="1"/>
-          </p:nvPr>
-        </p:nvSpPr>
-        <p:spPr/>
-        <p:txBody>
-          <a:bodyPr/>
-          <a:lstStyle/>
-          <a:p>
-            <a:endParaRPr lang="en-US"/>
           </a:p>
         </p:txBody>
       </p:sp>
@@ -22891,10 +24844,15 @@
             <a:spLocks noGrp="1"/>
           </p:cNvSpPr>
           <p:nvPr>
-            <p:ph type="sldNum" sz="quarter" idx="12"/>
+            <p:ph type="sldNum" sz="quarter" idx="4294967295"/>
           </p:nvPr>
         </p:nvSpPr>
-        <p:spPr/>
+        <p:spPr>
+          <a:xfrm>
+            <a:off x="7010400" y="4767263"/>
+            <a:ext cx="2133600" cy="274637"/>
+          </a:xfrm>
+        </p:spPr>
         <p:txBody>
           <a:bodyPr/>
           <a:lstStyle/>
@@ -22911,7 +24869,7 @@
     </p:spTree>
     <p:extLst>
       <p:ext uri="{BB962C8B-B14F-4D97-AF65-F5344CB8AC3E}">
-        <p14:creationId xmlns:p14="http://schemas.microsoft.com/office/powerpoint/2010/main" val="646980716"/>
+        <p14:creationId xmlns:p14="http://schemas.microsoft.com/office/powerpoint/2010/main" val="434961327"/>
       </p:ext>
     </p:extLst>
   </p:cSld>
@@ -22947,95 +24905,6 @@
       </p:grpSpPr>
       <p:sp>
         <p:nvSpPr>
-          <p:cNvPr id="5" name="Title 4"/>
-          <p:cNvSpPr>
-            <a:spLocks noGrp="1"/>
-          </p:cNvSpPr>
-          <p:nvPr>
-            <p:ph type="title"/>
-          </p:nvPr>
-        </p:nvSpPr>
-        <p:spPr/>
-        <p:txBody>
-          <a:bodyPr/>
-          <a:lstStyle/>
-          <a:p>
-            <a:r>
-              <a:rPr lang="en-US" dirty="0" smtClean="0"/>
-              <a:t>Appendix</a:t>
-            </a:r>
-            <a:endParaRPr lang="en-US" dirty="0"/>
-          </a:p>
-        </p:txBody>
-      </p:sp>
-      <p:sp>
-        <p:nvSpPr>
-          <p:cNvPr id="4" name="Slide Number Placeholder 3"/>
-          <p:cNvSpPr>
-            <a:spLocks noGrp="1"/>
-          </p:cNvSpPr>
-          <p:nvPr>
-            <p:ph type="sldNum" sz="quarter" idx="4294967295"/>
-          </p:nvPr>
-        </p:nvSpPr>
-        <p:spPr>
-          <a:xfrm>
-            <a:off x="7010400" y="4767263"/>
-            <a:ext cx="2133600" cy="274637"/>
-          </a:xfrm>
-        </p:spPr>
-        <p:txBody>
-          <a:bodyPr/>
-          <a:lstStyle/>
-          <a:p>
-            <a:fld id="{106E12CD-FCB1-464E-A775-0B83FDDACE03}" type="slidenum">
-              <a:rPr lang="en-US" smtClean="0"/>
-              <a:pPr/>
-              <a:t>24</a:t>
-            </a:fld>
-            <a:endParaRPr lang="en-US"/>
-          </a:p>
-        </p:txBody>
-      </p:sp>
-    </p:spTree>
-    <p:extLst>
-      <p:ext uri="{BB962C8B-B14F-4D97-AF65-F5344CB8AC3E}">
-        <p14:creationId xmlns:p14="http://schemas.microsoft.com/office/powerpoint/2010/main" val="434961327"/>
-      </p:ext>
-    </p:extLst>
-  </p:cSld>
-  <p:clrMapOvr>
-    <a:masterClrMapping/>
-  </p:clrMapOvr>
-  <p:timing>
-    <p:tnLst>
-      <p:par>
-        <p:cTn id="1" dur="indefinite" restart="never" nodeType="tmRoot"/>
-      </p:par>
-    </p:tnLst>
-  </p:timing>
-</p:sld>
-</file>
-
-<file path=ppt/slides/slide26.xml><?xml version="1.0" encoding="utf-8"?>
-<p:sld xmlns:a="http://schemas.openxmlformats.org/drawingml/2006/main" xmlns:r="http://schemas.openxmlformats.org/officeDocument/2006/relationships" xmlns:p="http://schemas.openxmlformats.org/presentationml/2006/main">
-  <p:cSld>
-    <p:spTree>
-      <p:nvGrpSpPr>
-        <p:cNvPr id="1" name=""/>
-        <p:cNvGrpSpPr/>
-        <p:nvPr/>
-      </p:nvGrpSpPr>
-      <p:grpSpPr>
-        <a:xfrm>
-          <a:off x="0" y="0"/>
-          <a:ext cx="0" cy="0"/>
-          <a:chOff x="0" y="0"/>
-          <a:chExt cx="0" cy="0"/>
-        </a:xfrm>
-      </p:grpSpPr>
-      <p:sp>
-        <p:nvSpPr>
           <p:cNvPr id="2" name="Title 1"/>
           <p:cNvSpPr>
             <a:spLocks noGrp="1"/>
@@ -23075,7 +24944,7 @@
             <a:fld id="{106E12CD-FCB1-464E-A775-0B83FDDACE03}" type="slidenum">
               <a:rPr lang="en-US" smtClean="0"/>
               <a:pPr/>
-              <a:t>25</a:t>
+              <a:t>24</a:t>
             </a:fld>
             <a:endParaRPr lang="en-US"/>
           </a:p>
@@ -23353,7 +25222,7 @@
             <p:ph idx="1"/>
             <p:extLst>
               <p:ext uri="{D42A27DB-BD31-4B8C-83A1-F6EECF244321}">
-                <p14:modId xmlns:p14="http://schemas.microsoft.com/office/powerpoint/2010/main" val="338520667"/>
+                <p14:modId xmlns:p14="http://schemas.microsoft.com/office/powerpoint/2010/main" val="3404828192"/>
               </p:ext>
             </p:extLst>
           </p:nvPr>
@@ -24897,20 +26766,7 @@
                 <a:effectLst/>
                 <a:latin typeface="Inconsolata" panose="00000509000000000000" pitchFamily="49" charset="0"/>
               </a:rPr>
-              <a:t> south HAVE TOLD ME THIS ALSO.WE NOW MORE THAN EVER FORCE OURSELVES TO BE mind OF THE TASK AT HAND</a:t>
-            </a:r>
-            <a:r>
-              <a:rPr kumimoji="0" lang="en-US" altLang="en-US" sz="1050" b="0" i="0" u="none" strike="noStrike" cap="none" normalizeH="0" baseline="0" dirty="0" smtClean="0">
-                <a:ln>
-                  <a:noFill/>
-                </a:ln>
-                <a:solidFill>
-                  <a:srgbClr val="FFFFFF"/>
-                </a:solidFill>
-                <a:effectLst/>
-                <a:latin typeface="Inconsolata" panose="00000509000000000000" pitchFamily="49" charset="0"/>
-              </a:rPr>
-              <a:t>.”</a:t>
+              <a:t> south HAVE TOLD ME THIS ALSO.WE NOW MORE THAN EVER FORCE OURSELVES TO BE mind OF THE TASK AT HAND.”</a:t>
             </a:r>
             <a:endParaRPr kumimoji="0" lang="en-US" altLang="en-US" b="0" i="0" u="none" strike="noStrike" cap="none" normalizeH="0" baseline="0" dirty="0" smtClean="0">
               <a:ln>
@@ -25674,20 +27530,7 @@
                 <a:effectLst/>
                 <a:latin typeface="Inconsolata" panose="00000509000000000000" pitchFamily="49" charset="0"/>
               </a:rPr>
-              <a:t>HAD </a:t>
-            </a:r>
-            <a:r>
-              <a:rPr kumimoji="0" lang="en-US" altLang="en-US" sz="1000" b="0" i="0" u="none" strike="noStrike" cap="none" normalizeH="0" baseline="0" dirty="0" smtClean="0">
-                <a:ln>
-                  <a:noFill/>
-                </a:ln>
-                <a:solidFill>
-                  <a:srgbClr val="FFFFFF"/>
-                </a:solidFill>
-                <a:effectLst/>
-                <a:latin typeface="Inconsolata" panose="00000509000000000000" pitchFamily="49" charset="0"/>
-              </a:rPr>
-              <a:t>fail”</a:t>
+              <a:t>HAD fail”</a:t>
             </a:r>
             <a:endParaRPr kumimoji="0" lang="en-US" altLang="en-US" b="0" i="0" u="none" strike="noStrike" cap="none" normalizeH="0" baseline="0" dirty="0" smtClean="0">
               <a:ln>
